--- a/Presentation/Presentation.pptx
+++ b/Presentation/Presentation.pptx
@@ -120,6 +120,11 @@
       </a:defRPr>
     </a:lvl9pPr>
   </p:defaultTextStyle>
+  <p:extLst>
+    <p:ext uri="{EFAFB233-063F-42B5-8137-9DF3F51BA10A}">
+      <p15:sldGuideLst xmlns:p15="http://schemas.microsoft.com/office/powerpoint/2012/main"/>
+    </p:ext>
+  </p:extLst>
 </p:presentation>
 </file>
 
@@ -218,7 +223,7 @@
           <a:effectLst/>
           <a:extLst>
             <a:ext uri="{91240B29-F687-4f45-9708-019B960494DF}">
-              <a14:hiddenLine xmlns:a14="http://schemas.microsoft.com/office/drawing/2010/main" xmlns="" w="9525">
+              <a14:hiddenLine xmlns="" xmlns:a14="http://schemas.microsoft.com/office/drawing/2010/main" w="9525">
                 <a:solidFill>
                   <a:srgbClr val="000000"/>
                 </a:solidFill>
@@ -410,7 +415,7 @@
           <a:p>
             <a:fld id="{389D2EE8-1232-470D-86F1-F4A90B9D086F}" type="datetimeFigureOut">
               <a:rPr lang="en-IN" smtClean="0"/>
-              <a:t>14-10-2019</a:t>
+              <a:t>15-10-2019</a:t>
             </a:fld>
             <a:endParaRPr lang="en-IN"/>
           </a:p>
@@ -728,7 +733,7 @@
           <a:p>
             <a:fld id="{389D2EE8-1232-470D-86F1-F4A90B9D086F}" type="datetimeFigureOut">
               <a:rPr lang="en-IN" smtClean="0"/>
-              <a:t>14-10-2019</a:t>
+              <a:t>15-10-2019</a:t>
             </a:fld>
             <a:endParaRPr lang="en-IN"/>
           </a:p>
@@ -1216,7 +1221,7 @@
           <a:p>
             <a:fld id="{389D2EE8-1232-470D-86F1-F4A90B9D086F}" type="datetimeFigureOut">
               <a:rPr lang="en-IN" smtClean="0"/>
-              <a:t>14-10-2019</a:t>
+              <a:t>15-10-2019</a:t>
             </a:fld>
             <a:endParaRPr lang="en-IN"/>
           </a:p>
@@ -1585,7 +1590,7 @@
           <a:p>
             <a:fld id="{389D2EE8-1232-470D-86F1-F4A90B9D086F}" type="datetimeFigureOut">
               <a:rPr lang="en-IN" smtClean="0"/>
-              <a:t>14-10-2019</a:t>
+              <a:t>15-10-2019</a:t>
             </a:fld>
             <a:endParaRPr lang="en-IN"/>
           </a:p>
@@ -1740,7 +1745,7 @@
           <a:ln/>
           <a:extLst>
             <a:ext uri="{91240B29-F687-4f45-9708-019B960494DF}">
-              <a14:hiddenLine xmlns:a14="http://schemas.microsoft.com/office/drawing/2010/main" xmlns="" w="9525">
+              <a14:hiddenLine xmlns="" xmlns:a14="http://schemas.microsoft.com/office/drawing/2010/main" w="9525">
                 <a:solidFill>
                   <a:srgbClr val="000000"/>
                 </a:solidFill>
@@ -1858,7 +1863,7 @@
           <a:p>
             <a:fld id="{389D2EE8-1232-470D-86F1-F4A90B9D086F}" type="datetimeFigureOut">
               <a:rPr lang="en-IN" smtClean="0"/>
-              <a:t>14-10-2019</a:t>
+              <a:t>15-10-2019</a:t>
             </a:fld>
             <a:endParaRPr lang="en-IN"/>
           </a:p>
@@ -2015,7 +2020,7 @@
           <a:ln/>
           <a:extLst>
             <a:ext uri="{91240B29-F687-4f45-9708-019B960494DF}">
-              <a14:hiddenLine xmlns:a14="http://schemas.microsoft.com/office/drawing/2010/main" xmlns="" w="9525">
+              <a14:hiddenLine xmlns="" xmlns:a14="http://schemas.microsoft.com/office/drawing/2010/main" w="9525">
                 <a:solidFill>
                   <a:srgbClr val="000000"/>
                 </a:solidFill>
@@ -2143,7 +2148,7 @@
           <a:p>
             <a:fld id="{389D2EE8-1232-470D-86F1-F4A90B9D086F}" type="datetimeFigureOut">
               <a:rPr lang="en-IN" smtClean="0"/>
-              <a:t>14-10-2019</a:t>
+              <a:t>15-10-2019</a:t>
             </a:fld>
             <a:endParaRPr lang="en-IN"/>
           </a:p>
@@ -2298,7 +2303,7 @@
           <a:ln/>
           <a:extLst>
             <a:ext uri="{91240B29-F687-4f45-9708-019B960494DF}">
-              <a14:hiddenLine xmlns:a14="http://schemas.microsoft.com/office/drawing/2010/main" xmlns="" w="9525">
+              <a14:hiddenLine xmlns="" xmlns:a14="http://schemas.microsoft.com/office/drawing/2010/main" w="9525">
                 <a:solidFill>
                   <a:srgbClr val="000000"/>
                 </a:solidFill>
@@ -2426,7 +2431,7 @@
           <a:p>
             <a:fld id="{389D2EE8-1232-470D-86F1-F4A90B9D086F}" type="datetimeFigureOut">
               <a:rPr lang="en-IN" smtClean="0"/>
-              <a:t>14-10-2019</a:t>
+              <a:t>15-10-2019</a:t>
             </a:fld>
             <a:endParaRPr lang="en-IN"/>
           </a:p>
@@ -2769,7 +2774,7 @@
           <a:p>
             <a:fld id="{389D2EE8-1232-470D-86F1-F4A90B9D086F}" type="datetimeFigureOut">
               <a:rPr lang="en-IN" smtClean="0"/>
-              <a:t>14-10-2019</a:t>
+              <a:t>15-10-2019</a:t>
             </a:fld>
             <a:endParaRPr lang="en-IN"/>
           </a:p>
@@ -2924,7 +2929,7 @@
           <a:ln/>
           <a:extLst>
             <a:ext uri="{91240B29-F687-4f45-9708-019B960494DF}">
-              <a14:hiddenLine xmlns:a14="http://schemas.microsoft.com/office/drawing/2010/main" xmlns="" w="9525">
+              <a14:hiddenLine xmlns="" xmlns:a14="http://schemas.microsoft.com/office/drawing/2010/main" w="9525">
                 <a:solidFill>
                   <a:srgbClr val="000000"/>
                 </a:solidFill>
@@ -3108,7 +3113,7 @@
           <a:p>
             <a:fld id="{389D2EE8-1232-470D-86F1-F4A90B9D086F}" type="datetimeFigureOut">
               <a:rPr lang="en-IN" smtClean="0"/>
-              <a:t>14-10-2019</a:t>
+              <a:t>15-10-2019</a:t>
             </a:fld>
             <a:endParaRPr lang="en-IN"/>
           </a:p>
@@ -3263,7 +3268,7 @@
           <a:ln/>
           <a:extLst>
             <a:ext uri="{91240B29-F687-4f45-9708-019B960494DF}">
-              <a14:hiddenLine xmlns:a14="http://schemas.microsoft.com/office/drawing/2010/main" xmlns="" w="9525">
+              <a14:hiddenLine xmlns="" xmlns:a14="http://schemas.microsoft.com/office/drawing/2010/main" w="9525">
                 <a:solidFill>
                   <a:srgbClr val="000000"/>
                 </a:solidFill>
@@ -3585,7 +3590,7 @@
           <a:p>
             <a:fld id="{389D2EE8-1232-470D-86F1-F4A90B9D086F}" type="datetimeFigureOut">
               <a:rPr lang="en-IN" smtClean="0"/>
-              <a:t>14-10-2019</a:t>
+              <a:t>15-10-2019</a:t>
             </a:fld>
             <a:endParaRPr lang="en-IN"/>
           </a:p>
@@ -3740,7 +3745,7 @@
           <a:ln/>
           <a:extLst>
             <a:ext uri="{91240B29-F687-4f45-9708-019B960494DF}">
-              <a14:hiddenLine xmlns:a14="http://schemas.microsoft.com/office/drawing/2010/main" xmlns="" w="9525">
+              <a14:hiddenLine xmlns="" xmlns:a14="http://schemas.microsoft.com/office/drawing/2010/main" w="9525">
                 <a:solidFill>
                   <a:srgbClr val="000000"/>
                 </a:solidFill>
@@ -3806,7 +3811,7 @@
           <a:p>
             <a:fld id="{389D2EE8-1232-470D-86F1-F4A90B9D086F}" type="datetimeFigureOut">
               <a:rPr lang="en-IN" smtClean="0"/>
-              <a:t>14-10-2019</a:t>
+              <a:t>15-10-2019</a:t>
             </a:fld>
             <a:endParaRPr lang="en-IN"/>
           </a:p>
@@ -3901,7 +3906,7 @@
           <a:p>
             <a:fld id="{389D2EE8-1232-470D-86F1-F4A90B9D086F}" type="datetimeFigureOut">
               <a:rPr lang="en-IN" smtClean="0"/>
-              <a:t>14-10-2019</a:t>
+              <a:t>15-10-2019</a:t>
             </a:fld>
             <a:endParaRPr lang="en-IN"/>
           </a:p>
@@ -4169,7 +4174,7 @@
           <a:ln/>
           <a:extLst>
             <a:ext uri="{91240B29-F687-4f45-9708-019B960494DF}">
-              <a14:hiddenLine xmlns:a14="http://schemas.microsoft.com/office/drawing/2010/main" xmlns="" w="9525">
+              <a14:hiddenLine xmlns="" xmlns:a14="http://schemas.microsoft.com/office/drawing/2010/main" w="9525">
                 <a:solidFill>
                   <a:srgbClr val="000000"/>
                 </a:solidFill>
@@ -4368,7 +4373,7 @@
           <a:p>
             <a:fld id="{389D2EE8-1232-470D-86F1-F4A90B9D086F}" type="datetimeFigureOut">
               <a:rPr lang="en-IN" smtClean="0"/>
-              <a:t>14-10-2019</a:t>
+              <a:t>15-10-2019</a:t>
             </a:fld>
             <a:endParaRPr lang="en-IN"/>
           </a:p>
@@ -4681,7 +4686,7 @@
           <a:p>
             <a:fld id="{389D2EE8-1232-470D-86F1-F4A90B9D086F}" type="datetimeFigureOut">
               <a:rPr lang="en-IN" smtClean="0"/>
-              <a:t>14-10-2019</a:t>
+              <a:t>15-10-2019</a:t>
             </a:fld>
             <a:endParaRPr lang="en-IN"/>
           </a:p>
@@ -4951,7 +4956,7 @@
           <a:p>
             <a:fld id="{389D2EE8-1232-470D-86F1-F4A90B9D086F}" type="datetimeFigureOut">
               <a:rPr lang="en-IN" smtClean="0"/>
-              <a:t>14-10-2019</a:t>
+              <a:t>15-10-2019</a:t>
             </a:fld>
             <a:endParaRPr lang="en-IN"/>
           </a:p>
@@ -6404,51 +6409,7 @@
           <a:bodyPr/>
           <a:lstStyle/>
           <a:p>
-            <a:r>
-              <a:rPr lang="en-IN" dirty="0"/>
-              <a:t>College: Raj Kumar Goel Institute of Technology</a:t>
-            </a:r>
-          </a:p>
-          <a:p>
-            <a:endParaRPr lang="en-IN" b="1" dirty="0"/>
-          </a:p>
-          <a:p>
-            <a:r>
-              <a:rPr lang="en-IN" dirty="0"/>
-              <a:t>Skills: </a:t>
-            </a:r>
-          </a:p>
-          <a:p>
             <a:endParaRPr lang="en-IN" dirty="0"/>
-          </a:p>
-          <a:p>
-            <a:r>
-              <a:rPr lang="en-IN" dirty="0"/>
-              <a:t>GitHub: </a:t>
-            </a:r>
-            <a:r>
-              <a:rPr lang="en-IN" dirty="0" err="1"/>
-              <a:t>Bhgt</a:t>
-            </a:r>
-            <a:endParaRPr lang="en-IN" dirty="0"/>
-          </a:p>
-          <a:p>
-            <a:endParaRPr lang="en-IN" dirty="0"/>
-          </a:p>
-          <a:p>
-            <a:r>
-              <a:rPr lang="en-IN" dirty="0"/>
-              <a:t>Instagram: </a:t>
-            </a:r>
-          </a:p>
-          <a:p>
-            <a:endParaRPr lang="en-IN" dirty="0"/>
-          </a:p>
-          <a:p>
-            <a:r>
-              <a:rPr lang="en-IN" dirty="0"/>
-              <a:t>LinkedIn: </a:t>
-            </a:r>
           </a:p>
         </p:txBody>
       </p:sp>
@@ -6567,55 +6528,7 @@
           <a:bodyPr/>
           <a:lstStyle/>
           <a:p>
-            <a:r>
-              <a:rPr lang="en-IN" dirty="0"/>
-              <a:t>College: Raj Kumar Goel Institute of Technology</a:t>
-            </a:r>
-          </a:p>
-          <a:p>
-            <a:endParaRPr lang="en-IN" b="1" dirty="0"/>
-          </a:p>
-          <a:p>
-            <a:r>
-              <a:rPr lang="en-IN" dirty="0"/>
-              <a:t>Skills: C, Python, C++, Web Dev, Designing, </a:t>
-            </a:r>
-          </a:p>
-          <a:p>
-            <a:pPr marL="0" indent="0">
-              <a:buNone/>
-            </a:pPr>
-            <a:r>
-              <a:rPr lang="en-IN" dirty="0"/>
-              <a:t>		Android Dev, Ethical Hacking.</a:t>
-            </a:r>
-          </a:p>
-          <a:p>
             <a:endParaRPr lang="en-IN" dirty="0"/>
-          </a:p>
-          <a:p>
-            <a:r>
-              <a:rPr lang="en-IN" dirty="0"/>
-              <a:t>GitHub: ashsinden9</a:t>
-            </a:r>
-          </a:p>
-          <a:p>
-            <a:endParaRPr lang="en-IN" dirty="0"/>
-          </a:p>
-          <a:p>
-            <a:r>
-              <a:rPr lang="en-IN" dirty="0"/>
-              <a:t>Instagram: ashsinden9</a:t>
-            </a:r>
-          </a:p>
-          <a:p>
-            <a:endParaRPr lang="en-IN" dirty="0"/>
-          </a:p>
-          <a:p>
-            <a:r>
-              <a:rPr lang="en-IN" dirty="0"/>
-              <a:t>LinkedIn: ashsinden9</a:t>
-            </a:r>
           </a:p>
         </p:txBody>
       </p:sp>
@@ -6727,46 +6640,7 @@
           <a:bodyPr/>
           <a:lstStyle/>
           <a:p>
-            <a:r>
-              <a:rPr lang="en-IN" dirty="0"/>
-              <a:t>College: Raj Kumar Goel Institute of Technology</a:t>
-            </a:r>
-          </a:p>
-          <a:p>
-            <a:endParaRPr lang="en-IN" b="1" dirty="0"/>
-          </a:p>
-          <a:p>
-            <a:r>
-              <a:rPr lang="en-IN" dirty="0"/>
-              <a:t>Skills: </a:t>
-            </a:r>
-          </a:p>
-          <a:p>
             <a:endParaRPr lang="en-IN" dirty="0"/>
-          </a:p>
-          <a:p>
-            <a:r>
-              <a:rPr lang="en-IN" dirty="0"/>
-              <a:t>GitHub: samyak989</a:t>
-            </a:r>
-          </a:p>
-          <a:p>
-            <a:endParaRPr lang="en-IN" dirty="0"/>
-          </a:p>
-          <a:p>
-            <a:r>
-              <a:rPr lang="en-IN" dirty="0"/>
-              <a:t>Instagram: </a:t>
-            </a:r>
-          </a:p>
-          <a:p>
-            <a:endParaRPr lang="en-IN" dirty="0"/>
-          </a:p>
-          <a:p>
-            <a:r>
-              <a:rPr lang="en-IN" dirty="0"/>
-              <a:t>LinkedIn: </a:t>
-            </a:r>
           </a:p>
         </p:txBody>
       </p:sp>
@@ -6874,46 +6748,7 @@
           <a:bodyPr/>
           <a:lstStyle/>
           <a:p>
-            <a:r>
-              <a:rPr lang="en-IN" dirty="0"/>
-              <a:t>College: Raj Kumar Goel Institute of Technology</a:t>
-            </a:r>
-          </a:p>
-          <a:p>
-            <a:endParaRPr lang="en-IN" b="1" dirty="0"/>
-          </a:p>
-          <a:p>
-            <a:r>
-              <a:rPr lang="en-IN" dirty="0"/>
-              <a:t>Skills: C, Python, Web Search.</a:t>
-            </a:r>
-          </a:p>
-          <a:p>
             <a:endParaRPr lang="en-IN" dirty="0"/>
-          </a:p>
-          <a:p>
-            <a:r>
-              <a:rPr lang="en-IN" dirty="0"/>
-              <a:t>GitHub: amitgit0304</a:t>
-            </a:r>
-          </a:p>
-          <a:p>
-            <a:endParaRPr lang="en-IN" dirty="0"/>
-          </a:p>
-          <a:p>
-            <a:r>
-              <a:rPr lang="en-IN" dirty="0"/>
-              <a:t>Instagram: </a:t>
-            </a:r>
-          </a:p>
-          <a:p>
-            <a:endParaRPr lang="en-IN" dirty="0"/>
-          </a:p>
-          <a:p>
-            <a:r>
-              <a:rPr lang="en-IN" dirty="0"/>
-              <a:t>LinkedIn: </a:t>
-            </a:r>
           </a:p>
         </p:txBody>
       </p:sp>
@@ -7057,51 +6892,7 @@
           <a:bodyPr/>
           <a:lstStyle/>
           <a:p>
-            <a:r>
-              <a:rPr lang="en-IN" dirty="0"/>
-              <a:t>College: Raj Kumar Goel Institute of Technology</a:t>
-            </a:r>
-          </a:p>
-          <a:p>
-            <a:endParaRPr lang="en-IN" b="1" dirty="0"/>
-          </a:p>
-          <a:p>
-            <a:r>
-              <a:rPr lang="en-IN" dirty="0"/>
-              <a:t>Skills: C , C++, Java, Python.</a:t>
-            </a:r>
-          </a:p>
-          <a:p>
             <a:endParaRPr lang="en-IN" dirty="0"/>
-          </a:p>
-          <a:p>
-            <a:r>
-              <a:rPr lang="en-IN" dirty="0"/>
-              <a:t>GitHub: </a:t>
-            </a:r>
-            <a:r>
-              <a:rPr lang="en-IN" dirty="0" err="1"/>
-              <a:t>rajeekumarthakur</a:t>
-            </a:r>
-            <a:endParaRPr lang="en-IN" dirty="0"/>
-          </a:p>
-          <a:p>
-            <a:endParaRPr lang="en-IN" dirty="0"/>
-          </a:p>
-          <a:p>
-            <a:r>
-              <a:rPr lang="en-IN" dirty="0"/>
-              <a:t>Instagram: </a:t>
-            </a:r>
-          </a:p>
-          <a:p>
-            <a:endParaRPr lang="en-IN" dirty="0"/>
-          </a:p>
-          <a:p>
-            <a:r>
-              <a:rPr lang="en-IN" dirty="0"/>
-              <a:t>LinkedIn: </a:t>
-            </a:r>
           </a:p>
         </p:txBody>
       </p:sp>
@@ -7228,7 +7019,9 @@
             <a:r>
               <a:rPr lang="en-IN" b="1" dirty="0">
                 <a:solidFill>
-                  <a:srgbClr val="FF0000"/>
+                  <a:schemeClr val="tx1">
+                    <a:lumMod val="95000"/>
+                  </a:schemeClr>
                 </a:solidFill>
               </a:rPr>
               <a:t>EMERGENCY</a:t>

--- a/Presentation/Presentation.pptx
+++ b/Presentation/Presentation.pptx
@@ -7,21 +7,16 @@
   <p:sldIdLst>
     <p:sldId id="256" r:id="rId2"/>
     <p:sldId id="257" r:id="rId3"/>
-    <p:sldId id="268" r:id="rId4"/>
-    <p:sldId id="258" r:id="rId5"/>
-    <p:sldId id="269" r:id="rId6"/>
-    <p:sldId id="270" r:id="rId7"/>
-    <p:sldId id="271" r:id="rId8"/>
-    <p:sldId id="272" r:id="rId9"/>
-    <p:sldId id="259" r:id="rId10"/>
-    <p:sldId id="260" r:id="rId11"/>
-    <p:sldId id="261" r:id="rId12"/>
-    <p:sldId id="262" r:id="rId13"/>
-    <p:sldId id="263" r:id="rId14"/>
-    <p:sldId id="264" r:id="rId15"/>
-    <p:sldId id="265" r:id="rId16"/>
-    <p:sldId id="266" r:id="rId17"/>
-    <p:sldId id="267" r:id="rId18"/>
+    <p:sldId id="273" r:id="rId4"/>
+    <p:sldId id="259" r:id="rId5"/>
+    <p:sldId id="260" r:id="rId6"/>
+    <p:sldId id="261" r:id="rId7"/>
+    <p:sldId id="262" r:id="rId8"/>
+    <p:sldId id="263" r:id="rId9"/>
+    <p:sldId id="264" r:id="rId10"/>
+    <p:sldId id="265" r:id="rId11"/>
+    <p:sldId id="266" r:id="rId12"/>
+    <p:sldId id="267" r:id="rId13"/>
   </p:sldIdLst>
   <p:sldSz cx="12192000" cy="6858000"/>
   <p:notesSz cx="6858000" cy="9144000"/>
@@ -122,7 +117,7 @@
   </p:defaultTextStyle>
   <p:extLst>
     <p:ext uri="{EFAFB233-063F-42B5-8137-9DF3F51BA10A}">
-      <p15:sldGuideLst xmlns:p15="http://schemas.microsoft.com/office/powerpoint/2012/main"/>
+      <p15:sldGuideLst xmlns:p15="http://schemas.microsoft.com/office/powerpoint/2012/main" xmlns=""/>
     </p:ext>
   </p:extLst>
 </p:presentation>
@@ -222,8 +217,8 @@
           <a:ln/>
           <a:effectLst/>
           <a:extLst>
-            <a:ext uri="{91240B29-F687-4f45-9708-019B960494DF}">
-              <a14:hiddenLine xmlns="" xmlns:a14="http://schemas.microsoft.com/office/drawing/2010/main" w="9525">
+            <a:ext uri="{91240B29-F687-4F45-9708-019B960494DF}">
+              <a14:hiddenLine xmlns:a14="http://schemas.microsoft.com/office/drawing/2010/main" w="9525">
                 <a:solidFill>
                   <a:srgbClr val="000000"/>
                 </a:solidFill>
@@ -417,7 +412,7 @@
               <a:rPr lang="en-IN" smtClean="0"/>
               <a:t>15-10-2019</a:t>
             </a:fld>
-            <a:endParaRPr lang="en-IN"/>
+            <a:endParaRPr lang="en-IN" dirty="0"/>
           </a:p>
         </p:txBody>
       </p:sp>
@@ -436,7 +431,7 @@
           <a:bodyPr/>
           <a:lstStyle/>
           <a:p>
-            <a:endParaRPr lang="en-IN"/>
+            <a:endParaRPr lang="en-IN" dirty="0"/>
           </a:p>
         </p:txBody>
       </p:sp>
@@ -459,7 +454,7 @@
               <a:rPr lang="en-IN" smtClean="0"/>
               <a:t>‹#›</a:t>
             </a:fld>
-            <a:endParaRPr lang="en-IN"/>
+            <a:endParaRPr lang="en-IN" dirty="0"/>
           </a:p>
         </p:txBody>
       </p:sp>
@@ -642,10 +637,9 @@
           </a:lstStyle>
           <a:p>
             <a:r>
-              <a:rPr lang="en-US"/>
+              <a:rPr lang="en-US" dirty="0"/>
               <a:t>Click icon to add picture</a:t>
             </a:r>
-            <a:endParaRPr lang="en-US" dirty="0"/>
           </a:p>
         </p:txBody>
       </p:sp>
@@ -735,7 +729,7 @@
               <a:rPr lang="en-IN" smtClean="0"/>
               <a:t>15-10-2019</a:t>
             </a:fld>
-            <a:endParaRPr lang="en-IN"/>
+            <a:endParaRPr lang="en-IN" dirty="0"/>
           </a:p>
         </p:txBody>
       </p:sp>
@@ -754,7 +748,7 @@
           <a:bodyPr/>
           <a:lstStyle/>
           <a:p>
-            <a:endParaRPr lang="en-IN"/>
+            <a:endParaRPr lang="en-IN" dirty="0"/>
           </a:p>
         </p:txBody>
       </p:sp>
@@ -777,7 +771,7 @@
               <a:rPr lang="en-IN" smtClean="0"/>
               <a:t>‹#›</a:t>
             </a:fld>
-            <a:endParaRPr lang="en-IN"/>
+            <a:endParaRPr lang="en-IN" dirty="0"/>
           </a:p>
         </p:txBody>
       </p:sp>
@@ -1223,7 +1217,7 @@
               <a:rPr lang="en-IN" smtClean="0"/>
               <a:t>15-10-2019</a:t>
             </a:fld>
-            <a:endParaRPr lang="en-IN"/>
+            <a:endParaRPr lang="en-IN" dirty="0"/>
           </a:p>
         </p:txBody>
       </p:sp>
@@ -1242,7 +1236,7 @@
           <a:bodyPr/>
           <a:lstStyle/>
           <a:p>
-            <a:endParaRPr lang="en-IN"/>
+            <a:endParaRPr lang="en-IN" dirty="0"/>
           </a:p>
         </p:txBody>
       </p:sp>
@@ -1265,7 +1259,7 @@
               <a:rPr lang="en-IN" smtClean="0"/>
               <a:t>‹#›</a:t>
             </a:fld>
-            <a:endParaRPr lang="en-IN"/>
+            <a:endParaRPr lang="en-IN" dirty="0"/>
           </a:p>
         </p:txBody>
       </p:sp>
@@ -1592,7 +1586,7 @@
               <a:rPr lang="en-IN" smtClean="0"/>
               <a:t>15-10-2019</a:t>
             </a:fld>
-            <a:endParaRPr lang="en-IN"/>
+            <a:endParaRPr lang="en-IN" dirty="0"/>
           </a:p>
         </p:txBody>
       </p:sp>
@@ -1611,7 +1605,7 @@
           <a:bodyPr/>
           <a:lstStyle/>
           <a:p>
-            <a:endParaRPr lang="en-IN"/>
+            <a:endParaRPr lang="en-IN" dirty="0"/>
           </a:p>
         </p:txBody>
       </p:sp>
@@ -1634,7 +1628,7 @@
               <a:rPr lang="en-IN" smtClean="0"/>
               <a:t>‹#›</a:t>
             </a:fld>
-            <a:endParaRPr lang="en-IN"/>
+            <a:endParaRPr lang="en-IN" dirty="0"/>
           </a:p>
         </p:txBody>
       </p:sp>
@@ -1744,8 +1738,8 @@
           </a:custGeom>
           <a:ln/>
           <a:extLst>
-            <a:ext uri="{91240B29-F687-4f45-9708-019B960494DF}">
-              <a14:hiddenLine xmlns="" xmlns:a14="http://schemas.microsoft.com/office/drawing/2010/main" w="9525">
+            <a:ext uri="{91240B29-F687-4F45-9708-019B960494DF}">
+              <a14:hiddenLine xmlns:a14="http://schemas.microsoft.com/office/drawing/2010/main" w="9525">
                 <a:solidFill>
                   <a:srgbClr val="000000"/>
                 </a:solidFill>
@@ -1865,7 +1859,7 @@
               <a:rPr lang="en-IN" smtClean="0"/>
               <a:t>15-10-2019</a:t>
             </a:fld>
-            <a:endParaRPr lang="en-IN"/>
+            <a:endParaRPr lang="en-IN" dirty="0"/>
           </a:p>
         </p:txBody>
       </p:sp>
@@ -1884,7 +1878,7 @@
           <a:bodyPr/>
           <a:lstStyle/>
           <a:p>
-            <a:endParaRPr lang="en-IN"/>
+            <a:endParaRPr lang="en-IN" dirty="0"/>
           </a:p>
         </p:txBody>
       </p:sp>
@@ -1907,7 +1901,7 @@
               <a:rPr lang="en-IN" smtClean="0"/>
               <a:t>‹#›</a:t>
             </a:fld>
-            <a:endParaRPr lang="en-IN"/>
+            <a:endParaRPr lang="en-IN" dirty="0"/>
           </a:p>
         </p:txBody>
       </p:sp>
@@ -2019,8 +2013,8 @@
           </a:custGeom>
           <a:ln/>
           <a:extLst>
-            <a:ext uri="{91240B29-F687-4f45-9708-019B960494DF}">
-              <a14:hiddenLine xmlns="" xmlns:a14="http://schemas.microsoft.com/office/drawing/2010/main" w="9525">
+            <a:ext uri="{91240B29-F687-4F45-9708-019B960494DF}">
+              <a14:hiddenLine xmlns:a14="http://schemas.microsoft.com/office/drawing/2010/main" w="9525">
                 <a:solidFill>
                   <a:srgbClr val="000000"/>
                 </a:solidFill>
@@ -2150,7 +2144,7 @@
               <a:rPr lang="en-IN" smtClean="0"/>
               <a:t>15-10-2019</a:t>
             </a:fld>
-            <a:endParaRPr lang="en-IN"/>
+            <a:endParaRPr lang="en-IN" dirty="0"/>
           </a:p>
         </p:txBody>
       </p:sp>
@@ -2169,7 +2163,7 @@
           <a:bodyPr/>
           <a:lstStyle/>
           <a:p>
-            <a:endParaRPr lang="en-IN"/>
+            <a:endParaRPr lang="en-IN" dirty="0"/>
           </a:p>
         </p:txBody>
       </p:sp>
@@ -2192,7 +2186,7 @@
               <a:rPr lang="en-IN" smtClean="0"/>
               <a:t>‹#›</a:t>
             </a:fld>
-            <a:endParaRPr lang="en-IN"/>
+            <a:endParaRPr lang="en-IN" dirty="0"/>
           </a:p>
         </p:txBody>
       </p:sp>
@@ -2302,8 +2296,8 @@
           </a:custGeom>
           <a:ln/>
           <a:extLst>
-            <a:ext uri="{91240B29-F687-4f45-9708-019B960494DF}">
-              <a14:hiddenLine xmlns="" xmlns:a14="http://schemas.microsoft.com/office/drawing/2010/main" w="9525">
+            <a:ext uri="{91240B29-F687-4F45-9708-019B960494DF}">
+              <a14:hiddenLine xmlns:a14="http://schemas.microsoft.com/office/drawing/2010/main" w="9525">
                 <a:solidFill>
                   <a:srgbClr val="000000"/>
                 </a:solidFill>
@@ -2433,7 +2427,7 @@
               <a:rPr lang="en-IN" smtClean="0"/>
               <a:t>15-10-2019</a:t>
             </a:fld>
-            <a:endParaRPr lang="en-IN"/>
+            <a:endParaRPr lang="en-IN" dirty="0"/>
           </a:p>
         </p:txBody>
       </p:sp>
@@ -2452,7 +2446,7 @@
           <a:bodyPr/>
           <a:lstStyle/>
           <a:p>
-            <a:endParaRPr lang="en-IN"/>
+            <a:endParaRPr lang="en-IN" dirty="0"/>
           </a:p>
         </p:txBody>
       </p:sp>
@@ -2475,7 +2469,7 @@
               <a:rPr lang="en-IN" smtClean="0"/>
               <a:t>‹#›</a:t>
             </a:fld>
-            <a:endParaRPr lang="en-IN"/>
+            <a:endParaRPr lang="en-IN" dirty="0"/>
           </a:p>
         </p:txBody>
       </p:sp>
@@ -2776,7 +2770,7 @@
               <a:rPr lang="en-IN" smtClean="0"/>
               <a:t>15-10-2019</a:t>
             </a:fld>
-            <a:endParaRPr lang="en-IN"/>
+            <a:endParaRPr lang="en-IN" dirty="0"/>
           </a:p>
         </p:txBody>
       </p:sp>
@@ -2795,7 +2789,7 @@
           <a:bodyPr/>
           <a:lstStyle/>
           <a:p>
-            <a:endParaRPr lang="en-IN"/>
+            <a:endParaRPr lang="en-IN" dirty="0"/>
           </a:p>
         </p:txBody>
       </p:sp>
@@ -2818,7 +2812,7 @@
               <a:rPr lang="en-IN" smtClean="0"/>
               <a:t>‹#›</a:t>
             </a:fld>
-            <a:endParaRPr lang="en-IN"/>
+            <a:endParaRPr lang="en-IN" dirty="0"/>
           </a:p>
         </p:txBody>
       </p:sp>
@@ -2928,8 +2922,8 @@
           </a:custGeom>
           <a:ln/>
           <a:extLst>
-            <a:ext uri="{91240B29-F687-4f45-9708-019B960494DF}">
-              <a14:hiddenLine xmlns="" xmlns:a14="http://schemas.microsoft.com/office/drawing/2010/main" w="9525">
+            <a:ext uri="{91240B29-F687-4F45-9708-019B960494DF}">
+              <a14:hiddenLine xmlns:a14="http://schemas.microsoft.com/office/drawing/2010/main" w="9525">
                 <a:solidFill>
                   <a:srgbClr val="000000"/>
                 </a:solidFill>
@@ -3115,7 +3109,7 @@
               <a:rPr lang="en-IN" smtClean="0"/>
               <a:t>15-10-2019</a:t>
             </a:fld>
-            <a:endParaRPr lang="en-IN"/>
+            <a:endParaRPr lang="en-IN" dirty="0"/>
           </a:p>
         </p:txBody>
       </p:sp>
@@ -3134,7 +3128,7 @@
           <a:bodyPr/>
           <a:lstStyle/>
           <a:p>
-            <a:endParaRPr lang="en-IN"/>
+            <a:endParaRPr lang="en-IN" dirty="0"/>
           </a:p>
         </p:txBody>
       </p:sp>
@@ -3157,7 +3151,7 @@
               <a:rPr lang="en-IN" smtClean="0"/>
               <a:t>‹#›</a:t>
             </a:fld>
-            <a:endParaRPr lang="en-IN"/>
+            <a:endParaRPr lang="en-IN" dirty="0"/>
           </a:p>
         </p:txBody>
       </p:sp>
@@ -3267,8 +3261,8 @@
           </a:custGeom>
           <a:ln/>
           <a:extLst>
-            <a:ext uri="{91240B29-F687-4f45-9708-019B960494DF}">
-              <a14:hiddenLine xmlns="" xmlns:a14="http://schemas.microsoft.com/office/drawing/2010/main" w="9525">
+            <a:ext uri="{91240B29-F687-4F45-9708-019B960494DF}">
+              <a14:hiddenLine xmlns:a14="http://schemas.microsoft.com/office/drawing/2010/main" w="9525">
                 <a:solidFill>
                   <a:srgbClr val="000000"/>
                 </a:solidFill>
@@ -3592,7 +3586,7 @@
               <a:rPr lang="en-IN" smtClean="0"/>
               <a:t>15-10-2019</a:t>
             </a:fld>
-            <a:endParaRPr lang="en-IN"/>
+            <a:endParaRPr lang="en-IN" dirty="0"/>
           </a:p>
         </p:txBody>
       </p:sp>
@@ -3611,7 +3605,7 @@
           <a:bodyPr/>
           <a:lstStyle/>
           <a:p>
-            <a:endParaRPr lang="en-IN"/>
+            <a:endParaRPr lang="en-IN" dirty="0"/>
           </a:p>
         </p:txBody>
       </p:sp>
@@ -3634,7 +3628,7 @@
               <a:rPr lang="en-IN" smtClean="0"/>
               <a:t>‹#›</a:t>
             </a:fld>
-            <a:endParaRPr lang="en-IN"/>
+            <a:endParaRPr lang="en-IN" dirty="0"/>
           </a:p>
         </p:txBody>
       </p:sp>
@@ -3744,8 +3738,8 @@
           </a:custGeom>
           <a:ln/>
           <a:extLst>
-            <a:ext uri="{91240B29-F687-4f45-9708-019B960494DF}">
-              <a14:hiddenLine xmlns="" xmlns:a14="http://schemas.microsoft.com/office/drawing/2010/main" w="9525">
+            <a:ext uri="{91240B29-F687-4F45-9708-019B960494DF}">
+              <a14:hiddenLine xmlns:a14="http://schemas.microsoft.com/office/drawing/2010/main" w="9525">
                 <a:solidFill>
                   <a:srgbClr val="000000"/>
                 </a:solidFill>
@@ -3813,7 +3807,7 @@
               <a:rPr lang="en-IN" smtClean="0"/>
               <a:t>15-10-2019</a:t>
             </a:fld>
-            <a:endParaRPr lang="en-IN"/>
+            <a:endParaRPr lang="en-IN" dirty="0"/>
           </a:p>
         </p:txBody>
       </p:sp>
@@ -3832,7 +3826,7 @@
           <a:bodyPr/>
           <a:lstStyle/>
           <a:p>
-            <a:endParaRPr lang="en-IN"/>
+            <a:endParaRPr lang="en-IN" dirty="0"/>
           </a:p>
         </p:txBody>
       </p:sp>
@@ -3855,7 +3849,7 @@
               <a:rPr lang="en-IN" smtClean="0"/>
               <a:t>‹#›</a:t>
             </a:fld>
-            <a:endParaRPr lang="en-IN"/>
+            <a:endParaRPr lang="en-IN" dirty="0"/>
           </a:p>
         </p:txBody>
       </p:sp>
@@ -3908,7 +3902,7 @@
               <a:rPr lang="en-IN" smtClean="0"/>
               <a:t>15-10-2019</a:t>
             </a:fld>
-            <a:endParaRPr lang="en-IN"/>
+            <a:endParaRPr lang="en-IN" dirty="0"/>
           </a:p>
         </p:txBody>
       </p:sp>
@@ -3927,7 +3921,7 @@
           <a:bodyPr/>
           <a:lstStyle/>
           <a:p>
-            <a:endParaRPr lang="en-IN"/>
+            <a:endParaRPr lang="en-IN" dirty="0"/>
           </a:p>
         </p:txBody>
       </p:sp>
@@ -3950,7 +3944,7 @@
               <a:rPr lang="en-IN" smtClean="0"/>
               <a:t>‹#›</a:t>
             </a:fld>
-            <a:endParaRPr lang="en-IN"/>
+            <a:endParaRPr lang="en-IN" dirty="0"/>
           </a:p>
         </p:txBody>
       </p:sp>
@@ -4173,8 +4167,8 @@
           </a:custGeom>
           <a:ln/>
           <a:extLst>
-            <a:ext uri="{91240B29-F687-4f45-9708-019B960494DF}">
-              <a14:hiddenLine xmlns="" xmlns:a14="http://schemas.microsoft.com/office/drawing/2010/main" w="9525">
+            <a:ext uri="{91240B29-F687-4F45-9708-019B960494DF}">
+              <a14:hiddenLine xmlns:a14="http://schemas.microsoft.com/office/drawing/2010/main" w="9525">
                 <a:solidFill>
                   <a:srgbClr val="000000"/>
                 </a:solidFill>
@@ -4375,7 +4369,7 @@
               <a:rPr lang="en-IN" smtClean="0"/>
               <a:t>15-10-2019</a:t>
             </a:fld>
-            <a:endParaRPr lang="en-IN"/>
+            <a:endParaRPr lang="en-IN" dirty="0"/>
           </a:p>
         </p:txBody>
       </p:sp>
@@ -4394,7 +4388,7 @@
           <a:bodyPr/>
           <a:lstStyle/>
           <a:p>
-            <a:endParaRPr lang="en-IN"/>
+            <a:endParaRPr lang="en-IN" dirty="0"/>
           </a:p>
         </p:txBody>
       </p:sp>
@@ -4417,7 +4411,7 @@
               <a:rPr lang="en-IN" smtClean="0"/>
               <a:t>‹#›</a:t>
             </a:fld>
-            <a:endParaRPr lang="en-IN"/>
+            <a:endParaRPr lang="en-IN" dirty="0"/>
           </a:p>
         </p:txBody>
       </p:sp>
@@ -4590,10 +4584,9 @@
           </a:lstStyle>
           <a:p>
             <a:r>
-              <a:rPr lang="en-US"/>
+              <a:rPr lang="en-US" dirty="0"/>
               <a:t>Click icon to add picture</a:t>
             </a:r>
-            <a:endParaRPr lang="en-US" dirty="0"/>
           </a:p>
         </p:txBody>
       </p:sp>
@@ -4688,7 +4681,7 @@
               <a:rPr lang="en-IN" smtClean="0"/>
               <a:t>15-10-2019</a:t>
             </a:fld>
-            <a:endParaRPr lang="en-IN"/>
+            <a:endParaRPr lang="en-IN" dirty="0"/>
           </a:p>
         </p:txBody>
       </p:sp>
@@ -4712,7 +4705,7 @@
           <a:bodyPr/>
           <a:lstStyle/>
           <a:p>
-            <a:endParaRPr lang="en-IN"/>
+            <a:endParaRPr lang="en-IN" dirty="0"/>
           </a:p>
         </p:txBody>
       </p:sp>
@@ -4740,7 +4733,7 @@
               <a:rPr lang="en-IN" smtClean="0"/>
               <a:t>‹#›</a:t>
             </a:fld>
-            <a:endParaRPr lang="en-IN"/>
+            <a:endParaRPr lang="en-IN" dirty="0"/>
           </a:p>
         </p:txBody>
       </p:sp>
@@ -4919,7 +4912,7 @@
             </a:lvl1pPr>
           </a:lstStyle>
           <a:p>
-            <a:endParaRPr lang="en-IN"/>
+            <a:endParaRPr lang="en-IN" dirty="0"/>
           </a:p>
         </p:txBody>
       </p:sp>
@@ -4958,7 +4951,7 @@
               <a:rPr lang="en-IN" smtClean="0"/>
               <a:t>15-10-2019</a:t>
             </a:fld>
-            <a:endParaRPr lang="en-IN"/>
+            <a:endParaRPr lang="en-IN" dirty="0"/>
           </a:p>
         </p:txBody>
       </p:sp>
@@ -4997,7 +4990,7 @@
               <a:rPr lang="en-IN" smtClean="0"/>
               <a:t>‹#›</a:t>
             </a:fld>
-            <a:endParaRPr lang="en-IN"/>
+            <a:endParaRPr lang="en-IN" dirty="0"/>
           </a:p>
         </p:txBody>
       </p:sp>
@@ -5410,7 +5403,7 @@
           <p:cNvPr id="2" name="Title 1">
             <a:extLst>
               <a:ext uri="{FF2B5EF4-FFF2-40B4-BE49-F238E27FC236}">
-                <a16:creationId xmlns:a16="http://schemas.microsoft.com/office/drawing/2014/main" id="{266A9351-3F54-4B82-A6F6-A143A720BEAA}"/>
+                <a16:creationId xmlns:a16="http://schemas.microsoft.com/office/drawing/2014/main" xmlns="" id="{266A9351-3F54-4B82-A6F6-A143A720BEAA}"/>
               </a:ext>
             </a:extLst>
           </p:cNvPr>
@@ -5428,7 +5421,9 @@
           <a:p>
             <a:pPr algn="ctr"/>
             <a:r>
-              <a:rPr lang="en-IN" sz="9600" dirty="0"/>
+              <a:rPr lang="en-IN" sz="9600" dirty="0">
+                <a:latin typeface="Arial Narrow" pitchFamily="34" charset="0"/>
+              </a:rPr>
               <a:t>HACKATHON</a:t>
             </a:r>
           </a:p>
@@ -5439,7 +5434,7 @@
           <p:cNvPr id="3" name="Subtitle 2">
             <a:extLst>
               <a:ext uri="{FF2B5EF4-FFF2-40B4-BE49-F238E27FC236}">
-                <a16:creationId xmlns:a16="http://schemas.microsoft.com/office/drawing/2014/main" id="{B10246E5-E26A-4EB2-89F8-A86362089F77}"/>
+                <a16:creationId xmlns:a16="http://schemas.microsoft.com/office/drawing/2014/main" xmlns="" id="{B10246E5-E26A-4EB2-89F8-A86362089F77}"/>
               </a:ext>
             </a:extLst>
           </p:cNvPr>
@@ -5459,7 +5454,9 @@
           <a:p>
             <a:pPr algn="r"/>
             <a:r>
-              <a:rPr lang="en-IN" sz="4000" dirty="0"/>
+              <a:rPr lang="en-IN" sz="4000" dirty="0">
+                <a:latin typeface="Algerian" pitchFamily="82" charset="0"/>
+              </a:rPr>
               <a:t>Team Hack-Verse</a:t>
             </a:r>
           </a:p>
@@ -5475,6 +5472,13 @@
   <p:clrMapOvr>
     <a:masterClrMapping/>
   </p:clrMapOvr>
+  <p:timing>
+    <p:tnLst>
+      <p:par>
+        <p:cTn id="1" dur="indefinite" restart="never" nodeType="tmRoot"/>
+      </p:par>
+    </p:tnLst>
+  </p:timing>
 </p:sld>
 </file>
 
@@ -5500,7 +5504,7 @@
           <p:cNvPr id="2" name="Title 1">
             <a:extLst>
               <a:ext uri="{FF2B5EF4-FFF2-40B4-BE49-F238E27FC236}">
-                <a16:creationId xmlns:a16="http://schemas.microsoft.com/office/drawing/2014/main" id="{A92C1F16-4813-4F6C-BB94-11F80E023599}"/>
+                <a16:creationId xmlns:a16="http://schemas.microsoft.com/office/drawing/2014/main" xmlns="" id="{C55E1479-5319-48D6-BD92-C209AD84DF81}"/>
               </a:ext>
             </a:extLst>
           </p:cNvPr>
@@ -5518,7 +5522,7 @@
           <a:p>
             <a:r>
               <a:rPr lang="en-IN" dirty="0"/>
-              <a:t>LANGUAGE AND SOFTWARES USED</a:t>
+              <a:t>CONCLUSION</a:t>
             </a:r>
           </a:p>
         </p:txBody>
@@ -5528,7 +5532,7 @@
           <p:cNvPr id="3" name="Content Placeholder 2">
             <a:extLst>
               <a:ext uri="{FF2B5EF4-FFF2-40B4-BE49-F238E27FC236}">
-                <a16:creationId xmlns:a16="http://schemas.microsoft.com/office/drawing/2014/main" id="{EB2D1584-EF97-4D7C-BF6B-7FFEA949B857}"/>
+                <a16:creationId xmlns:a16="http://schemas.microsoft.com/office/drawing/2014/main" xmlns="" id="{D26320F7-4996-4E6B-844C-C6E14FBED3EE}"/>
               </a:ext>
             </a:extLst>
           </p:cNvPr>
@@ -5551,7 +5555,7 @@
     </p:spTree>
     <p:extLst>
       <p:ext uri="{BB962C8B-B14F-4D97-AF65-F5344CB8AC3E}">
-        <p14:creationId xmlns:p14="http://schemas.microsoft.com/office/powerpoint/2010/main" val="962927150"/>
+        <p14:creationId xmlns:p14="http://schemas.microsoft.com/office/powerpoint/2010/main" val="1660470809"/>
       </p:ext>
     </p:extLst>
   </p:cSld>
@@ -5583,7 +5587,7 @@
           <p:cNvPr id="2" name="Title 1">
             <a:extLst>
               <a:ext uri="{FF2B5EF4-FFF2-40B4-BE49-F238E27FC236}">
-                <a16:creationId xmlns:a16="http://schemas.microsoft.com/office/drawing/2014/main" id="{29C6A23B-A42C-45CE-BB14-7B31C1F08401}"/>
+                <a16:creationId xmlns:a16="http://schemas.microsoft.com/office/drawing/2014/main" xmlns="" id="{3B777A88-0B7E-48D8-A03C-AE21635A1222}"/>
               </a:ext>
             </a:extLst>
           </p:cNvPr>
@@ -5601,7 +5605,7 @@
           <a:p>
             <a:r>
               <a:rPr lang="en-IN" dirty="0"/>
-              <a:t>HARDWARE USED</a:t>
+              <a:t>REFERENCES</a:t>
             </a:r>
           </a:p>
         </p:txBody>
@@ -5611,7 +5615,7 @@
           <p:cNvPr id="3" name="Content Placeholder 2">
             <a:extLst>
               <a:ext uri="{FF2B5EF4-FFF2-40B4-BE49-F238E27FC236}">
-                <a16:creationId xmlns:a16="http://schemas.microsoft.com/office/drawing/2014/main" id="{A3A51057-7960-4A8B-B572-882F10438714}"/>
+                <a16:creationId xmlns:a16="http://schemas.microsoft.com/office/drawing/2014/main" xmlns="" id="{A2E897DA-51C6-4631-895D-D6B5C9F06AE8}"/>
               </a:ext>
             </a:extLst>
           </p:cNvPr>
@@ -5634,7 +5638,7 @@
     </p:spTree>
     <p:extLst>
       <p:ext uri="{BB962C8B-B14F-4D97-AF65-F5344CB8AC3E}">
-        <p14:creationId xmlns:p14="http://schemas.microsoft.com/office/powerpoint/2010/main" val="3562428060"/>
+        <p14:creationId xmlns:p14="http://schemas.microsoft.com/office/powerpoint/2010/main" val="3045416935"/>
       </p:ext>
     </p:extLst>
   </p:cSld>
@@ -5663,10 +5667,10 @@
       </p:grpSpPr>
       <p:sp>
         <p:nvSpPr>
-          <p:cNvPr id="2" name="Title 1">
+          <p:cNvPr id="4" name="Title 3">
             <a:extLst>
               <a:ext uri="{FF2B5EF4-FFF2-40B4-BE49-F238E27FC236}">
-                <a16:creationId xmlns:a16="http://schemas.microsoft.com/office/drawing/2014/main" id="{9F650DF2-26EB-471F-AF05-F5A6B3B33BDD}"/>
+                <a16:creationId xmlns:a16="http://schemas.microsoft.com/office/drawing/2014/main" xmlns="" id="{C0C22601-13A2-4FE8-8BAE-78E4966B52E2}"/>
               </a:ext>
             </a:extLst>
           </p:cNvPr>
@@ -5684,17 +5688,17 @@
           <a:p>
             <a:r>
               <a:rPr lang="en-IN" dirty="0"/>
-              <a:t>APPLICATION</a:t>
-            </a:r>
-          </a:p>
-        </p:txBody>
-      </p:sp>
-      <p:sp>
-        <p:nvSpPr>
-          <p:cNvPr id="3" name="Content Placeholder 2">
+              <a:t>THANK YOU VERY MUCH !!</a:t>
+            </a:r>
+          </a:p>
+        </p:txBody>
+      </p:sp>
+      <p:sp>
+        <p:nvSpPr>
+          <p:cNvPr id="5" name="Text Placeholder 4">
             <a:extLst>
               <a:ext uri="{FF2B5EF4-FFF2-40B4-BE49-F238E27FC236}">
-                <a16:creationId xmlns:a16="http://schemas.microsoft.com/office/drawing/2014/main" id="{A089B21F-9E1E-4CA7-8FEC-D0D19E33EBCD}"/>
+                <a16:creationId xmlns:a16="http://schemas.microsoft.com/office/drawing/2014/main" xmlns="" id="{94863BE1-82F7-4591-906B-F1D76191C408}"/>
               </a:ext>
             </a:extLst>
           </p:cNvPr>
@@ -5702,7 +5706,7 @@
             <a:spLocks noGrp="1"/>
           </p:cNvSpPr>
           <p:nvPr>
-            <p:ph idx="1"/>
+            <p:ph type="body" idx="1"/>
           </p:nvPr>
         </p:nvSpPr>
         <p:spPr/>
@@ -5710,422 +5714,7 @@
           <a:bodyPr/>
           <a:lstStyle/>
           <a:p>
-            <a:endParaRPr lang="en-IN"/>
-          </a:p>
-        </p:txBody>
-      </p:sp>
-    </p:spTree>
-    <p:extLst>
-      <p:ext uri="{BB962C8B-B14F-4D97-AF65-F5344CB8AC3E}">
-        <p14:creationId xmlns:p14="http://schemas.microsoft.com/office/powerpoint/2010/main" val="384651587"/>
-      </p:ext>
-    </p:extLst>
-  </p:cSld>
-  <p:clrMapOvr>
-    <a:masterClrMapping/>
-  </p:clrMapOvr>
-</p:sld>
-</file>
-
-<file path=ppt/slides/slide13.xml><?xml version="1.0" encoding="utf-8"?>
-<p:sld xmlns:a="http://schemas.openxmlformats.org/drawingml/2006/main" xmlns:r="http://schemas.openxmlformats.org/officeDocument/2006/relationships" xmlns:p="http://schemas.openxmlformats.org/presentationml/2006/main">
-  <p:cSld>
-    <p:spTree>
-      <p:nvGrpSpPr>
-        <p:cNvPr id="1" name=""/>
-        <p:cNvGrpSpPr/>
-        <p:nvPr/>
-      </p:nvGrpSpPr>
-      <p:grpSpPr>
-        <a:xfrm>
-          <a:off x="0" y="0"/>
-          <a:ext cx="0" cy="0"/>
-          <a:chOff x="0" y="0"/>
-          <a:chExt cx="0" cy="0"/>
-        </a:xfrm>
-      </p:grpSpPr>
-      <p:sp>
-        <p:nvSpPr>
-          <p:cNvPr id="2" name="Title 1">
-            <a:extLst>
-              <a:ext uri="{FF2B5EF4-FFF2-40B4-BE49-F238E27FC236}">
-                <a16:creationId xmlns:a16="http://schemas.microsoft.com/office/drawing/2014/main" id="{E2C09314-1752-424C-A261-905493BF0654}"/>
-              </a:ext>
-            </a:extLst>
-          </p:cNvPr>
-          <p:cNvSpPr>
-            <a:spLocks noGrp="1"/>
-          </p:cNvSpPr>
-          <p:nvPr>
-            <p:ph type="title"/>
-          </p:nvPr>
-        </p:nvSpPr>
-        <p:spPr/>
-        <p:txBody>
-          <a:bodyPr/>
-          <a:lstStyle/>
-          <a:p>
-            <a:r>
-              <a:rPr lang="en-IN" dirty="0"/>
-              <a:t>NOTIFICATIONS</a:t>
-            </a:r>
-          </a:p>
-        </p:txBody>
-      </p:sp>
-      <p:sp>
-        <p:nvSpPr>
-          <p:cNvPr id="3" name="Content Placeholder 2">
-            <a:extLst>
-              <a:ext uri="{FF2B5EF4-FFF2-40B4-BE49-F238E27FC236}">
-                <a16:creationId xmlns:a16="http://schemas.microsoft.com/office/drawing/2014/main" id="{8DB31CDA-ACB5-4C32-AB72-CE56539EFD0B}"/>
-              </a:ext>
-            </a:extLst>
-          </p:cNvPr>
-          <p:cNvSpPr>
-            <a:spLocks noGrp="1"/>
-          </p:cNvSpPr>
-          <p:nvPr>
-            <p:ph idx="1"/>
-          </p:nvPr>
-        </p:nvSpPr>
-        <p:spPr/>
-        <p:txBody>
-          <a:bodyPr/>
-          <a:lstStyle/>
-          <a:p>
-            <a:endParaRPr lang="en-IN"/>
-          </a:p>
-        </p:txBody>
-      </p:sp>
-    </p:spTree>
-    <p:extLst>
-      <p:ext uri="{BB962C8B-B14F-4D97-AF65-F5344CB8AC3E}">
-        <p14:creationId xmlns:p14="http://schemas.microsoft.com/office/powerpoint/2010/main" val="3209004359"/>
-      </p:ext>
-    </p:extLst>
-  </p:cSld>
-  <p:clrMapOvr>
-    <a:masterClrMapping/>
-  </p:clrMapOvr>
-</p:sld>
-</file>
-
-<file path=ppt/slides/slide14.xml><?xml version="1.0" encoding="utf-8"?>
-<p:sld xmlns:a="http://schemas.openxmlformats.org/drawingml/2006/main" xmlns:r="http://schemas.openxmlformats.org/officeDocument/2006/relationships" xmlns:p="http://schemas.openxmlformats.org/presentationml/2006/main">
-  <p:cSld>
-    <p:spTree>
-      <p:nvGrpSpPr>
-        <p:cNvPr id="1" name=""/>
-        <p:cNvGrpSpPr/>
-        <p:nvPr/>
-      </p:nvGrpSpPr>
-      <p:grpSpPr>
-        <a:xfrm>
-          <a:off x="0" y="0"/>
-          <a:ext cx="0" cy="0"/>
-          <a:chOff x="0" y="0"/>
-          <a:chExt cx="0" cy="0"/>
-        </a:xfrm>
-      </p:grpSpPr>
-      <p:sp>
-        <p:nvSpPr>
-          <p:cNvPr id="2" name="Title 1">
-            <a:extLst>
-              <a:ext uri="{FF2B5EF4-FFF2-40B4-BE49-F238E27FC236}">
-                <a16:creationId xmlns:a16="http://schemas.microsoft.com/office/drawing/2014/main" id="{F46F3B03-CAF5-4ABF-8EC3-CBE8C03F6BC7}"/>
-              </a:ext>
-            </a:extLst>
-          </p:cNvPr>
-          <p:cNvSpPr>
-            <a:spLocks noGrp="1"/>
-          </p:cNvSpPr>
-          <p:nvPr>
-            <p:ph type="title"/>
-          </p:nvPr>
-        </p:nvSpPr>
-        <p:spPr/>
-        <p:txBody>
-          <a:bodyPr/>
-          <a:lstStyle/>
-          <a:p>
-            <a:r>
-              <a:rPr lang="en-IN" dirty="0"/>
-              <a:t>TESTING</a:t>
-            </a:r>
-          </a:p>
-        </p:txBody>
-      </p:sp>
-      <p:sp>
-        <p:nvSpPr>
-          <p:cNvPr id="3" name="Content Placeholder 2">
-            <a:extLst>
-              <a:ext uri="{FF2B5EF4-FFF2-40B4-BE49-F238E27FC236}">
-                <a16:creationId xmlns:a16="http://schemas.microsoft.com/office/drawing/2014/main" id="{7FD4A706-7042-459F-87EC-28206A286808}"/>
-              </a:ext>
-            </a:extLst>
-          </p:cNvPr>
-          <p:cNvSpPr>
-            <a:spLocks noGrp="1"/>
-          </p:cNvSpPr>
-          <p:nvPr>
-            <p:ph idx="1"/>
-          </p:nvPr>
-        </p:nvSpPr>
-        <p:spPr/>
-        <p:txBody>
-          <a:bodyPr/>
-          <a:lstStyle/>
-          <a:p>
-            <a:endParaRPr lang="en-IN"/>
-          </a:p>
-        </p:txBody>
-      </p:sp>
-    </p:spTree>
-    <p:extLst>
-      <p:ext uri="{BB962C8B-B14F-4D97-AF65-F5344CB8AC3E}">
-        <p14:creationId xmlns:p14="http://schemas.microsoft.com/office/powerpoint/2010/main" val="4289768148"/>
-      </p:ext>
-    </p:extLst>
-  </p:cSld>
-  <p:clrMapOvr>
-    <a:masterClrMapping/>
-  </p:clrMapOvr>
-</p:sld>
-</file>
-
-<file path=ppt/slides/slide15.xml><?xml version="1.0" encoding="utf-8"?>
-<p:sld xmlns:a="http://schemas.openxmlformats.org/drawingml/2006/main" xmlns:r="http://schemas.openxmlformats.org/officeDocument/2006/relationships" xmlns:p="http://schemas.openxmlformats.org/presentationml/2006/main">
-  <p:cSld>
-    <p:spTree>
-      <p:nvGrpSpPr>
-        <p:cNvPr id="1" name=""/>
-        <p:cNvGrpSpPr/>
-        <p:nvPr/>
-      </p:nvGrpSpPr>
-      <p:grpSpPr>
-        <a:xfrm>
-          <a:off x="0" y="0"/>
-          <a:ext cx="0" cy="0"/>
-          <a:chOff x="0" y="0"/>
-          <a:chExt cx="0" cy="0"/>
-        </a:xfrm>
-      </p:grpSpPr>
-      <p:sp>
-        <p:nvSpPr>
-          <p:cNvPr id="2" name="Title 1">
-            <a:extLst>
-              <a:ext uri="{FF2B5EF4-FFF2-40B4-BE49-F238E27FC236}">
-                <a16:creationId xmlns:a16="http://schemas.microsoft.com/office/drawing/2014/main" id="{C55E1479-5319-48D6-BD92-C209AD84DF81}"/>
-              </a:ext>
-            </a:extLst>
-          </p:cNvPr>
-          <p:cNvSpPr>
-            <a:spLocks noGrp="1"/>
-          </p:cNvSpPr>
-          <p:nvPr>
-            <p:ph type="title"/>
-          </p:nvPr>
-        </p:nvSpPr>
-        <p:spPr/>
-        <p:txBody>
-          <a:bodyPr/>
-          <a:lstStyle/>
-          <a:p>
-            <a:r>
-              <a:rPr lang="en-IN" dirty="0"/>
-              <a:t>CONCLUSION</a:t>
-            </a:r>
-          </a:p>
-        </p:txBody>
-      </p:sp>
-      <p:sp>
-        <p:nvSpPr>
-          <p:cNvPr id="3" name="Content Placeholder 2">
-            <a:extLst>
-              <a:ext uri="{FF2B5EF4-FFF2-40B4-BE49-F238E27FC236}">
-                <a16:creationId xmlns:a16="http://schemas.microsoft.com/office/drawing/2014/main" id="{D26320F7-4996-4E6B-844C-C6E14FBED3EE}"/>
-              </a:ext>
-            </a:extLst>
-          </p:cNvPr>
-          <p:cNvSpPr>
-            <a:spLocks noGrp="1"/>
-          </p:cNvSpPr>
-          <p:nvPr>
-            <p:ph idx="1"/>
-          </p:nvPr>
-        </p:nvSpPr>
-        <p:spPr/>
-        <p:txBody>
-          <a:bodyPr/>
-          <a:lstStyle/>
-          <a:p>
-            <a:endParaRPr lang="en-IN"/>
-          </a:p>
-        </p:txBody>
-      </p:sp>
-    </p:spTree>
-    <p:extLst>
-      <p:ext uri="{BB962C8B-B14F-4D97-AF65-F5344CB8AC3E}">
-        <p14:creationId xmlns:p14="http://schemas.microsoft.com/office/powerpoint/2010/main" val="1660470809"/>
-      </p:ext>
-    </p:extLst>
-  </p:cSld>
-  <p:clrMapOvr>
-    <a:masterClrMapping/>
-  </p:clrMapOvr>
-</p:sld>
-</file>
-
-<file path=ppt/slides/slide16.xml><?xml version="1.0" encoding="utf-8"?>
-<p:sld xmlns:a="http://schemas.openxmlformats.org/drawingml/2006/main" xmlns:r="http://schemas.openxmlformats.org/officeDocument/2006/relationships" xmlns:p="http://schemas.openxmlformats.org/presentationml/2006/main">
-  <p:cSld>
-    <p:spTree>
-      <p:nvGrpSpPr>
-        <p:cNvPr id="1" name=""/>
-        <p:cNvGrpSpPr/>
-        <p:nvPr/>
-      </p:nvGrpSpPr>
-      <p:grpSpPr>
-        <a:xfrm>
-          <a:off x="0" y="0"/>
-          <a:ext cx="0" cy="0"/>
-          <a:chOff x="0" y="0"/>
-          <a:chExt cx="0" cy="0"/>
-        </a:xfrm>
-      </p:grpSpPr>
-      <p:sp>
-        <p:nvSpPr>
-          <p:cNvPr id="2" name="Title 1">
-            <a:extLst>
-              <a:ext uri="{FF2B5EF4-FFF2-40B4-BE49-F238E27FC236}">
-                <a16:creationId xmlns:a16="http://schemas.microsoft.com/office/drawing/2014/main" id="{3B777A88-0B7E-48D8-A03C-AE21635A1222}"/>
-              </a:ext>
-            </a:extLst>
-          </p:cNvPr>
-          <p:cNvSpPr>
-            <a:spLocks noGrp="1"/>
-          </p:cNvSpPr>
-          <p:nvPr>
-            <p:ph type="title"/>
-          </p:nvPr>
-        </p:nvSpPr>
-        <p:spPr/>
-        <p:txBody>
-          <a:bodyPr/>
-          <a:lstStyle/>
-          <a:p>
-            <a:r>
-              <a:rPr lang="en-IN" dirty="0"/>
-              <a:t>REFERENCES</a:t>
-            </a:r>
-          </a:p>
-        </p:txBody>
-      </p:sp>
-      <p:sp>
-        <p:nvSpPr>
-          <p:cNvPr id="3" name="Content Placeholder 2">
-            <a:extLst>
-              <a:ext uri="{FF2B5EF4-FFF2-40B4-BE49-F238E27FC236}">
-                <a16:creationId xmlns:a16="http://schemas.microsoft.com/office/drawing/2014/main" id="{A2E897DA-51C6-4631-895D-D6B5C9F06AE8}"/>
-              </a:ext>
-            </a:extLst>
-          </p:cNvPr>
-          <p:cNvSpPr>
-            <a:spLocks noGrp="1"/>
-          </p:cNvSpPr>
-          <p:nvPr>
-            <p:ph idx="1"/>
-          </p:nvPr>
-        </p:nvSpPr>
-        <p:spPr/>
-        <p:txBody>
-          <a:bodyPr/>
-          <a:lstStyle/>
-          <a:p>
-            <a:endParaRPr lang="en-IN"/>
-          </a:p>
-        </p:txBody>
-      </p:sp>
-    </p:spTree>
-    <p:extLst>
-      <p:ext uri="{BB962C8B-B14F-4D97-AF65-F5344CB8AC3E}">
-        <p14:creationId xmlns:p14="http://schemas.microsoft.com/office/powerpoint/2010/main" val="3045416935"/>
-      </p:ext>
-    </p:extLst>
-  </p:cSld>
-  <p:clrMapOvr>
-    <a:masterClrMapping/>
-  </p:clrMapOvr>
-</p:sld>
-</file>
-
-<file path=ppt/slides/slide17.xml><?xml version="1.0" encoding="utf-8"?>
-<p:sld xmlns:a="http://schemas.openxmlformats.org/drawingml/2006/main" xmlns:r="http://schemas.openxmlformats.org/officeDocument/2006/relationships" xmlns:p="http://schemas.openxmlformats.org/presentationml/2006/main">
-  <p:cSld>
-    <p:spTree>
-      <p:nvGrpSpPr>
-        <p:cNvPr id="1" name=""/>
-        <p:cNvGrpSpPr/>
-        <p:nvPr/>
-      </p:nvGrpSpPr>
-      <p:grpSpPr>
-        <a:xfrm>
-          <a:off x="0" y="0"/>
-          <a:ext cx="0" cy="0"/>
-          <a:chOff x="0" y="0"/>
-          <a:chExt cx="0" cy="0"/>
-        </a:xfrm>
-      </p:grpSpPr>
-      <p:sp>
-        <p:nvSpPr>
-          <p:cNvPr id="4" name="Title 3">
-            <a:extLst>
-              <a:ext uri="{FF2B5EF4-FFF2-40B4-BE49-F238E27FC236}">
-                <a16:creationId xmlns:a16="http://schemas.microsoft.com/office/drawing/2014/main" id="{C0C22601-13A2-4FE8-8BAE-78E4966B52E2}"/>
-              </a:ext>
-            </a:extLst>
-          </p:cNvPr>
-          <p:cNvSpPr>
-            <a:spLocks noGrp="1"/>
-          </p:cNvSpPr>
-          <p:nvPr>
-            <p:ph type="title"/>
-          </p:nvPr>
-        </p:nvSpPr>
-        <p:spPr/>
-        <p:txBody>
-          <a:bodyPr/>
-          <a:lstStyle/>
-          <a:p>
-            <a:r>
-              <a:rPr lang="en-IN" dirty="0"/>
-              <a:t>THANK YOU VERY MUCH !!</a:t>
-            </a:r>
-          </a:p>
-        </p:txBody>
-      </p:sp>
-      <p:sp>
-        <p:nvSpPr>
-          <p:cNvPr id="5" name="Text Placeholder 4">
-            <a:extLst>
-              <a:ext uri="{FF2B5EF4-FFF2-40B4-BE49-F238E27FC236}">
-                <a16:creationId xmlns:a16="http://schemas.microsoft.com/office/drawing/2014/main" id="{94863BE1-82F7-4591-906B-F1D76191C408}"/>
-              </a:ext>
-            </a:extLst>
-          </p:cNvPr>
-          <p:cNvSpPr>
-            <a:spLocks noGrp="1"/>
-          </p:cNvSpPr>
-          <p:nvPr>
-            <p:ph type="body" idx="1"/>
-          </p:nvPr>
-        </p:nvSpPr>
-        <p:spPr/>
-        <p:txBody>
-          <a:bodyPr/>
-          <a:lstStyle/>
-          <a:p>
-            <a:endParaRPr lang="en-IN"/>
+            <a:endParaRPr lang="en-IN" dirty="0"/>
           </a:p>
         </p:txBody>
       </p:sp>
@@ -6164,7 +5753,7 @@
           <p:cNvPr id="2" name="Title 1">
             <a:extLst>
               <a:ext uri="{FF2B5EF4-FFF2-40B4-BE49-F238E27FC236}">
-                <a16:creationId xmlns:a16="http://schemas.microsoft.com/office/drawing/2014/main" id="{9C47A14E-383E-41B7-9CDD-2929B239446F}"/>
+                <a16:creationId xmlns:a16="http://schemas.microsoft.com/office/drawing/2014/main" xmlns="" id="{9C47A14E-383E-41B7-9CDD-2929B239446F}"/>
               </a:ext>
             </a:extLst>
           </p:cNvPr>
@@ -6192,7 +5781,7 @@
           <p:cNvPr id="3" name="Content Placeholder 2">
             <a:extLst>
               <a:ext uri="{FF2B5EF4-FFF2-40B4-BE49-F238E27FC236}">
-                <a16:creationId xmlns:a16="http://schemas.microsoft.com/office/drawing/2014/main" id="{402EC573-04F6-433D-8CB9-23E2BECBBE84}"/>
+                <a16:creationId xmlns:a16="http://schemas.microsoft.com/office/drawing/2014/main" xmlns="" id="{402EC573-04F6-433D-8CB9-23E2BECBBE84}"/>
               </a:ext>
             </a:extLst>
           </p:cNvPr>
@@ -6203,15 +5792,181 @@
             <p:ph idx="1"/>
           </p:nvPr>
         </p:nvSpPr>
-        <p:spPr/>
-        <p:txBody>
-          <a:bodyPr/>
+        <p:spPr>
+          <a:xfrm>
+            <a:off x="643783" y="2242266"/>
+            <a:ext cx="10554574" cy="2425150"/>
+          </a:xfrm>
+        </p:spPr>
+        <p:txBody>
+          <a:bodyPr>
+            <a:normAutofit/>
+          </a:bodyPr>
           <a:lstStyle/>
           <a:p>
+            <a:pPr>
+              <a:buFont typeface="Wingdings" pitchFamily="2" charset="2"/>
+              <a:buChar char="v"/>
+            </a:pPr>
+            <a:r>
+              <a:rPr lang="en-US" dirty="0" smtClean="0"/>
+              <a:t>We the member of </a:t>
+            </a:r>
+            <a:r>
+              <a:rPr lang="en-US" dirty="0" err="1" smtClean="0"/>
+              <a:t>Hackverse</a:t>
+            </a:r>
+            <a:r>
+              <a:rPr lang="en-US" dirty="0" smtClean="0"/>
+              <a:t>  made a Heart rate monitoring Device</a:t>
+            </a:r>
+          </a:p>
+          <a:p>
+            <a:pPr>
+              <a:buFont typeface="Wingdings" pitchFamily="2" charset="2"/>
+              <a:buChar char="v"/>
+            </a:pPr>
+            <a:r>
+              <a:rPr lang="en-US" dirty="0"/>
+              <a:t>In this project, we have designed a Heart Rate Monitor System using </a:t>
+            </a:r>
+            <a:r>
+              <a:rPr lang="en-US" dirty="0" err="1"/>
+              <a:t>Arduino</a:t>
+            </a:r>
+            <a:r>
+              <a:rPr lang="en-US" dirty="0"/>
+              <a:t> and </a:t>
+            </a:r>
+            <a:r>
+              <a:rPr lang="en-US" dirty="0" err="1" smtClean="0"/>
+              <a:t>Pulserate</a:t>
+            </a:r>
+            <a:r>
+              <a:rPr lang="en-US" dirty="0"/>
+              <a:t> </a:t>
+            </a:r>
+            <a:r>
+              <a:rPr lang="en-US" dirty="0" smtClean="0"/>
+              <a:t>Sensor</a:t>
+            </a:r>
+            <a:r>
+              <a:rPr lang="en-US" dirty="0"/>
+              <a:t>. </a:t>
+            </a:r>
+            <a:endParaRPr lang="en-US" dirty="0" smtClean="0"/>
+          </a:p>
+          <a:p>
+            <a:pPr>
+              <a:buFont typeface="Wingdings" pitchFamily="2" charset="2"/>
+              <a:buChar char="v"/>
+            </a:pPr>
+            <a:r>
+              <a:rPr lang="en-US" dirty="0" smtClean="0"/>
+              <a:t>We introduce you with </a:t>
+            </a:r>
+            <a:r>
+              <a:rPr lang="en-US" dirty="0"/>
+              <a:t>the </a:t>
+            </a:r>
+            <a:r>
+              <a:rPr lang="en-US" dirty="0" smtClean="0"/>
+              <a:t> </a:t>
+            </a:r>
+            <a:r>
+              <a:rPr lang="en-US" dirty="0"/>
+              <a:t>of Heartbeat Sensor, working of the Heartbeat Sensor and </a:t>
+            </a:r>
+            <a:r>
+              <a:rPr lang="en-US" dirty="0" err="1"/>
+              <a:t>Arduino</a:t>
+            </a:r>
+            <a:r>
+              <a:rPr lang="en-US" dirty="0"/>
+              <a:t> based Heart Rate Monitoring System using a practical heartbeat Sensor</a:t>
+            </a:r>
+            <a:r>
+              <a:rPr lang="en-US" dirty="0" smtClean="0"/>
+              <a:t>.</a:t>
+            </a:r>
+          </a:p>
+          <a:p>
+            <a:pPr>
+              <a:buFont typeface="Wingdings" pitchFamily="2" charset="2"/>
+              <a:buChar char="v"/>
+            </a:pPr>
+            <a:r>
+              <a:rPr lang="en-US" dirty="0"/>
+              <a:t> </a:t>
+            </a:r>
             <a:endParaRPr lang="en-IN" dirty="0"/>
           </a:p>
         </p:txBody>
       </p:sp>
+      <p:pic>
+        <p:nvPicPr>
+          <p:cNvPr id="2050" name="Picture 2"/>
+          <p:cNvPicPr>
+            <a:picLocks noChangeAspect="1" noChangeArrowheads="1"/>
+          </p:cNvPicPr>
+          <p:nvPr/>
+        </p:nvPicPr>
+        <p:blipFill>
+          <a:blip r:embed="rId2" cstate="print">
+            <a:extLst>
+              <a:ext uri="{28A0092B-C50C-407E-A947-70E740481C1C}">
+                <a14:useLocalDpi xmlns:a14="http://schemas.microsoft.com/office/drawing/2010/main" val="0"/>
+              </a:ext>
+            </a:extLst>
+          </a:blip>
+          <a:srcRect/>
+          <a:stretch>
+            <a:fillRect/>
+          </a:stretch>
+        </p:blipFill>
+        <p:spPr bwMode="auto">
+          <a:xfrm>
+            <a:off x="8836218" y="143139"/>
+            <a:ext cx="2645465" cy="1671787"/>
+          </a:xfrm>
+          <a:prstGeom prst="rect">
+            <a:avLst/>
+          </a:prstGeom>
+          <a:noFill/>
+          <a:ln>
+            <a:noFill/>
+          </a:ln>
+          <a:effectLst/>
+          <a:extLst>
+            <a:ext uri="{909E8E84-426E-40DD-AFC4-6F175D3DCCD1}">
+              <a14:hiddenFill xmlns:a14="http://schemas.microsoft.com/office/drawing/2010/main">
+                <a:solidFill>
+                  <a:schemeClr val="accent1"/>
+                </a:solidFill>
+              </a14:hiddenFill>
+            </a:ext>
+            <a:ext uri="{91240B29-F687-4F45-9708-019B960494DF}">
+              <a14:hiddenLine xmlns:a14="http://schemas.microsoft.com/office/drawing/2010/main" w="9525">
+                <a:solidFill>
+                  <a:schemeClr val="tx1"/>
+                </a:solidFill>
+                <a:miter lim="800000"/>
+                <a:headEnd/>
+                <a:tailEnd/>
+              </a14:hiddenLine>
+            </a:ext>
+            <a:ext uri="{AF507438-7753-43E0-B8FC-AC1667EBCBE1}">
+              <a14:hiddenEffects xmlns:a14="http://schemas.microsoft.com/office/drawing/2010/main">
+                <a:effectLst>
+                  <a:outerShdw dist="35921" dir="2700000" algn="ctr" rotWithShape="0">
+                    <a:schemeClr val="bg2"/>
+                  </a:outerShdw>
+                </a:effectLst>
+              </a14:hiddenEffects>
+            </a:ext>
+          </a:extLst>
+        </p:spPr>
+      </p:pic>
     </p:spTree>
     <p:extLst>
       <p:ext uri="{BB962C8B-B14F-4D97-AF65-F5344CB8AC3E}">
@@ -6222,6 +5977,13 @@
   <p:clrMapOvr>
     <a:masterClrMapping/>
   </p:clrMapOvr>
+  <p:timing>
+    <p:tnLst>
+      <p:par>
+        <p:cTn id="1" dur="indefinite" restart="never" nodeType="tmRoot"/>
+      </p:par>
+    </p:tnLst>
+  </p:timing>
 </p:sld>
 </file>
 
@@ -6247,27 +6009,105 @@
           <p:cNvPr id="4" name="Title 3">
             <a:extLst>
               <a:ext uri="{FF2B5EF4-FFF2-40B4-BE49-F238E27FC236}">
-                <a16:creationId xmlns:a16="http://schemas.microsoft.com/office/drawing/2014/main" id="{5903C9A1-0AFE-4AC8-A08C-DE20AA37C16D}"/>
+                <a16:creationId xmlns:a16="http://schemas.microsoft.com/office/drawing/2014/main" xmlns="" id="{5903C9A1-0AFE-4AC8-A08C-DE20AA37C16D}"/>
               </a:ext>
             </a:extLst>
           </p:cNvPr>
-          <p:cNvSpPr>
-            <a:spLocks noGrp="1"/>
-          </p:cNvSpPr>
-          <p:nvPr>
-            <p:ph type="title"/>
-          </p:nvPr>
-        </p:nvSpPr>
-        <p:spPr/>
+          <p:cNvSpPr txBox="1">
+            <a:spLocks/>
+          </p:cNvSpPr>
+          <p:nvPr/>
+        </p:nvSpPr>
+        <p:spPr>
+          <a:xfrm>
+            <a:off x="1" y="0"/>
+            <a:ext cx="7283394" cy="1144988"/>
+          </a:xfrm>
+          <a:prstGeom prst="rect">
+            <a:avLst/>
+          </a:prstGeom>
+        </p:spPr>
         <p:txBody>
           <a:bodyPr/>
-          <a:lstStyle/>
+          <a:lstStyle>
+            <a:lvl1pPr algn="l" defTabSz="457200" rtl="0" eaLnBrk="1" latinLnBrk="0" hangingPunct="1">
+              <a:spcBef>
+                <a:spcPct val="0"/>
+              </a:spcBef>
+              <a:buNone/>
+              <a:defRPr sz="4000" b="1" kern="1200">
+                <a:solidFill>
+                  <a:srgbClr val="FEFEFE"/>
+                </a:solidFill>
+                <a:latin typeface="+mj-lt"/>
+                <a:ea typeface="+mj-ea"/>
+                <a:cs typeface="+mj-cs"/>
+              </a:defRPr>
+            </a:lvl1pPr>
+            <a:lvl2pPr eaLnBrk="1" hangingPunct="1">
+              <a:defRPr>
+                <a:solidFill>
+                  <a:schemeClr val="tx2"/>
+                </a:solidFill>
+              </a:defRPr>
+            </a:lvl2pPr>
+            <a:lvl3pPr eaLnBrk="1" hangingPunct="1">
+              <a:defRPr>
+                <a:solidFill>
+                  <a:schemeClr val="tx2"/>
+                </a:solidFill>
+              </a:defRPr>
+            </a:lvl3pPr>
+            <a:lvl4pPr eaLnBrk="1" hangingPunct="1">
+              <a:defRPr>
+                <a:solidFill>
+                  <a:schemeClr val="tx2"/>
+                </a:solidFill>
+              </a:defRPr>
+            </a:lvl4pPr>
+            <a:lvl5pPr eaLnBrk="1" hangingPunct="1">
+              <a:defRPr>
+                <a:solidFill>
+                  <a:schemeClr val="tx2"/>
+                </a:solidFill>
+              </a:defRPr>
+            </a:lvl5pPr>
+            <a:lvl6pPr eaLnBrk="1" hangingPunct="1">
+              <a:defRPr>
+                <a:solidFill>
+                  <a:schemeClr val="tx2"/>
+                </a:solidFill>
+              </a:defRPr>
+            </a:lvl6pPr>
+            <a:lvl7pPr eaLnBrk="1" hangingPunct="1">
+              <a:defRPr>
+                <a:solidFill>
+                  <a:schemeClr val="tx2"/>
+                </a:solidFill>
+              </a:defRPr>
+            </a:lvl7pPr>
+            <a:lvl8pPr eaLnBrk="1" hangingPunct="1">
+              <a:defRPr>
+                <a:solidFill>
+                  <a:schemeClr val="tx2"/>
+                </a:solidFill>
+              </a:defRPr>
+            </a:lvl8pPr>
+            <a:lvl9pPr eaLnBrk="1" hangingPunct="1">
+              <a:defRPr>
+                <a:solidFill>
+                  <a:schemeClr val="tx2"/>
+                </a:solidFill>
+              </a:defRPr>
+            </a:lvl9pPr>
+          </a:lstStyle>
           <a:p>
             <a:pPr algn="ctr"/>
             <a:r>
-              <a:rPr lang="en-IN" sz="6000" dirty="0"/>
+              <a:rPr lang="en-IN" sz="6000" smtClean="0"/>
               <a:t>TEAM MEMBERS</a:t>
             </a:r>
+            <a:endParaRPr lang="en-IN" sz="6000" dirty="0"/>
           </a:p>
         </p:txBody>
       </p:sp>
@@ -6276,36 +6116,1787 @@
           <p:cNvPr id="5" name="Text Placeholder 4">
             <a:extLst>
               <a:ext uri="{FF2B5EF4-FFF2-40B4-BE49-F238E27FC236}">
-                <a16:creationId xmlns:a16="http://schemas.microsoft.com/office/drawing/2014/main" id="{CDF41A3A-E9CA-4285-85BF-76E2A3838F70}"/>
+                <a16:creationId xmlns:a16="http://schemas.microsoft.com/office/drawing/2014/main" xmlns="" id="{CDF41A3A-E9CA-4285-85BF-76E2A3838F70}"/>
               </a:ext>
             </a:extLst>
           </p:cNvPr>
-          <p:cNvSpPr>
-            <a:spLocks noGrp="1"/>
-          </p:cNvSpPr>
-          <p:nvPr>
-            <p:ph type="body" idx="1"/>
-          </p:nvPr>
-        </p:nvSpPr>
-        <p:spPr/>
+          <p:cNvSpPr txBox="1">
+            <a:spLocks/>
+          </p:cNvSpPr>
+          <p:nvPr/>
+        </p:nvSpPr>
+        <p:spPr>
+          <a:xfrm>
+            <a:off x="7092855" y="1383020"/>
+            <a:ext cx="2035241" cy="433955"/>
+          </a:xfrm>
+          <a:prstGeom prst="rect">
+            <a:avLst/>
+          </a:prstGeom>
+        </p:spPr>
         <p:txBody>
           <a:bodyPr/>
-          <a:lstStyle/>
-          <a:p>
-            <a:endParaRPr lang="en-IN"/>
-          </a:p>
-        </p:txBody>
-      </p:sp>
+          <a:lstStyle>
+            <a:lvl1pPr marL="342900" indent="-342900" algn="l" defTabSz="457200" rtl="0" eaLnBrk="1" latinLnBrk="0" hangingPunct="1">
+              <a:spcBef>
+                <a:spcPct val="20000"/>
+              </a:spcBef>
+              <a:spcAft>
+                <a:spcPts val="600"/>
+              </a:spcAft>
+              <a:buClr>
+                <a:schemeClr val="accent1"/>
+              </a:buClr>
+              <a:buFont typeface="Wingdings 2" charset="2"/>
+              <a:buChar char=""/>
+              <a:defRPr sz="1800" kern="1200">
+                <a:solidFill>
+                  <a:schemeClr val="tx1"/>
+                </a:solidFill>
+                <a:latin typeface="+mn-lt"/>
+                <a:ea typeface="+mn-ea"/>
+                <a:cs typeface="+mn-cs"/>
+              </a:defRPr>
+            </a:lvl1pPr>
+            <a:lvl2pPr marL="742950" indent="-285750" algn="l" defTabSz="457200" rtl="0" eaLnBrk="1" latinLnBrk="0" hangingPunct="1">
+              <a:spcBef>
+                <a:spcPct val="20000"/>
+              </a:spcBef>
+              <a:spcAft>
+                <a:spcPts val="600"/>
+              </a:spcAft>
+              <a:buClr>
+                <a:schemeClr val="accent1"/>
+              </a:buClr>
+              <a:buFont typeface="Wingdings 2" charset="2"/>
+              <a:buChar char=""/>
+              <a:defRPr sz="1600" kern="1200">
+                <a:solidFill>
+                  <a:schemeClr val="tx1"/>
+                </a:solidFill>
+                <a:latin typeface="+mn-lt"/>
+                <a:ea typeface="+mn-ea"/>
+                <a:cs typeface="+mn-cs"/>
+              </a:defRPr>
+            </a:lvl2pPr>
+            <a:lvl3pPr marL="1143000" indent="-228600" algn="l" defTabSz="457200" rtl="0" eaLnBrk="1" latinLnBrk="0" hangingPunct="1">
+              <a:spcBef>
+                <a:spcPct val="20000"/>
+              </a:spcBef>
+              <a:spcAft>
+                <a:spcPts val="600"/>
+              </a:spcAft>
+              <a:buClr>
+                <a:schemeClr val="accent1"/>
+              </a:buClr>
+              <a:buFont typeface="Wingdings 2" charset="2"/>
+              <a:buChar char=""/>
+              <a:defRPr sz="1400" kern="1200">
+                <a:solidFill>
+                  <a:schemeClr val="tx1"/>
+                </a:solidFill>
+                <a:latin typeface="+mn-lt"/>
+                <a:ea typeface="+mn-ea"/>
+                <a:cs typeface="+mn-cs"/>
+              </a:defRPr>
+            </a:lvl3pPr>
+            <a:lvl4pPr marL="1600200" indent="-228600" algn="l" defTabSz="457200" rtl="0" eaLnBrk="1" latinLnBrk="0" hangingPunct="1">
+              <a:spcBef>
+                <a:spcPct val="20000"/>
+              </a:spcBef>
+              <a:spcAft>
+                <a:spcPts val="600"/>
+              </a:spcAft>
+              <a:buClr>
+                <a:schemeClr val="accent1"/>
+              </a:buClr>
+              <a:buFont typeface="Wingdings 2" charset="2"/>
+              <a:buChar char=""/>
+              <a:defRPr sz="1200" kern="1200">
+                <a:solidFill>
+                  <a:schemeClr val="tx1"/>
+                </a:solidFill>
+                <a:latin typeface="+mn-lt"/>
+                <a:ea typeface="+mn-ea"/>
+                <a:cs typeface="+mn-cs"/>
+              </a:defRPr>
+            </a:lvl4pPr>
+            <a:lvl5pPr marL="2057400" indent="-228600" algn="l" defTabSz="457200" rtl="0" eaLnBrk="1" latinLnBrk="0" hangingPunct="1">
+              <a:spcBef>
+                <a:spcPct val="20000"/>
+              </a:spcBef>
+              <a:spcAft>
+                <a:spcPts val="600"/>
+              </a:spcAft>
+              <a:buClr>
+                <a:schemeClr val="accent1"/>
+              </a:buClr>
+              <a:buFont typeface="Wingdings 2" charset="2"/>
+              <a:buChar char=""/>
+              <a:defRPr sz="1200" kern="1200">
+                <a:solidFill>
+                  <a:schemeClr val="tx1"/>
+                </a:solidFill>
+                <a:latin typeface="+mn-lt"/>
+                <a:ea typeface="+mn-ea"/>
+                <a:cs typeface="+mn-cs"/>
+              </a:defRPr>
+            </a:lvl5pPr>
+            <a:lvl6pPr marL="2400000" indent="-228600" algn="l" defTabSz="457200" rtl="0" eaLnBrk="1" latinLnBrk="0" hangingPunct="1">
+              <a:spcBef>
+                <a:spcPct val="20000"/>
+              </a:spcBef>
+              <a:spcAft>
+                <a:spcPts val="600"/>
+              </a:spcAft>
+              <a:buClr>
+                <a:schemeClr val="accent1"/>
+              </a:buClr>
+              <a:buFont typeface="Wingdings 2" charset="2"/>
+              <a:buChar char=""/>
+              <a:defRPr sz="1200" kern="1200">
+                <a:solidFill>
+                  <a:schemeClr val="tx1"/>
+                </a:solidFill>
+                <a:latin typeface="+mn-lt"/>
+                <a:ea typeface="+mn-ea"/>
+                <a:cs typeface="+mn-cs"/>
+              </a:defRPr>
+            </a:lvl6pPr>
+            <a:lvl7pPr marL="2800000" indent="-228600" algn="l" defTabSz="457200" rtl="0" eaLnBrk="1" latinLnBrk="0" hangingPunct="1">
+              <a:spcBef>
+                <a:spcPct val="20000"/>
+              </a:spcBef>
+              <a:spcAft>
+                <a:spcPts val="600"/>
+              </a:spcAft>
+              <a:buClr>
+                <a:schemeClr val="accent1"/>
+              </a:buClr>
+              <a:buFont typeface="Wingdings 2" charset="2"/>
+              <a:buChar char=""/>
+              <a:defRPr sz="1200" kern="1200">
+                <a:solidFill>
+                  <a:schemeClr val="tx1"/>
+                </a:solidFill>
+                <a:latin typeface="+mn-lt"/>
+                <a:ea typeface="+mn-ea"/>
+                <a:cs typeface="+mn-cs"/>
+              </a:defRPr>
+            </a:lvl7pPr>
+            <a:lvl8pPr marL="3200000" indent="-228600" algn="l" defTabSz="457200" rtl="0" eaLnBrk="1" latinLnBrk="0" hangingPunct="1">
+              <a:spcBef>
+                <a:spcPct val="20000"/>
+              </a:spcBef>
+              <a:spcAft>
+                <a:spcPts val="600"/>
+              </a:spcAft>
+              <a:buClr>
+                <a:schemeClr val="accent1"/>
+              </a:buClr>
+              <a:buFont typeface="Wingdings 2" charset="2"/>
+              <a:buChar char=""/>
+              <a:defRPr sz="1200" kern="1200">
+                <a:solidFill>
+                  <a:schemeClr val="tx1"/>
+                </a:solidFill>
+                <a:latin typeface="+mn-lt"/>
+                <a:ea typeface="+mn-ea"/>
+                <a:cs typeface="+mn-cs"/>
+              </a:defRPr>
+            </a:lvl8pPr>
+            <a:lvl9pPr marL="3600000" indent="-228600" algn="l" defTabSz="457200" rtl="0" eaLnBrk="1" latinLnBrk="0" hangingPunct="1">
+              <a:spcBef>
+                <a:spcPct val="20000"/>
+              </a:spcBef>
+              <a:spcAft>
+                <a:spcPts val="600"/>
+              </a:spcAft>
+              <a:buClr>
+                <a:schemeClr val="accent1"/>
+              </a:buClr>
+              <a:buFont typeface="Wingdings 2" charset="2"/>
+              <a:buChar char=""/>
+              <a:defRPr sz="1200" kern="1200">
+                <a:solidFill>
+                  <a:schemeClr val="tx1"/>
+                </a:solidFill>
+                <a:latin typeface="+mn-lt"/>
+                <a:ea typeface="+mn-ea"/>
+                <a:cs typeface="+mn-cs"/>
+              </a:defRPr>
+            </a:lvl9pPr>
+          </a:lstStyle>
+          <a:p>
+            <a:pPr marL="0" indent="0">
+              <a:buNone/>
+            </a:pPr>
+            <a:r>
+              <a:rPr lang="en-IN" sz="2000" dirty="0" err="1" smtClean="0"/>
+              <a:t>Amit</a:t>
+            </a:r>
+            <a:r>
+              <a:rPr lang="en-IN" sz="2000" dirty="0" smtClean="0"/>
+              <a:t> </a:t>
+            </a:r>
+            <a:r>
+              <a:rPr lang="en-IN" sz="2000" dirty="0" err="1" smtClean="0"/>
+              <a:t>Yadav</a:t>
+            </a:r>
+            <a:endParaRPr lang="en-IN" sz="2000" dirty="0" smtClean="0"/>
+          </a:p>
+          <a:p>
+            <a:pPr>
+              <a:buClr>
+                <a:schemeClr val="tx1"/>
+              </a:buClr>
+              <a:buFont typeface="Wingdings" pitchFamily="2" charset="2"/>
+              <a:buChar char="§"/>
+            </a:pPr>
+            <a:r>
+              <a:rPr lang="en-IN" sz="2000" dirty="0" err="1" smtClean="0"/>
+              <a:t>Arduino</a:t>
+            </a:r>
+            <a:endParaRPr lang="en-IN" sz="2000" dirty="0" smtClean="0"/>
+          </a:p>
+          <a:p>
+            <a:pPr>
+              <a:buClr>
+                <a:schemeClr val="tx1"/>
+              </a:buClr>
+              <a:buFont typeface="Wingdings" pitchFamily="2" charset="2"/>
+              <a:buChar char="§"/>
+            </a:pPr>
+            <a:r>
+              <a:rPr lang="en-IN" sz="2000" dirty="0" err="1" smtClean="0"/>
+              <a:t>Powerpoint</a:t>
+            </a:r>
+            <a:endParaRPr lang="en-IN" sz="2000" dirty="0" smtClean="0"/>
+          </a:p>
+          <a:p>
+            <a:endParaRPr lang="en-IN" dirty="0"/>
+          </a:p>
+        </p:txBody>
+      </p:sp>
+      <p:sp>
+        <p:nvSpPr>
+          <p:cNvPr id="6" name="Text Placeholder 4">
+            <a:extLst>
+              <a:ext uri="{FF2B5EF4-FFF2-40B4-BE49-F238E27FC236}">
+                <a16:creationId xmlns:a16="http://schemas.microsoft.com/office/drawing/2014/main" xmlns="" id="{CDF41A3A-E9CA-4285-85BF-76E2A3838F70}"/>
+              </a:ext>
+            </a:extLst>
+          </p:cNvPr>
+          <p:cNvSpPr txBox="1">
+            <a:spLocks/>
+          </p:cNvSpPr>
+          <p:nvPr/>
+        </p:nvSpPr>
+        <p:spPr>
+          <a:xfrm>
+            <a:off x="342198" y="1450565"/>
+            <a:ext cx="2933738" cy="863265"/>
+          </a:xfrm>
+          <a:prstGeom prst="rect">
+            <a:avLst/>
+          </a:prstGeom>
+          <a:effectLst>
+            <a:outerShdw blurRad="50800" dir="14400000">
+              <a:srgbClr val="000000">
+                <a:alpha val="40000"/>
+              </a:srgbClr>
+            </a:outerShdw>
+          </a:effectLst>
+        </p:spPr>
+        <p:txBody>
+          <a:bodyPr vert="horz" lIns="91440" tIns="45720" rIns="91440" bIns="45720" rtlCol="0" anchor="t">
+            <a:noAutofit/>
+          </a:bodyPr>
+          <a:lstStyle>
+            <a:lvl1pPr marL="0" indent="0" algn="r" defTabSz="457200" rtl="0" eaLnBrk="1" latinLnBrk="0" hangingPunct="1">
+              <a:spcBef>
+                <a:spcPct val="20000"/>
+              </a:spcBef>
+              <a:spcAft>
+                <a:spcPts val="600"/>
+              </a:spcAft>
+              <a:buClr>
+                <a:schemeClr val="accent1"/>
+              </a:buClr>
+              <a:buFont typeface="Wingdings 2" charset="2"/>
+              <a:buNone/>
+              <a:defRPr sz="1800" kern="1200">
+                <a:solidFill>
+                  <a:schemeClr val="tx1"/>
+                </a:solidFill>
+                <a:latin typeface="+mn-lt"/>
+                <a:ea typeface="+mn-ea"/>
+                <a:cs typeface="+mn-cs"/>
+              </a:defRPr>
+            </a:lvl1pPr>
+            <a:lvl2pPr marL="457200" indent="0" algn="l" defTabSz="457200" rtl="0" eaLnBrk="1" latinLnBrk="0" hangingPunct="1">
+              <a:spcBef>
+                <a:spcPct val="20000"/>
+              </a:spcBef>
+              <a:spcAft>
+                <a:spcPts val="600"/>
+              </a:spcAft>
+              <a:buClr>
+                <a:schemeClr val="accent1"/>
+              </a:buClr>
+              <a:buFont typeface="Wingdings 2" charset="2"/>
+              <a:buNone/>
+              <a:defRPr sz="1800" kern="1200">
+                <a:solidFill>
+                  <a:schemeClr val="tx1">
+                    <a:tint val="75000"/>
+                  </a:schemeClr>
+                </a:solidFill>
+                <a:latin typeface="+mn-lt"/>
+                <a:ea typeface="+mn-ea"/>
+                <a:cs typeface="+mn-cs"/>
+              </a:defRPr>
+            </a:lvl2pPr>
+            <a:lvl3pPr marL="914400" indent="0" algn="l" defTabSz="457200" rtl="0" eaLnBrk="1" latinLnBrk="0" hangingPunct="1">
+              <a:spcBef>
+                <a:spcPct val="20000"/>
+              </a:spcBef>
+              <a:spcAft>
+                <a:spcPts val="600"/>
+              </a:spcAft>
+              <a:buClr>
+                <a:schemeClr val="accent1"/>
+              </a:buClr>
+              <a:buFont typeface="Wingdings 2" charset="2"/>
+              <a:buNone/>
+              <a:defRPr sz="1600" kern="1200">
+                <a:solidFill>
+                  <a:schemeClr val="tx1">
+                    <a:tint val="75000"/>
+                  </a:schemeClr>
+                </a:solidFill>
+                <a:latin typeface="+mn-lt"/>
+                <a:ea typeface="+mn-ea"/>
+                <a:cs typeface="+mn-cs"/>
+              </a:defRPr>
+            </a:lvl3pPr>
+            <a:lvl4pPr marL="1371600" indent="0" algn="l" defTabSz="457200" rtl="0" eaLnBrk="1" latinLnBrk="0" hangingPunct="1">
+              <a:spcBef>
+                <a:spcPct val="20000"/>
+              </a:spcBef>
+              <a:spcAft>
+                <a:spcPts val="600"/>
+              </a:spcAft>
+              <a:buClr>
+                <a:schemeClr val="accent1"/>
+              </a:buClr>
+              <a:buFont typeface="Wingdings 2" charset="2"/>
+              <a:buNone/>
+              <a:defRPr sz="1400" kern="1200">
+                <a:solidFill>
+                  <a:schemeClr val="tx1">
+                    <a:tint val="75000"/>
+                  </a:schemeClr>
+                </a:solidFill>
+                <a:latin typeface="+mn-lt"/>
+                <a:ea typeface="+mn-ea"/>
+                <a:cs typeface="+mn-cs"/>
+              </a:defRPr>
+            </a:lvl4pPr>
+            <a:lvl5pPr marL="1828800" indent="0" algn="l" defTabSz="457200" rtl="0" eaLnBrk="1" latinLnBrk="0" hangingPunct="1">
+              <a:spcBef>
+                <a:spcPct val="20000"/>
+              </a:spcBef>
+              <a:spcAft>
+                <a:spcPts val="600"/>
+              </a:spcAft>
+              <a:buClr>
+                <a:schemeClr val="accent1"/>
+              </a:buClr>
+              <a:buFont typeface="Wingdings 2" charset="2"/>
+              <a:buNone/>
+              <a:defRPr sz="1400" kern="1200">
+                <a:solidFill>
+                  <a:schemeClr val="tx1">
+                    <a:tint val="75000"/>
+                  </a:schemeClr>
+                </a:solidFill>
+                <a:latin typeface="+mn-lt"/>
+                <a:ea typeface="+mn-ea"/>
+                <a:cs typeface="+mn-cs"/>
+              </a:defRPr>
+            </a:lvl5pPr>
+            <a:lvl6pPr marL="2286000" indent="0" algn="l" defTabSz="457200" rtl="0" eaLnBrk="1" latinLnBrk="0" hangingPunct="1">
+              <a:spcBef>
+                <a:spcPct val="20000"/>
+              </a:spcBef>
+              <a:spcAft>
+                <a:spcPts val="600"/>
+              </a:spcAft>
+              <a:buClr>
+                <a:schemeClr val="accent1"/>
+              </a:buClr>
+              <a:buFont typeface="Wingdings 2" charset="2"/>
+              <a:buNone/>
+              <a:defRPr sz="1400" kern="1200">
+                <a:solidFill>
+                  <a:schemeClr val="tx1">
+                    <a:tint val="75000"/>
+                  </a:schemeClr>
+                </a:solidFill>
+                <a:latin typeface="+mn-lt"/>
+                <a:ea typeface="+mn-ea"/>
+                <a:cs typeface="+mn-cs"/>
+              </a:defRPr>
+            </a:lvl6pPr>
+            <a:lvl7pPr marL="2743200" indent="0" algn="l" defTabSz="457200" rtl="0" eaLnBrk="1" latinLnBrk="0" hangingPunct="1">
+              <a:spcBef>
+                <a:spcPct val="20000"/>
+              </a:spcBef>
+              <a:spcAft>
+                <a:spcPts val="600"/>
+              </a:spcAft>
+              <a:buClr>
+                <a:schemeClr val="accent1"/>
+              </a:buClr>
+              <a:buFont typeface="Wingdings 2" charset="2"/>
+              <a:buNone/>
+              <a:defRPr sz="1400" kern="1200">
+                <a:solidFill>
+                  <a:schemeClr val="tx1">
+                    <a:tint val="75000"/>
+                  </a:schemeClr>
+                </a:solidFill>
+                <a:latin typeface="+mn-lt"/>
+                <a:ea typeface="+mn-ea"/>
+                <a:cs typeface="+mn-cs"/>
+              </a:defRPr>
+            </a:lvl7pPr>
+            <a:lvl8pPr marL="3200400" indent="0" algn="l" defTabSz="457200" rtl="0" eaLnBrk="1" latinLnBrk="0" hangingPunct="1">
+              <a:spcBef>
+                <a:spcPct val="20000"/>
+              </a:spcBef>
+              <a:spcAft>
+                <a:spcPts val="600"/>
+              </a:spcAft>
+              <a:buClr>
+                <a:schemeClr val="accent1"/>
+              </a:buClr>
+              <a:buFont typeface="Wingdings 2" charset="2"/>
+              <a:buNone/>
+              <a:defRPr sz="1400" kern="1200">
+                <a:solidFill>
+                  <a:schemeClr val="tx1">
+                    <a:tint val="75000"/>
+                  </a:schemeClr>
+                </a:solidFill>
+                <a:latin typeface="+mn-lt"/>
+                <a:ea typeface="+mn-ea"/>
+                <a:cs typeface="+mn-cs"/>
+              </a:defRPr>
+            </a:lvl8pPr>
+            <a:lvl9pPr marL="3657600" indent="0" algn="l" defTabSz="457200" rtl="0" eaLnBrk="1" latinLnBrk="0" hangingPunct="1">
+              <a:spcBef>
+                <a:spcPct val="20000"/>
+              </a:spcBef>
+              <a:spcAft>
+                <a:spcPts val="600"/>
+              </a:spcAft>
+              <a:buClr>
+                <a:schemeClr val="accent1"/>
+              </a:buClr>
+              <a:buFont typeface="Wingdings 2" charset="2"/>
+              <a:buNone/>
+              <a:defRPr sz="1400" kern="1200">
+                <a:solidFill>
+                  <a:schemeClr val="tx1">
+                    <a:tint val="75000"/>
+                  </a:schemeClr>
+                </a:solidFill>
+                <a:latin typeface="+mn-lt"/>
+                <a:ea typeface="+mn-ea"/>
+                <a:cs typeface="+mn-cs"/>
+              </a:defRPr>
+            </a:lvl9pPr>
+          </a:lstStyle>
+          <a:p>
+            <a:pPr algn="l"/>
+            <a:r>
+              <a:rPr lang="en-IN" sz="2000" dirty="0" err="1" smtClean="0"/>
+              <a:t>Ashutosh</a:t>
+            </a:r>
+            <a:r>
+              <a:rPr lang="en-IN" sz="2000" dirty="0" smtClean="0"/>
+              <a:t> Singh </a:t>
+            </a:r>
+            <a:r>
+              <a:rPr lang="en-IN" sz="2000" dirty="0" err="1" smtClean="0"/>
+              <a:t>Dengri</a:t>
+            </a:r>
+            <a:endParaRPr lang="en-IN" sz="2000" dirty="0" smtClean="0"/>
+          </a:p>
+          <a:p>
+            <a:pPr marL="342900" indent="-342900" algn="l">
+              <a:buClr>
+                <a:schemeClr val="tx1"/>
+              </a:buClr>
+              <a:buFont typeface="Wingdings" pitchFamily="2" charset="2"/>
+              <a:buChar char="§"/>
+            </a:pPr>
+            <a:r>
+              <a:rPr lang="en-IN" sz="2000" dirty="0" err="1" smtClean="0"/>
+              <a:t>Arduino</a:t>
+            </a:r>
+            <a:r>
+              <a:rPr lang="en-IN" sz="2000" dirty="0" smtClean="0"/>
+              <a:t>, </a:t>
+            </a:r>
+          </a:p>
+          <a:p>
+            <a:pPr marL="342900" indent="-342900" algn="l">
+              <a:buClr>
+                <a:schemeClr val="tx1"/>
+              </a:buClr>
+              <a:buFont typeface="Wingdings" pitchFamily="2" charset="2"/>
+              <a:buChar char="§"/>
+            </a:pPr>
+            <a:r>
+              <a:rPr lang="en-IN" sz="2000" dirty="0" smtClean="0"/>
+              <a:t>Android studio</a:t>
+            </a:r>
+          </a:p>
+          <a:p>
+            <a:pPr marL="342900" indent="-342900" algn="l">
+              <a:buFont typeface="Wingdings" pitchFamily="2" charset="2"/>
+              <a:buChar char="§"/>
+            </a:pPr>
+            <a:endParaRPr lang="en-IN" sz="2000" dirty="0" smtClean="0"/>
+          </a:p>
+          <a:p>
+            <a:pPr marL="342900" indent="-342900" algn="l">
+              <a:buFont typeface="Wingdings" pitchFamily="2" charset="2"/>
+              <a:buChar char="§"/>
+            </a:pPr>
+            <a:endParaRPr lang="en-IN" sz="2000" dirty="0" smtClean="0">
+              <a:solidFill>
+                <a:srgbClr val="FF0000"/>
+              </a:solidFill>
+            </a:endParaRPr>
+          </a:p>
+          <a:p>
+            <a:pPr algn="l"/>
+            <a:endParaRPr lang="en-IN" dirty="0"/>
+          </a:p>
+        </p:txBody>
+      </p:sp>
+      <p:sp>
+        <p:nvSpPr>
+          <p:cNvPr id="7" name="Text Placeholder 4">
+            <a:extLst>
+              <a:ext uri="{FF2B5EF4-FFF2-40B4-BE49-F238E27FC236}">
+                <a16:creationId xmlns:a16="http://schemas.microsoft.com/office/drawing/2014/main" xmlns="" id="{CDF41A3A-E9CA-4285-85BF-76E2A3838F70}"/>
+              </a:ext>
+            </a:extLst>
+          </p:cNvPr>
+          <p:cNvSpPr txBox="1">
+            <a:spLocks/>
+          </p:cNvSpPr>
+          <p:nvPr/>
+        </p:nvSpPr>
+        <p:spPr>
+          <a:xfrm>
+            <a:off x="7116710" y="2662065"/>
+            <a:ext cx="1812605" cy="433955"/>
+          </a:xfrm>
+          <a:prstGeom prst="rect">
+            <a:avLst/>
+          </a:prstGeom>
+          <a:effectLst>
+            <a:outerShdw blurRad="50800" dir="14400000">
+              <a:srgbClr val="000000">
+                <a:alpha val="40000"/>
+              </a:srgbClr>
+            </a:outerShdw>
+          </a:effectLst>
+        </p:spPr>
+        <p:txBody>
+          <a:bodyPr vert="horz" lIns="91440" tIns="45720" rIns="91440" bIns="45720" rtlCol="0" anchor="t">
+            <a:noAutofit/>
+          </a:bodyPr>
+          <a:lstStyle>
+            <a:lvl1pPr marL="0" indent="0" algn="r" defTabSz="457200" rtl="0" eaLnBrk="1" latinLnBrk="0" hangingPunct="1">
+              <a:spcBef>
+                <a:spcPct val="20000"/>
+              </a:spcBef>
+              <a:spcAft>
+                <a:spcPts val="600"/>
+              </a:spcAft>
+              <a:buClr>
+                <a:schemeClr val="accent1"/>
+              </a:buClr>
+              <a:buFont typeface="Wingdings 2" charset="2"/>
+              <a:buNone/>
+              <a:defRPr sz="1800" kern="1200">
+                <a:solidFill>
+                  <a:schemeClr val="tx1"/>
+                </a:solidFill>
+                <a:latin typeface="+mn-lt"/>
+                <a:ea typeface="+mn-ea"/>
+                <a:cs typeface="+mn-cs"/>
+              </a:defRPr>
+            </a:lvl1pPr>
+            <a:lvl2pPr marL="457200" indent="0" algn="l" defTabSz="457200" rtl="0" eaLnBrk="1" latinLnBrk="0" hangingPunct="1">
+              <a:spcBef>
+                <a:spcPct val="20000"/>
+              </a:spcBef>
+              <a:spcAft>
+                <a:spcPts val="600"/>
+              </a:spcAft>
+              <a:buClr>
+                <a:schemeClr val="accent1"/>
+              </a:buClr>
+              <a:buFont typeface="Wingdings 2" charset="2"/>
+              <a:buNone/>
+              <a:defRPr sz="1800" kern="1200">
+                <a:solidFill>
+                  <a:schemeClr val="tx1">
+                    <a:tint val="75000"/>
+                  </a:schemeClr>
+                </a:solidFill>
+                <a:latin typeface="+mn-lt"/>
+                <a:ea typeface="+mn-ea"/>
+                <a:cs typeface="+mn-cs"/>
+              </a:defRPr>
+            </a:lvl2pPr>
+            <a:lvl3pPr marL="914400" indent="0" algn="l" defTabSz="457200" rtl="0" eaLnBrk="1" latinLnBrk="0" hangingPunct="1">
+              <a:spcBef>
+                <a:spcPct val="20000"/>
+              </a:spcBef>
+              <a:spcAft>
+                <a:spcPts val="600"/>
+              </a:spcAft>
+              <a:buClr>
+                <a:schemeClr val="accent1"/>
+              </a:buClr>
+              <a:buFont typeface="Wingdings 2" charset="2"/>
+              <a:buNone/>
+              <a:defRPr sz="1600" kern="1200">
+                <a:solidFill>
+                  <a:schemeClr val="tx1">
+                    <a:tint val="75000"/>
+                  </a:schemeClr>
+                </a:solidFill>
+                <a:latin typeface="+mn-lt"/>
+                <a:ea typeface="+mn-ea"/>
+                <a:cs typeface="+mn-cs"/>
+              </a:defRPr>
+            </a:lvl3pPr>
+            <a:lvl4pPr marL="1371600" indent="0" algn="l" defTabSz="457200" rtl="0" eaLnBrk="1" latinLnBrk="0" hangingPunct="1">
+              <a:spcBef>
+                <a:spcPct val="20000"/>
+              </a:spcBef>
+              <a:spcAft>
+                <a:spcPts val="600"/>
+              </a:spcAft>
+              <a:buClr>
+                <a:schemeClr val="accent1"/>
+              </a:buClr>
+              <a:buFont typeface="Wingdings 2" charset="2"/>
+              <a:buNone/>
+              <a:defRPr sz="1400" kern="1200">
+                <a:solidFill>
+                  <a:schemeClr val="tx1">
+                    <a:tint val="75000"/>
+                  </a:schemeClr>
+                </a:solidFill>
+                <a:latin typeface="+mn-lt"/>
+                <a:ea typeface="+mn-ea"/>
+                <a:cs typeface="+mn-cs"/>
+              </a:defRPr>
+            </a:lvl4pPr>
+            <a:lvl5pPr marL="1828800" indent="0" algn="l" defTabSz="457200" rtl="0" eaLnBrk="1" latinLnBrk="0" hangingPunct="1">
+              <a:spcBef>
+                <a:spcPct val="20000"/>
+              </a:spcBef>
+              <a:spcAft>
+                <a:spcPts val="600"/>
+              </a:spcAft>
+              <a:buClr>
+                <a:schemeClr val="accent1"/>
+              </a:buClr>
+              <a:buFont typeface="Wingdings 2" charset="2"/>
+              <a:buNone/>
+              <a:defRPr sz="1400" kern="1200">
+                <a:solidFill>
+                  <a:schemeClr val="tx1">
+                    <a:tint val="75000"/>
+                  </a:schemeClr>
+                </a:solidFill>
+                <a:latin typeface="+mn-lt"/>
+                <a:ea typeface="+mn-ea"/>
+                <a:cs typeface="+mn-cs"/>
+              </a:defRPr>
+            </a:lvl5pPr>
+            <a:lvl6pPr marL="2286000" indent="0" algn="l" defTabSz="457200" rtl="0" eaLnBrk="1" latinLnBrk="0" hangingPunct="1">
+              <a:spcBef>
+                <a:spcPct val="20000"/>
+              </a:spcBef>
+              <a:spcAft>
+                <a:spcPts val="600"/>
+              </a:spcAft>
+              <a:buClr>
+                <a:schemeClr val="accent1"/>
+              </a:buClr>
+              <a:buFont typeface="Wingdings 2" charset="2"/>
+              <a:buNone/>
+              <a:defRPr sz="1400" kern="1200">
+                <a:solidFill>
+                  <a:schemeClr val="tx1">
+                    <a:tint val="75000"/>
+                  </a:schemeClr>
+                </a:solidFill>
+                <a:latin typeface="+mn-lt"/>
+                <a:ea typeface="+mn-ea"/>
+                <a:cs typeface="+mn-cs"/>
+              </a:defRPr>
+            </a:lvl6pPr>
+            <a:lvl7pPr marL="2743200" indent="0" algn="l" defTabSz="457200" rtl="0" eaLnBrk="1" latinLnBrk="0" hangingPunct="1">
+              <a:spcBef>
+                <a:spcPct val="20000"/>
+              </a:spcBef>
+              <a:spcAft>
+                <a:spcPts val="600"/>
+              </a:spcAft>
+              <a:buClr>
+                <a:schemeClr val="accent1"/>
+              </a:buClr>
+              <a:buFont typeface="Wingdings 2" charset="2"/>
+              <a:buNone/>
+              <a:defRPr sz="1400" kern="1200">
+                <a:solidFill>
+                  <a:schemeClr val="tx1">
+                    <a:tint val="75000"/>
+                  </a:schemeClr>
+                </a:solidFill>
+                <a:latin typeface="+mn-lt"/>
+                <a:ea typeface="+mn-ea"/>
+                <a:cs typeface="+mn-cs"/>
+              </a:defRPr>
+            </a:lvl7pPr>
+            <a:lvl8pPr marL="3200400" indent="0" algn="l" defTabSz="457200" rtl="0" eaLnBrk="1" latinLnBrk="0" hangingPunct="1">
+              <a:spcBef>
+                <a:spcPct val="20000"/>
+              </a:spcBef>
+              <a:spcAft>
+                <a:spcPts val="600"/>
+              </a:spcAft>
+              <a:buClr>
+                <a:schemeClr val="accent1"/>
+              </a:buClr>
+              <a:buFont typeface="Wingdings 2" charset="2"/>
+              <a:buNone/>
+              <a:defRPr sz="1400" kern="1200">
+                <a:solidFill>
+                  <a:schemeClr val="tx1">
+                    <a:tint val="75000"/>
+                  </a:schemeClr>
+                </a:solidFill>
+                <a:latin typeface="+mn-lt"/>
+                <a:ea typeface="+mn-ea"/>
+                <a:cs typeface="+mn-cs"/>
+              </a:defRPr>
+            </a:lvl8pPr>
+            <a:lvl9pPr marL="3657600" indent="0" algn="l" defTabSz="457200" rtl="0" eaLnBrk="1" latinLnBrk="0" hangingPunct="1">
+              <a:spcBef>
+                <a:spcPct val="20000"/>
+              </a:spcBef>
+              <a:spcAft>
+                <a:spcPts val="600"/>
+              </a:spcAft>
+              <a:buClr>
+                <a:schemeClr val="accent1"/>
+              </a:buClr>
+              <a:buFont typeface="Wingdings 2" charset="2"/>
+              <a:buNone/>
+              <a:defRPr sz="1400" kern="1200">
+                <a:solidFill>
+                  <a:schemeClr val="tx1">
+                    <a:tint val="75000"/>
+                  </a:schemeClr>
+                </a:solidFill>
+                <a:latin typeface="+mn-lt"/>
+                <a:ea typeface="+mn-ea"/>
+                <a:cs typeface="+mn-cs"/>
+              </a:defRPr>
+            </a:lvl9pPr>
+          </a:lstStyle>
+          <a:p>
+            <a:pPr algn="l"/>
+            <a:endParaRPr lang="en-IN" sz="2000" dirty="0" smtClean="0"/>
+          </a:p>
+          <a:p>
+            <a:pPr algn="l"/>
+            <a:r>
+              <a:rPr lang="en-IN" sz="2000" dirty="0" err="1" smtClean="0"/>
+              <a:t>Samyak</a:t>
+            </a:r>
+            <a:r>
+              <a:rPr lang="en-IN" sz="2000" dirty="0" smtClean="0"/>
+              <a:t> Jain</a:t>
+            </a:r>
+          </a:p>
+          <a:p>
+            <a:pPr marL="342900" indent="-342900" algn="l">
+              <a:buClr>
+                <a:schemeClr val="tx1"/>
+              </a:buClr>
+              <a:buFont typeface="Wingdings" pitchFamily="2" charset="2"/>
+              <a:buChar char="§"/>
+            </a:pPr>
+            <a:r>
+              <a:rPr lang="en-IN" sz="2000" dirty="0" err="1" smtClean="0"/>
+              <a:t>Arduino</a:t>
+            </a:r>
+            <a:endParaRPr lang="en-IN" sz="2000" dirty="0" smtClean="0"/>
+          </a:p>
+          <a:p>
+            <a:pPr marL="342900" indent="-342900" algn="l">
+              <a:buClr>
+                <a:schemeClr val="tx1"/>
+              </a:buClr>
+              <a:buFont typeface="Wingdings" pitchFamily="2" charset="2"/>
+              <a:buChar char="§"/>
+            </a:pPr>
+            <a:r>
+              <a:rPr lang="en-IN" sz="2000" dirty="0" smtClean="0"/>
+              <a:t>IOT</a:t>
+            </a:r>
+          </a:p>
+          <a:p>
+            <a:pPr algn="l"/>
+            <a:endParaRPr lang="en-IN" dirty="0"/>
+          </a:p>
+        </p:txBody>
+      </p:sp>
+      <p:sp>
+        <p:nvSpPr>
+          <p:cNvPr id="8" name="Text Placeholder 4">
+            <a:extLst>
+              <a:ext uri="{FF2B5EF4-FFF2-40B4-BE49-F238E27FC236}">
+                <a16:creationId xmlns:a16="http://schemas.microsoft.com/office/drawing/2014/main" xmlns="" id="{CDF41A3A-E9CA-4285-85BF-76E2A3838F70}"/>
+              </a:ext>
+            </a:extLst>
+          </p:cNvPr>
+          <p:cNvSpPr txBox="1">
+            <a:spLocks/>
+          </p:cNvSpPr>
+          <p:nvPr/>
+        </p:nvSpPr>
+        <p:spPr>
+          <a:xfrm>
+            <a:off x="286539" y="2751673"/>
+            <a:ext cx="3299498" cy="1009294"/>
+          </a:xfrm>
+          <a:prstGeom prst="rect">
+            <a:avLst/>
+          </a:prstGeom>
+          <a:effectLst>
+            <a:outerShdw blurRad="50800" dir="14400000">
+              <a:srgbClr val="000000">
+                <a:alpha val="40000"/>
+              </a:srgbClr>
+            </a:outerShdw>
+          </a:effectLst>
+        </p:spPr>
+        <p:txBody>
+          <a:bodyPr vert="horz" lIns="91440" tIns="45720" rIns="91440" bIns="45720" rtlCol="0" anchor="t">
+            <a:noAutofit/>
+          </a:bodyPr>
+          <a:lstStyle>
+            <a:lvl1pPr marL="0" indent="0" algn="r" defTabSz="457200" rtl="0" eaLnBrk="1" latinLnBrk="0" hangingPunct="1">
+              <a:spcBef>
+                <a:spcPct val="20000"/>
+              </a:spcBef>
+              <a:spcAft>
+                <a:spcPts val="600"/>
+              </a:spcAft>
+              <a:buClr>
+                <a:schemeClr val="accent1"/>
+              </a:buClr>
+              <a:buFont typeface="Wingdings 2" charset="2"/>
+              <a:buNone/>
+              <a:defRPr sz="1800" kern="1200">
+                <a:solidFill>
+                  <a:schemeClr val="tx1"/>
+                </a:solidFill>
+                <a:latin typeface="+mn-lt"/>
+                <a:ea typeface="+mn-ea"/>
+                <a:cs typeface="+mn-cs"/>
+              </a:defRPr>
+            </a:lvl1pPr>
+            <a:lvl2pPr marL="457200" indent="0" algn="l" defTabSz="457200" rtl="0" eaLnBrk="1" latinLnBrk="0" hangingPunct="1">
+              <a:spcBef>
+                <a:spcPct val="20000"/>
+              </a:spcBef>
+              <a:spcAft>
+                <a:spcPts val="600"/>
+              </a:spcAft>
+              <a:buClr>
+                <a:schemeClr val="accent1"/>
+              </a:buClr>
+              <a:buFont typeface="Wingdings 2" charset="2"/>
+              <a:buNone/>
+              <a:defRPr sz="1800" kern="1200">
+                <a:solidFill>
+                  <a:schemeClr val="tx1">
+                    <a:tint val="75000"/>
+                  </a:schemeClr>
+                </a:solidFill>
+                <a:latin typeface="+mn-lt"/>
+                <a:ea typeface="+mn-ea"/>
+                <a:cs typeface="+mn-cs"/>
+              </a:defRPr>
+            </a:lvl2pPr>
+            <a:lvl3pPr marL="914400" indent="0" algn="l" defTabSz="457200" rtl="0" eaLnBrk="1" latinLnBrk="0" hangingPunct="1">
+              <a:spcBef>
+                <a:spcPct val="20000"/>
+              </a:spcBef>
+              <a:spcAft>
+                <a:spcPts val="600"/>
+              </a:spcAft>
+              <a:buClr>
+                <a:schemeClr val="accent1"/>
+              </a:buClr>
+              <a:buFont typeface="Wingdings 2" charset="2"/>
+              <a:buNone/>
+              <a:defRPr sz="1600" kern="1200">
+                <a:solidFill>
+                  <a:schemeClr val="tx1">
+                    <a:tint val="75000"/>
+                  </a:schemeClr>
+                </a:solidFill>
+                <a:latin typeface="+mn-lt"/>
+                <a:ea typeface="+mn-ea"/>
+                <a:cs typeface="+mn-cs"/>
+              </a:defRPr>
+            </a:lvl3pPr>
+            <a:lvl4pPr marL="1371600" indent="0" algn="l" defTabSz="457200" rtl="0" eaLnBrk="1" latinLnBrk="0" hangingPunct="1">
+              <a:spcBef>
+                <a:spcPct val="20000"/>
+              </a:spcBef>
+              <a:spcAft>
+                <a:spcPts val="600"/>
+              </a:spcAft>
+              <a:buClr>
+                <a:schemeClr val="accent1"/>
+              </a:buClr>
+              <a:buFont typeface="Wingdings 2" charset="2"/>
+              <a:buNone/>
+              <a:defRPr sz="1400" kern="1200">
+                <a:solidFill>
+                  <a:schemeClr val="tx1">
+                    <a:tint val="75000"/>
+                  </a:schemeClr>
+                </a:solidFill>
+                <a:latin typeface="+mn-lt"/>
+                <a:ea typeface="+mn-ea"/>
+                <a:cs typeface="+mn-cs"/>
+              </a:defRPr>
+            </a:lvl4pPr>
+            <a:lvl5pPr marL="1828800" indent="0" algn="l" defTabSz="457200" rtl="0" eaLnBrk="1" latinLnBrk="0" hangingPunct="1">
+              <a:spcBef>
+                <a:spcPct val="20000"/>
+              </a:spcBef>
+              <a:spcAft>
+                <a:spcPts val="600"/>
+              </a:spcAft>
+              <a:buClr>
+                <a:schemeClr val="accent1"/>
+              </a:buClr>
+              <a:buFont typeface="Wingdings 2" charset="2"/>
+              <a:buNone/>
+              <a:defRPr sz="1400" kern="1200">
+                <a:solidFill>
+                  <a:schemeClr val="tx1">
+                    <a:tint val="75000"/>
+                  </a:schemeClr>
+                </a:solidFill>
+                <a:latin typeface="+mn-lt"/>
+                <a:ea typeface="+mn-ea"/>
+                <a:cs typeface="+mn-cs"/>
+              </a:defRPr>
+            </a:lvl5pPr>
+            <a:lvl6pPr marL="2286000" indent="0" algn="l" defTabSz="457200" rtl="0" eaLnBrk="1" latinLnBrk="0" hangingPunct="1">
+              <a:spcBef>
+                <a:spcPct val="20000"/>
+              </a:spcBef>
+              <a:spcAft>
+                <a:spcPts val="600"/>
+              </a:spcAft>
+              <a:buClr>
+                <a:schemeClr val="accent1"/>
+              </a:buClr>
+              <a:buFont typeface="Wingdings 2" charset="2"/>
+              <a:buNone/>
+              <a:defRPr sz="1400" kern="1200">
+                <a:solidFill>
+                  <a:schemeClr val="tx1">
+                    <a:tint val="75000"/>
+                  </a:schemeClr>
+                </a:solidFill>
+                <a:latin typeface="+mn-lt"/>
+                <a:ea typeface="+mn-ea"/>
+                <a:cs typeface="+mn-cs"/>
+              </a:defRPr>
+            </a:lvl6pPr>
+            <a:lvl7pPr marL="2743200" indent="0" algn="l" defTabSz="457200" rtl="0" eaLnBrk="1" latinLnBrk="0" hangingPunct="1">
+              <a:spcBef>
+                <a:spcPct val="20000"/>
+              </a:spcBef>
+              <a:spcAft>
+                <a:spcPts val="600"/>
+              </a:spcAft>
+              <a:buClr>
+                <a:schemeClr val="accent1"/>
+              </a:buClr>
+              <a:buFont typeface="Wingdings 2" charset="2"/>
+              <a:buNone/>
+              <a:defRPr sz="1400" kern="1200">
+                <a:solidFill>
+                  <a:schemeClr val="tx1">
+                    <a:tint val="75000"/>
+                  </a:schemeClr>
+                </a:solidFill>
+                <a:latin typeface="+mn-lt"/>
+                <a:ea typeface="+mn-ea"/>
+                <a:cs typeface="+mn-cs"/>
+              </a:defRPr>
+            </a:lvl7pPr>
+            <a:lvl8pPr marL="3200400" indent="0" algn="l" defTabSz="457200" rtl="0" eaLnBrk="1" latinLnBrk="0" hangingPunct="1">
+              <a:spcBef>
+                <a:spcPct val="20000"/>
+              </a:spcBef>
+              <a:spcAft>
+                <a:spcPts val="600"/>
+              </a:spcAft>
+              <a:buClr>
+                <a:schemeClr val="accent1"/>
+              </a:buClr>
+              <a:buFont typeface="Wingdings 2" charset="2"/>
+              <a:buNone/>
+              <a:defRPr sz="1400" kern="1200">
+                <a:solidFill>
+                  <a:schemeClr val="tx1">
+                    <a:tint val="75000"/>
+                  </a:schemeClr>
+                </a:solidFill>
+                <a:latin typeface="+mn-lt"/>
+                <a:ea typeface="+mn-ea"/>
+                <a:cs typeface="+mn-cs"/>
+              </a:defRPr>
+            </a:lvl8pPr>
+            <a:lvl9pPr marL="3657600" indent="0" algn="l" defTabSz="457200" rtl="0" eaLnBrk="1" latinLnBrk="0" hangingPunct="1">
+              <a:spcBef>
+                <a:spcPct val="20000"/>
+              </a:spcBef>
+              <a:spcAft>
+                <a:spcPts val="600"/>
+              </a:spcAft>
+              <a:buClr>
+                <a:schemeClr val="accent1"/>
+              </a:buClr>
+              <a:buFont typeface="Wingdings 2" charset="2"/>
+              <a:buNone/>
+              <a:defRPr sz="1400" kern="1200">
+                <a:solidFill>
+                  <a:schemeClr val="tx1">
+                    <a:tint val="75000"/>
+                  </a:schemeClr>
+                </a:solidFill>
+                <a:latin typeface="+mn-lt"/>
+                <a:ea typeface="+mn-ea"/>
+                <a:cs typeface="+mn-cs"/>
+              </a:defRPr>
+            </a:lvl9pPr>
+          </a:lstStyle>
+          <a:p>
+            <a:pPr algn="l"/>
+            <a:endParaRPr lang="en-IN" sz="2000" dirty="0" smtClean="0"/>
+          </a:p>
+          <a:p>
+            <a:pPr algn="l"/>
+            <a:r>
+              <a:rPr lang="en-IN" sz="2000" dirty="0" err="1" smtClean="0"/>
+              <a:t>Bhagatpreet</a:t>
+            </a:r>
+            <a:r>
+              <a:rPr lang="en-IN" sz="2000" dirty="0" smtClean="0"/>
+              <a:t>  Singh  </a:t>
+            </a:r>
+            <a:r>
+              <a:rPr lang="en-IN" sz="2000" dirty="0" err="1" smtClean="0"/>
+              <a:t>Nagi</a:t>
+            </a:r>
+            <a:endParaRPr lang="en-IN" sz="2000" dirty="0" smtClean="0"/>
+          </a:p>
+          <a:p>
+            <a:pPr marL="342900" indent="-342900" algn="l">
+              <a:buClr>
+                <a:schemeClr val="tx1"/>
+              </a:buClr>
+              <a:buFont typeface="Wingdings" pitchFamily="2" charset="2"/>
+              <a:buChar char="§"/>
+            </a:pPr>
+            <a:r>
+              <a:rPr lang="en-IN" sz="2000" dirty="0" err="1" smtClean="0"/>
+              <a:t>Arduino</a:t>
+            </a:r>
+            <a:endParaRPr lang="en-IN" sz="2000" dirty="0" smtClean="0"/>
+          </a:p>
+          <a:p>
+            <a:pPr marL="342900" indent="-342900" algn="l">
+              <a:buClr>
+                <a:schemeClr val="tx1"/>
+              </a:buClr>
+              <a:buFont typeface="Wingdings" pitchFamily="2" charset="2"/>
+              <a:buChar char="§"/>
+            </a:pPr>
+            <a:r>
+              <a:rPr lang="en-IN" sz="2000" dirty="0" smtClean="0"/>
+              <a:t>Python</a:t>
+            </a:r>
+          </a:p>
+          <a:p>
+            <a:pPr algn="l"/>
+            <a:endParaRPr lang="en-IN" sz="2000" dirty="0" smtClean="0"/>
+          </a:p>
+          <a:p>
+            <a:pPr algn="l"/>
+            <a:endParaRPr lang="en-IN" dirty="0"/>
+          </a:p>
+        </p:txBody>
+      </p:sp>
+      <p:sp>
+        <p:nvSpPr>
+          <p:cNvPr id="9" name="Text Placeholder 4">
+            <a:extLst>
+              <a:ext uri="{FF2B5EF4-FFF2-40B4-BE49-F238E27FC236}">
+                <a16:creationId xmlns:a16="http://schemas.microsoft.com/office/drawing/2014/main" xmlns="" id="{CDF41A3A-E9CA-4285-85BF-76E2A3838F70}"/>
+              </a:ext>
+            </a:extLst>
+          </p:cNvPr>
+          <p:cNvSpPr txBox="1">
+            <a:spLocks/>
+          </p:cNvSpPr>
+          <p:nvPr/>
+        </p:nvSpPr>
+        <p:spPr>
+          <a:xfrm>
+            <a:off x="286539" y="4460283"/>
+            <a:ext cx="3045057" cy="433955"/>
+          </a:xfrm>
+          <a:prstGeom prst="rect">
+            <a:avLst/>
+          </a:prstGeom>
+          <a:effectLst>
+            <a:outerShdw blurRad="50800" dir="14400000">
+              <a:srgbClr val="000000">
+                <a:alpha val="40000"/>
+              </a:srgbClr>
+            </a:outerShdw>
+          </a:effectLst>
+        </p:spPr>
+        <p:txBody>
+          <a:bodyPr vert="horz" lIns="91440" tIns="45720" rIns="91440" bIns="45720" rtlCol="0" anchor="t">
+            <a:noAutofit/>
+          </a:bodyPr>
+          <a:lstStyle>
+            <a:lvl1pPr marL="0" indent="0" algn="r" defTabSz="457200" rtl="0" eaLnBrk="1" latinLnBrk="0" hangingPunct="1">
+              <a:spcBef>
+                <a:spcPct val="20000"/>
+              </a:spcBef>
+              <a:spcAft>
+                <a:spcPts val="600"/>
+              </a:spcAft>
+              <a:buClr>
+                <a:schemeClr val="accent1"/>
+              </a:buClr>
+              <a:buFont typeface="Wingdings 2" charset="2"/>
+              <a:buNone/>
+              <a:defRPr sz="1800" kern="1200">
+                <a:solidFill>
+                  <a:schemeClr val="tx1"/>
+                </a:solidFill>
+                <a:latin typeface="+mn-lt"/>
+                <a:ea typeface="+mn-ea"/>
+                <a:cs typeface="+mn-cs"/>
+              </a:defRPr>
+            </a:lvl1pPr>
+            <a:lvl2pPr marL="457200" indent="0" algn="l" defTabSz="457200" rtl="0" eaLnBrk="1" latinLnBrk="0" hangingPunct="1">
+              <a:spcBef>
+                <a:spcPct val="20000"/>
+              </a:spcBef>
+              <a:spcAft>
+                <a:spcPts val="600"/>
+              </a:spcAft>
+              <a:buClr>
+                <a:schemeClr val="accent1"/>
+              </a:buClr>
+              <a:buFont typeface="Wingdings 2" charset="2"/>
+              <a:buNone/>
+              <a:defRPr sz="1800" kern="1200">
+                <a:solidFill>
+                  <a:schemeClr val="tx1">
+                    <a:tint val="75000"/>
+                  </a:schemeClr>
+                </a:solidFill>
+                <a:latin typeface="+mn-lt"/>
+                <a:ea typeface="+mn-ea"/>
+                <a:cs typeface="+mn-cs"/>
+              </a:defRPr>
+            </a:lvl2pPr>
+            <a:lvl3pPr marL="914400" indent="0" algn="l" defTabSz="457200" rtl="0" eaLnBrk="1" latinLnBrk="0" hangingPunct="1">
+              <a:spcBef>
+                <a:spcPct val="20000"/>
+              </a:spcBef>
+              <a:spcAft>
+                <a:spcPts val="600"/>
+              </a:spcAft>
+              <a:buClr>
+                <a:schemeClr val="accent1"/>
+              </a:buClr>
+              <a:buFont typeface="Wingdings 2" charset="2"/>
+              <a:buNone/>
+              <a:defRPr sz="1600" kern="1200">
+                <a:solidFill>
+                  <a:schemeClr val="tx1">
+                    <a:tint val="75000"/>
+                  </a:schemeClr>
+                </a:solidFill>
+                <a:latin typeface="+mn-lt"/>
+                <a:ea typeface="+mn-ea"/>
+                <a:cs typeface="+mn-cs"/>
+              </a:defRPr>
+            </a:lvl3pPr>
+            <a:lvl4pPr marL="1371600" indent="0" algn="l" defTabSz="457200" rtl="0" eaLnBrk="1" latinLnBrk="0" hangingPunct="1">
+              <a:spcBef>
+                <a:spcPct val="20000"/>
+              </a:spcBef>
+              <a:spcAft>
+                <a:spcPts val="600"/>
+              </a:spcAft>
+              <a:buClr>
+                <a:schemeClr val="accent1"/>
+              </a:buClr>
+              <a:buFont typeface="Wingdings 2" charset="2"/>
+              <a:buNone/>
+              <a:defRPr sz="1400" kern="1200">
+                <a:solidFill>
+                  <a:schemeClr val="tx1">
+                    <a:tint val="75000"/>
+                  </a:schemeClr>
+                </a:solidFill>
+                <a:latin typeface="+mn-lt"/>
+                <a:ea typeface="+mn-ea"/>
+                <a:cs typeface="+mn-cs"/>
+              </a:defRPr>
+            </a:lvl4pPr>
+            <a:lvl5pPr marL="1828800" indent="0" algn="l" defTabSz="457200" rtl="0" eaLnBrk="1" latinLnBrk="0" hangingPunct="1">
+              <a:spcBef>
+                <a:spcPct val="20000"/>
+              </a:spcBef>
+              <a:spcAft>
+                <a:spcPts val="600"/>
+              </a:spcAft>
+              <a:buClr>
+                <a:schemeClr val="accent1"/>
+              </a:buClr>
+              <a:buFont typeface="Wingdings 2" charset="2"/>
+              <a:buNone/>
+              <a:defRPr sz="1400" kern="1200">
+                <a:solidFill>
+                  <a:schemeClr val="tx1">
+                    <a:tint val="75000"/>
+                  </a:schemeClr>
+                </a:solidFill>
+                <a:latin typeface="+mn-lt"/>
+                <a:ea typeface="+mn-ea"/>
+                <a:cs typeface="+mn-cs"/>
+              </a:defRPr>
+            </a:lvl5pPr>
+            <a:lvl6pPr marL="2286000" indent="0" algn="l" defTabSz="457200" rtl="0" eaLnBrk="1" latinLnBrk="0" hangingPunct="1">
+              <a:spcBef>
+                <a:spcPct val="20000"/>
+              </a:spcBef>
+              <a:spcAft>
+                <a:spcPts val="600"/>
+              </a:spcAft>
+              <a:buClr>
+                <a:schemeClr val="accent1"/>
+              </a:buClr>
+              <a:buFont typeface="Wingdings 2" charset="2"/>
+              <a:buNone/>
+              <a:defRPr sz="1400" kern="1200">
+                <a:solidFill>
+                  <a:schemeClr val="tx1">
+                    <a:tint val="75000"/>
+                  </a:schemeClr>
+                </a:solidFill>
+                <a:latin typeface="+mn-lt"/>
+                <a:ea typeface="+mn-ea"/>
+                <a:cs typeface="+mn-cs"/>
+              </a:defRPr>
+            </a:lvl6pPr>
+            <a:lvl7pPr marL="2743200" indent="0" algn="l" defTabSz="457200" rtl="0" eaLnBrk="1" latinLnBrk="0" hangingPunct="1">
+              <a:spcBef>
+                <a:spcPct val="20000"/>
+              </a:spcBef>
+              <a:spcAft>
+                <a:spcPts val="600"/>
+              </a:spcAft>
+              <a:buClr>
+                <a:schemeClr val="accent1"/>
+              </a:buClr>
+              <a:buFont typeface="Wingdings 2" charset="2"/>
+              <a:buNone/>
+              <a:defRPr sz="1400" kern="1200">
+                <a:solidFill>
+                  <a:schemeClr val="tx1">
+                    <a:tint val="75000"/>
+                  </a:schemeClr>
+                </a:solidFill>
+                <a:latin typeface="+mn-lt"/>
+                <a:ea typeface="+mn-ea"/>
+                <a:cs typeface="+mn-cs"/>
+              </a:defRPr>
+            </a:lvl7pPr>
+            <a:lvl8pPr marL="3200400" indent="0" algn="l" defTabSz="457200" rtl="0" eaLnBrk="1" latinLnBrk="0" hangingPunct="1">
+              <a:spcBef>
+                <a:spcPct val="20000"/>
+              </a:spcBef>
+              <a:spcAft>
+                <a:spcPts val="600"/>
+              </a:spcAft>
+              <a:buClr>
+                <a:schemeClr val="accent1"/>
+              </a:buClr>
+              <a:buFont typeface="Wingdings 2" charset="2"/>
+              <a:buNone/>
+              <a:defRPr sz="1400" kern="1200">
+                <a:solidFill>
+                  <a:schemeClr val="tx1">
+                    <a:tint val="75000"/>
+                  </a:schemeClr>
+                </a:solidFill>
+                <a:latin typeface="+mn-lt"/>
+                <a:ea typeface="+mn-ea"/>
+                <a:cs typeface="+mn-cs"/>
+              </a:defRPr>
+            </a:lvl8pPr>
+            <a:lvl9pPr marL="3657600" indent="0" algn="l" defTabSz="457200" rtl="0" eaLnBrk="1" latinLnBrk="0" hangingPunct="1">
+              <a:spcBef>
+                <a:spcPct val="20000"/>
+              </a:spcBef>
+              <a:spcAft>
+                <a:spcPts val="600"/>
+              </a:spcAft>
+              <a:buClr>
+                <a:schemeClr val="accent1"/>
+              </a:buClr>
+              <a:buFont typeface="Wingdings 2" charset="2"/>
+              <a:buNone/>
+              <a:defRPr sz="1400" kern="1200">
+                <a:solidFill>
+                  <a:schemeClr val="tx1">
+                    <a:tint val="75000"/>
+                  </a:schemeClr>
+                </a:solidFill>
+                <a:latin typeface="+mn-lt"/>
+                <a:ea typeface="+mn-ea"/>
+                <a:cs typeface="+mn-cs"/>
+              </a:defRPr>
+            </a:lvl9pPr>
+          </a:lstStyle>
+          <a:p>
+            <a:pPr algn="l"/>
+            <a:endParaRPr lang="en-IN" sz="2000" dirty="0" smtClean="0"/>
+          </a:p>
+          <a:p>
+            <a:pPr algn="l"/>
+            <a:r>
+              <a:rPr lang="en-IN" sz="2000" dirty="0" smtClean="0"/>
+              <a:t>Rajeev  Kumar  </a:t>
+            </a:r>
+          </a:p>
+          <a:p>
+            <a:pPr marL="342900" indent="-342900" algn="l">
+              <a:buClr>
+                <a:schemeClr val="tx1"/>
+              </a:buClr>
+              <a:buFont typeface="Wingdings" pitchFamily="2" charset="2"/>
+              <a:buChar char="§"/>
+            </a:pPr>
+            <a:r>
+              <a:rPr lang="en-IN" sz="2000" dirty="0" smtClean="0"/>
+              <a:t>C</a:t>
+            </a:r>
+          </a:p>
+          <a:p>
+            <a:pPr marL="342900" indent="-342900" algn="l">
+              <a:buClr>
+                <a:schemeClr val="tx1"/>
+              </a:buClr>
+              <a:buFont typeface="Wingdings" pitchFamily="2" charset="2"/>
+              <a:buChar char="§"/>
+            </a:pPr>
+            <a:r>
+              <a:rPr lang="en-IN" sz="2000" dirty="0" smtClean="0"/>
+              <a:t>C++</a:t>
+            </a:r>
+          </a:p>
+          <a:p>
+            <a:pPr algn="l"/>
+            <a:endParaRPr lang="en-IN" dirty="0"/>
+          </a:p>
+        </p:txBody>
+      </p:sp>
+      <p:pic>
+        <p:nvPicPr>
+          <p:cNvPr id="10" name="Picture 2"/>
+          <p:cNvPicPr>
+            <a:picLocks noChangeAspect="1" noChangeArrowheads="1"/>
+          </p:cNvPicPr>
+          <p:nvPr/>
+        </p:nvPicPr>
+        <p:blipFill>
+          <a:blip r:embed="rId2" cstate="print">
+            <a:extLst>
+              <a:ext uri="{28A0092B-C50C-407E-A947-70E740481C1C}">
+                <a14:useLocalDpi xmlns:a14="http://schemas.microsoft.com/office/drawing/2010/main" val="0"/>
+              </a:ext>
+            </a:extLst>
+          </a:blip>
+          <a:srcRect/>
+          <a:stretch>
+            <a:fillRect/>
+          </a:stretch>
+        </p:blipFill>
+        <p:spPr bwMode="auto">
+          <a:xfrm>
+            <a:off x="4518372" y="3341779"/>
+            <a:ext cx="1103202" cy="1118504"/>
+          </a:xfrm>
+          <a:prstGeom prst="rect">
+            <a:avLst/>
+          </a:prstGeom>
+          <a:noFill/>
+          <a:ln>
+            <a:noFill/>
+          </a:ln>
+          <a:effectLst/>
+          <a:extLst>
+            <a:ext uri="{909E8E84-426E-40DD-AFC4-6F175D3DCCD1}">
+              <a14:hiddenFill xmlns:a14="http://schemas.microsoft.com/office/drawing/2010/main">
+                <a:solidFill>
+                  <a:schemeClr val="accent1"/>
+                </a:solidFill>
+              </a14:hiddenFill>
+            </a:ext>
+            <a:ext uri="{91240B29-F687-4F45-9708-019B960494DF}">
+              <a14:hiddenLine xmlns:a14="http://schemas.microsoft.com/office/drawing/2010/main" w="9525">
+                <a:solidFill>
+                  <a:schemeClr val="tx1"/>
+                </a:solidFill>
+                <a:miter lim="800000"/>
+                <a:headEnd/>
+                <a:tailEnd/>
+              </a14:hiddenLine>
+            </a:ext>
+            <a:ext uri="{AF507438-7753-43E0-B8FC-AC1667EBCBE1}">
+              <a14:hiddenEffects xmlns:a14="http://schemas.microsoft.com/office/drawing/2010/main">
+                <a:effectLst>
+                  <a:outerShdw dist="35921" dir="2700000" algn="ctr" rotWithShape="0">
+                    <a:schemeClr val="bg2"/>
+                  </a:outerShdw>
+                </a:effectLst>
+              </a14:hiddenEffects>
+            </a:ext>
+          </a:extLst>
+        </p:spPr>
+      </p:pic>
+      <p:pic>
+        <p:nvPicPr>
+          <p:cNvPr id="11" name="Picture 3"/>
+          <p:cNvPicPr>
+            <a:picLocks noChangeAspect="1" noChangeArrowheads="1"/>
+          </p:cNvPicPr>
+          <p:nvPr/>
+        </p:nvPicPr>
+        <p:blipFill>
+          <a:blip r:embed="rId3">
+            <a:extLst>
+              <a:ext uri="{28A0092B-C50C-407E-A947-70E740481C1C}">
+                <a14:useLocalDpi xmlns:a14="http://schemas.microsoft.com/office/drawing/2010/main" val="0"/>
+              </a:ext>
+            </a:extLst>
+          </a:blip>
+          <a:srcRect/>
+          <a:stretch>
+            <a:fillRect/>
+          </a:stretch>
+        </p:blipFill>
+        <p:spPr bwMode="auto">
+          <a:xfrm>
+            <a:off x="9840208" y="1450565"/>
+            <a:ext cx="1168827" cy="1186470"/>
+          </a:xfrm>
+          <a:prstGeom prst="rect">
+            <a:avLst/>
+          </a:prstGeom>
+          <a:noFill/>
+          <a:ln>
+            <a:noFill/>
+          </a:ln>
+          <a:effectLst/>
+          <a:extLst>
+            <a:ext uri="{909E8E84-426E-40DD-AFC4-6F175D3DCCD1}">
+              <a14:hiddenFill xmlns:a14="http://schemas.microsoft.com/office/drawing/2010/main">
+                <a:solidFill>
+                  <a:schemeClr val="accent1"/>
+                </a:solidFill>
+              </a14:hiddenFill>
+            </a:ext>
+            <a:ext uri="{91240B29-F687-4F45-9708-019B960494DF}">
+              <a14:hiddenLine xmlns:a14="http://schemas.microsoft.com/office/drawing/2010/main" w="9525">
+                <a:solidFill>
+                  <a:schemeClr val="tx1"/>
+                </a:solidFill>
+                <a:miter lim="800000"/>
+                <a:headEnd/>
+                <a:tailEnd/>
+              </a14:hiddenLine>
+            </a:ext>
+            <a:ext uri="{AF507438-7753-43E0-B8FC-AC1667EBCBE1}">
+              <a14:hiddenEffects xmlns:a14="http://schemas.microsoft.com/office/drawing/2010/main">
+                <a:effectLst>
+                  <a:outerShdw dist="35921" dir="2700000" algn="ctr" rotWithShape="0">
+                    <a:schemeClr val="bg2"/>
+                  </a:outerShdw>
+                </a:effectLst>
+              </a14:hiddenEffects>
+            </a:ext>
+          </a:extLst>
+        </p:spPr>
+      </p:pic>
+      <p:pic>
+        <p:nvPicPr>
+          <p:cNvPr id="12" name="Picture 7"/>
+          <p:cNvPicPr>
+            <a:picLocks noChangeAspect="1" noChangeArrowheads="1"/>
+          </p:cNvPicPr>
+          <p:nvPr/>
+        </p:nvPicPr>
+        <p:blipFill>
+          <a:blip r:embed="rId4">
+            <a:extLst>
+              <a:ext uri="{28A0092B-C50C-407E-A947-70E740481C1C}">
+                <a14:useLocalDpi xmlns:a14="http://schemas.microsoft.com/office/drawing/2010/main" val="0"/>
+              </a:ext>
+            </a:extLst>
+          </a:blip>
+          <a:srcRect/>
+          <a:stretch>
+            <a:fillRect/>
+          </a:stretch>
+        </p:blipFill>
+        <p:spPr bwMode="auto">
+          <a:xfrm>
+            <a:off x="4513380" y="1553872"/>
+            <a:ext cx="1108193" cy="1108193"/>
+          </a:xfrm>
+          <a:prstGeom prst="rect">
+            <a:avLst/>
+          </a:prstGeom>
+          <a:noFill/>
+          <a:ln>
+            <a:noFill/>
+          </a:ln>
+          <a:effectLst/>
+          <a:extLst>
+            <a:ext uri="{909E8E84-426E-40DD-AFC4-6F175D3DCCD1}">
+              <a14:hiddenFill xmlns:a14="http://schemas.microsoft.com/office/drawing/2010/main">
+                <a:solidFill>
+                  <a:schemeClr val="accent1"/>
+                </a:solidFill>
+              </a14:hiddenFill>
+            </a:ext>
+            <a:ext uri="{91240B29-F687-4F45-9708-019B960494DF}">
+              <a14:hiddenLine xmlns:a14="http://schemas.microsoft.com/office/drawing/2010/main" w="9525">
+                <a:solidFill>
+                  <a:schemeClr val="tx1"/>
+                </a:solidFill>
+                <a:miter lim="800000"/>
+                <a:headEnd/>
+                <a:tailEnd/>
+              </a14:hiddenLine>
+            </a:ext>
+            <a:ext uri="{AF507438-7753-43E0-B8FC-AC1667EBCBE1}">
+              <a14:hiddenEffects xmlns:a14="http://schemas.microsoft.com/office/drawing/2010/main">
+                <a:effectLst>
+                  <a:outerShdw dist="35921" dir="2700000" algn="ctr" rotWithShape="0">
+                    <a:schemeClr val="bg2"/>
+                  </a:outerShdw>
+                </a:effectLst>
+              </a14:hiddenEffects>
+            </a:ext>
+          </a:extLst>
+        </p:spPr>
+      </p:pic>
+      <p:pic>
+        <p:nvPicPr>
+          <p:cNvPr id="13" name="Picture 8"/>
+          <p:cNvPicPr>
+            <a:picLocks noChangeAspect="1" noChangeArrowheads="1"/>
+          </p:cNvPicPr>
+          <p:nvPr/>
+        </p:nvPicPr>
+        <p:blipFill>
+          <a:blip r:embed="rId5" cstate="print">
+            <a:extLst>
+              <a:ext uri="{28A0092B-C50C-407E-A947-70E740481C1C}">
+                <a14:useLocalDpi xmlns:a14="http://schemas.microsoft.com/office/drawing/2010/main" val="0"/>
+              </a:ext>
+            </a:extLst>
+          </a:blip>
+          <a:srcRect/>
+          <a:stretch>
+            <a:fillRect/>
+          </a:stretch>
+        </p:blipFill>
+        <p:spPr bwMode="auto">
+          <a:xfrm>
+            <a:off x="4490233" y="5220395"/>
+            <a:ext cx="1154486" cy="1148600"/>
+          </a:xfrm>
+          <a:prstGeom prst="rect">
+            <a:avLst/>
+          </a:prstGeom>
+          <a:noFill/>
+          <a:ln>
+            <a:noFill/>
+          </a:ln>
+          <a:effectLst/>
+          <a:extLst>
+            <a:ext uri="{909E8E84-426E-40DD-AFC4-6F175D3DCCD1}">
+              <a14:hiddenFill xmlns:a14="http://schemas.microsoft.com/office/drawing/2010/main">
+                <a:solidFill>
+                  <a:schemeClr val="accent1"/>
+                </a:solidFill>
+              </a14:hiddenFill>
+            </a:ext>
+            <a:ext uri="{91240B29-F687-4F45-9708-019B960494DF}">
+              <a14:hiddenLine xmlns:a14="http://schemas.microsoft.com/office/drawing/2010/main" w="9525">
+                <a:solidFill>
+                  <a:schemeClr val="tx1"/>
+                </a:solidFill>
+                <a:miter lim="800000"/>
+                <a:headEnd/>
+                <a:tailEnd/>
+              </a14:hiddenLine>
+            </a:ext>
+            <a:ext uri="{AF507438-7753-43E0-B8FC-AC1667EBCBE1}">
+              <a14:hiddenEffects xmlns:a14="http://schemas.microsoft.com/office/drawing/2010/main">
+                <a:effectLst>
+                  <a:outerShdw dist="35921" dir="2700000" algn="ctr" rotWithShape="0">
+                    <a:schemeClr val="bg2"/>
+                  </a:outerShdw>
+                </a:effectLst>
+              </a14:hiddenEffects>
+            </a:ext>
+          </a:extLst>
+        </p:spPr>
+      </p:pic>
+      <p:pic>
+        <p:nvPicPr>
+          <p:cNvPr id="14" name="Picture 9"/>
+          <p:cNvPicPr>
+            <a:picLocks noChangeAspect="1" noChangeArrowheads="1"/>
+          </p:cNvPicPr>
+          <p:nvPr/>
+        </p:nvPicPr>
+        <p:blipFill>
+          <a:blip r:embed="rId6" cstate="print">
+            <a:extLst>
+              <a:ext uri="{28A0092B-C50C-407E-A947-70E740481C1C}">
+                <a14:useLocalDpi xmlns:a14="http://schemas.microsoft.com/office/drawing/2010/main" val="0"/>
+              </a:ext>
+            </a:extLst>
+          </a:blip>
+          <a:srcRect/>
+          <a:stretch>
+            <a:fillRect/>
+          </a:stretch>
+        </p:blipFill>
+        <p:spPr bwMode="auto">
+          <a:xfrm>
+            <a:off x="9840208" y="3256319"/>
+            <a:ext cx="1210593" cy="1203964"/>
+          </a:xfrm>
+          <a:prstGeom prst="rect">
+            <a:avLst/>
+          </a:prstGeom>
+          <a:noFill/>
+          <a:ln>
+            <a:noFill/>
+          </a:ln>
+          <a:effectLst/>
+          <a:extLst>
+            <a:ext uri="{909E8E84-426E-40DD-AFC4-6F175D3DCCD1}">
+              <a14:hiddenFill xmlns:a14="http://schemas.microsoft.com/office/drawing/2010/main">
+                <a:solidFill>
+                  <a:schemeClr val="accent1"/>
+                </a:solidFill>
+              </a14:hiddenFill>
+            </a:ext>
+            <a:ext uri="{91240B29-F687-4F45-9708-019B960494DF}">
+              <a14:hiddenLine xmlns:a14="http://schemas.microsoft.com/office/drawing/2010/main" w="9525">
+                <a:solidFill>
+                  <a:schemeClr val="tx1"/>
+                </a:solidFill>
+                <a:miter lim="800000"/>
+                <a:headEnd/>
+                <a:tailEnd/>
+              </a14:hiddenLine>
+            </a:ext>
+            <a:ext uri="{AF507438-7753-43E0-B8FC-AC1667EBCBE1}">
+              <a14:hiddenEffects xmlns:a14="http://schemas.microsoft.com/office/drawing/2010/main">
+                <a:effectLst>
+                  <a:outerShdw dist="35921" dir="2700000" algn="ctr" rotWithShape="0">
+                    <a:schemeClr val="bg2"/>
+                  </a:outerShdw>
+                </a:effectLst>
+              </a14:hiddenEffects>
+            </a:ext>
+          </a:extLst>
+        </p:spPr>
+      </p:pic>
     </p:spTree>
     <p:extLst>
       <p:ext uri="{BB962C8B-B14F-4D97-AF65-F5344CB8AC3E}">
-        <p14:creationId xmlns:p14="http://schemas.microsoft.com/office/powerpoint/2010/main" val="1867696022"/>
+        <p14:creationId xmlns:p14="http://schemas.microsoft.com/office/powerpoint/2010/main" val="1712736317"/>
       </p:ext>
     </p:extLst>
   </p:cSld>
   <p:clrMapOvr>
     <a:masterClrMapping/>
   </p:clrMapOvr>
+  <p:timing>
+    <p:tnLst>
+      <p:par>
+        <p:cTn id="1" dur="indefinite" restart="never" nodeType="tmRoot"/>
+      </p:par>
+    </p:tnLst>
+  </p:timing>
 </p:sld>
 </file>
 
@@ -6331,7 +7922,7 @@
           <p:cNvPr id="2" name="Title 1">
             <a:extLst>
               <a:ext uri="{FF2B5EF4-FFF2-40B4-BE49-F238E27FC236}">
-                <a16:creationId xmlns:a16="http://schemas.microsoft.com/office/drawing/2014/main" id="{17FD2131-22BE-464B-B887-07A189BF3A6B}"/>
+                <a16:creationId xmlns:a16="http://schemas.microsoft.com/office/drawing/2014/main" xmlns="" id="{778BFF3D-7FCB-4D69-BAA7-049F51B6AB2A}"/>
               </a:ext>
             </a:extLst>
           </p:cNvPr>
@@ -6348,27 +7939,18 @@
           <a:lstStyle/>
           <a:p>
             <a:r>
-              <a:rPr lang="en-IN" dirty="0" err="1"/>
-              <a:t>Bhagatpreet</a:t>
-            </a:r>
-            <a:r>
               <a:rPr lang="en-IN" dirty="0"/>
-              <a:t> Singh </a:t>
-            </a:r>
-            <a:r>
-              <a:rPr lang="en-IN" dirty="0" err="1"/>
-              <a:t>Nagi</a:t>
-            </a:r>
-            <a:endParaRPr lang="en-IN" dirty="0"/>
-          </a:p>
-        </p:txBody>
-      </p:sp>
-      <p:sp>
-        <p:nvSpPr>
-          <p:cNvPr id="5" name="Text Placeholder 4">
+              <a:t>ABOUT THE PROJECT</a:t>
+            </a:r>
+          </a:p>
+        </p:txBody>
+      </p:sp>
+      <p:sp>
+        <p:nvSpPr>
+          <p:cNvPr id="3" name="Content Placeholder 2">
             <a:extLst>
               <a:ext uri="{FF2B5EF4-FFF2-40B4-BE49-F238E27FC236}">
-                <a16:creationId xmlns:a16="http://schemas.microsoft.com/office/drawing/2014/main" id="{C07CFDFA-046B-483C-BE9A-FEDCE6D21687}"/>
+                <a16:creationId xmlns:a16="http://schemas.microsoft.com/office/drawing/2014/main" xmlns="" id="{A38B03F9-F473-428A-90A1-C6D6AFCCECF4}"/>
               </a:ext>
             </a:extLst>
           </p:cNvPr>
@@ -6376,7 +7958,7 @@
             <a:spLocks noGrp="1"/>
           </p:cNvSpPr>
           <p:nvPr>
-            <p:ph type="body" sz="half" idx="2"/>
+            <p:ph idx="1"/>
           </p:nvPr>
         </p:nvSpPr>
         <p:spPr/>
@@ -6384,81 +7966,56 @@
           <a:bodyPr/>
           <a:lstStyle/>
           <a:p>
+            <a:r>
+              <a:rPr lang="en-IN" dirty="0"/>
+              <a:t>Theme :  Medical</a:t>
+            </a:r>
+          </a:p>
+          <a:p>
+            <a:pPr marL="0" indent="0">
+              <a:buNone/>
+            </a:pPr>
             <a:endParaRPr lang="en-IN" dirty="0"/>
           </a:p>
-        </p:txBody>
-      </p:sp>
-      <p:sp>
-        <p:nvSpPr>
-          <p:cNvPr id="8" name="Content Placeholder 7">
-            <a:extLst>
-              <a:ext uri="{FF2B5EF4-FFF2-40B4-BE49-F238E27FC236}">
-                <a16:creationId xmlns:a16="http://schemas.microsoft.com/office/drawing/2014/main" id="{910E17CE-50C0-49E7-94AF-8774C718BF3F}"/>
-              </a:ext>
-            </a:extLst>
-          </p:cNvPr>
-          <p:cNvSpPr>
-            <a:spLocks noGrp="1"/>
-          </p:cNvSpPr>
-          <p:nvPr>
-            <p:ph idx="1"/>
-          </p:nvPr>
-        </p:nvSpPr>
-        <p:spPr/>
-        <p:txBody>
-          <a:bodyPr/>
-          <a:lstStyle/>
-          <a:p>
-            <a:endParaRPr lang="en-IN" dirty="0"/>
-          </a:p>
-        </p:txBody>
-      </p:sp>
-      <p:pic>
-        <p:nvPicPr>
-          <p:cNvPr id="12" name="Picture 11">
-            <a:extLst>
-              <a:ext uri="{FF2B5EF4-FFF2-40B4-BE49-F238E27FC236}">
-                <a16:creationId xmlns:a16="http://schemas.microsoft.com/office/drawing/2014/main" id="{EC3B45A8-2508-447B-9E2E-A7CF0DF8E081}"/>
-              </a:ext>
-            </a:extLst>
-          </p:cNvPr>
-          <p:cNvPicPr>
-            <a:picLocks noChangeAspect="1"/>
-          </p:cNvPicPr>
-          <p:nvPr/>
-        </p:nvPicPr>
-        <p:blipFill>
-          <a:blip r:embed="rId2">
-            <a:extLst>
-              <a:ext uri="{28A0092B-C50C-407E-A947-70E740481C1C}">
-                <a14:useLocalDpi xmlns:a14="http://schemas.microsoft.com/office/drawing/2010/main" val="0"/>
-              </a:ext>
-            </a:extLst>
-          </a:blip>
-          <a:stretch>
-            <a:fillRect/>
-          </a:stretch>
-        </p:blipFill>
-        <p:spPr>
-          <a:xfrm>
-            <a:off x="1073151" y="2260738"/>
-            <a:ext cx="3547533" cy="3600311"/>
-          </a:xfrm>
-          <a:prstGeom prst="rect">
-            <a:avLst/>
-          </a:prstGeom>
-        </p:spPr>
-      </p:pic>
+          <a:p>
+            <a:r>
+              <a:rPr lang="en-IN" dirty="0"/>
+              <a:t>Problem Statement :  Notifying Doctor about irregularity in patient’s heart rate, prompting to check up on the patient, along with an </a:t>
+            </a:r>
+            <a:r>
+              <a:rPr lang="en-IN" b="1" dirty="0">
+                <a:solidFill>
+                  <a:schemeClr val="tx1">
+                    <a:lumMod val="95000"/>
+                  </a:schemeClr>
+                </a:solidFill>
+              </a:rPr>
+              <a:t>EMERGENCY</a:t>
+            </a:r>
+            <a:r>
+              <a:rPr lang="en-IN" dirty="0"/>
+              <a:t> mode.</a:t>
+            </a:r>
+          </a:p>
+        </p:txBody>
+      </p:sp>
     </p:spTree>
     <p:extLst>
       <p:ext uri="{BB962C8B-B14F-4D97-AF65-F5344CB8AC3E}">
-        <p14:creationId xmlns:p14="http://schemas.microsoft.com/office/powerpoint/2010/main" val="4059831659"/>
+        <p14:creationId xmlns:p14="http://schemas.microsoft.com/office/powerpoint/2010/main" val="1908667983"/>
       </p:ext>
     </p:extLst>
   </p:cSld>
   <p:clrMapOvr>
     <a:masterClrMapping/>
   </p:clrMapOvr>
+  <p:timing>
+    <p:tnLst>
+      <p:par>
+        <p:cTn id="1" dur="indefinite" restart="never" nodeType="tmRoot"/>
+      </p:par>
+    </p:tnLst>
+  </p:timing>
 </p:sld>
 </file>
 
@@ -6484,7 +8041,7 @@
           <p:cNvPr id="2" name="Title 1">
             <a:extLst>
               <a:ext uri="{FF2B5EF4-FFF2-40B4-BE49-F238E27FC236}">
-                <a16:creationId xmlns:a16="http://schemas.microsoft.com/office/drawing/2014/main" id="{17FD2131-22BE-464B-B887-07A189BF3A6B}"/>
+                <a16:creationId xmlns:a16="http://schemas.microsoft.com/office/drawing/2014/main" xmlns="" id="{A92C1F16-4813-4F6C-BB94-11F80E023599}"/>
               </a:ext>
             </a:extLst>
           </p:cNvPr>
@@ -6502,17 +8059,17 @@
           <a:p>
             <a:r>
               <a:rPr lang="en-IN" dirty="0"/>
-              <a:t>Ashutosh Singh Dengri</a:t>
-            </a:r>
-          </a:p>
-        </p:txBody>
-      </p:sp>
-      <p:sp>
-        <p:nvSpPr>
-          <p:cNvPr id="4" name="Content Placeholder 3">
+              <a:t>LANGUAGE AND SOFTWARES USED</a:t>
+            </a:r>
+          </a:p>
+        </p:txBody>
+      </p:sp>
+      <p:sp>
+        <p:nvSpPr>
+          <p:cNvPr id="3" name="Content Placeholder 2">
             <a:extLst>
               <a:ext uri="{FF2B5EF4-FFF2-40B4-BE49-F238E27FC236}">
-                <a16:creationId xmlns:a16="http://schemas.microsoft.com/office/drawing/2014/main" id="{63EDB17A-0037-40A9-9DD5-C537A8DF75BF}"/>
+                <a16:creationId xmlns:a16="http://schemas.microsoft.com/office/drawing/2014/main" xmlns="" id="{EB2D1584-EF97-4D7C-BF6B-7FFEA949B857}"/>
               </a:ext>
             </a:extLst>
           </p:cNvPr>
@@ -6528,45 +8085,55 @@
           <a:bodyPr/>
           <a:lstStyle/>
           <a:p>
+            <a:r>
+              <a:rPr lang="en-IN" dirty="0" err="1" smtClean="0"/>
+              <a:t>Arduino</a:t>
+            </a:r>
+            <a:r>
+              <a:rPr lang="en-IN" dirty="0" smtClean="0"/>
+              <a:t> IDLE</a:t>
+            </a:r>
+          </a:p>
+          <a:p>
+            <a:r>
+              <a:rPr lang="en-IN" dirty="0" smtClean="0"/>
+              <a:t>C++</a:t>
+            </a:r>
+          </a:p>
+          <a:p>
+            <a:r>
+              <a:rPr lang="en-IN" dirty="0" smtClean="0"/>
+              <a:t>IFTTT</a:t>
+            </a:r>
+          </a:p>
+          <a:p>
+            <a:endParaRPr lang="en-IN" dirty="0" smtClean="0"/>
+          </a:p>
+          <a:p>
+            <a:pPr marL="0" indent="0">
+              <a:buNone/>
+            </a:pPr>
             <a:endParaRPr lang="en-IN" dirty="0"/>
-          </a:p>
-        </p:txBody>
-      </p:sp>
-      <p:sp>
-        <p:nvSpPr>
-          <p:cNvPr id="5" name="Text Placeholder 4">
-            <a:extLst>
-              <a:ext uri="{FF2B5EF4-FFF2-40B4-BE49-F238E27FC236}">
-                <a16:creationId xmlns:a16="http://schemas.microsoft.com/office/drawing/2014/main" id="{C07CFDFA-046B-483C-BE9A-FEDCE6D21687}"/>
-              </a:ext>
-            </a:extLst>
-          </p:cNvPr>
-          <p:cNvSpPr>
-            <a:spLocks noGrp="1"/>
-          </p:cNvSpPr>
-          <p:nvPr>
-            <p:ph type="body" sz="half" idx="2"/>
-          </p:nvPr>
-        </p:nvSpPr>
-        <p:spPr/>
-        <p:txBody>
-          <a:bodyPr/>
-          <a:lstStyle/>
-          <a:p>
-            <a:endParaRPr lang="en-IN"/>
           </a:p>
         </p:txBody>
       </p:sp>
     </p:spTree>
     <p:extLst>
       <p:ext uri="{BB962C8B-B14F-4D97-AF65-F5344CB8AC3E}">
-        <p14:creationId xmlns:p14="http://schemas.microsoft.com/office/powerpoint/2010/main" val="204298143"/>
+        <p14:creationId xmlns:p14="http://schemas.microsoft.com/office/powerpoint/2010/main" val="962927150"/>
       </p:ext>
     </p:extLst>
   </p:cSld>
   <p:clrMapOvr>
     <a:masterClrMapping/>
   </p:clrMapOvr>
+  <p:timing>
+    <p:tnLst>
+      <p:par>
+        <p:cTn id="1" dur="indefinite" restart="never" nodeType="tmRoot"/>
+      </p:par>
+    </p:tnLst>
+  </p:timing>
 </p:sld>
 </file>
 
@@ -6592,7 +8159,7 @@
           <p:cNvPr id="2" name="Title 1">
             <a:extLst>
               <a:ext uri="{FF2B5EF4-FFF2-40B4-BE49-F238E27FC236}">
-                <a16:creationId xmlns:a16="http://schemas.microsoft.com/office/drawing/2014/main" id="{86114C38-4B67-4614-BB3E-BA80E52D2E76}"/>
+                <a16:creationId xmlns:a16="http://schemas.microsoft.com/office/drawing/2014/main" xmlns="" id="{29C6A23B-A42C-45CE-BB14-7B31C1F08401}"/>
               </a:ext>
             </a:extLst>
           </p:cNvPr>
@@ -6609,12 +8176,8 @@
           <a:lstStyle/>
           <a:p>
             <a:r>
-              <a:rPr lang="en-IN" dirty="0" err="1"/>
-              <a:t>Samyak</a:t>
-            </a:r>
-            <a:r>
               <a:rPr lang="en-IN" dirty="0"/>
-              <a:t> Jain</a:t>
+              <a:t>HARDWARE USED</a:t>
             </a:r>
           </a:p>
         </p:txBody>
@@ -6624,7 +8187,7 @@
           <p:cNvPr id="3" name="Content Placeholder 2">
             <a:extLst>
               <a:ext uri="{FF2B5EF4-FFF2-40B4-BE49-F238E27FC236}">
-                <a16:creationId xmlns:a16="http://schemas.microsoft.com/office/drawing/2014/main" id="{8B66D671-0918-4E3C-8915-3885269F8783}"/>
+                <a16:creationId xmlns:a16="http://schemas.microsoft.com/office/drawing/2014/main" xmlns="" id="{A3A51057-7960-4A8B-B572-882F10438714}"/>
               </a:ext>
             </a:extLst>
           </p:cNvPr>
@@ -6640,45 +8203,103 @@
           <a:bodyPr/>
           <a:lstStyle/>
           <a:p>
+            <a:r>
+              <a:rPr lang="en-US" dirty="0"/>
+              <a:t>For this project we </a:t>
+            </a:r>
+            <a:r>
+              <a:rPr lang="en-US" dirty="0" smtClean="0"/>
+              <a:t>need– </a:t>
+            </a:r>
+          </a:p>
+          <a:p>
+            <a:r>
+              <a:rPr lang="en-US" dirty="0" smtClean="0"/>
+              <a:t>1.Arduino </a:t>
+            </a:r>
+            <a:r>
+              <a:rPr lang="en-US" dirty="0"/>
+              <a:t>Uno </a:t>
+            </a:r>
+            <a:endParaRPr lang="en-US" dirty="0" smtClean="0"/>
+          </a:p>
+          <a:p>
+            <a:r>
+              <a:rPr lang="en-US" dirty="0" smtClean="0"/>
+              <a:t>2.Heart </a:t>
+            </a:r>
+            <a:r>
+              <a:rPr lang="en-US" dirty="0"/>
+              <a:t>beat sensor </a:t>
+            </a:r>
+            <a:endParaRPr lang="en-US" dirty="0" smtClean="0"/>
+          </a:p>
+          <a:p>
+            <a:r>
+              <a:rPr lang="en-US" dirty="0" smtClean="0"/>
+              <a:t>3.Bread </a:t>
+            </a:r>
+            <a:r>
+              <a:rPr lang="en-US" dirty="0"/>
+              <a:t>Board </a:t>
+            </a:r>
+            <a:endParaRPr lang="en-US" dirty="0" smtClean="0"/>
+          </a:p>
+          <a:p>
+            <a:r>
+              <a:rPr lang="en-US" dirty="0" smtClean="0"/>
+              <a:t>4.Jumper </a:t>
+            </a:r>
+            <a:r>
+              <a:rPr lang="en-US" dirty="0"/>
+              <a:t>Wire </a:t>
+            </a:r>
+            <a:endParaRPr lang="en-US" dirty="0" smtClean="0"/>
+          </a:p>
+          <a:p>
+            <a:r>
+              <a:rPr lang="en-US" dirty="0" smtClean="0"/>
+              <a:t>5.16x2 </a:t>
+            </a:r>
+            <a:r>
+              <a:rPr lang="en-US" dirty="0"/>
+              <a:t>LCD </a:t>
+            </a:r>
+            <a:r>
+              <a:rPr lang="en-US" dirty="0" smtClean="0"/>
+              <a:t>Display</a:t>
+            </a:r>
+          </a:p>
+          <a:p>
+            <a:r>
+              <a:rPr lang="en-US" dirty="0" err="1" smtClean="0"/>
+              <a:t>Nodemcu</a:t>
+            </a:r>
+            <a:r>
+              <a:rPr lang="en-US" dirty="0" smtClean="0"/>
+              <a:t> ESP8266</a:t>
+            </a:r>
             <a:endParaRPr lang="en-IN" dirty="0"/>
-          </a:p>
-        </p:txBody>
-      </p:sp>
-      <p:sp>
-        <p:nvSpPr>
-          <p:cNvPr id="4" name="Text Placeholder 3">
-            <a:extLst>
-              <a:ext uri="{FF2B5EF4-FFF2-40B4-BE49-F238E27FC236}">
-                <a16:creationId xmlns:a16="http://schemas.microsoft.com/office/drawing/2014/main" id="{18527C9A-52F2-4841-8542-B469BA5BC02D}"/>
-              </a:ext>
-            </a:extLst>
-          </p:cNvPr>
-          <p:cNvSpPr>
-            <a:spLocks noGrp="1"/>
-          </p:cNvSpPr>
-          <p:nvPr>
-            <p:ph type="body" sz="half" idx="2"/>
-          </p:nvPr>
-        </p:nvSpPr>
-        <p:spPr/>
-        <p:txBody>
-          <a:bodyPr/>
-          <a:lstStyle/>
-          <a:p>
-            <a:endParaRPr lang="en-IN"/>
           </a:p>
         </p:txBody>
       </p:sp>
     </p:spTree>
     <p:extLst>
       <p:ext uri="{BB962C8B-B14F-4D97-AF65-F5344CB8AC3E}">
-        <p14:creationId xmlns:p14="http://schemas.microsoft.com/office/powerpoint/2010/main" val="3095278287"/>
+        <p14:creationId xmlns:p14="http://schemas.microsoft.com/office/powerpoint/2010/main" val="3562428060"/>
       </p:ext>
     </p:extLst>
   </p:cSld>
   <p:clrMapOvr>
     <a:masterClrMapping/>
   </p:clrMapOvr>
+  <p:timing>
+    <p:tnLst>
+      <p:par>
+        <p:cTn id="1" dur="indefinite" restart="never" nodeType="tmRoot"/>
+      </p:par>
+    </p:tnLst>
+  </p:timing>
 </p:sld>
 </file>
 
@@ -6704,7 +8325,7 @@
           <p:cNvPr id="2" name="Title 1">
             <a:extLst>
               <a:ext uri="{FF2B5EF4-FFF2-40B4-BE49-F238E27FC236}">
-                <a16:creationId xmlns:a16="http://schemas.microsoft.com/office/drawing/2014/main" id="{7900DD70-A22F-4771-903E-0C8B8C1DA265}"/>
+                <a16:creationId xmlns:a16="http://schemas.microsoft.com/office/drawing/2014/main" xmlns="" id="{9F650DF2-26EB-471F-AF05-F5A6B3B33BDD}"/>
               </a:ext>
             </a:extLst>
           </p:cNvPr>
@@ -6722,8 +8343,13 @@
           <a:p>
             <a:r>
               <a:rPr lang="en-IN" dirty="0"/>
-              <a:t>Amit Yadav</a:t>
-            </a:r>
+              <a:t>P</a:t>
+            </a:r>
+            <a:r>
+              <a:rPr lang="en-IN" dirty="0" smtClean="0"/>
+              <a:t>roblem</a:t>
+            </a:r>
+            <a:endParaRPr lang="en-IN" dirty="0"/>
           </a:p>
         </p:txBody>
       </p:sp>
@@ -6732,7 +8358,7 @@
           <p:cNvPr id="3" name="Content Placeholder 2">
             <a:extLst>
               <a:ext uri="{FF2B5EF4-FFF2-40B4-BE49-F238E27FC236}">
-                <a16:creationId xmlns:a16="http://schemas.microsoft.com/office/drawing/2014/main" id="{63404C62-2BF5-47BD-81E1-E525FE996E43}"/>
+                <a16:creationId xmlns:a16="http://schemas.microsoft.com/office/drawing/2014/main" xmlns="" id="{A089B21F-9E1E-4CA7-8FEC-D0D19E33EBCD}"/>
               </a:ext>
             </a:extLst>
           </p:cNvPr>
@@ -6743,86 +8369,59 @@
             <p:ph idx="1"/>
           </p:nvPr>
         </p:nvSpPr>
-        <p:spPr/>
+        <p:spPr>
+          <a:xfrm>
+            <a:off x="818712" y="2222287"/>
+            <a:ext cx="10554574" cy="1912391"/>
+          </a:xfrm>
+        </p:spPr>
         <p:txBody>
           <a:bodyPr/>
           <a:lstStyle/>
           <a:p>
+            <a:endParaRPr lang="en-IN" dirty="0" smtClean="0"/>
+          </a:p>
+          <a:p>
+            <a:r>
+              <a:rPr lang="en-IN" sz="2400" dirty="0" smtClean="0"/>
+              <a:t>No one can stay with heart patients all the time.</a:t>
+            </a:r>
+          </a:p>
+          <a:p>
+            <a:r>
+              <a:rPr lang="en-IN" sz="2400" dirty="0" smtClean="0"/>
+              <a:t>Heart patients may not receive timely treatment at times of emergency.</a:t>
+            </a:r>
+            <a:r>
+              <a:rPr lang="en-IN" dirty="0" smtClean="0"/>
+              <a:t> </a:t>
+            </a:r>
+          </a:p>
+          <a:p>
+            <a:endParaRPr lang="en-IN" dirty="0" smtClean="0"/>
+          </a:p>
+          <a:p>
             <a:endParaRPr lang="en-IN" dirty="0"/>
           </a:p>
         </p:txBody>
       </p:sp>
-      <p:sp>
-        <p:nvSpPr>
-          <p:cNvPr id="4" name="Text Placeholder 3">
-            <a:extLst>
-              <a:ext uri="{FF2B5EF4-FFF2-40B4-BE49-F238E27FC236}">
-                <a16:creationId xmlns:a16="http://schemas.microsoft.com/office/drawing/2014/main" id="{07834640-22E2-4DE1-A522-CF63C23E6D4D}"/>
-              </a:ext>
-            </a:extLst>
-          </p:cNvPr>
-          <p:cNvSpPr>
-            <a:spLocks noGrp="1"/>
-          </p:cNvSpPr>
-          <p:nvPr>
-            <p:ph type="body" sz="half" idx="2"/>
-          </p:nvPr>
-        </p:nvSpPr>
-        <p:spPr/>
-        <p:txBody>
-          <a:bodyPr/>
-          <a:lstStyle/>
-          <a:p>
-            <a:endParaRPr lang="en-IN"/>
-          </a:p>
-        </p:txBody>
-      </p:sp>
-      <p:pic>
-        <p:nvPicPr>
-          <p:cNvPr id="6" name="Picture 5">
-            <a:extLst>
-              <a:ext uri="{FF2B5EF4-FFF2-40B4-BE49-F238E27FC236}">
-                <a16:creationId xmlns:a16="http://schemas.microsoft.com/office/drawing/2014/main" id="{89306F82-764A-43E1-BA02-61180480FDF5}"/>
-              </a:ext>
-            </a:extLst>
-          </p:cNvPr>
-          <p:cNvPicPr>
-            <a:picLocks noChangeAspect="1"/>
-          </p:cNvPicPr>
-          <p:nvPr/>
-        </p:nvPicPr>
-        <p:blipFill>
-          <a:blip r:embed="rId2">
-            <a:extLst>
-              <a:ext uri="{28A0092B-C50C-407E-A947-70E740481C1C}">
-                <a14:useLocalDpi xmlns:a14="http://schemas.microsoft.com/office/drawing/2010/main" val="0"/>
-              </a:ext>
-            </a:extLst>
-          </a:blip>
-          <a:stretch>
-            <a:fillRect/>
-          </a:stretch>
-        </p:blipFill>
-        <p:spPr>
-          <a:xfrm>
-            <a:off x="1073150" y="2260737"/>
-            <a:ext cx="3547533" cy="3600311"/>
-          </a:xfrm>
-          <a:prstGeom prst="rect">
-            <a:avLst/>
-          </a:prstGeom>
-        </p:spPr>
-      </p:pic>
     </p:spTree>
     <p:extLst>
       <p:ext uri="{BB962C8B-B14F-4D97-AF65-F5344CB8AC3E}">
-        <p14:creationId xmlns:p14="http://schemas.microsoft.com/office/powerpoint/2010/main" val="3736964202"/>
+        <p14:creationId xmlns:p14="http://schemas.microsoft.com/office/powerpoint/2010/main" val="384651587"/>
       </p:ext>
     </p:extLst>
   </p:cSld>
   <p:clrMapOvr>
     <a:masterClrMapping/>
   </p:clrMapOvr>
+  <p:timing>
+    <p:tnLst>
+      <p:par>
+        <p:cTn id="1" dur="indefinite" restart="never" nodeType="tmRoot"/>
+      </p:par>
+    </p:tnLst>
+  </p:timing>
 </p:sld>
 </file>
 
@@ -6848,7 +8447,7 @@
           <p:cNvPr id="2" name="Title 1">
             <a:extLst>
               <a:ext uri="{FF2B5EF4-FFF2-40B4-BE49-F238E27FC236}">
-                <a16:creationId xmlns:a16="http://schemas.microsoft.com/office/drawing/2014/main" id="{B0917BB8-CF90-4ECC-8487-0710B9EE1CE4}"/>
+                <a16:creationId xmlns:a16="http://schemas.microsoft.com/office/drawing/2014/main" xmlns="" id="{E2C09314-1752-424C-A261-905493BF0654}"/>
               </a:ext>
             </a:extLst>
           </p:cNvPr>
@@ -6865,9 +8464,10 @@
           <a:lstStyle/>
           <a:p>
             <a:r>
-              <a:rPr lang="en-IN" dirty="0"/>
-              <a:t>Rajeev Kumar</a:t>
-            </a:r>
+              <a:rPr lang="en-IN" dirty="0" smtClean="0"/>
+              <a:t>Solution</a:t>
+            </a:r>
+            <a:endParaRPr lang="en-IN" dirty="0"/>
           </a:p>
         </p:txBody>
       </p:sp>
@@ -6876,7 +8476,7 @@
           <p:cNvPr id="3" name="Content Placeholder 2">
             <a:extLst>
               <a:ext uri="{FF2B5EF4-FFF2-40B4-BE49-F238E27FC236}">
-                <a16:creationId xmlns:a16="http://schemas.microsoft.com/office/drawing/2014/main" id="{FD7FCA16-3A6A-4162-B80D-E3219B9FFC5B}"/>
+                <a16:creationId xmlns:a16="http://schemas.microsoft.com/office/drawing/2014/main" xmlns="" id="{8DB31CDA-ACB5-4C32-AB72-CE56539EFD0B}"/>
               </a:ext>
             </a:extLst>
           </p:cNvPr>
@@ -6892,45 +8492,69 @@
           <a:bodyPr/>
           <a:lstStyle/>
           <a:p>
+            <a:pPr marL="0" indent="0">
+              <a:buNone/>
+            </a:pPr>
+            <a:r>
+              <a:rPr lang="en-IN" dirty="0" smtClean="0"/>
+              <a:t>More than 2 million people are at high risk of having heart attack.</a:t>
+            </a:r>
+          </a:p>
+          <a:p>
+            <a:pPr marL="0" indent="0">
+              <a:buNone/>
+            </a:pPr>
+            <a:r>
+              <a:rPr lang="en-IN" dirty="0" smtClean="0"/>
+              <a:t>It  would be helpful if there is a way for these people to monitor their heart.</a:t>
+            </a:r>
+          </a:p>
+          <a:p>
+            <a:pPr marL="0" indent="0">
+              <a:buNone/>
+            </a:pPr>
+            <a:r>
+              <a:rPr lang="en-IN" dirty="0" smtClean="0"/>
+              <a:t>We made a product that will notify</a:t>
+            </a:r>
+            <a:r>
+              <a:rPr lang="en-IN" dirty="0" smtClean="0"/>
+              <a:t> the patient’s family members or authorities,</a:t>
+            </a:r>
+          </a:p>
+          <a:p>
+            <a:pPr marL="0" indent="0">
+              <a:buNone/>
+            </a:pPr>
+            <a:r>
+              <a:rPr lang="en-IN" dirty="0"/>
+              <a:t>w</a:t>
+            </a:r>
+            <a:r>
+              <a:rPr lang="en-IN" dirty="0" smtClean="0"/>
+              <a:t>ho will take action.</a:t>
+            </a:r>
             <a:endParaRPr lang="en-IN" dirty="0"/>
-          </a:p>
-        </p:txBody>
-      </p:sp>
-      <p:sp>
-        <p:nvSpPr>
-          <p:cNvPr id="4" name="Text Placeholder 3">
-            <a:extLst>
-              <a:ext uri="{FF2B5EF4-FFF2-40B4-BE49-F238E27FC236}">
-                <a16:creationId xmlns:a16="http://schemas.microsoft.com/office/drawing/2014/main" id="{74F9993B-3141-43F1-B8F0-E3558D59BDFA}"/>
-              </a:ext>
-            </a:extLst>
-          </p:cNvPr>
-          <p:cNvSpPr>
-            <a:spLocks noGrp="1"/>
-          </p:cNvSpPr>
-          <p:nvPr>
-            <p:ph type="body" sz="half" idx="2"/>
-          </p:nvPr>
-        </p:nvSpPr>
-        <p:spPr/>
-        <p:txBody>
-          <a:bodyPr/>
-          <a:lstStyle/>
-          <a:p>
-            <a:endParaRPr lang="en-IN"/>
           </a:p>
         </p:txBody>
       </p:sp>
     </p:spTree>
     <p:extLst>
       <p:ext uri="{BB962C8B-B14F-4D97-AF65-F5344CB8AC3E}">
-        <p14:creationId xmlns:p14="http://schemas.microsoft.com/office/powerpoint/2010/main" val="3045184238"/>
+        <p14:creationId xmlns:p14="http://schemas.microsoft.com/office/powerpoint/2010/main" val="3209004359"/>
       </p:ext>
     </p:extLst>
   </p:cSld>
   <p:clrMapOvr>
     <a:masterClrMapping/>
   </p:clrMapOvr>
+  <p:timing>
+    <p:tnLst>
+      <p:par>
+        <p:cTn id="1" dur="indefinite" restart="never" nodeType="tmRoot"/>
+      </p:par>
+    </p:tnLst>
+  </p:timing>
 </p:sld>
 </file>
 
@@ -6956,7 +8580,7 @@
           <p:cNvPr id="2" name="Title 1">
             <a:extLst>
               <a:ext uri="{FF2B5EF4-FFF2-40B4-BE49-F238E27FC236}">
-                <a16:creationId xmlns:a16="http://schemas.microsoft.com/office/drawing/2014/main" id="{778BFF3D-7FCB-4D69-BAA7-049F51B6AB2A}"/>
+                <a16:creationId xmlns:a16="http://schemas.microsoft.com/office/drawing/2014/main" xmlns="" id="{F46F3B03-CAF5-4ABF-8EC3-CBE8C03F6BC7}"/>
               </a:ext>
             </a:extLst>
           </p:cNvPr>
@@ -6974,8 +8598,13 @@
           <a:p>
             <a:r>
               <a:rPr lang="en-IN" dirty="0"/>
-              <a:t>ABOUT THE PROJECT</a:t>
-            </a:r>
+              <a:t>F</a:t>
+            </a:r>
+            <a:r>
+              <a:rPr lang="en-IN" dirty="0" smtClean="0"/>
+              <a:t>eatures</a:t>
+            </a:r>
+            <a:endParaRPr lang="en-IN" dirty="0"/>
           </a:p>
         </p:txBody>
       </p:sp>
@@ -6984,7 +8613,7 @@
           <p:cNvPr id="3" name="Content Placeholder 2">
             <a:extLst>
               <a:ext uri="{FF2B5EF4-FFF2-40B4-BE49-F238E27FC236}">
-                <a16:creationId xmlns:a16="http://schemas.microsoft.com/office/drawing/2014/main" id="{A38B03F9-F473-428A-90A1-C6D6AFCCECF4}"/>
+                <a16:creationId xmlns:a16="http://schemas.microsoft.com/office/drawing/2014/main" xmlns="" id="{7FD4A706-7042-459F-87EC-28206A286808}"/>
               </a:ext>
             </a:extLst>
           </p:cNvPr>
@@ -7000,49 +8629,27 @@
           <a:bodyPr/>
           <a:lstStyle/>
           <a:p>
-            <a:r>
-              <a:rPr lang="en-IN" dirty="0"/>
-              <a:t>Theme :  Medical</a:t>
-            </a:r>
-          </a:p>
-          <a:p>
-            <a:pPr marL="0" indent="0">
-              <a:buNone/>
-            </a:pPr>
             <a:endParaRPr lang="en-IN" dirty="0"/>
-          </a:p>
-          <a:p>
-            <a:r>
-              <a:rPr lang="en-IN" dirty="0"/>
-              <a:t>Problem Statement :  Notifying Doctor about irregularity in patient’s heart rate, prompting to check up on the patient, along with an </a:t>
-            </a:r>
-            <a:r>
-              <a:rPr lang="en-IN" b="1" dirty="0">
-                <a:solidFill>
-                  <a:schemeClr val="tx1">
-                    <a:lumMod val="95000"/>
-                  </a:schemeClr>
-                </a:solidFill>
-              </a:rPr>
-              <a:t>EMERGENCY</a:t>
-            </a:r>
-            <a:r>
-              <a:rPr lang="en-IN" dirty="0"/>
-              <a:t> mode.</a:t>
-            </a:r>
           </a:p>
         </p:txBody>
       </p:sp>
     </p:spTree>
     <p:extLst>
       <p:ext uri="{BB962C8B-B14F-4D97-AF65-F5344CB8AC3E}">
-        <p14:creationId xmlns:p14="http://schemas.microsoft.com/office/powerpoint/2010/main" val="1908667983"/>
+        <p14:creationId xmlns:p14="http://schemas.microsoft.com/office/powerpoint/2010/main" val="4289768148"/>
       </p:ext>
     </p:extLst>
   </p:cSld>
   <p:clrMapOvr>
     <a:masterClrMapping/>
   </p:clrMapOvr>
+  <p:timing>
+    <p:tnLst>
+      <p:par>
+        <p:cTn id="1" dur="indefinite" restart="never" nodeType="tmRoot"/>
+      </p:par>
+    </p:tnLst>
+  </p:timing>
 </p:sld>
 </file>
 
@@ -7089,7 +8696,7 @@
     </a:clrScheme>
     <a:fontScheme name="Quotable">
       <a:majorFont>
-        <a:latin typeface="Century Gothic" panose="020B0502020202020204"/>
+        <a:latin typeface="Century Gothic"/>
         <a:ea typeface=""/>
         <a:cs typeface=""/>
         <a:font script="Jpan" typeface="ＭＳ ゴシック"/>
@@ -7124,7 +8731,7 @@
         <a:font script="Geor" typeface="Sylfaen"/>
       </a:majorFont>
       <a:minorFont>
-        <a:latin typeface="Century Gothic" panose="020B0502020202020204"/>
+        <a:latin typeface="Century Gothic"/>
         <a:ea typeface=""/>
         <a:cs typeface=""/>
         <a:font script="Jpan" typeface="ＭＳ ゴシック"/>
@@ -7277,7 +8884,7 @@
   <a:extraClrSchemeLst/>
   <a:extLst>
     <a:ext uri="{05A4C25C-085E-4340-85A3-A5531E510DB2}">
-      <thm15:themeFamily xmlns:thm15="http://schemas.microsoft.com/office/thememl/2012/main" name="Quotable" id="{39EC5628-30ED-4578-ACD8-9820EDB8E15A}" vid="{6F3559E9-1A4C-49D8-94D4-F41003531C49}"/>
+      <thm15:themeFamily xmlns:thm15="http://schemas.microsoft.com/office/thememl/2012/main" xmlns="" name="Quotable" id="{39EC5628-30ED-4578-ACD8-9820EDB8E15A}" vid="{6F3559E9-1A4C-49D8-94D4-F41003531C49}"/>
     </a:ext>
   </a:extLst>
 </a:theme>

--- a/Presentation/Presentation.pptx
+++ b/Presentation/Presentation.pptx
@@ -117,7 +117,18 @@
   </p:defaultTextStyle>
   <p:extLst>
     <p:ext uri="{EFAFB233-063F-42B5-8137-9DF3F51BA10A}">
-      <p15:sldGuideLst xmlns:p15="http://schemas.microsoft.com/office/powerpoint/2012/main" xmlns=""/>
+      <p15:sldGuideLst xmlns:p15="http://schemas.microsoft.com/office/powerpoint/2012/main">
+        <p15:guide id="1" orient="horz" pos="2160">
+          <p15:clr>
+            <a:srgbClr val="A4A3A4"/>
+          </p15:clr>
+        </p15:guide>
+        <p15:guide id="2" pos="3840">
+          <p15:clr>
+            <a:srgbClr val="A4A3A4"/>
+          </p15:clr>
+        </p15:guide>
+      </p15:sldGuideLst>
     </p:ext>
   </p:extLst>
 </p:presentation>
@@ -5403,7 +5414,7 @@
           <p:cNvPr id="2" name="Title 1">
             <a:extLst>
               <a:ext uri="{FF2B5EF4-FFF2-40B4-BE49-F238E27FC236}">
-                <a16:creationId xmlns:a16="http://schemas.microsoft.com/office/drawing/2014/main" xmlns="" id="{266A9351-3F54-4B82-A6F6-A143A720BEAA}"/>
+                <a16:creationId xmlns:a16="http://schemas.microsoft.com/office/drawing/2014/main" id="{266A9351-3F54-4B82-A6F6-A143A720BEAA}"/>
               </a:ext>
             </a:extLst>
           </p:cNvPr>
@@ -5434,7 +5445,7 @@
           <p:cNvPr id="3" name="Subtitle 2">
             <a:extLst>
               <a:ext uri="{FF2B5EF4-FFF2-40B4-BE49-F238E27FC236}">
-                <a16:creationId xmlns:a16="http://schemas.microsoft.com/office/drawing/2014/main" xmlns="" id="{B10246E5-E26A-4EB2-89F8-A86362089F77}"/>
+                <a16:creationId xmlns:a16="http://schemas.microsoft.com/office/drawing/2014/main" id="{B10246E5-E26A-4EB2-89F8-A86362089F77}"/>
               </a:ext>
             </a:extLst>
           </p:cNvPr>
@@ -5472,13 +5483,6 @@
   <p:clrMapOvr>
     <a:masterClrMapping/>
   </p:clrMapOvr>
-  <p:timing>
-    <p:tnLst>
-      <p:par>
-        <p:cTn id="1" dur="indefinite" restart="never" nodeType="tmRoot"/>
-      </p:par>
-    </p:tnLst>
-  </p:timing>
 </p:sld>
 </file>
 
@@ -5504,7 +5508,7 @@
           <p:cNvPr id="2" name="Title 1">
             <a:extLst>
               <a:ext uri="{FF2B5EF4-FFF2-40B4-BE49-F238E27FC236}">
-                <a16:creationId xmlns:a16="http://schemas.microsoft.com/office/drawing/2014/main" xmlns="" id="{C55E1479-5319-48D6-BD92-C209AD84DF81}"/>
+                <a16:creationId xmlns:a16="http://schemas.microsoft.com/office/drawing/2014/main" id="{C55E1479-5319-48D6-BD92-C209AD84DF81}"/>
               </a:ext>
             </a:extLst>
           </p:cNvPr>
@@ -5532,7 +5536,7 @@
           <p:cNvPr id="3" name="Content Placeholder 2">
             <a:extLst>
               <a:ext uri="{FF2B5EF4-FFF2-40B4-BE49-F238E27FC236}">
-                <a16:creationId xmlns:a16="http://schemas.microsoft.com/office/drawing/2014/main" xmlns="" id="{D26320F7-4996-4E6B-844C-C6E14FBED3EE}"/>
+                <a16:creationId xmlns:a16="http://schemas.microsoft.com/office/drawing/2014/main" id="{D26320F7-4996-4E6B-844C-C6E14FBED3EE}"/>
               </a:ext>
             </a:extLst>
           </p:cNvPr>
@@ -5587,7 +5591,7 @@
           <p:cNvPr id="2" name="Title 1">
             <a:extLst>
               <a:ext uri="{FF2B5EF4-FFF2-40B4-BE49-F238E27FC236}">
-                <a16:creationId xmlns:a16="http://schemas.microsoft.com/office/drawing/2014/main" xmlns="" id="{3B777A88-0B7E-48D8-A03C-AE21635A1222}"/>
+                <a16:creationId xmlns:a16="http://schemas.microsoft.com/office/drawing/2014/main" id="{3B777A88-0B7E-48D8-A03C-AE21635A1222}"/>
               </a:ext>
             </a:extLst>
           </p:cNvPr>
@@ -5615,7 +5619,7 @@
           <p:cNvPr id="3" name="Content Placeholder 2">
             <a:extLst>
               <a:ext uri="{FF2B5EF4-FFF2-40B4-BE49-F238E27FC236}">
-                <a16:creationId xmlns:a16="http://schemas.microsoft.com/office/drawing/2014/main" xmlns="" id="{A2E897DA-51C6-4631-895D-D6B5C9F06AE8}"/>
+                <a16:creationId xmlns:a16="http://schemas.microsoft.com/office/drawing/2014/main" id="{A2E897DA-51C6-4631-895D-D6B5C9F06AE8}"/>
               </a:ext>
             </a:extLst>
           </p:cNvPr>
@@ -5670,7 +5674,7 @@
           <p:cNvPr id="4" name="Title 3">
             <a:extLst>
               <a:ext uri="{FF2B5EF4-FFF2-40B4-BE49-F238E27FC236}">
-                <a16:creationId xmlns:a16="http://schemas.microsoft.com/office/drawing/2014/main" xmlns="" id="{C0C22601-13A2-4FE8-8BAE-78E4966B52E2}"/>
+                <a16:creationId xmlns:a16="http://schemas.microsoft.com/office/drawing/2014/main" id="{C0C22601-13A2-4FE8-8BAE-78E4966B52E2}"/>
               </a:ext>
             </a:extLst>
           </p:cNvPr>
@@ -5698,7 +5702,7 @@
           <p:cNvPr id="5" name="Text Placeholder 4">
             <a:extLst>
               <a:ext uri="{FF2B5EF4-FFF2-40B4-BE49-F238E27FC236}">
-                <a16:creationId xmlns:a16="http://schemas.microsoft.com/office/drawing/2014/main" xmlns="" id="{94863BE1-82F7-4591-906B-F1D76191C408}"/>
+                <a16:creationId xmlns:a16="http://schemas.microsoft.com/office/drawing/2014/main" id="{94863BE1-82F7-4591-906B-F1D76191C408}"/>
               </a:ext>
             </a:extLst>
           </p:cNvPr>
@@ -5753,7 +5757,7 @@
           <p:cNvPr id="2" name="Title 1">
             <a:extLst>
               <a:ext uri="{FF2B5EF4-FFF2-40B4-BE49-F238E27FC236}">
-                <a16:creationId xmlns:a16="http://schemas.microsoft.com/office/drawing/2014/main" xmlns="" id="{9C47A14E-383E-41B7-9CDD-2929B239446F}"/>
+                <a16:creationId xmlns:a16="http://schemas.microsoft.com/office/drawing/2014/main" id="{9C47A14E-383E-41B7-9CDD-2929B239446F}"/>
               </a:ext>
             </a:extLst>
           </p:cNvPr>
@@ -5781,7 +5785,7 @@
           <p:cNvPr id="3" name="Content Placeholder 2">
             <a:extLst>
               <a:ext uri="{FF2B5EF4-FFF2-40B4-BE49-F238E27FC236}">
-                <a16:creationId xmlns:a16="http://schemas.microsoft.com/office/drawing/2014/main" xmlns="" id="{402EC573-04F6-433D-8CB9-23E2BECBBE84}"/>
+                <a16:creationId xmlns:a16="http://schemas.microsoft.com/office/drawing/2014/main" id="{402EC573-04F6-433D-8CB9-23E2BECBBE84}"/>
               </a:ext>
             </a:extLst>
           </p:cNvPr>
@@ -5794,8 +5798,8 @@
         </p:nvSpPr>
         <p:spPr>
           <a:xfrm>
-            <a:off x="643783" y="2242266"/>
-            <a:ext cx="10554574" cy="2425150"/>
+            <a:off x="643783" y="2242265"/>
+            <a:ext cx="10554574" cy="4282821"/>
           </a:xfrm>
         </p:spPr>
         <p:txBody>
@@ -5809,17 +5813,23 @@
               <a:buChar char="v"/>
             </a:pPr>
             <a:r>
-              <a:rPr lang="en-US" dirty="0" smtClean="0"/>
+              <a:rPr lang="en-US" dirty="0"/>
               <a:t>We the member of </a:t>
             </a:r>
             <a:r>
-              <a:rPr lang="en-US" dirty="0" err="1" smtClean="0"/>
+              <a:rPr lang="en-US" dirty="0" err="1"/>
               <a:t>Hackverse</a:t>
             </a:r>
             <a:r>
-              <a:rPr lang="en-US" dirty="0" smtClean="0"/>
-              <a:t>  made a Heart rate monitoring Device</a:t>
-            </a:r>
+              <a:rPr lang="en-US" dirty="0"/>
+              <a:t>  made a Heart rate monitoring Device.</a:t>
+            </a:r>
+          </a:p>
+          <a:p>
+            <a:pPr marL="0" indent="0">
+              <a:buNone/>
+            </a:pPr>
+            <a:endParaRPr lang="en-US" dirty="0"/>
           </a:p>
           <a:p>
             <a:pPr>
@@ -5828,33 +5838,22 @@
             </a:pPr>
             <a:r>
               <a:rPr lang="en-US" dirty="0"/>
-              <a:t>In this project, we have designed a Heart Rate Monitor System using </a:t>
+              <a:t>In this project, we have designed a Heart Rate Monitor System using Arduino and </a:t>
             </a:r>
             <a:r>
               <a:rPr lang="en-US" dirty="0" err="1"/>
-              <a:t>Arduino</a:t>
+              <a:t>Pulserate</a:t>
             </a:r>
             <a:r>
               <a:rPr lang="en-US" dirty="0"/>
-              <a:t> and </a:t>
-            </a:r>
-            <a:r>
-              <a:rPr lang="en-US" dirty="0" err="1" smtClean="0"/>
-              <a:t>Pulserate</a:t>
-            </a:r>
-            <a:r>
-              <a:rPr lang="en-US" dirty="0"/>
-              <a:t> </a:t>
-            </a:r>
-            <a:r>
-              <a:rPr lang="en-US" dirty="0" smtClean="0"/>
-              <a:t>Sensor</a:t>
-            </a:r>
-            <a:r>
-              <a:rPr lang="en-US" dirty="0"/>
-              <a:t>. </a:t>
-            </a:r>
-            <a:endParaRPr lang="en-US" dirty="0" smtClean="0"/>
+              <a:t> Sensor. </a:t>
+            </a:r>
+          </a:p>
+          <a:p>
+            <a:pPr marL="0" indent="0">
+              <a:buNone/>
+            </a:pPr>
+            <a:endParaRPr lang="en-US" dirty="0"/>
           </a:p>
           <a:p>
             <a:pPr>
@@ -5862,20 +5861,8 @@
               <a:buChar char="v"/>
             </a:pPr>
             <a:r>
-              <a:rPr lang="en-US" dirty="0" smtClean="0"/>
-              <a:t>We introduce you with </a:t>
-            </a:r>
-            <a:r>
               <a:rPr lang="en-US" dirty="0"/>
-              <a:t>the </a:t>
-            </a:r>
-            <a:r>
-              <a:rPr lang="en-US" dirty="0" smtClean="0"/>
-              <a:t> </a:t>
-            </a:r>
-            <a:r>
-              <a:rPr lang="en-US" dirty="0"/>
-              <a:t>of Heartbeat Sensor, working of the Heartbeat Sensor and </a:t>
+              <a:t>We introduce you with the  of Heartbeat Sensor, working of the Heartbeat Sensor and </a:t>
             </a:r>
             <a:r>
               <a:rPr lang="en-US" dirty="0" err="1"/>
@@ -5883,22 +5870,13 @@
             </a:r>
             <a:r>
               <a:rPr lang="en-US" dirty="0"/>
-              <a:t> based Heart Rate Monitoring System using a practical heartbeat Sensor</a:t>
-            </a:r>
-            <a:r>
-              <a:rPr lang="en-US" dirty="0" smtClean="0"/>
-              <a:t>.</a:t>
-            </a:r>
-          </a:p>
-          <a:p>
-            <a:pPr>
-              <a:buFont typeface="Wingdings" pitchFamily="2" charset="2"/>
-              <a:buChar char="v"/>
+              <a:t> based Heart Rate Monitoring System using a practical heartbeat Sensor.</a:t>
+            </a:r>
+          </a:p>
+          <a:p>
+            <a:pPr marL="0" indent="0">
+              <a:buNone/>
             </a:pPr>
-            <a:r>
-              <a:rPr lang="en-US" dirty="0"/>
-              <a:t> </a:t>
-            </a:r>
             <a:endParaRPr lang="en-IN" dirty="0"/>
           </a:p>
         </p:txBody>
@@ -5977,13 +5955,6 @@
   <p:clrMapOvr>
     <a:masterClrMapping/>
   </p:clrMapOvr>
-  <p:timing>
-    <p:tnLst>
-      <p:par>
-        <p:cTn id="1" dur="indefinite" restart="never" nodeType="tmRoot"/>
-      </p:par>
-    </p:tnLst>
-  </p:timing>
 </p:sld>
 </file>
 
@@ -6009,7 +5980,7 @@
           <p:cNvPr id="4" name="Title 3">
             <a:extLst>
               <a:ext uri="{FF2B5EF4-FFF2-40B4-BE49-F238E27FC236}">
-                <a16:creationId xmlns:a16="http://schemas.microsoft.com/office/drawing/2014/main" xmlns="" id="{5903C9A1-0AFE-4AC8-A08C-DE20AA37C16D}"/>
+                <a16:creationId xmlns:a16="http://schemas.microsoft.com/office/drawing/2014/main" id="{5903C9A1-0AFE-4AC8-A08C-DE20AA37C16D}"/>
               </a:ext>
             </a:extLst>
           </p:cNvPr>
@@ -6020,8 +5991,8 @@
         </p:nvSpPr>
         <p:spPr>
           <a:xfrm>
-            <a:off x="1" y="0"/>
-            <a:ext cx="7283394" cy="1144988"/>
+            <a:off x="0" y="0"/>
+            <a:ext cx="12191999" cy="1144988"/>
           </a:xfrm>
           <a:prstGeom prst="rect">
             <a:avLst/>
@@ -6104,10 +6075,9 @@
           <a:p>
             <a:pPr algn="ctr"/>
             <a:r>
-              <a:rPr lang="en-IN" sz="6000" smtClean="0"/>
+              <a:rPr lang="en-IN" sz="6000" dirty="0"/>
               <a:t>TEAM MEMBERS</a:t>
             </a:r>
-            <a:endParaRPr lang="en-IN" sz="6000" dirty="0"/>
           </a:p>
         </p:txBody>
       </p:sp>
@@ -6116,7 +6086,7 @@
           <p:cNvPr id="5" name="Text Placeholder 4">
             <a:extLst>
               <a:ext uri="{FF2B5EF4-FFF2-40B4-BE49-F238E27FC236}">
-                <a16:creationId xmlns:a16="http://schemas.microsoft.com/office/drawing/2014/main" xmlns="" id="{CDF41A3A-E9CA-4285-85BF-76E2A3838F70}"/>
+                <a16:creationId xmlns:a16="http://schemas.microsoft.com/office/drawing/2014/main" id="{CDF41A3A-E9CA-4285-85BF-76E2A3838F70}"/>
               </a:ext>
             </a:extLst>
           </p:cNvPr>
@@ -6332,18 +6302,18 @@
               <a:buNone/>
             </a:pPr>
             <a:r>
-              <a:rPr lang="en-IN" sz="2000" dirty="0" err="1" smtClean="0"/>
+              <a:rPr lang="en-IN" sz="2000" dirty="0" err="1"/>
               <a:t>Amit</a:t>
             </a:r>
             <a:r>
-              <a:rPr lang="en-IN" sz="2000" dirty="0" smtClean="0"/>
+              <a:rPr lang="en-IN" sz="2000" dirty="0"/>
               <a:t> </a:t>
             </a:r>
             <a:r>
-              <a:rPr lang="en-IN" sz="2000" dirty="0" err="1" smtClean="0"/>
+              <a:rPr lang="en-IN" sz="2000" dirty="0" err="1"/>
               <a:t>Yadav</a:t>
             </a:r>
-            <a:endParaRPr lang="en-IN" sz="2000" dirty="0" smtClean="0"/>
+            <a:endParaRPr lang="en-IN" sz="2000" dirty="0"/>
           </a:p>
           <a:p>
             <a:pPr>
@@ -6354,10 +6324,10 @@
               <a:buChar char="§"/>
             </a:pPr>
             <a:r>
-              <a:rPr lang="en-IN" sz="2000" dirty="0" err="1" smtClean="0"/>
+              <a:rPr lang="en-IN" sz="2000" dirty="0" err="1"/>
               <a:t>Arduino</a:t>
             </a:r>
-            <a:endParaRPr lang="en-IN" sz="2000" dirty="0" smtClean="0"/>
+            <a:endParaRPr lang="en-IN" sz="2000" dirty="0"/>
           </a:p>
           <a:p>
             <a:pPr>
@@ -6368,10 +6338,10 @@
               <a:buChar char="§"/>
             </a:pPr>
             <a:r>
-              <a:rPr lang="en-IN" sz="2000" dirty="0" err="1" smtClean="0"/>
+              <a:rPr lang="en-IN" sz="2000" dirty="0" err="1"/>
               <a:t>Powerpoint</a:t>
             </a:r>
-            <a:endParaRPr lang="en-IN" sz="2000" dirty="0" smtClean="0"/>
+            <a:endParaRPr lang="en-IN" sz="2000" dirty="0"/>
           </a:p>
           <a:p>
             <a:endParaRPr lang="en-IN" dirty="0"/>
@@ -6383,7 +6353,7 @@
           <p:cNvPr id="6" name="Text Placeholder 4">
             <a:extLst>
               <a:ext uri="{FF2B5EF4-FFF2-40B4-BE49-F238E27FC236}">
-                <a16:creationId xmlns:a16="http://schemas.microsoft.com/office/drawing/2014/main" xmlns="" id="{CDF41A3A-E9CA-4285-85BF-76E2A3838F70}"/>
+                <a16:creationId xmlns:a16="http://schemas.microsoft.com/office/drawing/2014/main" id="{CDF41A3A-E9CA-4285-85BF-76E2A3838F70}"/>
               </a:ext>
             </a:extLst>
           </p:cNvPr>
@@ -6622,18 +6592,18 @@
           <a:p>
             <a:pPr algn="l"/>
             <a:r>
-              <a:rPr lang="en-IN" sz="2000" dirty="0" err="1" smtClean="0"/>
+              <a:rPr lang="en-IN" sz="2000" dirty="0" err="1"/>
               <a:t>Ashutosh</a:t>
             </a:r>
             <a:r>
-              <a:rPr lang="en-IN" sz="2000" dirty="0" smtClean="0"/>
+              <a:rPr lang="en-IN" sz="2000" dirty="0"/>
               <a:t> Singh </a:t>
             </a:r>
             <a:r>
-              <a:rPr lang="en-IN" sz="2000" dirty="0" err="1" smtClean="0"/>
+              <a:rPr lang="en-IN" sz="2000" dirty="0" err="1"/>
               <a:t>Dengri</a:t>
             </a:r>
-            <a:endParaRPr lang="en-IN" sz="2000" dirty="0" smtClean="0"/>
+            <a:endParaRPr lang="en-IN" sz="2000" dirty="0"/>
           </a:p>
           <a:p>
             <a:pPr marL="342900" indent="-342900" algn="l">
@@ -6644,11 +6614,11 @@
               <a:buChar char="§"/>
             </a:pPr>
             <a:r>
-              <a:rPr lang="en-IN" sz="2000" dirty="0" err="1" smtClean="0"/>
+              <a:rPr lang="en-IN" sz="2000" dirty="0" err="1"/>
               <a:t>Arduino</a:t>
             </a:r>
             <a:r>
-              <a:rPr lang="en-IN" sz="2000" dirty="0" smtClean="0"/>
+              <a:rPr lang="en-IN" sz="2000" dirty="0"/>
               <a:t>, </a:t>
             </a:r>
           </a:p>
@@ -6661,7 +6631,7 @@
               <a:buChar char="§"/>
             </a:pPr>
             <a:r>
-              <a:rPr lang="en-IN" sz="2000" dirty="0" smtClean="0"/>
+              <a:rPr lang="en-IN" sz="2000" dirty="0"/>
               <a:t>Android studio</a:t>
             </a:r>
           </a:p>
@@ -6670,14 +6640,14 @@
               <a:buFont typeface="Wingdings" pitchFamily="2" charset="2"/>
               <a:buChar char="§"/>
             </a:pPr>
-            <a:endParaRPr lang="en-IN" sz="2000" dirty="0" smtClean="0"/>
+            <a:endParaRPr lang="en-IN" sz="2000" dirty="0"/>
           </a:p>
           <a:p>
             <a:pPr marL="342900" indent="-342900" algn="l">
               <a:buFont typeface="Wingdings" pitchFamily="2" charset="2"/>
               <a:buChar char="§"/>
             </a:pPr>
-            <a:endParaRPr lang="en-IN" sz="2000" dirty="0" smtClean="0">
+            <a:endParaRPr lang="en-IN" sz="2000" dirty="0">
               <a:solidFill>
                 <a:srgbClr val="FF0000"/>
               </a:solidFill>
@@ -6694,7 +6664,7 @@
           <p:cNvPr id="7" name="Text Placeholder 4">
             <a:extLst>
               <a:ext uri="{FF2B5EF4-FFF2-40B4-BE49-F238E27FC236}">
-                <a16:creationId xmlns:a16="http://schemas.microsoft.com/office/drawing/2014/main" xmlns="" id="{CDF41A3A-E9CA-4285-85BF-76E2A3838F70}"/>
+                <a16:creationId xmlns:a16="http://schemas.microsoft.com/office/drawing/2014/main" id="{CDF41A3A-E9CA-4285-85BF-76E2A3838F70}"/>
               </a:ext>
             </a:extLst>
           </p:cNvPr>
@@ -6932,16 +6902,16 @@
           </a:lstStyle>
           <a:p>
             <a:pPr algn="l"/>
-            <a:endParaRPr lang="en-IN" sz="2000" dirty="0" smtClean="0"/>
+            <a:endParaRPr lang="en-IN" sz="2000" dirty="0"/>
           </a:p>
           <a:p>
             <a:pPr algn="l"/>
             <a:r>
-              <a:rPr lang="en-IN" sz="2000" dirty="0" err="1" smtClean="0"/>
+              <a:rPr lang="en-IN" sz="2000" dirty="0" err="1"/>
               <a:t>Samyak</a:t>
             </a:r>
             <a:r>
-              <a:rPr lang="en-IN" sz="2000" dirty="0" smtClean="0"/>
+              <a:rPr lang="en-IN" sz="2000" dirty="0"/>
               <a:t> Jain</a:t>
             </a:r>
           </a:p>
@@ -6954,10 +6924,10 @@
               <a:buChar char="§"/>
             </a:pPr>
             <a:r>
-              <a:rPr lang="en-IN" sz="2000" dirty="0" err="1" smtClean="0"/>
+              <a:rPr lang="en-IN" sz="2000" dirty="0" err="1"/>
               <a:t>Arduino</a:t>
             </a:r>
-            <a:endParaRPr lang="en-IN" sz="2000" dirty="0" smtClean="0"/>
+            <a:endParaRPr lang="en-IN" sz="2000" dirty="0"/>
           </a:p>
           <a:p>
             <a:pPr marL="342900" indent="-342900" algn="l">
@@ -6968,7 +6938,7 @@
               <a:buChar char="§"/>
             </a:pPr>
             <a:r>
-              <a:rPr lang="en-IN" sz="2000" dirty="0" smtClean="0"/>
+              <a:rPr lang="en-IN" sz="2000" dirty="0"/>
               <a:t>IOT</a:t>
             </a:r>
           </a:p>
@@ -6983,7 +6953,7 @@
           <p:cNvPr id="8" name="Text Placeholder 4">
             <a:extLst>
               <a:ext uri="{FF2B5EF4-FFF2-40B4-BE49-F238E27FC236}">
-                <a16:creationId xmlns:a16="http://schemas.microsoft.com/office/drawing/2014/main" xmlns="" id="{CDF41A3A-E9CA-4285-85BF-76E2A3838F70}"/>
+                <a16:creationId xmlns:a16="http://schemas.microsoft.com/office/drawing/2014/main" id="{CDF41A3A-E9CA-4285-85BF-76E2A3838F70}"/>
               </a:ext>
             </a:extLst>
           </p:cNvPr>
@@ -7221,23 +7191,23 @@
           </a:lstStyle>
           <a:p>
             <a:pPr algn="l"/>
-            <a:endParaRPr lang="en-IN" sz="2000" dirty="0" smtClean="0"/>
+            <a:endParaRPr lang="en-IN" sz="2000" dirty="0"/>
           </a:p>
           <a:p>
             <a:pPr algn="l"/>
             <a:r>
-              <a:rPr lang="en-IN" sz="2000" dirty="0" err="1" smtClean="0"/>
+              <a:rPr lang="en-IN" sz="2000" dirty="0" err="1"/>
               <a:t>Bhagatpreet</a:t>
             </a:r>
             <a:r>
-              <a:rPr lang="en-IN" sz="2000" dirty="0" smtClean="0"/>
+              <a:rPr lang="en-IN" sz="2000" dirty="0"/>
               <a:t>  Singh  </a:t>
             </a:r>
             <a:r>
-              <a:rPr lang="en-IN" sz="2000" dirty="0" err="1" smtClean="0"/>
+              <a:rPr lang="en-IN" sz="2000" dirty="0" err="1"/>
               <a:t>Nagi</a:t>
             </a:r>
-            <a:endParaRPr lang="en-IN" sz="2000" dirty="0" smtClean="0"/>
+            <a:endParaRPr lang="en-IN" sz="2000" dirty="0"/>
           </a:p>
           <a:p>
             <a:pPr marL="342900" indent="-342900" algn="l">
@@ -7248,10 +7218,10 @@
               <a:buChar char="§"/>
             </a:pPr>
             <a:r>
-              <a:rPr lang="en-IN" sz="2000" dirty="0" err="1" smtClean="0"/>
+              <a:rPr lang="en-IN" sz="2000" dirty="0" err="1"/>
               <a:t>Arduino</a:t>
             </a:r>
-            <a:endParaRPr lang="en-IN" sz="2000" dirty="0" smtClean="0"/>
+            <a:endParaRPr lang="en-IN" sz="2000" dirty="0"/>
           </a:p>
           <a:p>
             <a:pPr marL="342900" indent="-342900" algn="l">
@@ -7262,13 +7232,13 @@
               <a:buChar char="§"/>
             </a:pPr>
             <a:r>
-              <a:rPr lang="en-IN" sz="2000" dirty="0" smtClean="0"/>
+              <a:rPr lang="en-IN" sz="2000" dirty="0"/>
               <a:t>Python</a:t>
             </a:r>
           </a:p>
           <a:p>
             <a:pPr algn="l"/>
-            <a:endParaRPr lang="en-IN" sz="2000" dirty="0" smtClean="0"/>
+            <a:endParaRPr lang="en-IN" sz="2000" dirty="0"/>
           </a:p>
           <a:p>
             <a:pPr algn="l"/>
@@ -7281,7 +7251,7 @@
           <p:cNvPr id="9" name="Text Placeholder 4">
             <a:extLst>
               <a:ext uri="{FF2B5EF4-FFF2-40B4-BE49-F238E27FC236}">
-                <a16:creationId xmlns:a16="http://schemas.microsoft.com/office/drawing/2014/main" xmlns="" id="{CDF41A3A-E9CA-4285-85BF-76E2A3838F70}"/>
+                <a16:creationId xmlns:a16="http://schemas.microsoft.com/office/drawing/2014/main" id="{CDF41A3A-E9CA-4285-85BF-76E2A3838F70}"/>
               </a:ext>
             </a:extLst>
           </p:cNvPr>
@@ -7519,12 +7489,12 @@
           </a:lstStyle>
           <a:p>
             <a:pPr algn="l"/>
-            <a:endParaRPr lang="en-IN" sz="2000" dirty="0" smtClean="0"/>
+            <a:endParaRPr lang="en-IN" sz="2000" dirty="0"/>
           </a:p>
           <a:p>
             <a:pPr algn="l"/>
             <a:r>
-              <a:rPr lang="en-IN" sz="2000" dirty="0" smtClean="0"/>
+              <a:rPr lang="en-IN" sz="2000" dirty="0"/>
               <a:t>Rajeev  Kumar  </a:t>
             </a:r>
           </a:p>
@@ -7537,7 +7507,7 @@
               <a:buChar char="§"/>
             </a:pPr>
             <a:r>
-              <a:rPr lang="en-IN" sz="2000" dirty="0" smtClean="0"/>
+              <a:rPr lang="en-IN" sz="2000" dirty="0"/>
               <a:t>C</a:t>
             </a:r>
           </a:p>
@@ -7550,7 +7520,7 @@
               <a:buChar char="§"/>
             </a:pPr>
             <a:r>
-              <a:rPr lang="en-IN" sz="2000" dirty="0" smtClean="0"/>
+              <a:rPr lang="en-IN" sz="2000" dirty="0"/>
               <a:t>C++</a:t>
             </a:r>
           </a:p>
@@ -7890,13 +7860,6 @@
   <p:clrMapOvr>
     <a:masterClrMapping/>
   </p:clrMapOvr>
-  <p:timing>
-    <p:tnLst>
-      <p:par>
-        <p:cTn id="1" dur="indefinite" restart="never" nodeType="tmRoot"/>
-      </p:par>
-    </p:tnLst>
-  </p:timing>
 </p:sld>
 </file>
 
@@ -7922,7 +7885,7 @@
           <p:cNvPr id="2" name="Title 1">
             <a:extLst>
               <a:ext uri="{FF2B5EF4-FFF2-40B4-BE49-F238E27FC236}">
-                <a16:creationId xmlns:a16="http://schemas.microsoft.com/office/drawing/2014/main" xmlns="" id="{778BFF3D-7FCB-4D69-BAA7-049F51B6AB2A}"/>
+                <a16:creationId xmlns:a16="http://schemas.microsoft.com/office/drawing/2014/main" id="{778BFF3D-7FCB-4D69-BAA7-049F51B6AB2A}"/>
               </a:ext>
             </a:extLst>
           </p:cNvPr>
@@ -7950,7 +7913,7 @@
           <p:cNvPr id="3" name="Content Placeholder 2">
             <a:extLst>
               <a:ext uri="{FF2B5EF4-FFF2-40B4-BE49-F238E27FC236}">
-                <a16:creationId xmlns:a16="http://schemas.microsoft.com/office/drawing/2014/main" xmlns="" id="{A38B03F9-F473-428A-90A1-C6D6AFCCECF4}"/>
+                <a16:creationId xmlns:a16="http://schemas.microsoft.com/office/drawing/2014/main" id="{A38B03F9-F473-428A-90A1-C6D6AFCCECF4}"/>
               </a:ext>
             </a:extLst>
           </p:cNvPr>
@@ -8009,13 +7972,6 @@
   <p:clrMapOvr>
     <a:masterClrMapping/>
   </p:clrMapOvr>
-  <p:timing>
-    <p:tnLst>
-      <p:par>
-        <p:cTn id="1" dur="indefinite" restart="never" nodeType="tmRoot"/>
-      </p:par>
-    </p:tnLst>
-  </p:timing>
 </p:sld>
 </file>
 
@@ -8041,7 +7997,7 @@
           <p:cNvPr id="2" name="Title 1">
             <a:extLst>
               <a:ext uri="{FF2B5EF4-FFF2-40B4-BE49-F238E27FC236}">
-                <a16:creationId xmlns:a16="http://schemas.microsoft.com/office/drawing/2014/main" xmlns="" id="{A92C1F16-4813-4F6C-BB94-11F80E023599}"/>
+                <a16:creationId xmlns:a16="http://schemas.microsoft.com/office/drawing/2014/main" id="{A92C1F16-4813-4F6C-BB94-11F80E023599}"/>
               </a:ext>
             </a:extLst>
           </p:cNvPr>
@@ -8064,56 +8020,153 @@
           </a:p>
         </p:txBody>
       </p:sp>
-      <p:sp>
-        <p:nvSpPr>
-          <p:cNvPr id="3" name="Content Placeholder 2">
+      <p:pic>
+        <p:nvPicPr>
+          <p:cNvPr id="5" name="Content Placeholder 4">
             <a:extLst>
               <a:ext uri="{FF2B5EF4-FFF2-40B4-BE49-F238E27FC236}">
-                <a16:creationId xmlns:a16="http://schemas.microsoft.com/office/drawing/2014/main" xmlns="" id="{EB2D1584-EF97-4D7C-BF6B-7FFEA949B857}"/>
+                <a16:creationId xmlns:a16="http://schemas.microsoft.com/office/drawing/2014/main" id="{60449155-7B3B-46FA-AFC8-8309763C47B4}"/>
               </a:ext>
             </a:extLst>
           </p:cNvPr>
-          <p:cNvSpPr>
-            <a:spLocks noGrp="1"/>
-          </p:cNvSpPr>
+          <p:cNvPicPr>
+            <a:picLocks noGrp="1" noChangeAspect="1"/>
+          </p:cNvPicPr>
           <p:nvPr>
             <p:ph idx="1"/>
           </p:nvPr>
-        </p:nvSpPr>
-        <p:spPr/>
-        <p:txBody>
-          <a:bodyPr/>
+        </p:nvPicPr>
+        <p:blipFill>
+          <a:blip r:embed="rId2">
+            <a:extLst>
+              <a:ext uri="{28A0092B-C50C-407E-A947-70E740481C1C}">
+                <a14:useLocalDpi xmlns:a14="http://schemas.microsoft.com/office/drawing/2010/main" val="0"/>
+              </a:ext>
+            </a:extLst>
+          </a:blip>
+          <a:stretch>
+            <a:fillRect/>
+          </a:stretch>
+        </p:blipFill>
+        <p:spPr>
+          <a:xfrm>
+            <a:off x="1175881" y="3429000"/>
+            <a:ext cx="1617626" cy="1818482"/>
+          </a:xfrm>
+        </p:spPr>
+      </p:pic>
+      <p:pic>
+        <p:nvPicPr>
+          <p:cNvPr id="7" name="Picture 6">
+            <a:extLst>
+              <a:ext uri="{FF2B5EF4-FFF2-40B4-BE49-F238E27FC236}">
+                <a16:creationId xmlns:a16="http://schemas.microsoft.com/office/drawing/2014/main" id="{2651493A-1049-4BCB-9663-DE7D4A2C673F}"/>
+              </a:ext>
+            </a:extLst>
+          </p:cNvPr>
+          <p:cNvPicPr>
+            <a:picLocks noChangeAspect="1"/>
+          </p:cNvPicPr>
+          <p:nvPr/>
+        </p:nvPicPr>
+        <p:blipFill>
+          <a:blip r:embed="rId3">
+            <a:extLst>
+              <a:ext uri="{28A0092B-C50C-407E-A947-70E740481C1C}">
+                <a14:useLocalDpi xmlns:a14="http://schemas.microsoft.com/office/drawing/2010/main" val="0"/>
+              </a:ext>
+            </a:extLst>
+          </a:blip>
+          <a:stretch>
+            <a:fillRect/>
+          </a:stretch>
+        </p:blipFill>
+        <p:spPr>
+          <a:xfrm>
+            <a:off x="4722864" y="3429000"/>
+            <a:ext cx="1769728" cy="1769728"/>
+          </a:xfrm>
+          <a:prstGeom prst="rect">
+            <a:avLst/>
+          </a:prstGeom>
+        </p:spPr>
+      </p:pic>
+      <p:pic>
+        <p:nvPicPr>
+          <p:cNvPr id="11" name="Picture 10">
+            <a:extLst>
+              <a:ext uri="{FF2B5EF4-FFF2-40B4-BE49-F238E27FC236}">
+                <a16:creationId xmlns:a16="http://schemas.microsoft.com/office/drawing/2014/main" id="{847DC0EA-10DF-4C5A-8A50-BEE3ACA1B40B}"/>
+              </a:ext>
+            </a:extLst>
+          </p:cNvPr>
+          <p:cNvPicPr>
+            <a:picLocks noChangeAspect="1"/>
+          </p:cNvPicPr>
+          <p:nvPr/>
+        </p:nvPicPr>
+        <p:blipFill>
+          <a:blip r:embed="rId4">
+            <a:extLst>
+              <a:ext uri="{28A0092B-C50C-407E-A947-70E740481C1C}">
+                <a14:useLocalDpi xmlns:a14="http://schemas.microsoft.com/office/drawing/2010/main" val="0"/>
+              </a:ext>
+            </a:extLst>
+          </a:blip>
+          <a:stretch>
+            <a:fillRect/>
+          </a:stretch>
+        </p:blipFill>
+        <p:spPr>
+          <a:xfrm>
+            <a:off x="7812348" y="3677499"/>
+            <a:ext cx="4113321" cy="1086496"/>
+          </a:xfrm>
+          <a:prstGeom prst="rect">
+            <a:avLst/>
+          </a:prstGeom>
+        </p:spPr>
+      </p:pic>
+      <p:sp>
+        <p:nvSpPr>
+          <p:cNvPr id="12" name="TextBox 11">
+            <a:extLst>
+              <a:ext uri="{FF2B5EF4-FFF2-40B4-BE49-F238E27FC236}">
+                <a16:creationId xmlns:a16="http://schemas.microsoft.com/office/drawing/2014/main" id="{9A66C794-B76C-4C7E-A08A-4C469039A621}"/>
+              </a:ext>
+            </a:extLst>
+          </p:cNvPr>
+          <p:cNvSpPr txBox="1"/>
+          <p:nvPr/>
+        </p:nvSpPr>
+        <p:spPr>
+          <a:xfrm>
+            <a:off x="-8878" y="5690586"/>
+            <a:ext cx="12192000" cy="584775"/>
+          </a:xfrm>
+          <a:prstGeom prst="rect">
+            <a:avLst/>
+          </a:prstGeom>
+          <a:noFill/>
+        </p:spPr>
+        <p:txBody>
+          <a:bodyPr wrap="square" rtlCol="0">
+            <a:spAutoFit/>
+          </a:bodyPr>
           <a:lstStyle/>
           <a:p>
             <a:r>
-              <a:rPr lang="en-IN" dirty="0" err="1" smtClean="0"/>
-              <a:t>Arduino</a:t>
-            </a:r>
-            <a:r>
-              <a:rPr lang="en-IN" dirty="0" smtClean="0"/>
-              <a:t> IDLE</a:t>
-            </a:r>
-          </a:p>
-          <a:p>
-            <a:r>
-              <a:rPr lang="en-IN" dirty="0" smtClean="0"/>
-              <a:t>C++</a:t>
-            </a:r>
-          </a:p>
-          <a:p>
-            <a:r>
-              <a:rPr lang="en-IN" dirty="0" smtClean="0"/>
-              <a:t>IFTTT</a:t>
-            </a:r>
-          </a:p>
-          <a:p>
-            <a:endParaRPr lang="en-IN" dirty="0" smtClean="0"/>
-          </a:p>
-          <a:p>
-            <a:pPr marL="0" indent="0">
-              <a:buNone/>
-            </a:pPr>
-            <a:endParaRPr lang="en-IN" dirty="0"/>
+              <a:rPr lang="en-IN" sz="3200" b="1" dirty="0"/>
+              <a:t>			C++					   </a:t>
+            </a:r>
+            <a:r>
+              <a:rPr lang="en-IN" sz="3200" b="1" dirty="0" err="1"/>
+              <a:t>Ardunio</a:t>
+            </a:r>
+            <a:r>
+              <a:rPr lang="en-IN" sz="3200" b="1" dirty="0"/>
+              <a:t> IDE					 	  IFTTT</a:t>
+            </a:r>
           </a:p>
         </p:txBody>
       </p:sp>
@@ -8127,13 +8180,6 @@
   <p:clrMapOvr>
     <a:masterClrMapping/>
   </p:clrMapOvr>
-  <p:timing>
-    <p:tnLst>
-      <p:par>
-        <p:cTn id="1" dur="indefinite" restart="never" nodeType="tmRoot"/>
-      </p:par>
-    </p:tnLst>
-  </p:timing>
 </p:sld>
 </file>
 
@@ -8159,7 +8205,7 @@
           <p:cNvPr id="2" name="Title 1">
             <a:extLst>
               <a:ext uri="{FF2B5EF4-FFF2-40B4-BE49-F238E27FC236}">
-                <a16:creationId xmlns:a16="http://schemas.microsoft.com/office/drawing/2014/main" xmlns="" id="{29C6A23B-A42C-45CE-BB14-7B31C1F08401}"/>
+                <a16:creationId xmlns:a16="http://schemas.microsoft.com/office/drawing/2014/main" id="{29C6A23B-A42C-45CE-BB14-7B31C1F08401}"/>
               </a:ext>
             </a:extLst>
           </p:cNvPr>
@@ -8187,7 +8233,7 @@
           <p:cNvPr id="3" name="Content Placeholder 2">
             <a:extLst>
               <a:ext uri="{FF2B5EF4-FFF2-40B4-BE49-F238E27FC236}">
-                <a16:creationId xmlns:a16="http://schemas.microsoft.com/office/drawing/2014/main" xmlns="" id="{A3A51057-7960-4A8B-B572-882F10438714}"/>
+                <a16:creationId xmlns:a16="http://schemas.microsoft.com/office/drawing/2014/main" id="{A3A51057-7960-4A8B-B572-882F10438714}"/>
               </a:ext>
             </a:extLst>
           </p:cNvPr>
@@ -8198,91 +8244,381 @@
             <p:ph idx="1"/>
           </p:nvPr>
         </p:nvSpPr>
-        <p:spPr/>
-        <p:txBody>
-          <a:bodyPr/>
+        <p:spPr>
+          <a:xfrm>
+            <a:off x="818712" y="2222287"/>
+            <a:ext cx="5277288" cy="3636511"/>
+          </a:xfrm>
+        </p:spPr>
+        <p:txBody>
+          <a:bodyPr>
+            <a:normAutofit/>
+          </a:bodyPr>
           <a:lstStyle/>
           <a:p>
+            <a:pPr marL="0" indent="0">
+              <a:buNone/>
+            </a:pPr>
             <a:r>
               <a:rPr lang="en-US" dirty="0"/>
-              <a:t>For this project we </a:t>
-            </a:r>
-            <a:r>
-              <a:rPr lang="en-US" dirty="0" smtClean="0"/>
-              <a:t>need– </a:t>
-            </a:r>
-          </a:p>
-          <a:p>
-            <a:r>
-              <a:rPr lang="en-US" dirty="0" smtClean="0"/>
-              <a:t>1.Arduino </a:t>
-            </a:r>
+              <a:t>	1. Arduino Uno</a:t>
+            </a:r>
+          </a:p>
+          <a:p>
+            <a:pPr marL="0" indent="0">
+              <a:buNone/>
+            </a:pPr>
+            <a:endParaRPr lang="en-US" dirty="0"/>
+          </a:p>
+          <a:p>
+            <a:pPr marL="0" indent="0">
+              <a:buNone/>
+            </a:pPr>
+            <a:endParaRPr lang="en-US" dirty="0"/>
+          </a:p>
+          <a:p>
+            <a:pPr marL="0" indent="0">
+              <a:buNone/>
+            </a:pPr>
             <a:r>
               <a:rPr lang="en-US" dirty="0"/>
-              <a:t>Uno </a:t>
-            </a:r>
-            <a:endParaRPr lang="en-US" dirty="0" smtClean="0"/>
-          </a:p>
-          <a:p>
-            <a:r>
-              <a:rPr lang="en-US" dirty="0" smtClean="0"/>
-              <a:t>2.Heart </a:t>
-            </a:r>
+              <a:t>	2. Heart beat sensor </a:t>
+            </a:r>
+          </a:p>
+          <a:p>
+            <a:pPr marL="0" indent="0">
+              <a:buNone/>
+            </a:pPr>
+            <a:endParaRPr lang="en-US" dirty="0"/>
+          </a:p>
+          <a:p>
+            <a:pPr marL="0" indent="0">
+              <a:buNone/>
+            </a:pPr>
+            <a:endParaRPr lang="en-US" dirty="0"/>
+          </a:p>
+          <a:p>
+            <a:pPr marL="0" indent="0">
+              <a:buNone/>
+            </a:pPr>
             <a:r>
               <a:rPr lang="en-US" dirty="0"/>
-              <a:t>beat sensor </a:t>
-            </a:r>
-            <a:endParaRPr lang="en-US" dirty="0" smtClean="0"/>
-          </a:p>
-          <a:p>
-            <a:r>
-              <a:rPr lang="en-US" dirty="0" smtClean="0"/>
-              <a:t>3.Bread </a:t>
-            </a:r>
+              <a:t>	3. Bread Board</a:t>
+            </a:r>
+            <a:endParaRPr lang="en-IN" dirty="0"/>
+          </a:p>
+        </p:txBody>
+      </p:sp>
+      <p:sp>
+        <p:nvSpPr>
+          <p:cNvPr id="4" name="TextBox 3">
+            <a:extLst>
+              <a:ext uri="{FF2B5EF4-FFF2-40B4-BE49-F238E27FC236}">
+                <a16:creationId xmlns:a16="http://schemas.microsoft.com/office/drawing/2014/main" id="{8F650237-042C-4D65-9F25-813CEE4F98D6}"/>
+              </a:ext>
+            </a:extLst>
+          </p:cNvPr>
+          <p:cNvSpPr txBox="1"/>
+          <p:nvPr/>
+        </p:nvSpPr>
+        <p:spPr>
+          <a:xfrm>
+            <a:off x="6095999" y="2250690"/>
+            <a:ext cx="5356195" cy="3693319"/>
+          </a:xfrm>
+          <a:prstGeom prst="rect">
+            <a:avLst/>
+          </a:prstGeom>
+          <a:noFill/>
+        </p:spPr>
+        <p:txBody>
+          <a:bodyPr wrap="square" rtlCol="0">
+            <a:spAutoFit/>
+          </a:bodyPr>
+          <a:lstStyle/>
+          <a:p>
             <a:r>
               <a:rPr lang="en-US" dirty="0"/>
-              <a:t>Board </a:t>
-            </a:r>
-            <a:endParaRPr lang="en-US" dirty="0" smtClean="0"/>
-          </a:p>
-          <a:p>
-            <a:r>
-              <a:rPr lang="en-US" dirty="0" smtClean="0"/>
-              <a:t>4.Jumper </a:t>
-            </a:r>
+              <a:t>	</a:t>
+            </a:r>
+          </a:p>
+          <a:p>
             <a:r>
               <a:rPr lang="en-US" dirty="0"/>
-              <a:t>Wire </a:t>
-            </a:r>
-            <a:endParaRPr lang="en-US" dirty="0" smtClean="0"/>
-          </a:p>
-          <a:p>
-            <a:r>
-              <a:rPr lang="en-US" dirty="0" smtClean="0"/>
-              <a:t>5.16x2 </a:t>
-            </a:r>
+              <a:t>	4. Jumper Wire </a:t>
+            </a:r>
+          </a:p>
+          <a:p>
+            <a:endParaRPr lang="en-US" dirty="0"/>
+          </a:p>
+          <a:p>
+            <a:endParaRPr lang="en-US" dirty="0"/>
+          </a:p>
+          <a:p>
             <a:r>
               <a:rPr lang="en-US" dirty="0"/>
-              <a:t>LCD </a:t>
-            </a:r>
-            <a:r>
-              <a:rPr lang="en-US" dirty="0" smtClean="0"/>
-              <a:t>Display</a:t>
-            </a:r>
-          </a:p>
-          <a:p>
-            <a:r>
-              <a:rPr lang="en-US" dirty="0" err="1" smtClean="0"/>
+              <a:t>	</a:t>
+            </a:r>
+          </a:p>
+          <a:p>
+            <a:endParaRPr lang="en-US" dirty="0"/>
+          </a:p>
+          <a:p>
+            <a:r>
+              <a:rPr lang="en-US" dirty="0"/>
+              <a:t>	5. 16x2 LCD Display</a:t>
+            </a:r>
+          </a:p>
+          <a:p>
+            <a:endParaRPr lang="en-US" dirty="0"/>
+          </a:p>
+          <a:p>
+            <a:endParaRPr lang="en-US" dirty="0"/>
+          </a:p>
+          <a:p>
+            <a:r>
+              <a:rPr lang="en-US" dirty="0"/>
+              <a:t>	</a:t>
+            </a:r>
+          </a:p>
+          <a:p>
+            <a:r>
+              <a:rPr lang="en-US" dirty="0"/>
+              <a:t>	6. </a:t>
+            </a:r>
+            <a:r>
+              <a:rPr lang="en-US" dirty="0" err="1"/>
               <a:t>Nodemcu</a:t>
             </a:r>
             <a:r>
-              <a:rPr lang="en-US" dirty="0" smtClean="0"/>
-              <a:t> ESP8266</a:t>
-            </a:r>
+              <a:rPr lang="en-US" dirty="0"/>
+              <a:t> ESP8266	</a:t>
+            </a:r>
+          </a:p>
+          <a:p>
+            <a:endParaRPr lang="en-US" dirty="0"/>
+          </a:p>
+          <a:p>
             <a:endParaRPr lang="en-IN" dirty="0"/>
           </a:p>
         </p:txBody>
       </p:sp>
+      <p:pic>
+        <p:nvPicPr>
+          <p:cNvPr id="6" name="Picture 5">
+            <a:extLst>
+              <a:ext uri="{FF2B5EF4-FFF2-40B4-BE49-F238E27FC236}">
+                <a16:creationId xmlns:a16="http://schemas.microsoft.com/office/drawing/2014/main" id="{1613BD83-B6A7-401A-8526-19B5DBD4BAE4}"/>
+              </a:ext>
+            </a:extLst>
+          </p:cNvPr>
+          <p:cNvPicPr>
+            <a:picLocks noChangeAspect="1"/>
+          </p:cNvPicPr>
+          <p:nvPr/>
+        </p:nvPicPr>
+        <p:blipFill>
+          <a:blip r:embed="rId2">
+            <a:extLst>
+              <a:ext uri="{28A0092B-C50C-407E-A947-70E740481C1C}">
+                <a14:useLocalDpi xmlns:a14="http://schemas.microsoft.com/office/drawing/2010/main" val="0"/>
+              </a:ext>
+            </a:extLst>
+          </a:blip>
+          <a:stretch>
+            <a:fillRect/>
+          </a:stretch>
+        </p:blipFill>
+        <p:spPr>
+          <a:xfrm>
+            <a:off x="1646312" y="3028396"/>
+            <a:ext cx="801208" cy="801208"/>
+          </a:xfrm>
+          <a:prstGeom prst="rect">
+            <a:avLst/>
+          </a:prstGeom>
+        </p:spPr>
+      </p:pic>
+      <p:pic>
+        <p:nvPicPr>
+          <p:cNvPr id="8" name="Picture 7">
+            <a:extLst>
+              <a:ext uri="{FF2B5EF4-FFF2-40B4-BE49-F238E27FC236}">
+                <a16:creationId xmlns:a16="http://schemas.microsoft.com/office/drawing/2014/main" id="{7662B44C-6A46-4B39-A803-029A17AC978E}"/>
+              </a:ext>
+            </a:extLst>
+          </p:cNvPr>
+          <p:cNvPicPr>
+            <a:picLocks noChangeAspect="1"/>
+          </p:cNvPicPr>
+          <p:nvPr/>
+        </p:nvPicPr>
+        <p:blipFill>
+          <a:blip r:embed="rId3">
+            <a:extLst>
+              <a:ext uri="{28A0092B-C50C-407E-A947-70E740481C1C}">
+                <a14:useLocalDpi xmlns:a14="http://schemas.microsoft.com/office/drawing/2010/main" val="0"/>
+              </a:ext>
+            </a:extLst>
+          </a:blip>
+          <a:stretch>
+            <a:fillRect/>
+          </a:stretch>
+        </p:blipFill>
+        <p:spPr>
+          <a:xfrm>
+            <a:off x="1644000" y="4233649"/>
+            <a:ext cx="801208" cy="801208"/>
+          </a:xfrm>
+          <a:prstGeom prst="rect">
+            <a:avLst/>
+          </a:prstGeom>
+        </p:spPr>
+      </p:pic>
+      <p:pic>
+        <p:nvPicPr>
+          <p:cNvPr id="10" name="Picture 9">
+            <a:extLst>
+              <a:ext uri="{FF2B5EF4-FFF2-40B4-BE49-F238E27FC236}">
+                <a16:creationId xmlns:a16="http://schemas.microsoft.com/office/drawing/2014/main" id="{81B2DD31-0FA6-4BE5-9581-40AAF8BD4981}"/>
+              </a:ext>
+            </a:extLst>
+          </p:cNvPr>
+          <p:cNvPicPr>
+            <a:picLocks noChangeAspect="1"/>
+          </p:cNvPicPr>
+          <p:nvPr/>
+        </p:nvPicPr>
+        <p:blipFill>
+          <a:blip r:embed="rId4">
+            <a:extLst>
+              <a:ext uri="{28A0092B-C50C-407E-A947-70E740481C1C}">
+                <a14:useLocalDpi xmlns:a14="http://schemas.microsoft.com/office/drawing/2010/main" val="0"/>
+              </a:ext>
+            </a:extLst>
+          </a:blip>
+          <a:stretch>
+            <a:fillRect/>
+          </a:stretch>
+        </p:blipFill>
+        <p:spPr>
+          <a:xfrm>
+            <a:off x="1643999" y="5486596"/>
+            <a:ext cx="801209" cy="801209"/>
+          </a:xfrm>
+          <a:prstGeom prst="rect">
+            <a:avLst/>
+          </a:prstGeom>
+        </p:spPr>
+      </p:pic>
+      <p:pic>
+        <p:nvPicPr>
+          <p:cNvPr id="12" name="Picture 11">
+            <a:extLst>
+              <a:ext uri="{FF2B5EF4-FFF2-40B4-BE49-F238E27FC236}">
+                <a16:creationId xmlns:a16="http://schemas.microsoft.com/office/drawing/2014/main" id="{033BAF52-C796-4C71-BE4E-49B54BE13A1E}"/>
+              </a:ext>
+            </a:extLst>
+          </p:cNvPr>
+          <p:cNvPicPr>
+            <a:picLocks noChangeAspect="1"/>
+          </p:cNvPicPr>
+          <p:nvPr/>
+        </p:nvPicPr>
+        <p:blipFill>
+          <a:blip r:embed="rId5">
+            <a:extLst>
+              <a:ext uri="{28A0092B-C50C-407E-A947-70E740481C1C}">
+                <a14:useLocalDpi xmlns:a14="http://schemas.microsoft.com/office/drawing/2010/main" val="0"/>
+              </a:ext>
+            </a:extLst>
+          </a:blip>
+          <a:stretch>
+            <a:fillRect/>
+          </a:stretch>
+        </p:blipFill>
+        <p:spPr>
+          <a:xfrm>
+            <a:off x="6921288" y="2916822"/>
+            <a:ext cx="797181" cy="823402"/>
+          </a:xfrm>
+          <a:prstGeom prst="rect">
+            <a:avLst/>
+          </a:prstGeom>
+        </p:spPr>
+      </p:pic>
+      <p:pic>
+        <p:nvPicPr>
+          <p:cNvPr id="14" name="Picture 13">
+            <a:extLst>
+              <a:ext uri="{FF2B5EF4-FFF2-40B4-BE49-F238E27FC236}">
+                <a16:creationId xmlns:a16="http://schemas.microsoft.com/office/drawing/2014/main" id="{6B169CC5-0A6A-4C71-8594-95D0549B6C9C}"/>
+              </a:ext>
+            </a:extLst>
+          </p:cNvPr>
+          <p:cNvPicPr>
+            <a:picLocks noChangeAspect="1"/>
+          </p:cNvPicPr>
+          <p:nvPr/>
+        </p:nvPicPr>
+        <p:blipFill>
+          <a:blip r:embed="rId6">
+            <a:extLst>
+              <a:ext uri="{28A0092B-C50C-407E-A947-70E740481C1C}">
+                <a14:useLocalDpi xmlns:a14="http://schemas.microsoft.com/office/drawing/2010/main" val="0"/>
+              </a:ext>
+            </a:extLst>
+          </a:blip>
+          <a:stretch>
+            <a:fillRect/>
+          </a:stretch>
+        </p:blipFill>
+        <p:spPr>
+          <a:xfrm>
+            <a:off x="6921288" y="4237675"/>
+            <a:ext cx="797181" cy="797182"/>
+          </a:xfrm>
+          <a:prstGeom prst="rect">
+            <a:avLst/>
+          </a:prstGeom>
+        </p:spPr>
+      </p:pic>
+      <p:pic>
+        <p:nvPicPr>
+          <p:cNvPr id="16" name="Picture 15">
+            <a:extLst>
+              <a:ext uri="{FF2B5EF4-FFF2-40B4-BE49-F238E27FC236}">
+                <a16:creationId xmlns:a16="http://schemas.microsoft.com/office/drawing/2014/main" id="{7855567D-0E06-430B-97B7-4B8F5DE08B97}"/>
+              </a:ext>
+            </a:extLst>
+          </p:cNvPr>
+          <p:cNvPicPr>
+            <a:picLocks noChangeAspect="1"/>
+          </p:cNvPicPr>
+          <p:nvPr/>
+        </p:nvPicPr>
+        <p:blipFill>
+          <a:blip r:embed="rId7">
+            <a:extLst>
+              <a:ext uri="{28A0092B-C50C-407E-A947-70E740481C1C}">
+                <a14:useLocalDpi xmlns:a14="http://schemas.microsoft.com/office/drawing/2010/main" val="0"/>
+              </a:ext>
+            </a:extLst>
+          </a:blip>
+          <a:stretch>
+            <a:fillRect/>
+          </a:stretch>
+        </p:blipFill>
+        <p:spPr>
+          <a:xfrm>
+            <a:off x="6921288" y="5344545"/>
+            <a:ext cx="797182" cy="848189"/>
+          </a:xfrm>
+          <a:prstGeom prst="rect">
+            <a:avLst/>
+          </a:prstGeom>
+        </p:spPr>
+      </p:pic>
     </p:spTree>
     <p:extLst>
       <p:ext uri="{BB962C8B-B14F-4D97-AF65-F5344CB8AC3E}">
@@ -8293,13 +8629,6 @@
   <p:clrMapOvr>
     <a:masterClrMapping/>
   </p:clrMapOvr>
-  <p:timing>
-    <p:tnLst>
-      <p:par>
-        <p:cTn id="1" dur="indefinite" restart="never" nodeType="tmRoot"/>
-      </p:par>
-    </p:tnLst>
-  </p:timing>
 </p:sld>
 </file>
 
@@ -8325,7 +8654,7 @@
           <p:cNvPr id="2" name="Title 1">
             <a:extLst>
               <a:ext uri="{FF2B5EF4-FFF2-40B4-BE49-F238E27FC236}">
-                <a16:creationId xmlns:a16="http://schemas.microsoft.com/office/drawing/2014/main" xmlns="" id="{9F650DF2-26EB-471F-AF05-F5A6B3B33BDD}"/>
+                <a16:creationId xmlns:a16="http://schemas.microsoft.com/office/drawing/2014/main" id="{9F650DF2-26EB-471F-AF05-F5A6B3B33BDD}"/>
               </a:ext>
             </a:extLst>
           </p:cNvPr>
@@ -8343,13 +8672,8 @@
           <a:p>
             <a:r>
               <a:rPr lang="en-IN" dirty="0"/>
-              <a:t>P</a:t>
-            </a:r>
-            <a:r>
-              <a:rPr lang="en-IN" dirty="0" smtClean="0"/>
-              <a:t>roblem</a:t>
-            </a:r>
-            <a:endParaRPr lang="en-IN" dirty="0"/>
+              <a:t>Problem</a:t>
+            </a:r>
           </a:p>
         </p:txBody>
       </p:sp>
@@ -8358,7 +8682,7 @@
           <p:cNvPr id="3" name="Content Placeholder 2">
             <a:extLst>
               <a:ext uri="{FF2B5EF4-FFF2-40B4-BE49-F238E27FC236}">
-                <a16:creationId xmlns:a16="http://schemas.microsoft.com/office/drawing/2014/main" xmlns="" id="{A089B21F-9E1E-4CA7-8FEC-D0D19E33EBCD}"/>
+                <a16:creationId xmlns:a16="http://schemas.microsoft.com/office/drawing/2014/main" id="{A089B21F-9E1E-4CA7-8FEC-D0D19E33EBCD}"/>
               </a:ext>
             </a:extLst>
           </p:cNvPr>
@@ -8372,33 +8696,41 @@
         <p:spPr>
           <a:xfrm>
             <a:off x="818712" y="2222287"/>
-            <a:ext cx="10554574" cy="1912391"/>
+            <a:ext cx="10554574" cy="4188525"/>
           </a:xfrm>
         </p:spPr>
         <p:txBody>
-          <a:bodyPr/>
+          <a:bodyPr>
+            <a:normAutofit/>
+          </a:bodyPr>
           <a:lstStyle/>
           <a:p>
-            <a:endParaRPr lang="en-IN" dirty="0" smtClean="0"/>
-          </a:p>
-          <a:p>
-            <a:r>
-              <a:rPr lang="en-IN" sz="2400" dirty="0" smtClean="0"/>
+            <a:endParaRPr lang="en-IN" dirty="0"/>
+          </a:p>
+          <a:p>
+            <a:r>
+              <a:rPr lang="en-IN" sz="2400" dirty="0"/>
               <a:t>No one can stay with heart patients all the time.</a:t>
             </a:r>
           </a:p>
           <a:p>
-            <a:r>
-              <a:rPr lang="en-IN" sz="2400" dirty="0" smtClean="0"/>
+            <a:pPr marL="0" indent="0">
+              <a:buNone/>
+            </a:pPr>
+            <a:endParaRPr lang="en-IN" sz="2400" dirty="0"/>
+          </a:p>
+          <a:p>
+            <a:r>
+              <a:rPr lang="en-IN" sz="2400" dirty="0"/>
               <a:t>Heart patients may not receive timely treatment at times of emergency.</a:t>
             </a:r>
             <a:r>
-              <a:rPr lang="en-IN" dirty="0" smtClean="0"/>
+              <a:rPr lang="en-IN" dirty="0"/>
               <a:t> </a:t>
             </a:r>
           </a:p>
           <a:p>
-            <a:endParaRPr lang="en-IN" dirty="0" smtClean="0"/>
+            <a:endParaRPr lang="en-IN" dirty="0"/>
           </a:p>
           <a:p>
             <a:endParaRPr lang="en-IN" dirty="0"/>
@@ -8415,13 +8747,6 @@
   <p:clrMapOvr>
     <a:masterClrMapping/>
   </p:clrMapOvr>
-  <p:timing>
-    <p:tnLst>
-      <p:par>
-        <p:cTn id="1" dur="indefinite" restart="never" nodeType="tmRoot"/>
-      </p:par>
-    </p:tnLst>
-  </p:timing>
 </p:sld>
 </file>
 
@@ -8447,7 +8772,7 @@
           <p:cNvPr id="2" name="Title 1">
             <a:extLst>
               <a:ext uri="{FF2B5EF4-FFF2-40B4-BE49-F238E27FC236}">
-                <a16:creationId xmlns:a16="http://schemas.microsoft.com/office/drawing/2014/main" xmlns="" id="{E2C09314-1752-424C-A261-905493BF0654}"/>
+                <a16:creationId xmlns:a16="http://schemas.microsoft.com/office/drawing/2014/main" id="{E2C09314-1752-424C-A261-905493BF0654}"/>
               </a:ext>
             </a:extLst>
           </p:cNvPr>
@@ -8464,10 +8789,9 @@
           <a:lstStyle/>
           <a:p>
             <a:r>
-              <a:rPr lang="en-IN" dirty="0" smtClean="0"/>
+              <a:rPr lang="en-IN" dirty="0"/>
               <a:t>Solution</a:t>
             </a:r>
-            <a:endParaRPr lang="en-IN" dirty="0"/>
           </a:p>
         </p:txBody>
       </p:sp>
@@ -8476,7 +8800,7 @@
           <p:cNvPr id="3" name="Content Placeholder 2">
             <a:extLst>
               <a:ext uri="{FF2B5EF4-FFF2-40B4-BE49-F238E27FC236}">
-                <a16:creationId xmlns:a16="http://schemas.microsoft.com/office/drawing/2014/main" xmlns="" id="{8DB31CDA-ACB5-4C32-AB72-CE56539EFD0B}"/>
+                <a16:creationId xmlns:a16="http://schemas.microsoft.com/office/drawing/2014/main" id="{8DB31CDA-ACB5-4C32-AB72-CE56539EFD0B}"/>
               </a:ext>
             </a:extLst>
           </p:cNvPr>
@@ -8487,16 +8811,23 @@
             <p:ph idx="1"/>
           </p:nvPr>
         </p:nvSpPr>
-        <p:spPr/>
-        <p:txBody>
-          <a:bodyPr/>
+        <p:spPr>
+          <a:xfrm>
+            <a:off x="818712" y="2222287"/>
+            <a:ext cx="10554574" cy="4098614"/>
+          </a:xfrm>
+        </p:spPr>
+        <p:txBody>
+          <a:bodyPr>
+            <a:normAutofit/>
+          </a:bodyPr>
           <a:lstStyle/>
           <a:p>
             <a:pPr marL="0" indent="0">
               <a:buNone/>
             </a:pPr>
             <a:r>
-              <a:rPr lang="en-IN" dirty="0" smtClean="0"/>
+              <a:rPr lang="en-IN" sz="2400" dirty="0"/>
               <a:t>More than 2 million people are at high risk of having heart attack.</a:t>
             </a:r>
           </a:p>
@@ -8504,8 +8835,14 @@
             <a:pPr marL="0" indent="0">
               <a:buNone/>
             </a:pPr>
-            <a:r>
-              <a:rPr lang="en-IN" dirty="0" smtClean="0"/>
+            <a:endParaRPr lang="en-IN" sz="2400" dirty="0"/>
+          </a:p>
+          <a:p>
+            <a:pPr marL="0" indent="0">
+              <a:buNone/>
+            </a:pPr>
+            <a:r>
+              <a:rPr lang="en-IN" sz="2400" dirty="0"/>
               <a:t>It  would be helpful if there is a way for these people to monitor their heart.</a:t>
             </a:r>
           </a:p>
@@ -8513,28 +8850,16 @@
             <a:pPr marL="0" indent="0">
               <a:buNone/>
             </a:pPr>
-            <a:r>
-              <a:rPr lang="en-IN" dirty="0" smtClean="0"/>
-              <a:t>We made a product that will notify</a:t>
-            </a:r>
-            <a:r>
-              <a:rPr lang="en-IN" dirty="0" smtClean="0"/>
-              <a:t> the patient’s family members or authorities,</a:t>
-            </a:r>
+            <a:endParaRPr lang="en-IN" sz="2400" dirty="0"/>
           </a:p>
           <a:p>
             <a:pPr marL="0" indent="0">
               <a:buNone/>
             </a:pPr>
             <a:r>
-              <a:rPr lang="en-IN" dirty="0"/>
-              <a:t>w</a:t>
-            </a:r>
-            <a:r>
-              <a:rPr lang="en-IN" dirty="0" smtClean="0"/>
-              <a:t>ho will take action.</a:t>
-            </a:r>
-            <a:endParaRPr lang="en-IN" dirty="0"/>
+              <a:rPr lang="en-IN" sz="2400" dirty="0"/>
+              <a:t>We made a product that will notify the patient’s family members or authorities, who will take action.</a:t>
+            </a:r>
           </a:p>
         </p:txBody>
       </p:sp>
@@ -8548,13 +8873,6 @@
   <p:clrMapOvr>
     <a:masterClrMapping/>
   </p:clrMapOvr>
-  <p:timing>
-    <p:tnLst>
-      <p:par>
-        <p:cTn id="1" dur="indefinite" restart="never" nodeType="tmRoot"/>
-      </p:par>
-    </p:tnLst>
-  </p:timing>
 </p:sld>
 </file>
 
@@ -8580,7 +8898,7 @@
           <p:cNvPr id="2" name="Title 1">
             <a:extLst>
               <a:ext uri="{FF2B5EF4-FFF2-40B4-BE49-F238E27FC236}">
-                <a16:creationId xmlns:a16="http://schemas.microsoft.com/office/drawing/2014/main" xmlns="" id="{F46F3B03-CAF5-4ABF-8EC3-CBE8C03F6BC7}"/>
+                <a16:creationId xmlns:a16="http://schemas.microsoft.com/office/drawing/2014/main" id="{F46F3B03-CAF5-4ABF-8EC3-CBE8C03F6BC7}"/>
               </a:ext>
             </a:extLst>
           </p:cNvPr>
@@ -8598,13 +8916,8 @@
           <a:p>
             <a:r>
               <a:rPr lang="en-IN" dirty="0"/>
-              <a:t>F</a:t>
-            </a:r>
-            <a:r>
-              <a:rPr lang="en-IN" dirty="0" smtClean="0"/>
-              <a:t>eatures</a:t>
-            </a:r>
-            <a:endParaRPr lang="en-IN" dirty="0"/>
+              <a:t>Features</a:t>
+            </a:r>
           </a:p>
         </p:txBody>
       </p:sp>
@@ -8613,7 +8926,7 @@
           <p:cNvPr id="3" name="Content Placeholder 2">
             <a:extLst>
               <a:ext uri="{FF2B5EF4-FFF2-40B4-BE49-F238E27FC236}">
-                <a16:creationId xmlns:a16="http://schemas.microsoft.com/office/drawing/2014/main" xmlns="" id="{7FD4A706-7042-459F-87EC-28206A286808}"/>
+                <a16:creationId xmlns:a16="http://schemas.microsoft.com/office/drawing/2014/main" id="{7FD4A706-7042-459F-87EC-28206A286808}"/>
               </a:ext>
             </a:extLst>
           </p:cNvPr>
@@ -8643,13 +8956,6 @@
   <p:clrMapOvr>
     <a:masterClrMapping/>
   </p:clrMapOvr>
-  <p:timing>
-    <p:tnLst>
-      <p:par>
-        <p:cTn id="1" dur="indefinite" restart="never" nodeType="tmRoot"/>
-      </p:par>
-    </p:tnLst>
-  </p:timing>
 </p:sld>
 </file>
 
@@ -8884,7 +9190,7 @@
   <a:extraClrSchemeLst/>
   <a:extLst>
     <a:ext uri="{05A4C25C-085E-4340-85A3-A5531E510DB2}">
-      <thm15:themeFamily xmlns:thm15="http://schemas.microsoft.com/office/thememl/2012/main" xmlns="" name="Quotable" id="{39EC5628-30ED-4578-ACD8-9820EDB8E15A}" vid="{6F3559E9-1A4C-49D8-94D4-F41003531C49}"/>
+      <thm15:themeFamily xmlns:thm15="http://schemas.microsoft.com/office/thememl/2012/main" name="Quotable" id="{39EC5628-30ED-4578-ACD8-9820EDB8E15A}" vid="{6F3559E9-1A4C-49D8-94D4-F41003531C49}"/>
     </a:ext>
   </a:extLst>
 </a:theme>

--- a/Presentation/Presentation.pptx
+++ b/Presentation/Presentation.pptx
@@ -15,7 +15,7 @@
     <p:sldId id="263" r:id="rId9"/>
     <p:sldId id="264" r:id="rId10"/>
     <p:sldId id="265" r:id="rId11"/>
-    <p:sldId id="266" r:id="rId12"/>
+    <p:sldId id="274" r:id="rId12"/>
     <p:sldId id="267" r:id="rId13"/>
   </p:sldIdLst>
   <p:sldSz cx="12192000" cy="6858000"/>
@@ -117,7 +117,18 @@
   </p:defaultTextStyle>
   <p:extLst>
     <p:ext uri="{EFAFB233-063F-42B5-8137-9DF3F51BA10A}">
-      <p15:sldGuideLst xmlns:p15="http://schemas.microsoft.com/office/powerpoint/2012/main" xmlns=""/>
+      <p15:sldGuideLst xmlns:p15="http://schemas.microsoft.com/office/powerpoint/2012/main" xmlns="">
+        <p15:guide id="1" orient="horz" pos="2160">
+          <p15:clr>
+            <a:srgbClr val="A4A3A4"/>
+          </p15:clr>
+        </p15:guide>
+        <p15:guide id="2" pos="3840">
+          <p15:clr>
+            <a:srgbClr val="A4A3A4"/>
+          </p15:clr>
+        </p15:guide>
+      </p15:sldGuideLst>
     </p:ext>
   </p:extLst>
 </p:presentation>
@@ -5472,13 +5483,6 @@
   <p:clrMapOvr>
     <a:masterClrMapping/>
   </p:clrMapOvr>
-  <p:timing>
-    <p:tnLst>
-      <p:par>
-        <p:cTn id="1" dur="indefinite" restart="never" nodeType="tmRoot"/>
-      </p:par>
-    </p:tnLst>
-  </p:timing>
 </p:sld>
 </file>
 
@@ -5543,15 +5547,95 @@
             <p:ph idx="1"/>
           </p:nvPr>
         </p:nvSpPr>
-        <p:spPr/>
+        <p:spPr>
+          <a:xfrm>
+            <a:off x="635833" y="1900361"/>
+            <a:ext cx="8237823" cy="2751151"/>
+          </a:xfrm>
+        </p:spPr>
         <p:txBody>
-          <a:bodyPr/>
+          <a:bodyPr>
+            <a:normAutofit/>
+          </a:bodyPr>
           <a:lstStyle/>
           <a:p>
-            <a:endParaRPr lang="en-IN" dirty="0"/>
+            <a:pPr>
+              <a:lnSpc>
+                <a:spcPct val="150000"/>
+              </a:lnSpc>
+            </a:pPr>
+            <a:r>
+              <a:rPr lang="en-IN" sz="2000" dirty="0" smtClean="0"/>
+              <a:t>Our device  low cost, quick and effective solution for the heart patients in emergency situations.</a:t>
+            </a:r>
+            <a:endParaRPr lang="en-IN" sz="2000" dirty="0"/>
           </a:p>
         </p:txBody>
       </p:sp>
+      <p:pic>
+        <p:nvPicPr>
+          <p:cNvPr id="2050" name="Picture 2"/>
+          <p:cNvPicPr>
+            <a:picLocks noChangeAspect="1" noChangeArrowheads="1"/>
+          </p:cNvPicPr>
+          <p:nvPr/>
+        </p:nvPicPr>
+        <p:blipFill>
+          <a:blip r:embed="rId2">
+            <a:extLst>
+              <a:ext uri="{28A0092B-C50C-407E-A947-70E740481C1C}">
+                <a14:useLocalDpi xmlns:a14="http://schemas.microsoft.com/office/drawing/2010/main" val="0"/>
+              </a:ext>
+            </a:extLst>
+          </a:blip>
+          <a:srcRect/>
+          <a:stretch>
+            <a:fillRect/>
+          </a:stretch>
+        </p:blipFill>
+        <p:spPr bwMode="auto">
+          <a:xfrm>
+            <a:off x="8437411" y="4110162"/>
+            <a:ext cx="2272996" cy="2272996"/>
+          </a:xfrm>
+          <a:prstGeom prst="rect">
+            <a:avLst/>
+          </a:prstGeom>
+          <a:noFill/>
+          <a:ln>
+            <a:noFill/>
+          </a:ln>
+          <a:effectLst/>
+          <a:extLst>
+            <a:ext uri="{909E8E84-426E-40DD-AFC4-6F175D3DCCD1}">
+              <a14:hiddenFill xmlns:a14="http://schemas.microsoft.com/office/drawing/2010/main">
+                <a:solidFill>
+                  <a:schemeClr val="accent1"/>
+                </a:solidFill>
+              </a14:hiddenFill>
+            </a:ext>
+            <a:ext uri="{91240B29-F687-4F45-9708-019B960494DF}">
+              <a14:hiddenLine xmlns:a14="http://schemas.microsoft.com/office/drawing/2010/main" w="9525">
+                <a:solidFill>
+                  <a:schemeClr val="tx1"/>
+                </a:solidFill>
+                <a:miter lim="800000"/>
+                <a:headEnd/>
+                <a:tailEnd/>
+              </a14:hiddenLine>
+            </a:ext>
+            <a:ext uri="{AF507438-7753-43E0-B8FC-AC1667EBCBE1}">
+              <a14:hiddenEffects xmlns:a14="http://schemas.microsoft.com/office/drawing/2010/main">
+                <a:effectLst>
+                  <a:outerShdw dist="35921" dir="2700000" algn="ctr" rotWithShape="0">
+                    <a:schemeClr val="bg2"/>
+                  </a:outerShdw>
+                </a:effectLst>
+              </a14:hiddenEffects>
+            </a:ext>
+          </a:extLst>
+        </p:spPr>
+      </p:pic>
     </p:spTree>
     <p:extLst>
       <p:ext uri="{BB962C8B-B14F-4D97-AF65-F5344CB8AC3E}">
@@ -5584,13 +5668,7 @@
       </p:grpSpPr>
       <p:sp>
         <p:nvSpPr>
-          <p:cNvPr id="2" name="Title 1">
-            <a:extLst>
-              <a:ext uri="{FF2B5EF4-FFF2-40B4-BE49-F238E27FC236}">
-                <a16:creationId xmlns:a16="http://schemas.microsoft.com/office/drawing/2014/main" xmlns="" id="{3B777A88-0B7E-48D8-A03C-AE21635A1222}"/>
-              </a:ext>
-            </a:extLst>
-          </p:cNvPr>
+          <p:cNvPr id="2" name="Title 1"/>
           <p:cNvSpPr>
             <a:spLocks noGrp="1"/>
           </p:cNvSpPr>
@@ -5604,41 +5682,1935 @@
           <a:lstStyle/>
           <a:p>
             <a:r>
-              <a:rPr lang="en-IN" dirty="0"/>
-              <a:t>REFERENCES</a:t>
-            </a:r>
+              <a:rPr lang="en-IN" dirty="0" smtClean="0"/>
+              <a:t>COST</a:t>
+            </a:r>
+            <a:endParaRPr lang="en-IN" dirty="0"/>
           </a:p>
         </p:txBody>
       </p:sp>
       <p:sp>
         <p:nvSpPr>
-          <p:cNvPr id="3" name="Content Placeholder 2">
+          <p:cNvPr id="3" name="Content Placeholder 2"/>
+          <p:cNvSpPr>
+            <a:spLocks noGrp="1"/>
+          </p:cNvSpPr>
+          <p:nvPr>
+            <p:ph idx="1"/>
+          </p:nvPr>
+        </p:nvSpPr>
+        <p:spPr>
+          <a:xfrm>
+            <a:off x="778956" y="1828799"/>
+            <a:ext cx="4977789" cy="2423835"/>
+          </a:xfrm>
+        </p:spPr>
+        <p:txBody>
+          <a:bodyPr>
+            <a:normAutofit/>
+          </a:bodyPr>
+          <a:lstStyle/>
+          <a:p>
+            <a:pPr>
+              <a:lnSpc>
+                <a:spcPct val="150000"/>
+              </a:lnSpc>
+            </a:pPr>
+            <a:r>
+              <a:rPr lang="en-IN" sz="2000" dirty="0" smtClean="0"/>
+              <a:t>Cost determine by vendor cost.</a:t>
+            </a:r>
+          </a:p>
+          <a:p>
+            <a:pPr>
+              <a:lnSpc>
+                <a:spcPct val="150000"/>
+              </a:lnSpc>
+            </a:pPr>
+            <a:r>
+              <a:rPr lang="en-IN" sz="2000" dirty="0" smtClean="0"/>
+              <a:t>Based on work instruction tools.</a:t>
+            </a:r>
+            <a:endParaRPr lang="en-IN" sz="2000" dirty="0"/>
+          </a:p>
+        </p:txBody>
+      </p:sp>
+      <p:sp>
+        <p:nvSpPr>
+          <p:cNvPr id="4" name="Content Placeholder 2">
             <a:extLst>
               <a:ext uri="{FF2B5EF4-FFF2-40B4-BE49-F238E27FC236}">
-                <a16:creationId xmlns:a16="http://schemas.microsoft.com/office/drawing/2014/main" xmlns="" id="{A2E897DA-51C6-4631-895D-D6B5C9F06AE8}"/>
+                <a16:creationId xmlns:a16="http://schemas.microsoft.com/office/drawing/2014/main" xmlns="" id="{8DB31CDA-ACB5-4C32-AB72-CE56539EFD0B}"/>
               </a:ext>
             </a:extLst>
           </p:cNvPr>
-          <p:cNvSpPr>
-            <a:spLocks noGrp="1"/>
-          </p:cNvSpPr>
-          <p:nvPr>
-            <p:ph idx="1"/>
-          </p:nvPr>
-        </p:nvSpPr>
-        <p:spPr/>
+          <p:cNvSpPr txBox="1">
+            <a:spLocks/>
+          </p:cNvSpPr>
+          <p:nvPr/>
+        </p:nvSpPr>
+        <p:spPr>
+          <a:xfrm>
+            <a:off x="10424160" y="5987331"/>
+            <a:ext cx="949126" cy="333569"/>
+          </a:xfrm>
+          <a:prstGeom prst="rect">
+            <a:avLst/>
+          </a:prstGeom>
+          <a:effectLst>
+            <a:outerShdw blurRad="50800" dir="14400000">
+              <a:srgbClr val="000000">
+                <a:alpha val="40000"/>
+              </a:srgbClr>
+            </a:outerShdw>
+          </a:effectLst>
+        </p:spPr>
         <p:txBody>
-          <a:bodyPr/>
-          <a:lstStyle/>
-          <a:p>
-            <a:endParaRPr lang="en-IN" dirty="0"/>
+          <a:bodyPr vert="horz" lIns="91440" tIns="45720" rIns="91440" bIns="45720" rtlCol="0" anchor="ctr">
+            <a:normAutofit fontScale="77500" lnSpcReduction="20000"/>
+          </a:bodyPr>
+          <a:lstStyle>
+            <a:lvl1pPr marL="342900" indent="-342900" algn="l" defTabSz="457200" rtl="0" eaLnBrk="1" latinLnBrk="0" hangingPunct="1">
+              <a:spcBef>
+                <a:spcPct val="20000"/>
+              </a:spcBef>
+              <a:spcAft>
+                <a:spcPts val="600"/>
+              </a:spcAft>
+              <a:buClr>
+                <a:schemeClr val="accent1"/>
+              </a:buClr>
+              <a:buFont typeface="Wingdings 2" charset="2"/>
+              <a:buChar char=""/>
+              <a:defRPr sz="1800" kern="1200">
+                <a:solidFill>
+                  <a:schemeClr val="tx1"/>
+                </a:solidFill>
+                <a:latin typeface="+mn-lt"/>
+                <a:ea typeface="+mn-ea"/>
+                <a:cs typeface="+mn-cs"/>
+              </a:defRPr>
+            </a:lvl1pPr>
+            <a:lvl2pPr marL="742950" indent="-285750" algn="l" defTabSz="457200" rtl="0" eaLnBrk="1" latinLnBrk="0" hangingPunct="1">
+              <a:spcBef>
+                <a:spcPct val="20000"/>
+              </a:spcBef>
+              <a:spcAft>
+                <a:spcPts val="600"/>
+              </a:spcAft>
+              <a:buClr>
+                <a:schemeClr val="accent1"/>
+              </a:buClr>
+              <a:buFont typeface="Wingdings 2" charset="2"/>
+              <a:buChar char=""/>
+              <a:defRPr sz="1600" kern="1200">
+                <a:solidFill>
+                  <a:schemeClr val="tx1"/>
+                </a:solidFill>
+                <a:latin typeface="+mn-lt"/>
+                <a:ea typeface="+mn-ea"/>
+                <a:cs typeface="+mn-cs"/>
+              </a:defRPr>
+            </a:lvl2pPr>
+            <a:lvl3pPr marL="1143000" indent="-228600" algn="l" defTabSz="457200" rtl="0" eaLnBrk="1" latinLnBrk="0" hangingPunct="1">
+              <a:spcBef>
+                <a:spcPct val="20000"/>
+              </a:spcBef>
+              <a:spcAft>
+                <a:spcPts val="600"/>
+              </a:spcAft>
+              <a:buClr>
+                <a:schemeClr val="accent1"/>
+              </a:buClr>
+              <a:buFont typeface="Wingdings 2" charset="2"/>
+              <a:buChar char=""/>
+              <a:defRPr sz="1400" kern="1200">
+                <a:solidFill>
+                  <a:schemeClr val="tx1"/>
+                </a:solidFill>
+                <a:latin typeface="+mn-lt"/>
+                <a:ea typeface="+mn-ea"/>
+                <a:cs typeface="+mn-cs"/>
+              </a:defRPr>
+            </a:lvl3pPr>
+            <a:lvl4pPr marL="1600200" indent="-228600" algn="l" defTabSz="457200" rtl="0" eaLnBrk="1" latinLnBrk="0" hangingPunct="1">
+              <a:spcBef>
+                <a:spcPct val="20000"/>
+              </a:spcBef>
+              <a:spcAft>
+                <a:spcPts val="600"/>
+              </a:spcAft>
+              <a:buClr>
+                <a:schemeClr val="accent1"/>
+              </a:buClr>
+              <a:buFont typeface="Wingdings 2" charset="2"/>
+              <a:buChar char=""/>
+              <a:defRPr sz="1200" kern="1200">
+                <a:solidFill>
+                  <a:schemeClr val="tx1"/>
+                </a:solidFill>
+                <a:latin typeface="+mn-lt"/>
+                <a:ea typeface="+mn-ea"/>
+                <a:cs typeface="+mn-cs"/>
+              </a:defRPr>
+            </a:lvl4pPr>
+            <a:lvl5pPr marL="2057400" indent="-228600" algn="l" defTabSz="457200" rtl="0" eaLnBrk="1" latinLnBrk="0" hangingPunct="1">
+              <a:spcBef>
+                <a:spcPct val="20000"/>
+              </a:spcBef>
+              <a:spcAft>
+                <a:spcPts val="600"/>
+              </a:spcAft>
+              <a:buClr>
+                <a:schemeClr val="accent1"/>
+              </a:buClr>
+              <a:buFont typeface="Wingdings 2" charset="2"/>
+              <a:buChar char=""/>
+              <a:defRPr sz="1200" kern="1200">
+                <a:solidFill>
+                  <a:schemeClr val="tx1"/>
+                </a:solidFill>
+                <a:latin typeface="+mn-lt"/>
+                <a:ea typeface="+mn-ea"/>
+                <a:cs typeface="+mn-cs"/>
+              </a:defRPr>
+            </a:lvl5pPr>
+            <a:lvl6pPr marL="2400000" indent="-228600" algn="l" defTabSz="457200" rtl="0" eaLnBrk="1" latinLnBrk="0" hangingPunct="1">
+              <a:spcBef>
+                <a:spcPct val="20000"/>
+              </a:spcBef>
+              <a:spcAft>
+                <a:spcPts val="600"/>
+              </a:spcAft>
+              <a:buClr>
+                <a:schemeClr val="accent1"/>
+              </a:buClr>
+              <a:buFont typeface="Wingdings 2" charset="2"/>
+              <a:buChar char=""/>
+              <a:defRPr sz="1200" kern="1200">
+                <a:solidFill>
+                  <a:schemeClr val="tx1"/>
+                </a:solidFill>
+                <a:latin typeface="+mn-lt"/>
+                <a:ea typeface="+mn-ea"/>
+                <a:cs typeface="+mn-cs"/>
+              </a:defRPr>
+            </a:lvl6pPr>
+            <a:lvl7pPr marL="2800000" indent="-228600" algn="l" defTabSz="457200" rtl="0" eaLnBrk="1" latinLnBrk="0" hangingPunct="1">
+              <a:spcBef>
+                <a:spcPct val="20000"/>
+              </a:spcBef>
+              <a:spcAft>
+                <a:spcPts val="600"/>
+              </a:spcAft>
+              <a:buClr>
+                <a:schemeClr val="accent1"/>
+              </a:buClr>
+              <a:buFont typeface="Wingdings 2" charset="2"/>
+              <a:buChar char=""/>
+              <a:defRPr sz="1200" kern="1200">
+                <a:solidFill>
+                  <a:schemeClr val="tx1"/>
+                </a:solidFill>
+                <a:latin typeface="+mn-lt"/>
+                <a:ea typeface="+mn-ea"/>
+                <a:cs typeface="+mn-cs"/>
+              </a:defRPr>
+            </a:lvl7pPr>
+            <a:lvl8pPr marL="3200000" indent="-228600" algn="l" defTabSz="457200" rtl="0" eaLnBrk="1" latinLnBrk="0" hangingPunct="1">
+              <a:spcBef>
+                <a:spcPct val="20000"/>
+              </a:spcBef>
+              <a:spcAft>
+                <a:spcPts val="600"/>
+              </a:spcAft>
+              <a:buClr>
+                <a:schemeClr val="accent1"/>
+              </a:buClr>
+              <a:buFont typeface="Wingdings 2" charset="2"/>
+              <a:buChar char=""/>
+              <a:defRPr sz="1200" kern="1200">
+                <a:solidFill>
+                  <a:schemeClr val="tx1"/>
+                </a:solidFill>
+                <a:latin typeface="+mn-lt"/>
+                <a:ea typeface="+mn-ea"/>
+                <a:cs typeface="+mn-cs"/>
+              </a:defRPr>
+            </a:lvl8pPr>
+            <a:lvl9pPr marL="3600000" indent="-228600" algn="l" defTabSz="457200" rtl="0" eaLnBrk="1" latinLnBrk="0" hangingPunct="1">
+              <a:spcBef>
+                <a:spcPct val="20000"/>
+              </a:spcBef>
+              <a:spcAft>
+                <a:spcPts val="600"/>
+              </a:spcAft>
+              <a:buClr>
+                <a:schemeClr val="accent1"/>
+              </a:buClr>
+              <a:buFont typeface="Wingdings 2" charset="2"/>
+              <a:buChar char=""/>
+              <a:defRPr sz="1200" kern="1200">
+                <a:solidFill>
+                  <a:schemeClr val="tx1"/>
+                </a:solidFill>
+                <a:latin typeface="+mn-lt"/>
+                <a:ea typeface="+mn-ea"/>
+                <a:cs typeface="+mn-cs"/>
+              </a:defRPr>
+            </a:lvl9pPr>
+          </a:lstStyle>
+          <a:p>
+            <a:pPr marL="0" indent="0">
+              <a:buFont typeface="Wingdings 2" charset="2"/>
+              <a:buNone/>
+            </a:pPr>
+            <a:endParaRPr lang="en-IN" sz="2400" dirty="0" smtClean="0"/>
+          </a:p>
+        </p:txBody>
+      </p:sp>
+      <p:sp>
+        <p:nvSpPr>
+          <p:cNvPr id="5" name="Content Placeholder 2">
+            <a:extLst>
+              <a:ext uri="{FF2B5EF4-FFF2-40B4-BE49-F238E27FC236}">
+                <a16:creationId xmlns:a16="http://schemas.microsoft.com/office/drawing/2014/main" xmlns="" id="{8DB31CDA-ACB5-4C32-AB72-CE56539EFD0B}"/>
+              </a:ext>
+            </a:extLst>
+          </p:cNvPr>
+          <p:cNvSpPr txBox="1">
+            <a:spLocks/>
+          </p:cNvSpPr>
+          <p:nvPr/>
+        </p:nvSpPr>
+        <p:spPr>
+          <a:xfrm>
+            <a:off x="10576560" y="6139731"/>
+            <a:ext cx="949126" cy="333569"/>
+          </a:xfrm>
+          <a:prstGeom prst="rect">
+            <a:avLst/>
+          </a:prstGeom>
+          <a:effectLst>
+            <a:outerShdw blurRad="50800" dir="14400000">
+              <a:srgbClr val="000000">
+                <a:alpha val="40000"/>
+              </a:srgbClr>
+            </a:outerShdw>
+          </a:effectLst>
+        </p:spPr>
+        <p:txBody>
+          <a:bodyPr vert="horz" lIns="91440" tIns="45720" rIns="91440" bIns="45720" rtlCol="0" anchor="ctr">
+            <a:normAutofit fontScale="77500" lnSpcReduction="20000"/>
+          </a:bodyPr>
+          <a:lstStyle>
+            <a:lvl1pPr marL="342900" indent="-342900" algn="l" defTabSz="457200" rtl="0" eaLnBrk="1" latinLnBrk="0" hangingPunct="1">
+              <a:spcBef>
+                <a:spcPct val="20000"/>
+              </a:spcBef>
+              <a:spcAft>
+                <a:spcPts val="600"/>
+              </a:spcAft>
+              <a:buClr>
+                <a:schemeClr val="accent1"/>
+              </a:buClr>
+              <a:buFont typeface="Wingdings 2" charset="2"/>
+              <a:buChar char=""/>
+              <a:defRPr sz="1800" kern="1200">
+                <a:solidFill>
+                  <a:schemeClr val="tx1"/>
+                </a:solidFill>
+                <a:latin typeface="+mn-lt"/>
+                <a:ea typeface="+mn-ea"/>
+                <a:cs typeface="+mn-cs"/>
+              </a:defRPr>
+            </a:lvl1pPr>
+            <a:lvl2pPr marL="742950" indent="-285750" algn="l" defTabSz="457200" rtl="0" eaLnBrk="1" latinLnBrk="0" hangingPunct="1">
+              <a:spcBef>
+                <a:spcPct val="20000"/>
+              </a:spcBef>
+              <a:spcAft>
+                <a:spcPts val="600"/>
+              </a:spcAft>
+              <a:buClr>
+                <a:schemeClr val="accent1"/>
+              </a:buClr>
+              <a:buFont typeface="Wingdings 2" charset="2"/>
+              <a:buChar char=""/>
+              <a:defRPr sz="1600" kern="1200">
+                <a:solidFill>
+                  <a:schemeClr val="tx1"/>
+                </a:solidFill>
+                <a:latin typeface="+mn-lt"/>
+                <a:ea typeface="+mn-ea"/>
+                <a:cs typeface="+mn-cs"/>
+              </a:defRPr>
+            </a:lvl2pPr>
+            <a:lvl3pPr marL="1143000" indent="-228600" algn="l" defTabSz="457200" rtl="0" eaLnBrk="1" latinLnBrk="0" hangingPunct="1">
+              <a:spcBef>
+                <a:spcPct val="20000"/>
+              </a:spcBef>
+              <a:spcAft>
+                <a:spcPts val="600"/>
+              </a:spcAft>
+              <a:buClr>
+                <a:schemeClr val="accent1"/>
+              </a:buClr>
+              <a:buFont typeface="Wingdings 2" charset="2"/>
+              <a:buChar char=""/>
+              <a:defRPr sz="1400" kern="1200">
+                <a:solidFill>
+                  <a:schemeClr val="tx1"/>
+                </a:solidFill>
+                <a:latin typeface="+mn-lt"/>
+                <a:ea typeface="+mn-ea"/>
+                <a:cs typeface="+mn-cs"/>
+              </a:defRPr>
+            </a:lvl3pPr>
+            <a:lvl4pPr marL="1600200" indent="-228600" algn="l" defTabSz="457200" rtl="0" eaLnBrk="1" latinLnBrk="0" hangingPunct="1">
+              <a:spcBef>
+                <a:spcPct val="20000"/>
+              </a:spcBef>
+              <a:spcAft>
+                <a:spcPts val="600"/>
+              </a:spcAft>
+              <a:buClr>
+                <a:schemeClr val="accent1"/>
+              </a:buClr>
+              <a:buFont typeface="Wingdings 2" charset="2"/>
+              <a:buChar char=""/>
+              <a:defRPr sz="1200" kern="1200">
+                <a:solidFill>
+                  <a:schemeClr val="tx1"/>
+                </a:solidFill>
+                <a:latin typeface="+mn-lt"/>
+                <a:ea typeface="+mn-ea"/>
+                <a:cs typeface="+mn-cs"/>
+              </a:defRPr>
+            </a:lvl4pPr>
+            <a:lvl5pPr marL="2057400" indent="-228600" algn="l" defTabSz="457200" rtl="0" eaLnBrk="1" latinLnBrk="0" hangingPunct="1">
+              <a:spcBef>
+                <a:spcPct val="20000"/>
+              </a:spcBef>
+              <a:spcAft>
+                <a:spcPts val="600"/>
+              </a:spcAft>
+              <a:buClr>
+                <a:schemeClr val="accent1"/>
+              </a:buClr>
+              <a:buFont typeface="Wingdings 2" charset="2"/>
+              <a:buChar char=""/>
+              <a:defRPr sz="1200" kern="1200">
+                <a:solidFill>
+                  <a:schemeClr val="tx1"/>
+                </a:solidFill>
+                <a:latin typeface="+mn-lt"/>
+                <a:ea typeface="+mn-ea"/>
+                <a:cs typeface="+mn-cs"/>
+              </a:defRPr>
+            </a:lvl5pPr>
+            <a:lvl6pPr marL="2400000" indent="-228600" algn="l" defTabSz="457200" rtl="0" eaLnBrk="1" latinLnBrk="0" hangingPunct="1">
+              <a:spcBef>
+                <a:spcPct val="20000"/>
+              </a:spcBef>
+              <a:spcAft>
+                <a:spcPts val="600"/>
+              </a:spcAft>
+              <a:buClr>
+                <a:schemeClr val="accent1"/>
+              </a:buClr>
+              <a:buFont typeface="Wingdings 2" charset="2"/>
+              <a:buChar char=""/>
+              <a:defRPr sz="1200" kern="1200">
+                <a:solidFill>
+                  <a:schemeClr val="tx1"/>
+                </a:solidFill>
+                <a:latin typeface="+mn-lt"/>
+                <a:ea typeface="+mn-ea"/>
+                <a:cs typeface="+mn-cs"/>
+              </a:defRPr>
+            </a:lvl6pPr>
+            <a:lvl7pPr marL="2800000" indent="-228600" algn="l" defTabSz="457200" rtl="0" eaLnBrk="1" latinLnBrk="0" hangingPunct="1">
+              <a:spcBef>
+                <a:spcPct val="20000"/>
+              </a:spcBef>
+              <a:spcAft>
+                <a:spcPts val="600"/>
+              </a:spcAft>
+              <a:buClr>
+                <a:schemeClr val="accent1"/>
+              </a:buClr>
+              <a:buFont typeface="Wingdings 2" charset="2"/>
+              <a:buChar char=""/>
+              <a:defRPr sz="1200" kern="1200">
+                <a:solidFill>
+                  <a:schemeClr val="tx1"/>
+                </a:solidFill>
+                <a:latin typeface="+mn-lt"/>
+                <a:ea typeface="+mn-ea"/>
+                <a:cs typeface="+mn-cs"/>
+              </a:defRPr>
+            </a:lvl7pPr>
+            <a:lvl8pPr marL="3200000" indent="-228600" algn="l" defTabSz="457200" rtl="0" eaLnBrk="1" latinLnBrk="0" hangingPunct="1">
+              <a:spcBef>
+                <a:spcPct val="20000"/>
+              </a:spcBef>
+              <a:spcAft>
+                <a:spcPts val="600"/>
+              </a:spcAft>
+              <a:buClr>
+                <a:schemeClr val="accent1"/>
+              </a:buClr>
+              <a:buFont typeface="Wingdings 2" charset="2"/>
+              <a:buChar char=""/>
+              <a:defRPr sz="1200" kern="1200">
+                <a:solidFill>
+                  <a:schemeClr val="tx1"/>
+                </a:solidFill>
+                <a:latin typeface="+mn-lt"/>
+                <a:ea typeface="+mn-ea"/>
+                <a:cs typeface="+mn-cs"/>
+              </a:defRPr>
+            </a:lvl8pPr>
+            <a:lvl9pPr marL="3600000" indent="-228600" algn="l" defTabSz="457200" rtl="0" eaLnBrk="1" latinLnBrk="0" hangingPunct="1">
+              <a:spcBef>
+                <a:spcPct val="20000"/>
+              </a:spcBef>
+              <a:spcAft>
+                <a:spcPts val="600"/>
+              </a:spcAft>
+              <a:buClr>
+                <a:schemeClr val="accent1"/>
+              </a:buClr>
+              <a:buFont typeface="Wingdings 2" charset="2"/>
+              <a:buChar char=""/>
+              <a:defRPr sz="1200" kern="1200">
+                <a:solidFill>
+                  <a:schemeClr val="tx1"/>
+                </a:solidFill>
+                <a:latin typeface="+mn-lt"/>
+                <a:ea typeface="+mn-ea"/>
+                <a:cs typeface="+mn-cs"/>
+              </a:defRPr>
+            </a:lvl9pPr>
+          </a:lstStyle>
+          <a:p>
+            <a:pPr marL="0" indent="0">
+              <a:buFont typeface="Wingdings 2" charset="2"/>
+              <a:buNone/>
+            </a:pPr>
+            <a:endParaRPr lang="en-IN" sz="2400" dirty="0" smtClean="0"/>
+          </a:p>
+        </p:txBody>
+      </p:sp>
+      <p:sp>
+        <p:nvSpPr>
+          <p:cNvPr id="6" name="Content Placeholder 2">
+            <a:extLst>
+              <a:ext uri="{FF2B5EF4-FFF2-40B4-BE49-F238E27FC236}">
+                <a16:creationId xmlns:a16="http://schemas.microsoft.com/office/drawing/2014/main" xmlns="" id="{8DB31CDA-ACB5-4C32-AB72-CE56539EFD0B}"/>
+              </a:ext>
+            </a:extLst>
+          </p:cNvPr>
+          <p:cNvSpPr txBox="1">
+            <a:spLocks/>
+          </p:cNvSpPr>
+          <p:nvPr/>
+        </p:nvSpPr>
+        <p:spPr>
+          <a:xfrm>
+            <a:off x="10728960" y="6292131"/>
+            <a:ext cx="949126" cy="333569"/>
+          </a:xfrm>
+          <a:prstGeom prst="rect">
+            <a:avLst/>
+          </a:prstGeom>
+          <a:effectLst>
+            <a:outerShdw blurRad="50800" dir="14400000">
+              <a:srgbClr val="000000">
+                <a:alpha val="40000"/>
+              </a:srgbClr>
+            </a:outerShdw>
+          </a:effectLst>
+        </p:spPr>
+        <p:txBody>
+          <a:bodyPr vert="horz" lIns="91440" tIns="45720" rIns="91440" bIns="45720" rtlCol="0" anchor="ctr">
+            <a:normAutofit fontScale="77500" lnSpcReduction="20000"/>
+          </a:bodyPr>
+          <a:lstStyle>
+            <a:lvl1pPr marL="342900" indent="-342900" algn="l" defTabSz="457200" rtl="0" eaLnBrk="1" latinLnBrk="0" hangingPunct="1">
+              <a:spcBef>
+                <a:spcPct val="20000"/>
+              </a:spcBef>
+              <a:spcAft>
+                <a:spcPts val="600"/>
+              </a:spcAft>
+              <a:buClr>
+                <a:schemeClr val="accent1"/>
+              </a:buClr>
+              <a:buFont typeface="Wingdings 2" charset="2"/>
+              <a:buChar char=""/>
+              <a:defRPr sz="1800" kern="1200">
+                <a:solidFill>
+                  <a:schemeClr val="tx1"/>
+                </a:solidFill>
+                <a:latin typeface="+mn-lt"/>
+                <a:ea typeface="+mn-ea"/>
+                <a:cs typeface="+mn-cs"/>
+              </a:defRPr>
+            </a:lvl1pPr>
+            <a:lvl2pPr marL="742950" indent="-285750" algn="l" defTabSz="457200" rtl="0" eaLnBrk="1" latinLnBrk="0" hangingPunct="1">
+              <a:spcBef>
+                <a:spcPct val="20000"/>
+              </a:spcBef>
+              <a:spcAft>
+                <a:spcPts val="600"/>
+              </a:spcAft>
+              <a:buClr>
+                <a:schemeClr val="accent1"/>
+              </a:buClr>
+              <a:buFont typeface="Wingdings 2" charset="2"/>
+              <a:buChar char=""/>
+              <a:defRPr sz="1600" kern="1200">
+                <a:solidFill>
+                  <a:schemeClr val="tx1"/>
+                </a:solidFill>
+                <a:latin typeface="+mn-lt"/>
+                <a:ea typeface="+mn-ea"/>
+                <a:cs typeface="+mn-cs"/>
+              </a:defRPr>
+            </a:lvl2pPr>
+            <a:lvl3pPr marL="1143000" indent="-228600" algn="l" defTabSz="457200" rtl="0" eaLnBrk="1" latinLnBrk="0" hangingPunct="1">
+              <a:spcBef>
+                <a:spcPct val="20000"/>
+              </a:spcBef>
+              <a:spcAft>
+                <a:spcPts val="600"/>
+              </a:spcAft>
+              <a:buClr>
+                <a:schemeClr val="accent1"/>
+              </a:buClr>
+              <a:buFont typeface="Wingdings 2" charset="2"/>
+              <a:buChar char=""/>
+              <a:defRPr sz="1400" kern="1200">
+                <a:solidFill>
+                  <a:schemeClr val="tx1"/>
+                </a:solidFill>
+                <a:latin typeface="+mn-lt"/>
+                <a:ea typeface="+mn-ea"/>
+                <a:cs typeface="+mn-cs"/>
+              </a:defRPr>
+            </a:lvl3pPr>
+            <a:lvl4pPr marL="1600200" indent="-228600" algn="l" defTabSz="457200" rtl="0" eaLnBrk="1" latinLnBrk="0" hangingPunct="1">
+              <a:spcBef>
+                <a:spcPct val="20000"/>
+              </a:spcBef>
+              <a:spcAft>
+                <a:spcPts val="600"/>
+              </a:spcAft>
+              <a:buClr>
+                <a:schemeClr val="accent1"/>
+              </a:buClr>
+              <a:buFont typeface="Wingdings 2" charset="2"/>
+              <a:buChar char=""/>
+              <a:defRPr sz="1200" kern="1200">
+                <a:solidFill>
+                  <a:schemeClr val="tx1"/>
+                </a:solidFill>
+                <a:latin typeface="+mn-lt"/>
+                <a:ea typeface="+mn-ea"/>
+                <a:cs typeface="+mn-cs"/>
+              </a:defRPr>
+            </a:lvl4pPr>
+            <a:lvl5pPr marL="2057400" indent="-228600" algn="l" defTabSz="457200" rtl="0" eaLnBrk="1" latinLnBrk="0" hangingPunct="1">
+              <a:spcBef>
+                <a:spcPct val="20000"/>
+              </a:spcBef>
+              <a:spcAft>
+                <a:spcPts val="600"/>
+              </a:spcAft>
+              <a:buClr>
+                <a:schemeClr val="accent1"/>
+              </a:buClr>
+              <a:buFont typeface="Wingdings 2" charset="2"/>
+              <a:buChar char=""/>
+              <a:defRPr sz="1200" kern="1200">
+                <a:solidFill>
+                  <a:schemeClr val="tx1"/>
+                </a:solidFill>
+                <a:latin typeface="+mn-lt"/>
+                <a:ea typeface="+mn-ea"/>
+                <a:cs typeface="+mn-cs"/>
+              </a:defRPr>
+            </a:lvl5pPr>
+            <a:lvl6pPr marL="2400000" indent="-228600" algn="l" defTabSz="457200" rtl="0" eaLnBrk="1" latinLnBrk="0" hangingPunct="1">
+              <a:spcBef>
+                <a:spcPct val="20000"/>
+              </a:spcBef>
+              <a:spcAft>
+                <a:spcPts val="600"/>
+              </a:spcAft>
+              <a:buClr>
+                <a:schemeClr val="accent1"/>
+              </a:buClr>
+              <a:buFont typeface="Wingdings 2" charset="2"/>
+              <a:buChar char=""/>
+              <a:defRPr sz="1200" kern="1200">
+                <a:solidFill>
+                  <a:schemeClr val="tx1"/>
+                </a:solidFill>
+                <a:latin typeface="+mn-lt"/>
+                <a:ea typeface="+mn-ea"/>
+                <a:cs typeface="+mn-cs"/>
+              </a:defRPr>
+            </a:lvl6pPr>
+            <a:lvl7pPr marL="2800000" indent="-228600" algn="l" defTabSz="457200" rtl="0" eaLnBrk="1" latinLnBrk="0" hangingPunct="1">
+              <a:spcBef>
+                <a:spcPct val="20000"/>
+              </a:spcBef>
+              <a:spcAft>
+                <a:spcPts val="600"/>
+              </a:spcAft>
+              <a:buClr>
+                <a:schemeClr val="accent1"/>
+              </a:buClr>
+              <a:buFont typeface="Wingdings 2" charset="2"/>
+              <a:buChar char=""/>
+              <a:defRPr sz="1200" kern="1200">
+                <a:solidFill>
+                  <a:schemeClr val="tx1"/>
+                </a:solidFill>
+                <a:latin typeface="+mn-lt"/>
+                <a:ea typeface="+mn-ea"/>
+                <a:cs typeface="+mn-cs"/>
+              </a:defRPr>
+            </a:lvl7pPr>
+            <a:lvl8pPr marL="3200000" indent="-228600" algn="l" defTabSz="457200" rtl="0" eaLnBrk="1" latinLnBrk="0" hangingPunct="1">
+              <a:spcBef>
+                <a:spcPct val="20000"/>
+              </a:spcBef>
+              <a:spcAft>
+                <a:spcPts val="600"/>
+              </a:spcAft>
+              <a:buClr>
+                <a:schemeClr val="accent1"/>
+              </a:buClr>
+              <a:buFont typeface="Wingdings 2" charset="2"/>
+              <a:buChar char=""/>
+              <a:defRPr sz="1200" kern="1200">
+                <a:solidFill>
+                  <a:schemeClr val="tx1"/>
+                </a:solidFill>
+                <a:latin typeface="+mn-lt"/>
+                <a:ea typeface="+mn-ea"/>
+                <a:cs typeface="+mn-cs"/>
+              </a:defRPr>
+            </a:lvl8pPr>
+            <a:lvl9pPr marL="3600000" indent="-228600" algn="l" defTabSz="457200" rtl="0" eaLnBrk="1" latinLnBrk="0" hangingPunct="1">
+              <a:spcBef>
+                <a:spcPct val="20000"/>
+              </a:spcBef>
+              <a:spcAft>
+                <a:spcPts val="600"/>
+              </a:spcAft>
+              <a:buClr>
+                <a:schemeClr val="accent1"/>
+              </a:buClr>
+              <a:buFont typeface="Wingdings 2" charset="2"/>
+              <a:buChar char=""/>
+              <a:defRPr sz="1200" kern="1200">
+                <a:solidFill>
+                  <a:schemeClr val="tx1"/>
+                </a:solidFill>
+                <a:latin typeface="+mn-lt"/>
+                <a:ea typeface="+mn-ea"/>
+                <a:cs typeface="+mn-cs"/>
+              </a:defRPr>
+            </a:lvl9pPr>
+          </a:lstStyle>
+          <a:p>
+            <a:pPr marL="0" indent="0">
+              <a:buFont typeface="Wingdings 2" charset="2"/>
+              <a:buNone/>
+            </a:pPr>
+            <a:endParaRPr lang="en-IN" sz="2400" dirty="0" smtClean="0"/>
+          </a:p>
+        </p:txBody>
+      </p:sp>
+      <p:sp>
+        <p:nvSpPr>
+          <p:cNvPr id="7" name="Content Placeholder 2">
+            <a:extLst>
+              <a:ext uri="{FF2B5EF4-FFF2-40B4-BE49-F238E27FC236}">
+                <a16:creationId xmlns:a16="http://schemas.microsoft.com/office/drawing/2014/main" xmlns="" id="{8DB31CDA-ACB5-4C32-AB72-CE56539EFD0B}"/>
+              </a:ext>
+            </a:extLst>
+          </p:cNvPr>
+          <p:cNvSpPr txBox="1">
+            <a:spLocks/>
+          </p:cNvSpPr>
+          <p:nvPr/>
+        </p:nvSpPr>
+        <p:spPr>
+          <a:xfrm>
+            <a:off x="10881360" y="6444531"/>
+            <a:ext cx="949126" cy="333569"/>
+          </a:xfrm>
+          <a:prstGeom prst="rect">
+            <a:avLst/>
+          </a:prstGeom>
+          <a:effectLst>
+            <a:outerShdw blurRad="50800" dir="14400000">
+              <a:srgbClr val="000000">
+                <a:alpha val="40000"/>
+              </a:srgbClr>
+            </a:outerShdw>
+          </a:effectLst>
+        </p:spPr>
+        <p:txBody>
+          <a:bodyPr vert="horz" lIns="91440" tIns="45720" rIns="91440" bIns="45720" rtlCol="0" anchor="ctr">
+            <a:normAutofit fontScale="77500" lnSpcReduction="20000"/>
+          </a:bodyPr>
+          <a:lstStyle>
+            <a:lvl1pPr marL="342900" indent="-342900" algn="l" defTabSz="457200" rtl="0" eaLnBrk="1" latinLnBrk="0" hangingPunct="1">
+              <a:spcBef>
+                <a:spcPct val="20000"/>
+              </a:spcBef>
+              <a:spcAft>
+                <a:spcPts val="600"/>
+              </a:spcAft>
+              <a:buClr>
+                <a:schemeClr val="accent1"/>
+              </a:buClr>
+              <a:buFont typeface="Wingdings 2" charset="2"/>
+              <a:buChar char=""/>
+              <a:defRPr sz="1800" kern="1200">
+                <a:solidFill>
+                  <a:schemeClr val="tx1"/>
+                </a:solidFill>
+                <a:latin typeface="+mn-lt"/>
+                <a:ea typeface="+mn-ea"/>
+                <a:cs typeface="+mn-cs"/>
+              </a:defRPr>
+            </a:lvl1pPr>
+            <a:lvl2pPr marL="742950" indent="-285750" algn="l" defTabSz="457200" rtl="0" eaLnBrk="1" latinLnBrk="0" hangingPunct="1">
+              <a:spcBef>
+                <a:spcPct val="20000"/>
+              </a:spcBef>
+              <a:spcAft>
+                <a:spcPts val="600"/>
+              </a:spcAft>
+              <a:buClr>
+                <a:schemeClr val="accent1"/>
+              </a:buClr>
+              <a:buFont typeface="Wingdings 2" charset="2"/>
+              <a:buChar char=""/>
+              <a:defRPr sz="1600" kern="1200">
+                <a:solidFill>
+                  <a:schemeClr val="tx1"/>
+                </a:solidFill>
+                <a:latin typeface="+mn-lt"/>
+                <a:ea typeface="+mn-ea"/>
+                <a:cs typeface="+mn-cs"/>
+              </a:defRPr>
+            </a:lvl2pPr>
+            <a:lvl3pPr marL="1143000" indent="-228600" algn="l" defTabSz="457200" rtl="0" eaLnBrk="1" latinLnBrk="0" hangingPunct="1">
+              <a:spcBef>
+                <a:spcPct val="20000"/>
+              </a:spcBef>
+              <a:spcAft>
+                <a:spcPts val="600"/>
+              </a:spcAft>
+              <a:buClr>
+                <a:schemeClr val="accent1"/>
+              </a:buClr>
+              <a:buFont typeface="Wingdings 2" charset="2"/>
+              <a:buChar char=""/>
+              <a:defRPr sz="1400" kern="1200">
+                <a:solidFill>
+                  <a:schemeClr val="tx1"/>
+                </a:solidFill>
+                <a:latin typeface="+mn-lt"/>
+                <a:ea typeface="+mn-ea"/>
+                <a:cs typeface="+mn-cs"/>
+              </a:defRPr>
+            </a:lvl3pPr>
+            <a:lvl4pPr marL="1600200" indent="-228600" algn="l" defTabSz="457200" rtl="0" eaLnBrk="1" latinLnBrk="0" hangingPunct="1">
+              <a:spcBef>
+                <a:spcPct val="20000"/>
+              </a:spcBef>
+              <a:spcAft>
+                <a:spcPts val="600"/>
+              </a:spcAft>
+              <a:buClr>
+                <a:schemeClr val="accent1"/>
+              </a:buClr>
+              <a:buFont typeface="Wingdings 2" charset="2"/>
+              <a:buChar char=""/>
+              <a:defRPr sz="1200" kern="1200">
+                <a:solidFill>
+                  <a:schemeClr val="tx1"/>
+                </a:solidFill>
+                <a:latin typeface="+mn-lt"/>
+                <a:ea typeface="+mn-ea"/>
+                <a:cs typeface="+mn-cs"/>
+              </a:defRPr>
+            </a:lvl4pPr>
+            <a:lvl5pPr marL="2057400" indent="-228600" algn="l" defTabSz="457200" rtl="0" eaLnBrk="1" latinLnBrk="0" hangingPunct="1">
+              <a:spcBef>
+                <a:spcPct val="20000"/>
+              </a:spcBef>
+              <a:spcAft>
+                <a:spcPts val="600"/>
+              </a:spcAft>
+              <a:buClr>
+                <a:schemeClr val="accent1"/>
+              </a:buClr>
+              <a:buFont typeface="Wingdings 2" charset="2"/>
+              <a:buChar char=""/>
+              <a:defRPr sz="1200" kern="1200">
+                <a:solidFill>
+                  <a:schemeClr val="tx1"/>
+                </a:solidFill>
+                <a:latin typeface="+mn-lt"/>
+                <a:ea typeface="+mn-ea"/>
+                <a:cs typeface="+mn-cs"/>
+              </a:defRPr>
+            </a:lvl5pPr>
+            <a:lvl6pPr marL="2400000" indent="-228600" algn="l" defTabSz="457200" rtl="0" eaLnBrk="1" latinLnBrk="0" hangingPunct="1">
+              <a:spcBef>
+                <a:spcPct val="20000"/>
+              </a:spcBef>
+              <a:spcAft>
+                <a:spcPts val="600"/>
+              </a:spcAft>
+              <a:buClr>
+                <a:schemeClr val="accent1"/>
+              </a:buClr>
+              <a:buFont typeface="Wingdings 2" charset="2"/>
+              <a:buChar char=""/>
+              <a:defRPr sz="1200" kern="1200">
+                <a:solidFill>
+                  <a:schemeClr val="tx1"/>
+                </a:solidFill>
+                <a:latin typeface="+mn-lt"/>
+                <a:ea typeface="+mn-ea"/>
+                <a:cs typeface="+mn-cs"/>
+              </a:defRPr>
+            </a:lvl6pPr>
+            <a:lvl7pPr marL="2800000" indent="-228600" algn="l" defTabSz="457200" rtl="0" eaLnBrk="1" latinLnBrk="0" hangingPunct="1">
+              <a:spcBef>
+                <a:spcPct val="20000"/>
+              </a:spcBef>
+              <a:spcAft>
+                <a:spcPts val="600"/>
+              </a:spcAft>
+              <a:buClr>
+                <a:schemeClr val="accent1"/>
+              </a:buClr>
+              <a:buFont typeface="Wingdings 2" charset="2"/>
+              <a:buChar char=""/>
+              <a:defRPr sz="1200" kern="1200">
+                <a:solidFill>
+                  <a:schemeClr val="tx1"/>
+                </a:solidFill>
+                <a:latin typeface="+mn-lt"/>
+                <a:ea typeface="+mn-ea"/>
+                <a:cs typeface="+mn-cs"/>
+              </a:defRPr>
+            </a:lvl7pPr>
+            <a:lvl8pPr marL="3200000" indent="-228600" algn="l" defTabSz="457200" rtl="0" eaLnBrk="1" latinLnBrk="0" hangingPunct="1">
+              <a:spcBef>
+                <a:spcPct val="20000"/>
+              </a:spcBef>
+              <a:spcAft>
+                <a:spcPts val="600"/>
+              </a:spcAft>
+              <a:buClr>
+                <a:schemeClr val="accent1"/>
+              </a:buClr>
+              <a:buFont typeface="Wingdings 2" charset="2"/>
+              <a:buChar char=""/>
+              <a:defRPr sz="1200" kern="1200">
+                <a:solidFill>
+                  <a:schemeClr val="tx1"/>
+                </a:solidFill>
+                <a:latin typeface="+mn-lt"/>
+                <a:ea typeface="+mn-ea"/>
+                <a:cs typeface="+mn-cs"/>
+              </a:defRPr>
+            </a:lvl8pPr>
+            <a:lvl9pPr marL="3600000" indent="-228600" algn="l" defTabSz="457200" rtl="0" eaLnBrk="1" latinLnBrk="0" hangingPunct="1">
+              <a:spcBef>
+                <a:spcPct val="20000"/>
+              </a:spcBef>
+              <a:spcAft>
+                <a:spcPts val="600"/>
+              </a:spcAft>
+              <a:buClr>
+                <a:schemeClr val="accent1"/>
+              </a:buClr>
+              <a:buFont typeface="Wingdings 2" charset="2"/>
+              <a:buChar char=""/>
+              <a:defRPr sz="1200" kern="1200">
+                <a:solidFill>
+                  <a:schemeClr val="tx1"/>
+                </a:solidFill>
+                <a:latin typeface="+mn-lt"/>
+                <a:ea typeface="+mn-ea"/>
+                <a:cs typeface="+mn-cs"/>
+              </a:defRPr>
+            </a:lvl9pPr>
+          </a:lstStyle>
+          <a:p>
+            <a:pPr marL="0" indent="0">
+              <a:buFont typeface="Wingdings 2" charset="2"/>
+              <a:buNone/>
+            </a:pPr>
+            <a:endParaRPr lang="en-IN" sz="2400" dirty="0" smtClean="0"/>
+          </a:p>
+        </p:txBody>
+      </p:sp>
+      <p:sp>
+        <p:nvSpPr>
+          <p:cNvPr id="8" name="Content Placeholder 2">
+            <a:extLst>
+              <a:ext uri="{FF2B5EF4-FFF2-40B4-BE49-F238E27FC236}">
+                <a16:creationId xmlns:a16="http://schemas.microsoft.com/office/drawing/2014/main" xmlns="" id="{8DB31CDA-ACB5-4C32-AB72-CE56539EFD0B}"/>
+              </a:ext>
+            </a:extLst>
+          </p:cNvPr>
+          <p:cNvSpPr txBox="1">
+            <a:spLocks/>
+          </p:cNvSpPr>
+          <p:nvPr/>
+        </p:nvSpPr>
+        <p:spPr>
+          <a:xfrm>
+            <a:off x="6167562" y="5197501"/>
+            <a:ext cx="2475506" cy="333569"/>
+          </a:xfrm>
+          <a:prstGeom prst="rect">
+            <a:avLst/>
+          </a:prstGeom>
+          <a:effectLst>
+            <a:outerShdw blurRad="50800" dir="14400000">
+              <a:srgbClr val="000000">
+                <a:alpha val="40000"/>
+              </a:srgbClr>
+            </a:outerShdw>
+          </a:effectLst>
+        </p:spPr>
+        <p:txBody>
+          <a:bodyPr vert="horz" lIns="91440" tIns="45720" rIns="91440" bIns="45720" rtlCol="0" anchor="ctr">
+            <a:normAutofit fontScale="77500" lnSpcReduction="20000"/>
+          </a:bodyPr>
+          <a:lstStyle>
+            <a:lvl1pPr marL="342900" indent="-342900" algn="l" defTabSz="457200" rtl="0" eaLnBrk="1" latinLnBrk="0" hangingPunct="1">
+              <a:spcBef>
+                <a:spcPct val="20000"/>
+              </a:spcBef>
+              <a:spcAft>
+                <a:spcPts val="600"/>
+              </a:spcAft>
+              <a:buClr>
+                <a:schemeClr val="accent1"/>
+              </a:buClr>
+              <a:buFont typeface="Wingdings 2" charset="2"/>
+              <a:buChar char=""/>
+              <a:defRPr sz="1800" kern="1200">
+                <a:solidFill>
+                  <a:schemeClr val="tx1"/>
+                </a:solidFill>
+                <a:latin typeface="+mn-lt"/>
+                <a:ea typeface="+mn-ea"/>
+                <a:cs typeface="+mn-cs"/>
+              </a:defRPr>
+            </a:lvl1pPr>
+            <a:lvl2pPr marL="742950" indent="-285750" algn="l" defTabSz="457200" rtl="0" eaLnBrk="1" latinLnBrk="0" hangingPunct="1">
+              <a:spcBef>
+                <a:spcPct val="20000"/>
+              </a:spcBef>
+              <a:spcAft>
+                <a:spcPts val="600"/>
+              </a:spcAft>
+              <a:buClr>
+                <a:schemeClr val="accent1"/>
+              </a:buClr>
+              <a:buFont typeface="Wingdings 2" charset="2"/>
+              <a:buChar char=""/>
+              <a:defRPr sz="1600" kern="1200">
+                <a:solidFill>
+                  <a:schemeClr val="tx1"/>
+                </a:solidFill>
+                <a:latin typeface="+mn-lt"/>
+                <a:ea typeface="+mn-ea"/>
+                <a:cs typeface="+mn-cs"/>
+              </a:defRPr>
+            </a:lvl2pPr>
+            <a:lvl3pPr marL="1143000" indent="-228600" algn="l" defTabSz="457200" rtl="0" eaLnBrk="1" latinLnBrk="0" hangingPunct="1">
+              <a:spcBef>
+                <a:spcPct val="20000"/>
+              </a:spcBef>
+              <a:spcAft>
+                <a:spcPts val="600"/>
+              </a:spcAft>
+              <a:buClr>
+                <a:schemeClr val="accent1"/>
+              </a:buClr>
+              <a:buFont typeface="Wingdings 2" charset="2"/>
+              <a:buChar char=""/>
+              <a:defRPr sz="1400" kern="1200">
+                <a:solidFill>
+                  <a:schemeClr val="tx1"/>
+                </a:solidFill>
+                <a:latin typeface="+mn-lt"/>
+                <a:ea typeface="+mn-ea"/>
+                <a:cs typeface="+mn-cs"/>
+              </a:defRPr>
+            </a:lvl3pPr>
+            <a:lvl4pPr marL="1600200" indent="-228600" algn="l" defTabSz="457200" rtl="0" eaLnBrk="1" latinLnBrk="0" hangingPunct="1">
+              <a:spcBef>
+                <a:spcPct val="20000"/>
+              </a:spcBef>
+              <a:spcAft>
+                <a:spcPts val="600"/>
+              </a:spcAft>
+              <a:buClr>
+                <a:schemeClr val="accent1"/>
+              </a:buClr>
+              <a:buFont typeface="Wingdings 2" charset="2"/>
+              <a:buChar char=""/>
+              <a:defRPr sz="1200" kern="1200">
+                <a:solidFill>
+                  <a:schemeClr val="tx1"/>
+                </a:solidFill>
+                <a:latin typeface="+mn-lt"/>
+                <a:ea typeface="+mn-ea"/>
+                <a:cs typeface="+mn-cs"/>
+              </a:defRPr>
+            </a:lvl4pPr>
+            <a:lvl5pPr marL="2057400" indent="-228600" algn="l" defTabSz="457200" rtl="0" eaLnBrk="1" latinLnBrk="0" hangingPunct="1">
+              <a:spcBef>
+                <a:spcPct val="20000"/>
+              </a:spcBef>
+              <a:spcAft>
+                <a:spcPts val="600"/>
+              </a:spcAft>
+              <a:buClr>
+                <a:schemeClr val="accent1"/>
+              </a:buClr>
+              <a:buFont typeface="Wingdings 2" charset="2"/>
+              <a:buChar char=""/>
+              <a:defRPr sz="1200" kern="1200">
+                <a:solidFill>
+                  <a:schemeClr val="tx1"/>
+                </a:solidFill>
+                <a:latin typeface="+mn-lt"/>
+                <a:ea typeface="+mn-ea"/>
+                <a:cs typeface="+mn-cs"/>
+              </a:defRPr>
+            </a:lvl5pPr>
+            <a:lvl6pPr marL="2400000" indent="-228600" algn="l" defTabSz="457200" rtl="0" eaLnBrk="1" latinLnBrk="0" hangingPunct="1">
+              <a:spcBef>
+                <a:spcPct val="20000"/>
+              </a:spcBef>
+              <a:spcAft>
+                <a:spcPts val="600"/>
+              </a:spcAft>
+              <a:buClr>
+                <a:schemeClr val="accent1"/>
+              </a:buClr>
+              <a:buFont typeface="Wingdings 2" charset="2"/>
+              <a:buChar char=""/>
+              <a:defRPr sz="1200" kern="1200">
+                <a:solidFill>
+                  <a:schemeClr val="tx1"/>
+                </a:solidFill>
+                <a:latin typeface="+mn-lt"/>
+                <a:ea typeface="+mn-ea"/>
+                <a:cs typeface="+mn-cs"/>
+              </a:defRPr>
+            </a:lvl6pPr>
+            <a:lvl7pPr marL="2800000" indent="-228600" algn="l" defTabSz="457200" rtl="0" eaLnBrk="1" latinLnBrk="0" hangingPunct="1">
+              <a:spcBef>
+                <a:spcPct val="20000"/>
+              </a:spcBef>
+              <a:spcAft>
+                <a:spcPts val="600"/>
+              </a:spcAft>
+              <a:buClr>
+                <a:schemeClr val="accent1"/>
+              </a:buClr>
+              <a:buFont typeface="Wingdings 2" charset="2"/>
+              <a:buChar char=""/>
+              <a:defRPr sz="1200" kern="1200">
+                <a:solidFill>
+                  <a:schemeClr val="tx1"/>
+                </a:solidFill>
+                <a:latin typeface="+mn-lt"/>
+                <a:ea typeface="+mn-ea"/>
+                <a:cs typeface="+mn-cs"/>
+              </a:defRPr>
+            </a:lvl7pPr>
+            <a:lvl8pPr marL="3200000" indent="-228600" algn="l" defTabSz="457200" rtl="0" eaLnBrk="1" latinLnBrk="0" hangingPunct="1">
+              <a:spcBef>
+                <a:spcPct val="20000"/>
+              </a:spcBef>
+              <a:spcAft>
+                <a:spcPts val="600"/>
+              </a:spcAft>
+              <a:buClr>
+                <a:schemeClr val="accent1"/>
+              </a:buClr>
+              <a:buFont typeface="Wingdings 2" charset="2"/>
+              <a:buChar char=""/>
+              <a:defRPr sz="1200" kern="1200">
+                <a:solidFill>
+                  <a:schemeClr val="tx1"/>
+                </a:solidFill>
+                <a:latin typeface="+mn-lt"/>
+                <a:ea typeface="+mn-ea"/>
+                <a:cs typeface="+mn-cs"/>
+              </a:defRPr>
+            </a:lvl8pPr>
+            <a:lvl9pPr marL="3600000" indent="-228600" algn="l" defTabSz="457200" rtl="0" eaLnBrk="1" latinLnBrk="0" hangingPunct="1">
+              <a:spcBef>
+                <a:spcPct val="20000"/>
+              </a:spcBef>
+              <a:spcAft>
+                <a:spcPts val="600"/>
+              </a:spcAft>
+              <a:buClr>
+                <a:schemeClr val="accent1"/>
+              </a:buClr>
+              <a:buFont typeface="Wingdings 2" charset="2"/>
+              <a:buChar char=""/>
+              <a:defRPr sz="1200" kern="1200">
+                <a:solidFill>
+                  <a:schemeClr val="tx1"/>
+                </a:solidFill>
+                <a:latin typeface="+mn-lt"/>
+                <a:ea typeface="+mn-ea"/>
+                <a:cs typeface="+mn-cs"/>
+              </a:defRPr>
+            </a:lvl9pPr>
+          </a:lstStyle>
+          <a:p>
+            <a:pPr marL="0" indent="0">
+              <a:buFont typeface="Wingdings 2" charset="2"/>
+              <a:buNone/>
+            </a:pPr>
+            <a:endParaRPr lang="en-IN" sz="2400" dirty="0" smtClean="0"/>
+          </a:p>
+        </p:txBody>
+      </p:sp>
+      <p:sp>
+        <p:nvSpPr>
+          <p:cNvPr id="9" name="Content Placeholder 2">
+            <a:extLst>
+              <a:ext uri="{FF2B5EF4-FFF2-40B4-BE49-F238E27FC236}">
+                <a16:creationId xmlns:a16="http://schemas.microsoft.com/office/drawing/2014/main" xmlns="" id="{8DB31CDA-ACB5-4C32-AB72-CE56539EFD0B}"/>
+              </a:ext>
+            </a:extLst>
+          </p:cNvPr>
+          <p:cNvSpPr txBox="1">
+            <a:spLocks/>
+          </p:cNvSpPr>
+          <p:nvPr/>
+        </p:nvSpPr>
+        <p:spPr>
+          <a:xfrm>
+            <a:off x="11186160" y="6749331"/>
+            <a:ext cx="949126" cy="333569"/>
+          </a:xfrm>
+          <a:prstGeom prst="rect">
+            <a:avLst/>
+          </a:prstGeom>
+          <a:effectLst>
+            <a:outerShdw blurRad="50800" dir="14400000">
+              <a:srgbClr val="000000">
+                <a:alpha val="40000"/>
+              </a:srgbClr>
+            </a:outerShdw>
+          </a:effectLst>
+        </p:spPr>
+        <p:txBody>
+          <a:bodyPr vert="horz" lIns="91440" tIns="45720" rIns="91440" bIns="45720" rtlCol="0" anchor="ctr">
+            <a:normAutofit fontScale="77500" lnSpcReduction="20000"/>
+          </a:bodyPr>
+          <a:lstStyle>
+            <a:lvl1pPr marL="342900" indent="-342900" algn="l" defTabSz="457200" rtl="0" eaLnBrk="1" latinLnBrk="0" hangingPunct="1">
+              <a:spcBef>
+                <a:spcPct val="20000"/>
+              </a:spcBef>
+              <a:spcAft>
+                <a:spcPts val="600"/>
+              </a:spcAft>
+              <a:buClr>
+                <a:schemeClr val="accent1"/>
+              </a:buClr>
+              <a:buFont typeface="Wingdings 2" charset="2"/>
+              <a:buChar char=""/>
+              <a:defRPr sz="1800" kern="1200">
+                <a:solidFill>
+                  <a:schemeClr val="tx1"/>
+                </a:solidFill>
+                <a:latin typeface="+mn-lt"/>
+                <a:ea typeface="+mn-ea"/>
+                <a:cs typeface="+mn-cs"/>
+              </a:defRPr>
+            </a:lvl1pPr>
+            <a:lvl2pPr marL="742950" indent="-285750" algn="l" defTabSz="457200" rtl="0" eaLnBrk="1" latinLnBrk="0" hangingPunct="1">
+              <a:spcBef>
+                <a:spcPct val="20000"/>
+              </a:spcBef>
+              <a:spcAft>
+                <a:spcPts val="600"/>
+              </a:spcAft>
+              <a:buClr>
+                <a:schemeClr val="accent1"/>
+              </a:buClr>
+              <a:buFont typeface="Wingdings 2" charset="2"/>
+              <a:buChar char=""/>
+              <a:defRPr sz="1600" kern="1200">
+                <a:solidFill>
+                  <a:schemeClr val="tx1"/>
+                </a:solidFill>
+                <a:latin typeface="+mn-lt"/>
+                <a:ea typeface="+mn-ea"/>
+                <a:cs typeface="+mn-cs"/>
+              </a:defRPr>
+            </a:lvl2pPr>
+            <a:lvl3pPr marL="1143000" indent="-228600" algn="l" defTabSz="457200" rtl="0" eaLnBrk="1" latinLnBrk="0" hangingPunct="1">
+              <a:spcBef>
+                <a:spcPct val="20000"/>
+              </a:spcBef>
+              <a:spcAft>
+                <a:spcPts val="600"/>
+              </a:spcAft>
+              <a:buClr>
+                <a:schemeClr val="accent1"/>
+              </a:buClr>
+              <a:buFont typeface="Wingdings 2" charset="2"/>
+              <a:buChar char=""/>
+              <a:defRPr sz="1400" kern="1200">
+                <a:solidFill>
+                  <a:schemeClr val="tx1"/>
+                </a:solidFill>
+                <a:latin typeface="+mn-lt"/>
+                <a:ea typeface="+mn-ea"/>
+                <a:cs typeface="+mn-cs"/>
+              </a:defRPr>
+            </a:lvl3pPr>
+            <a:lvl4pPr marL="1600200" indent="-228600" algn="l" defTabSz="457200" rtl="0" eaLnBrk="1" latinLnBrk="0" hangingPunct="1">
+              <a:spcBef>
+                <a:spcPct val="20000"/>
+              </a:spcBef>
+              <a:spcAft>
+                <a:spcPts val="600"/>
+              </a:spcAft>
+              <a:buClr>
+                <a:schemeClr val="accent1"/>
+              </a:buClr>
+              <a:buFont typeface="Wingdings 2" charset="2"/>
+              <a:buChar char=""/>
+              <a:defRPr sz="1200" kern="1200">
+                <a:solidFill>
+                  <a:schemeClr val="tx1"/>
+                </a:solidFill>
+                <a:latin typeface="+mn-lt"/>
+                <a:ea typeface="+mn-ea"/>
+                <a:cs typeface="+mn-cs"/>
+              </a:defRPr>
+            </a:lvl4pPr>
+            <a:lvl5pPr marL="2057400" indent="-228600" algn="l" defTabSz="457200" rtl="0" eaLnBrk="1" latinLnBrk="0" hangingPunct="1">
+              <a:spcBef>
+                <a:spcPct val="20000"/>
+              </a:spcBef>
+              <a:spcAft>
+                <a:spcPts val="600"/>
+              </a:spcAft>
+              <a:buClr>
+                <a:schemeClr val="accent1"/>
+              </a:buClr>
+              <a:buFont typeface="Wingdings 2" charset="2"/>
+              <a:buChar char=""/>
+              <a:defRPr sz="1200" kern="1200">
+                <a:solidFill>
+                  <a:schemeClr val="tx1"/>
+                </a:solidFill>
+                <a:latin typeface="+mn-lt"/>
+                <a:ea typeface="+mn-ea"/>
+                <a:cs typeface="+mn-cs"/>
+              </a:defRPr>
+            </a:lvl5pPr>
+            <a:lvl6pPr marL="2400000" indent="-228600" algn="l" defTabSz="457200" rtl="0" eaLnBrk="1" latinLnBrk="0" hangingPunct="1">
+              <a:spcBef>
+                <a:spcPct val="20000"/>
+              </a:spcBef>
+              <a:spcAft>
+                <a:spcPts val="600"/>
+              </a:spcAft>
+              <a:buClr>
+                <a:schemeClr val="accent1"/>
+              </a:buClr>
+              <a:buFont typeface="Wingdings 2" charset="2"/>
+              <a:buChar char=""/>
+              <a:defRPr sz="1200" kern="1200">
+                <a:solidFill>
+                  <a:schemeClr val="tx1"/>
+                </a:solidFill>
+                <a:latin typeface="+mn-lt"/>
+                <a:ea typeface="+mn-ea"/>
+                <a:cs typeface="+mn-cs"/>
+              </a:defRPr>
+            </a:lvl6pPr>
+            <a:lvl7pPr marL="2800000" indent="-228600" algn="l" defTabSz="457200" rtl="0" eaLnBrk="1" latinLnBrk="0" hangingPunct="1">
+              <a:spcBef>
+                <a:spcPct val="20000"/>
+              </a:spcBef>
+              <a:spcAft>
+                <a:spcPts val="600"/>
+              </a:spcAft>
+              <a:buClr>
+                <a:schemeClr val="accent1"/>
+              </a:buClr>
+              <a:buFont typeface="Wingdings 2" charset="2"/>
+              <a:buChar char=""/>
+              <a:defRPr sz="1200" kern="1200">
+                <a:solidFill>
+                  <a:schemeClr val="tx1"/>
+                </a:solidFill>
+                <a:latin typeface="+mn-lt"/>
+                <a:ea typeface="+mn-ea"/>
+                <a:cs typeface="+mn-cs"/>
+              </a:defRPr>
+            </a:lvl7pPr>
+            <a:lvl8pPr marL="3200000" indent="-228600" algn="l" defTabSz="457200" rtl="0" eaLnBrk="1" latinLnBrk="0" hangingPunct="1">
+              <a:spcBef>
+                <a:spcPct val="20000"/>
+              </a:spcBef>
+              <a:spcAft>
+                <a:spcPts val="600"/>
+              </a:spcAft>
+              <a:buClr>
+                <a:schemeClr val="accent1"/>
+              </a:buClr>
+              <a:buFont typeface="Wingdings 2" charset="2"/>
+              <a:buChar char=""/>
+              <a:defRPr sz="1200" kern="1200">
+                <a:solidFill>
+                  <a:schemeClr val="tx1"/>
+                </a:solidFill>
+                <a:latin typeface="+mn-lt"/>
+                <a:ea typeface="+mn-ea"/>
+                <a:cs typeface="+mn-cs"/>
+              </a:defRPr>
+            </a:lvl8pPr>
+            <a:lvl9pPr marL="3600000" indent="-228600" algn="l" defTabSz="457200" rtl="0" eaLnBrk="1" latinLnBrk="0" hangingPunct="1">
+              <a:spcBef>
+                <a:spcPct val="20000"/>
+              </a:spcBef>
+              <a:spcAft>
+                <a:spcPts val="600"/>
+              </a:spcAft>
+              <a:buClr>
+                <a:schemeClr val="accent1"/>
+              </a:buClr>
+              <a:buFont typeface="Wingdings 2" charset="2"/>
+              <a:buChar char=""/>
+              <a:defRPr sz="1200" kern="1200">
+                <a:solidFill>
+                  <a:schemeClr val="tx1"/>
+                </a:solidFill>
+                <a:latin typeface="+mn-lt"/>
+                <a:ea typeface="+mn-ea"/>
+                <a:cs typeface="+mn-cs"/>
+              </a:defRPr>
+            </a:lvl9pPr>
+          </a:lstStyle>
+          <a:p>
+            <a:pPr marL="0" indent="0">
+              <a:buFont typeface="Wingdings 2" charset="2"/>
+              <a:buNone/>
+            </a:pPr>
+            <a:endParaRPr lang="en-IN" sz="2400" dirty="0" smtClean="0"/>
+          </a:p>
+        </p:txBody>
+      </p:sp>
+      <p:sp>
+        <p:nvSpPr>
+          <p:cNvPr id="11" name="Content Placeholder 2">
+            <a:extLst>
+              <a:ext uri="{FF2B5EF4-FFF2-40B4-BE49-F238E27FC236}">
+                <a16:creationId xmlns:a16="http://schemas.microsoft.com/office/drawing/2014/main" xmlns="" id="{8DB31CDA-ACB5-4C32-AB72-CE56539EFD0B}"/>
+              </a:ext>
+            </a:extLst>
+          </p:cNvPr>
+          <p:cNvSpPr txBox="1">
+            <a:spLocks/>
+          </p:cNvSpPr>
+          <p:nvPr/>
+        </p:nvSpPr>
+        <p:spPr>
+          <a:xfrm>
+            <a:off x="5070282" y="5193331"/>
+            <a:ext cx="949126" cy="333569"/>
+          </a:xfrm>
+          <a:prstGeom prst="rect">
+            <a:avLst/>
+          </a:prstGeom>
+          <a:effectLst>
+            <a:outerShdw blurRad="50800" dir="14400000">
+              <a:srgbClr val="000000">
+                <a:alpha val="40000"/>
+              </a:srgbClr>
+            </a:outerShdw>
+          </a:effectLst>
+        </p:spPr>
+        <p:txBody>
+          <a:bodyPr vert="horz" lIns="91440" tIns="45720" rIns="91440" bIns="45720" rtlCol="0" anchor="ctr">
+            <a:normAutofit fontScale="77500" lnSpcReduction="20000"/>
+          </a:bodyPr>
+          <a:lstStyle>
+            <a:lvl1pPr marL="342900" indent="-342900" algn="l" defTabSz="457200" rtl="0" eaLnBrk="1" latinLnBrk="0" hangingPunct="1">
+              <a:spcBef>
+                <a:spcPct val="20000"/>
+              </a:spcBef>
+              <a:spcAft>
+                <a:spcPts val="600"/>
+              </a:spcAft>
+              <a:buClr>
+                <a:schemeClr val="accent1"/>
+              </a:buClr>
+              <a:buFont typeface="Wingdings 2" charset="2"/>
+              <a:buChar char=""/>
+              <a:defRPr sz="1800" kern="1200">
+                <a:solidFill>
+                  <a:schemeClr val="tx1"/>
+                </a:solidFill>
+                <a:latin typeface="+mn-lt"/>
+                <a:ea typeface="+mn-ea"/>
+                <a:cs typeface="+mn-cs"/>
+              </a:defRPr>
+            </a:lvl1pPr>
+            <a:lvl2pPr marL="742950" indent="-285750" algn="l" defTabSz="457200" rtl="0" eaLnBrk="1" latinLnBrk="0" hangingPunct="1">
+              <a:spcBef>
+                <a:spcPct val="20000"/>
+              </a:spcBef>
+              <a:spcAft>
+                <a:spcPts val="600"/>
+              </a:spcAft>
+              <a:buClr>
+                <a:schemeClr val="accent1"/>
+              </a:buClr>
+              <a:buFont typeface="Wingdings 2" charset="2"/>
+              <a:buChar char=""/>
+              <a:defRPr sz="1600" kern="1200">
+                <a:solidFill>
+                  <a:schemeClr val="tx1"/>
+                </a:solidFill>
+                <a:latin typeface="+mn-lt"/>
+                <a:ea typeface="+mn-ea"/>
+                <a:cs typeface="+mn-cs"/>
+              </a:defRPr>
+            </a:lvl2pPr>
+            <a:lvl3pPr marL="1143000" indent="-228600" algn="l" defTabSz="457200" rtl="0" eaLnBrk="1" latinLnBrk="0" hangingPunct="1">
+              <a:spcBef>
+                <a:spcPct val="20000"/>
+              </a:spcBef>
+              <a:spcAft>
+                <a:spcPts val="600"/>
+              </a:spcAft>
+              <a:buClr>
+                <a:schemeClr val="accent1"/>
+              </a:buClr>
+              <a:buFont typeface="Wingdings 2" charset="2"/>
+              <a:buChar char=""/>
+              <a:defRPr sz="1400" kern="1200">
+                <a:solidFill>
+                  <a:schemeClr val="tx1"/>
+                </a:solidFill>
+                <a:latin typeface="+mn-lt"/>
+                <a:ea typeface="+mn-ea"/>
+                <a:cs typeface="+mn-cs"/>
+              </a:defRPr>
+            </a:lvl3pPr>
+            <a:lvl4pPr marL="1600200" indent="-228600" algn="l" defTabSz="457200" rtl="0" eaLnBrk="1" latinLnBrk="0" hangingPunct="1">
+              <a:spcBef>
+                <a:spcPct val="20000"/>
+              </a:spcBef>
+              <a:spcAft>
+                <a:spcPts val="600"/>
+              </a:spcAft>
+              <a:buClr>
+                <a:schemeClr val="accent1"/>
+              </a:buClr>
+              <a:buFont typeface="Wingdings 2" charset="2"/>
+              <a:buChar char=""/>
+              <a:defRPr sz="1200" kern="1200">
+                <a:solidFill>
+                  <a:schemeClr val="tx1"/>
+                </a:solidFill>
+                <a:latin typeface="+mn-lt"/>
+                <a:ea typeface="+mn-ea"/>
+                <a:cs typeface="+mn-cs"/>
+              </a:defRPr>
+            </a:lvl4pPr>
+            <a:lvl5pPr marL="2057400" indent="-228600" algn="l" defTabSz="457200" rtl="0" eaLnBrk="1" latinLnBrk="0" hangingPunct="1">
+              <a:spcBef>
+                <a:spcPct val="20000"/>
+              </a:spcBef>
+              <a:spcAft>
+                <a:spcPts val="600"/>
+              </a:spcAft>
+              <a:buClr>
+                <a:schemeClr val="accent1"/>
+              </a:buClr>
+              <a:buFont typeface="Wingdings 2" charset="2"/>
+              <a:buChar char=""/>
+              <a:defRPr sz="1200" kern="1200">
+                <a:solidFill>
+                  <a:schemeClr val="tx1"/>
+                </a:solidFill>
+                <a:latin typeface="+mn-lt"/>
+                <a:ea typeface="+mn-ea"/>
+                <a:cs typeface="+mn-cs"/>
+              </a:defRPr>
+            </a:lvl5pPr>
+            <a:lvl6pPr marL="2400000" indent="-228600" algn="l" defTabSz="457200" rtl="0" eaLnBrk="1" latinLnBrk="0" hangingPunct="1">
+              <a:spcBef>
+                <a:spcPct val="20000"/>
+              </a:spcBef>
+              <a:spcAft>
+                <a:spcPts val="600"/>
+              </a:spcAft>
+              <a:buClr>
+                <a:schemeClr val="accent1"/>
+              </a:buClr>
+              <a:buFont typeface="Wingdings 2" charset="2"/>
+              <a:buChar char=""/>
+              <a:defRPr sz="1200" kern="1200">
+                <a:solidFill>
+                  <a:schemeClr val="tx1"/>
+                </a:solidFill>
+                <a:latin typeface="+mn-lt"/>
+                <a:ea typeface="+mn-ea"/>
+                <a:cs typeface="+mn-cs"/>
+              </a:defRPr>
+            </a:lvl6pPr>
+            <a:lvl7pPr marL="2800000" indent="-228600" algn="l" defTabSz="457200" rtl="0" eaLnBrk="1" latinLnBrk="0" hangingPunct="1">
+              <a:spcBef>
+                <a:spcPct val="20000"/>
+              </a:spcBef>
+              <a:spcAft>
+                <a:spcPts val="600"/>
+              </a:spcAft>
+              <a:buClr>
+                <a:schemeClr val="accent1"/>
+              </a:buClr>
+              <a:buFont typeface="Wingdings 2" charset="2"/>
+              <a:buChar char=""/>
+              <a:defRPr sz="1200" kern="1200">
+                <a:solidFill>
+                  <a:schemeClr val="tx1"/>
+                </a:solidFill>
+                <a:latin typeface="+mn-lt"/>
+                <a:ea typeface="+mn-ea"/>
+                <a:cs typeface="+mn-cs"/>
+              </a:defRPr>
+            </a:lvl7pPr>
+            <a:lvl8pPr marL="3200000" indent="-228600" algn="l" defTabSz="457200" rtl="0" eaLnBrk="1" latinLnBrk="0" hangingPunct="1">
+              <a:spcBef>
+                <a:spcPct val="20000"/>
+              </a:spcBef>
+              <a:spcAft>
+                <a:spcPts val="600"/>
+              </a:spcAft>
+              <a:buClr>
+                <a:schemeClr val="accent1"/>
+              </a:buClr>
+              <a:buFont typeface="Wingdings 2" charset="2"/>
+              <a:buChar char=""/>
+              <a:defRPr sz="1200" kern="1200">
+                <a:solidFill>
+                  <a:schemeClr val="tx1"/>
+                </a:solidFill>
+                <a:latin typeface="+mn-lt"/>
+                <a:ea typeface="+mn-ea"/>
+                <a:cs typeface="+mn-cs"/>
+              </a:defRPr>
+            </a:lvl8pPr>
+            <a:lvl9pPr marL="3600000" indent="-228600" algn="l" defTabSz="457200" rtl="0" eaLnBrk="1" latinLnBrk="0" hangingPunct="1">
+              <a:spcBef>
+                <a:spcPct val="20000"/>
+              </a:spcBef>
+              <a:spcAft>
+                <a:spcPts val="600"/>
+              </a:spcAft>
+              <a:buClr>
+                <a:schemeClr val="accent1"/>
+              </a:buClr>
+              <a:buFont typeface="Wingdings 2" charset="2"/>
+              <a:buChar char=""/>
+              <a:defRPr sz="1200" kern="1200">
+                <a:solidFill>
+                  <a:schemeClr val="tx1"/>
+                </a:solidFill>
+                <a:latin typeface="+mn-lt"/>
+                <a:ea typeface="+mn-ea"/>
+                <a:cs typeface="+mn-cs"/>
+              </a:defRPr>
+            </a:lvl9pPr>
+          </a:lstStyle>
+          <a:p>
+            <a:pPr marL="0" indent="0">
+              <a:buFont typeface="Wingdings 2" charset="2"/>
+              <a:buNone/>
+            </a:pPr>
+            <a:endParaRPr lang="en-IN" sz="2400" dirty="0" smtClean="0"/>
+          </a:p>
+        </p:txBody>
+      </p:sp>
+      <p:sp>
+        <p:nvSpPr>
+          <p:cNvPr id="12" name="Content Placeholder 2">
+            <a:extLst>
+              <a:ext uri="{FF2B5EF4-FFF2-40B4-BE49-F238E27FC236}">
+                <a16:creationId xmlns:a16="http://schemas.microsoft.com/office/drawing/2014/main" xmlns="" id="{8DB31CDA-ACB5-4C32-AB72-CE56539EFD0B}"/>
+              </a:ext>
+            </a:extLst>
+          </p:cNvPr>
+          <p:cNvSpPr txBox="1">
+            <a:spLocks/>
+          </p:cNvSpPr>
+          <p:nvPr/>
+        </p:nvSpPr>
+        <p:spPr>
+          <a:xfrm>
+            <a:off x="11033760" y="6596931"/>
+            <a:ext cx="949126" cy="333569"/>
+          </a:xfrm>
+          <a:prstGeom prst="rect">
+            <a:avLst/>
+          </a:prstGeom>
+          <a:effectLst>
+            <a:outerShdw blurRad="50800" dir="14400000">
+              <a:srgbClr val="000000">
+                <a:alpha val="40000"/>
+              </a:srgbClr>
+            </a:outerShdw>
+          </a:effectLst>
+        </p:spPr>
+        <p:txBody>
+          <a:bodyPr vert="horz" lIns="91440" tIns="45720" rIns="91440" bIns="45720" rtlCol="0" anchor="ctr">
+            <a:normAutofit fontScale="77500" lnSpcReduction="20000"/>
+          </a:bodyPr>
+          <a:lstStyle>
+            <a:lvl1pPr marL="342900" indent="-342900" algn="l" defTabSz="457200" rtl="0" eaLnBrk="1" latinLnBrk="0" hangingPunct="1">
+              <a:spcBef>
+                <a:spcPct val="20000"/>
+              </a:spcBef>
+              <a:spcAft>
+                <a:spcPts val="600"/>
+              </a:spcAft>
+              <a:buClr>
+                <a:schemeClr val="accent1"/>
+              </a:buClr>
+              <a:buFont typeface="Wingdings 2" charset="2"/>
+              <a:buChar char=""/>
+              <a:defRPr sz="1800" kern="1200">
+                <a:solidFill>
+                  <a:schemeClr val="tx1"/>
+                </a:solidFill>
+                <a:latin typeface="+mn-lt"/>
+                <a:ea typeface="+mn-ea"/>
+                <a:cs typeface="+mn-cs"/>
+              </a:defRPr>
+            </a:lvl1pPr>
+            <a:lvl2pPr marL="742950" indent="-285750" algn="l" defTabSz="457200" rtl="0" eaLnBrk="1" latinLnBrk="0" hangingPunct="1">
+              <a:spcBef>
+                <a:spcPct val="20000"/>
+              </a:spcBef>
+              <a:spcAft>
+                <a:spcPts val="600"/>
+              </a:spcAft>
+              <a:buClr>
+                <a:schemeClr val="accent1"/>
+              </a:buClr>
+              <a:buFont typeface="Wingdings 2" charset="2"/>
+              <a:buChar char=""/>
+              <a:defRPr sz="1600" kern="1200">
+                <a:solidFill>
+                  <a:schemeClr val="tx1"/>
+                </a:solidFill>
+                <a:latin typeface="+mn-lt"/>
+                <a:ea typeface="+mn-ea"/>
+                <a:cs typeface="+mn-cs"/>
+              </a:defRPr>
+            </a:lvl2pPr>
+            <a:lvl3pPr marL="1143000" indent="-228600" algn="l" defTabSz="457200" rtl="0" eaLnBrk="1" latinLnBrk="0" hangingPunct="1">
+              <a:spcBef>
+                <a:spcPct val="20000"/>
+              </a:spcBef>
+              <a:spcAft>
+                <a:spcPts val="600"/>
+              </a:spcAft>
+              <a:buClr>
+                <a:schemeClr val="accent1"/>
+              </a:buClr>
+              <a:buFont typeface="Wingdings 2" charset="2"/>
+              <a:buChar char=""/>
+              <a:defRPr sz="1400" kern="1200">
+                <a:solidFill>
+                  <a:schemeClr val="tx1"/>
+                </a:solidFill>
+                <a:latin typeface="+mn-lt"/>
+                <a:ea typeface="+mn-ea"/>
+                <a:cs typeface="+mn-cs"/>
+              </a:defRPr>
+            </a:lvl3pPr>
+            <a:lvl4pPr marL="1600200" indent="-228600" algn="l" defTabSz="457200" rtl="0" eaLnBrk="1" latinLnBrk="0" hangingPunct="1">
+              <a:spcBef>
+                <a:spcPct val="20000"/>
+              </a:spcBef>
+              <a:spcAft>
+                <a:spcPts val="600"/>
+              </a:spcAft>
+              <a:buClr>
+                <a:schemeClr val="accent1"/>
+              </a:buClr>
+              <a:buFont typeface="Wingdings 2" charset="2"/>
+              <a:buChar char=""/>
+              <a:defRPr sz="1200" kern="1200">
+                <a:solidFill>
+                  <a:schemeClr val="tx1"/>
+                </a:solidFill>
+                <a:latin typeface="+mn-lt"/>
+                <a:ea typeface="+mn-ea"/>
+                <a:cs typeface="+mn-cs"/>
+              </a:defRPr>
+            </a:lvl4pPr>
+            <a:lvl5pPr marL="2057400" indent="-228600" algn="l" defTabSz="457200" rtl="0" eaLnBrk="1" latinLnBrk="0" hangingPunct="1">
+              <a:spcBef>
+                <a:spcPct val="20000"/>
+              </a:spcBef>
+              <a:spcAft>
+                <a:spcPts val="600"/>
+              </a:spcAft>
+              <a:buClr>
+                <a:schemeClr val="accent1"/>
+              </a:buClr>
+              <a:buFont typeface="Wingdings 2" charset="2"/>
+              <a:buChar char=""/>
+              <a:defRPr sz="1200" kern="1200">
+                <a:solidFill>
+                  <a:schemeClr val="tx1"/>
+                </a:solidFill>
+                <a:latin typeface="+mn-lt"/>
+                <a:ea typeface="+mn-ea"/>
+                <a:cs typeface="+mn-cs"/>
+              </a:defRPr>
+            </a:lvl5pPr>
+            <a:lvl6pPr marL="2400000" indent="-228600" algn="l" defTabSz="457200" rtl="0" eaLnBrk="1" latinLnBrk="0" hangingPunct="1">
+              <a:spcBef>
+                <a:spcPct val="20000"/>
+              </a:spcBef>
+              <a:spcAft>
+                <a:spcPts val="600"/>
+              </a:spcAft>
+              <a:buClr>
+                <a:schemeClr val="accent1"/>
+              </a:buClr>
+              <a:buFont typeface="Wingdings 2" charset="2"/>
+              <a:buChar char=""/>
+              <a:defRPr sz="1200" kern="1200">
+                <a:solidFill>
+                  <a:schemeClr val="tx1"/>
+                </a:solidFill>
+                <a:latin typeface="+mn-lt"/>
+                <a:ea typeface="+mn-ea"/>
+                <a:cs typeface="+mn-cs"/>
+              </a:defRPr>
+            </a:lvl6pPr>
+            <a:lvl7pPr marL="2800000" indent="-228600" algn="l" defTabSz="457200" rtl="0" eaLnBrk="1" latinLnBrk="0" hangingPunct="1">
+              <a:spcBef>
+                <a:spcPct val="20000"/>
+              </a:spcBef>
+              <a:spcAft>
+                <a:spcPts val="600"/>
+              </a:spcAft>
+              <a:buClr>
+                <a:schemeClr val="accent1"/>
+              </a:buClr>
+              <a:buFont typeface="Wingdings 2" charset="2"/>
+              <a:buChar char=""/>
+              <a:defRPr sz="1200" kern="1200">
+                <a:solidFill>
+                  <a:schemeClr val="tx1"/>
+                </a:solidFill>
+                <a:latin typeface="+mn-lt"/>
+                <a:ea typeface="+mn-ea"/>
+                <a:cs typeface="+mn-cs"/>
+              </a:defRPr>
+            </a:lvl7pPr>
+            <a:lvl8pPr marL="3200000" indent="-228600" algn="l" defTabSz="457200" rtl="0" eaLnBrk="1" latinLnBrk="0" hangingPunct="1">
+              <a:spcBef>
+                <a:spcPct val="20000"/>
+              </a:spcBef>
+              <a:spcAft>
+                <a:spcPts val="600"/>
+              </a:spcAft>
+              <a:buClr>
+                <a:schemeClr val="accent1"/>
+              </a:buClr>
+              <a:buFont typeface="Wingdings 2" charset="2"/>
+              <a:buChar char=""/>
+              <a:defRPr sz="1200" kern="1200">
+                <a:solidFill>
+                  <a:schemeClr val="tx1"/>
+                </a:solidFill>
+                <a:latin typeface="+mn-lt"/>
+                <a:ea typeface="+mn-ea"/>
+                <a:cs typeface="+mn-cs"/>
+              </a:defRPr>
+            </a:lvl8pPr>
+            <a:lvl9pPr marL="3600000" indent="-228600" algn="l" defTabSz="457200" rtl="0" eaLnBrk="1" latinLnBrk="0" hangingPunct="1">
+              <a:spcBef>
+                <a:spcPct val="20000"/>
+              </a:spcBef>
+              <a:spcAft>
+                <a:spcPts val="600"/>
+              </a:spcAft>
+              <a:buClr>
+                <a:schemeClr val="accent1"/>
+              </a:buClr>
+              <a:buFont typeface="Wingdings 2" charset="2"/>
+              <a:buChar char=""/>
+              <a:defRPr sz="1200" kern="1200">
+                <a:solidFill>
+                  <a:schemeClr val="tx1"/>
+                </a:solidFill>
+                <a:latin typeface="+mn-lt"/>
+                <a:ea typeface="+mn-ea"/>
+                <a:cs typeface="+mn-cs"/>
+              </a:defRPr>
+            </a:lvl9pPr>
+          </a:lstStyle>
+          <a:p>
+            <a:pPr marL="0" indent="0">
+              <a:buFont typeface="Wingdings 2" charset="2"/>
+              <a:buNone/>
+            </a:pPr>
+            <a:endParaRPr lang="en-IN" sz="2400" dirty="0" smtClean="0"/>
           </a:p>
         </p:txBody>
       </p:sp>
     </p:spTree>
     <p:extLst>
       <p:ext uri="{BB962C8B-B14F-4D97-AF65-F5344CB8AC3E}">
-        <p14:creationId xmlns:p14="http://schemas.microsoft.com/office/powerpoint/2010/main" val="3045416935"/>
+        <p14:creationId xmlns:p14="http://schemas.microsoft.com/office/powerpoint/2010/main" val="1376670911"/>
       </p:ext>
     </p:extLst>
   </p:cSld>
@@ -5681,7 +7653,12 @@
             <p:ph type="title"/>
           </p:nvPr>
         </p:nvSpPr>
-        <p:spPr/>
+        <p:spPr>
+          <a:xfrm>
+            <a:off x="3967700" y="5589767"/>
+            <a:ext cx="7952357" cy="810304"/>
+          </a:xfrm>
+        </p:spPr>
         <p:txBody>
           <a:bodyPr/>
           <a:lstStyle/>
@@ -5709,12 +7686,102 @@
             <p:ph type="body" idx="1"/>
           </p:nvPr>
         </p:nvSpPr>
-        <p:spPr/>
+        <p:spPr>
+          <a:xfrm>
+            <a:off x="2527481" y="2337683"/>
+            <a:ext cx="7578627" cy="1039789"/>
+          </a:xfrm>
+        </p:spPr>
         <p:txBody>
           <a:bodyPr/>
           <a:lstStyle/>
           <a:p>
-            <a:endParaRPr lang="en-IN" dirty="0"/>
+            <a:pPr algn="l"/>
+            <a:r>
+              <a:rPr lang="en-IN" sz="3200" b="1" i="1" dirty="0" smtClean="0">
+                <a:ln w="1905"/>
+                <a:gradFill>
+                  <a:gsLst>
+                    <a:gs pos="0">
+                      <a:schemeClr val="accent6">
+                        <a:shade val="20000"/>
+                        <a:satMod val="200000"/>
+                      </a:schemeClr>
+                    </a:gs>
+                    <a:gs pos="78000">
+                      <a:schemeClr val="accent6">
+                        <a:tint val="90000"/>
+                        <a:shade val="89000"/>
+                        <a:satMod val="220000"/>
+                      </a:schemeClr>
+                    </a:gs>
+                    <a:gs pos="100000">
+                      <a:schemeClr val="accent6">
+                        <a:tint val="12000"/>
+                        <a:satMod val="255000"/>
+                      </a:schemeClr>
+                    </a:gs>
+                  </a:gsLst>
+                  <a:lin ang="5400000"/>
+                </a:gradFill>
+                <a:effectLst>
+                  <a:glow rad="101600">
+                    <a:schemeClr val="accent5">
+                      <a:satMod val="175000"/>
+                      <a:alpha val="40000"/>
+                    </a:schemeClr>
+                  </a:glow>
+                  <a:innerShdw blurRad="69850" dist="43180" dir="5400000">
+                    <a:srgbClr val="000000">
+                      <a:alpha val="65000"/>
+                    </a:srgbClr>
+                  </a:innerShdw>
+                </a:effectLst>
+                <a:latin typeface="Algerian" pitchFamily="82" charset="0"/>
+              </a:rPr>
+              <a:t>Fix  the  cause,  not  the  symptom</a:t>
+            </a:r>
+            <a:endParaRPr lang="en-IN" b="1" i="1" dirty="0">
+              <a:ln w="1905"/>
+              <a:gradFill>
+                <a:gsLst>
+                  <a:gs pos="0">
+                    <a:schemeClr val="accent6">
+                      <a:shade val="20000"/>
+                      <a:satMod val="200000"/>
+                    </a:schemeClr>
+                  </a:gs>
+                  <a:gs pos="78000">
+                    <a:schemeClr val="accent6">
+                      <a:tint val="90000"/>
+                      <a:shade val="89000"/>
+                      <a:satMod val="220000"/>
+                    </a:schemeClr>
+                  </a:gs>
+                  <a:gs pos="100000">
+                    <a:schemeClr val="accent6">
+                      <a:tint val="12000"/>
+                      <a:satMod val="255000"/>
+                    </a:schemeClr>
+                  </a:gs>
+                </a:gsLst>
+                <a:lin ang="5400000"/>
+              </a:gradFill>
+              <a:effectLst>
+                <a:glow rad="101600">
+                  <a:schemeClr val="accent5">
+                    <a:satMod val="175000"/>
+                    <a:alpha val="40000"/>
+                  </a:schemeClr>
+                </a:glow>
+                <a:innerShdw blurRad="69850" dist="43180" dir="5400000">
+                  <a:srgbClr val="000000">
+                    <a:alpha val="65000"/>
+                  </a:srgbClr>
+                </a:innerShdw>
+              </a:effectLst>
+              <a:latin typeface="Algerian" pitchFamily="82" charset="0"/>
+            </a:endParaRPr>
           </a:p>
         </p:txBody>
       </p:sp>
@@ -5794,8 +7861,8 @@
         </p:nvSpPr>
         <p:spPr>
           <a:xfrm>
-            <a:off x="643783" y="2242266"/>
-            <a:ext cx="10554574" cy="2425150"/>
+            <a:off x="927109" y="1463038"/>
+            <a:ext cx="10554574" cy="4282821"/>
           </a:xfrm>
         </p:spPr>
         <p:txBody>
@@ -5810,15 +7877,7 @@
             </a:pPr>
             <a:r>
               <a:rPr lang="en-US" dirty="0" smtClean="0"/>
-              <a:t>We the member of </a:t>
-            </a:r>
-            <a:r>
-              <a:rPr lang="en-US" dirty="0" err="1" smtClean="0"/>
-              <a:t>Hackverse</a:t>
-            </a:r>
-            <a:r>
-              <a:rPr lang="en-US" dirty="0" smtClean="0"/>
-              <a:t>  made a Heart rate monitoring Device</a:t>
+              <a:t>Internet of Things</a:t>
             </a:r>
           </a:p>
           <a:p>
@@ -5827,34 +7886,22 @@
               <a:buChar char="v"/>
             </a:pPr>
             <a:r>
+              <a:rPr lang="en-US" dirty="0" smtClean="0"/>
+              <a:t>Heart </a:t>
+            </a:r>
+            <a:r>
               <a:rPr lang="en-US" dirty="0"/>
-              <a:t>In this project, we have designed a Heart Rate Monitor System using </a:t>
-            </a:r>
-            <a:r>
-              <a:rPr lang="en-US" dirty="0" err="1"/>
-              <a:t>Arduino</a:t>
-            </a:r>
-            <a:r>
-              <a:rPr lang="en-US" dirty="0"/>
-              <a:t> and </a:t>
+              <a:t>Rate Monitor System using Arduino and </a:t>
             </a:r>
             <a:r>
               <a:rPr lang="en-US" dirty="0" err="1" smtClean="0"/>
-              <a:t>Pulserate</a:t>
-            </a:r>
-            <a:r>
-              <a:rPr lang="en-US" dirty="0"/>
-              <a:t> </a:t>
+              <a:t>Nodemcu</a:t>
             </a:r>
             <a:r>
               <a:rPr lang="en-US" dirty="0" smtClean="0"/>
-              <a:t>Sensor</a:t>
-            </a:r>
-            <a:r>
-              <a:rPr lang="en-US" dirty="0"/>
               <a:t>. </a:t>
             </a:r>
-            <a:endParaRPr lang="en-US" dirty="0" smtClean="0"/>
+            <a:endParaRPr lang="en-US" dirty="0"/>
           </a:p>
           <a:p>
             <a:pPr>
@@ -5863,42 +7910,14 @@
             </a:pPr>
             <a:r>
               <a:rPr lang="en-US" dirty="0" smtClean="0"/>
-              <a:t>We introduce you with </a:t>
-            </a:r>
-            <a:r>
-              <a:rPr lang="en-US" dirty="0"/>
-              <a:t>the </a:t>
-            </a:r>
-            <a:r>
-              <a:rPr lang="en-US" dirty="0" smtClean="0"/>
-              <a:t> </a:t>
-            </a:r>
-            <a:r>
-              <a:rPr lang="en-US" dirty="0"/>
-              <a:t>of Heartbeat Sensor, working of the Heartbeat Sensor and </a:t>
-            </a:r>
-            <a:r>
-              <a:rPr lang="en-US" dirty="0" err="1"/>
-              <a:t>Arduino</a:t>
-            </a:r>
-            <a:r>
-              <a:rPr lang="en-US" dirty="0"/>
-              <a:t> based Heart Rate Monitoring System using a practical heartbeat Sensor</a:t>
-            </a:r>
-            <a:r>
-              <a:rPr lang="en-US" dirty="0" smtClean="0"/>
-              <a:t>.</a:t>
-            </a:r>
-          </a:p>
-          <a:p>
-            <a:pPr>
-              <a:buFont typeface="Wingdings" pitchFamily="2" charset="2"/>
-              <a:buChar char="v"/>
+              <a:t>Heartbeat Sensor</a:t>
+            </a:r>
+            <a:endParaRPr lang="en-US" dirty="0"/>
+          </a:p>
+          <a:p>
+            <a:pPr marL="0" indent="0">
+              <a:buNone/>
             </a:pPr>
-            <a:r>
-              <a:rPr lang="en-US" dirty="0"/>
-              <a:t> </a:t>
-            </a:r>
             <a:endParaRPr lang="en-IN" dirty="0"/>
           </a:p>
         </p:txBody>
@@ -5977,13 +7996,6 @@
   <p:clrMapOvr>
     <a:masterClrMapping/>
   </p:clrMapOvr>
-  <p:timing>
-    <p:tnLst>
-      <p:par>
-        <p:cTn id="1" dur="indefinite" restart="never" nodeType="tmRoot"/>
-      </p:par>
-    </p:tnLst>
-  </p:timing>
 </p:sld>
 </file>
 
@@ -6020,8 +8032,8 @@
         </p:nvSpPr>
         <p:spPr>
           <a:xfrm>
-            <a:off x="1" y="0"/>
-            <a:ext cx="7283394" cy="1144988"/>
+            <a:off x="0" y="0"/>
+            <a:ext cx="12191999" cy="1144988"/>
           </a:xfrm>
           <a:prstGeom prst="rect">
             <a:avLst/>
@@ -6104,10 +8116,9 @@
           <a:p>
             <a:pPr algn="ctr"/>
             <a:r>
-              <a:rPr lang="en-IN" sz="6000" smtClean="0"/>
+              <a:rPr lang="en-IN" sz="6000" dirty="0"/>
               <a:t>TEAM MEMBERS</a:t>
             </a:r>
-            <a:endParaRPr lang="en-IN" sz="6000" dirty="0"/>
           </a:p>
         </p:txBody>
       </p:sp>
@@ -6332,18 +8343,18 @@
               <a:buNone/>
             </a:pPr>
             <a:r>
-              <a:rPr lang="en-IN" sz="2000" dirty="0" err="1" smtClean="0"/>
+              <a:rPr lang="en-IN" sz="2000" dirty="0" err="1"/>
               <a:t>Amit</a:t>
             </a:r>
             <a:r>
-              <a:rPr lang="en-IN" sz="2000" dirty="0" smtClean="0"/>
+              <a:rPr lang="en-IN" sz="2000" dirty="0"/>
               <a:t> </a:t>
             </a:r>
             <a:r>
-              <a:rPr lang="en-IN" sz="2000" dirty="0" err="1" smtClean="0"/>
+              <a:rPr lang="en-IN" sz="2000" dirty="0" err="1"/>
               <a:t>Yadav</a:t>
             </a:r>
-            <a:endParaRPr lang="en-IN" sz="2000" dirty="0" smtClean="0"/>
+            <a:endParaRPr lang="en-IN" sz="2000" dirty="0"/>
           </a:p>
           <a:p>
             <a:pPr>
@@ -6354,10 +8365,10 @@
               <a:buChar char="§"/>
             </a:pPr>
             <a:r>
-              <a:rPr lang="en-IN" sz="2000" dirty="0" err="1" smtClean="0"/>
+              <a:rPr lang="en-IN" sz="2000" dirty="0" err="1"/>
               <a:t>Arduino</a:t>
             </a:r>
-            <a:endParaRPr lang="en-IN" sz="2000" dirty="0" smtClean="0"/>
+            <a:endParaRPr lang="en-IN" sz="2000" dirty="0"/>
           </a:p>
           <a:p>
             <a:pPr>
@@ -6368,10 +8379,10 @@
               <a:buChar char="§"/>
             </a:pPr>
             <a:r>
-              <a:rPr lang="en-IN" sz="2000" dirty="0" err="1" smtClean="0"/>
+              <a:rPr lang="en-IN" sz="2000" dirty="0" err="1"/>
               <a:t>Powerpoint</a:t>
             </a:r>
-            <a:endParaRPr lang="en-IN" sz="2000" dirty="0" smtClean="0"/>
+            <a:endParaRPr lang="en-IN" sz="2000" dirty="0"/>
           </a:p>
           <a:p>
             <a:endParaRPr lang="en-IN" dirty="0"/>
@@ -6622,18 +8633,18 @@
           <a:p>
             <a:pPr algn="l"/>
             <a:r>
-              <a:rPr lang="en-IN" sz="2000" dirty="0" err="1" smtClean="0"/>
+              <a:rPr lang="en-IN" sz="2000" dirty="0" err="1"/>
               <a:t>Ashutosh</a:t>
             </a:r>
             <a:r>
-              <a:rPr lang="en-IN" sz="2000" dirty="0" smtClean="0"/>
+              <a:rPr lang="en-IN" sz="2000" dirty="0"/>
               <a:t> Singh </a:t>
             </a:r>
             <a:r>
-              <a:rPr lang="en-IN" sz="2000" dirty="0" err="1" smtClean="0"/>
+              <a:rPr lang="en-IN" sz="2000" dirty="0" err="1"/>
               <a:t>Dengri</a:t>
             </a:r>
-            <a:endParaRPr lang="en-IN" sz="2000" dirty="0" smtClean="0"/>
+            <a:endParaRPr lang="en-IN" sz="2000" dirty="0"/>
           </a:p>
           <a:p>
             <a:pPr marL="342900" indent="-342900" algn="l">
@@ -6644,11 +8655,11 @@
               <a:buChar char="§"/>
             </a:pPr>
             <a:r>
-              <a:rPr lang="en-IN" sz="2000" dirty="0" err="1" smtClean="0"/>
+              <a:rPr lang="en-IN" sz="2000" dirty="0" err="1"/>
               <a:t>Arduino</a:t>
             </a:r>
             <a:r>
-              <a:rPr lang="en-IN" sz="2000" dirty="0" smtClean="0"/>
+              <a:rPr lang="en-IN" sz="2000" dirty="0"/>
               <a:t>, </a:t>
             </a:r>
           </a:p>
@@ -6661,7 +8672,7 @@
               <a:buChar char="§"/>
             </a:pPr>
             <a:r>
-              <a:rPr lang="en-IN" sz="2000" dirty="0" smtClean="0"/>
+              <a:rPr lang="en-IN" sz="2000" dirty="0"/>
               <a:t>Android studio</a:t>
             </a:r>
           </a:p>
@@ -6670,14 +8681,14 @@
               <a:buFont typeface="Wingdings" pitchFamily="2" charset="2"/>
               <a:buChar char="§"/>
             </a:pPr>
-            <a:endParaRPr lang="en-IN" sz="2000" dirty="0" smtClean="0"/>
+            <a:endParaRPr lang="en-IN" sz="2000" dirty="0"/>
           </a:p>
           <a:p>
             <a:pPr marL="342900" indent="-342900" algn="l">
               <a:buFont typeface="Wingdings" pitchFamily="2" charset="2"/>
               <a:buChar char="§"/>
             </a:pPr>
-            <a:endParaRPr lang="en-IN" sz="2000" dirty="0" smtClean="0">
+            <a:endParaRPr lang="en-IN" sz="2000" dirty="0">
               <a:solidFill>
                 <a:srgbClr val="FF0000"/>
               </a:solidFill>
@@ -6932,16 +8943,16 @@
           </a:lstStyle>
           <a:p>
             <a:pPr algn="l"/>
-            <a:endParaRPr lang="en-IN" sz="2000" dirty="0" smtClean="0"/>
+            <a:endParaRPr lang="en-IN" sz="2000" dirty="0"/>
           </a:p>
           <a:p>
             <a:pPr algn="l"/>
             <a:r>
-              <a:rPr lang="en-IN" sz="2000" dirty="0" err="1" smtClean="0"/>
+              <a:rPr lang="en-IN" sz="2000" dirty="0" err="1"/>
               <a:t>Samyak</a:t>
             </a:r>
             <a:r>
-              <a:rPr lang="en-IN" sz="2000" dirty="0" smtClean="0"/>
+              <a:rPr lang="en-IN" sz="2000" dirty="0"/>
               <a:t> Jain</a:t>
             </a:r>
           </a:p>
@@ -6954,10 +8965,10 @@
               <a:buChar char="§"/>
             </a:pPr>
             <a:r>
-              <a:rPr lang="en-IN" sz="2000" dirty="0" err="1" smtClean="0"/>
+              <a:rPr lang="en-IN" sz="2000" dirty="0" err="1"/>
               <a:t>Arduino</a:t>
             </a:r>
-            <a:endParaRPr lang="en-IN" sz="2000" dirty="0" smtClean="0"/>
+            <a:endParaRPr lang="en-IN" sz="2000" dirty="0"/>
           </a:p>
           <a:p>
             <a:pPr marL="342900" indent="-342900" algn="l">
@@ -6968,7 +8979,7 @@
               <a:buChar char="§"/>
             </a:pPr>
             <a:r>
-              <a:rPr lang="en-IN" sz="2000" dirty="0" smtClean="0"/>
+              <a:rPr lang="en-IN" sz="2000" dirty="0"/>
               <a:t>IOT</a:t>
             </a:r>
           </a:p>
@@ -7221,23 +9232,23 @@
           </a:lstStyle>
           <a:p>
             <a:pPr algn="l"/>
-            <a:endParaRPr lang="en-IN" sz="2000" dirty="0" smtClean="0"/>
+            <a:endParaRPr lang="en-IN" sz="2000" dirty="0"/>
           </a:p>
           <a:p>
             <a:pPr algn="l"/>
             <a:r>
-              <a:rPr lang="en-IN" sz="2000" dirty="0" err="1" smtClean="0"/>
+              <a:rPr lang="en-IN" sz="2000" dirty="0" err="1"/>
               <a:t>Bhagatpreet</a:t>
             </a:r>
             <a:r>
-              <a:rPr lang="en-IN" sz="2000" dirty="0" smtClean="0"/>
+              <a:rPr lang="en-IN" sz="2000" dirty="0"/>
               <a:t>  Singh  </a:t>
             </a:r>
             <a:r>
-              <a:rPr lang="en-IN" sz="2000" dirty="0" err="1" smtClean="0"/>
+              <a:rPr lang="en-IN" sz="2000" dirty="0" err="1"/>
               <a:t>Nagi</a:t>
             </a:r>
-            <a:endParaRPr lang="en-IN" sz="2000" dirty="0" smtClean="0"/>
+            <a:endParaRPr lang="en-IN" sz="2000" dirty="0"/>
           </a:p>
           <a:p>
             <a:pPr marL="342900" indent="-342900" algn="l">
@@ -7248,10 +9259,10 @@
               <a:buChar char="§"/>
             </a:pPr>
             <a:r>
-              <a:rPr lang="en-IN" sz="2000" dirty="0" err="1" smtClean="0"/>
+              <a:rPr lang="en-IN" sz="2000" dirty="0" err="1"/>
               <a:t>Arduino</a:t>
             </a:r>
-            <a:endParaRPr lang="en-IN" sz="2000" dirty="0" smtClean="0"/>
+            <a:endParaRPr lang="en-IN" sz="2000" dirty="0"/>
           </a:p>
           <a:p>
             <a:pPr marL="342900" indent="-342900" algn="l">
@@ -7262,13 +9273,13 @@
               <a:buChar char="§"/>
             </a:pPr>
             <a:r>
-              <a:rPr lang="en-IN" sz="2000" dirty="0" smtClean="0"/>
+              <a:rPr lang="en-IN" sz="2000" dirty="0"/>
               <a:t>Python</a:t>
             </a:r>
           </a:p>
           <a:p>
             <a:pPr algn="l"/>
-            <a:endParaRPr lang="en-IN" sz="2000" dirty="0" smtClean="0"/>
+            <a:endParaRPr lang="en-IN" sz="2000" dirty="0"/>
           </a:p>
           <a:p>
             <a:pPr algn="l"/>
@@ -7519,12 +9530,12 @@
           </a:lstStyle>
           <a:p>
             <a:pPr algn="l"/>
-            <a:endParaRPr lang="en-IN" sz="2000" dirty="0" smtClean="0"/>
+            <a:endParaRPr lang="en-IN" sz="2000" dirty="0"/>
           </a:p>
           <a:p>
             <a:pPr algn="l"/>
             <a:r>
-              <a:rPr lang="en-IN" sz="2000" dirty="0" smtClean="0"/>
+              <a:rPr lang="en-IN" sz="2000" dirty="0"/>
               <a:t>Rajeev  Kumar  </a:t>
             </a:r>
           </a:p>
@@ -7537,7 +9548,7 @@
               <a:buChar char="§"/>
             </a:pPr>
             <a:r>
-              <a:rPr lang="en-IN" sz="2000" dirty="0" smtClean="0"/>
+              <a:rPr lang="en-IN" sz="2000" dirty="0"/>
               <a:t>C</a:t>
             </a:r>
           </a:p>
@@ -7550,7 +9561,7 @@
               <a:buChar char="§"/>
             </a:pPr>
             <a:r>
-              <a:rPr lang="en-IN" sz="2000" dirty="0" smtClean="0"/>
+              <a:rPr lang="en-IN" sz="2000" dirty="0"/>
               <a:t>C++</a:t>
             </a:r>
           </a:p>
@@ -7890,13 +9901,6 @@
   <p:clrMapOvr>
     <a:masterClrMapping/>
   </p:clrMapOvr>
-  <p:timing>
-    <p:tnLst>
-      <p:par>
-        <p:cTn id="1" dur="indefinite" restart="never" nodeType="tmRoot"/>
-      </p:par>
-    </p:tnLst>
-  </p:timing>
 </p:sld>
 </file>
 
@@ -8009,13 +10013,6 @@
   <p:clrMapOvr>
     <a:masterClrMapping/>
   </p:clrMapOvr>
-  <p:timing>
-    <p:tnLst>
-      <p:par>
-        <p:cTn id="1" dur="indefinite" restart="never" nodeType="tmRoot"/>
-      </p:par>
-    </p:tnLst>
-  </p:timing>
 </p:sld>
 </file>
 
@@ -8064,56 +10061,153 @@
           </a:p>
         </p:txBody>
       </p:sp>
-      <p:sp>
-        <p:nvSpPr>
-          <p:cNvPr id="3" name="Content Placeholder 2">
+      <p:pic>
+        <p:nvPicPr>
+          <p:cNvPr id="5" name="Content Placeholder 4">
             <a:extLst>
               <a:ext uri="{FF2B5EF4-FFF2-40B4-BE49-F238E27FC236}">
-                <a16:creationId xmlns:a16="http://schemas.microsoft.com/office/drawing/2014/main" xmlns="" id="{EB2D1584-EF97-4D7C-BF6B-7FFEA949B857}"/>
+                <a16:creationId xmlns:a16="http://schemas.microsoft.com/office/drawing/2014/main" xmlns="" id="{60449155-7B3B-46FA-AFC8-8309763C47B4}"/>
               </a:ext>
             </a:extLst>
           </p:cNvPr>
-          <p:cNvSpPr>
-            <a:spLocks noGrp="1"/>
-          </p:cNvSpPr>
+          <p:cNvPicPr>
+            <a:picLocks noGrp="1" noChangeAspect="1"/>
+          </p:cNvPicPr>
           <p:nvPr>
             <p:ph idx="1"/>
           </p:nvPr>
-        </p:nvSpPr>
-        <p:spPr/>
+        </p:nvPicPr>
+        <p:blipFill>
+          <a:blip r:embed="rId2" cstate="print">
+            <a:extLst>
+              <a:ext uri="{28A0092B-C50C-407E-A947-70E740481C1C}">
+                <a14:useLocalDpi xmlns:a14="http://schemas.microsoft.com/office/drawing/2010/main" val="0"/>
+              </a:ext>
+            </a:extLst>
+          </a:blip>
+          <a:stretch>
+            <a:fillRect/>
+          </a:stretch>
+        </p:blipFill>
+        <p:spPr>
+          <a:xfrm>
+            <a:off x="1175881" y="3429000"/>
+            <a:ext cx="1617626" cy="1818482"/>
+          </a:xfrm>
+        </p:spPr>
+      </p:pic>
+      <p:pic>
+        <p:nvPicPr>
+          <p:cNvPr id="7" name="Picture 6">
+            <a:extLst>
+              <a:ext uri="{FF2B5EF4-FFF2-40B4-BE49-F238E27FC236}">
+                <a16:creationId xmlns:a16="http://schemas.microsoft.com/office/drawing/2014/main" xmlns="" id="{2651493A-1049-4BCB-9663-DE7D4A2C673F}"/>
+              </a:ext>
+            </a:extLst>
+          </p:cNvPr>
+          <p:cNvPicPr>
+            <a:picLocks noChangeAspect="1"/>
+          </p:cNvPicPr>
+          <p:nvPr/>
+        </p:nvPicPr>
+        <p:blipFill>
+          <a:blip r:embed="rId3">
+            <a:extLst>
+              <a:ext uri="{28A0092B-C50C-407E-A947-70E740481C1C}">
+                <a14:useLocalDpi xmlns:a14="http://schemas.microsoft.com/office/drawing/2010/main" val="0"/>
+              </a:ext>
+            </a:extLst>
+          </a:blip>
+          <a:stretch>
+            <a:fillRect/>
+          </a:stretch>
+        </p:blipFill>
+        <p:spPr>
+          <a:xfrm>
+            <a:off x="4722864" y="3429000"/>
+            <a:ext cx="1769728" cy="1769728"/>
+          </a:xfrm>
+          <a:prstGeom prst="rect">
+            <a:avLst/>
+          </a:prstGeom>
+        </p:spPr>
+      </p:pic>
+      <p:pic>
+        <p:nvPicPr>
+          <p:cNvPr id="11" name="Picture 10">
+            <a:extLst>
+              <a:ext uri="{FF2B5EF4-FFF2-40B4-BE49-F238E27FC236}">
+                <a16:creationId xmlns:a16="http://schemas.microsoft.com/office/drawing/2014/main" xmlns="" id="{847DC0EA-10DF-4C5A-8A50-BEE3ACA1B40B}"/>
+              </a:ext>
+            </a:extLst>
+          </p:cNvPr>
+          <p:cNvPicPr>
+            <a:picLocks noChangeAspect="1"/>
+          </p:cNvPicPr>
+          <p:nvPr/>
+        </p:nvPicPr>
+        <p:blipFill>
+          <a:blip r:embed="rId4" cstate="print">
+            <a:extLst>
+              <a:ext uri="{28A0092B-C50C-407E-A947-70E740481C1C}">
+                <a14:useLocalDpi xmlns:a14="http://schemas.microsoft.com/office/drawing/2010/main" val="0"/>
+              </a:ext>
+            </a:extLst>
+          </a:blip>
+          <a:stretch>
+            <a:fillRect/>
+          </a:stretch>
+        </p:blipFill>
+        <p:spPr>
+          <a:xfrm>
+            <a:off x="7812348" y="3677499"/>
+            <a:ext cx="4113321" cy="1086496"/>
+          </a:xfrm>
+          <a:prstGeom prst="rect">
+            <a:avLst/>
+          </a:prstGeom>
+        </p:spPr>
+      </p:pic>
+      <p:sp>
+        <p:nvSpPr>
+          <p:cNvPr id="12" name="TextBox 11">
+            <a:extLst>
+              <a:ext uri="{FF2B5EF4-FFF2-40B4-BE49-F238E27FC236}">
+                <a16:creationId xmlns:a16="http://schemas.microsoft.com/office/drawing/2014/main" xmlns="" id="{9A66C794-B76C-4C7E-A08A-4C469039A621}"/>
+              </a:ext>
+            </a:extLst>
+          </p:cNvPr>
+          <p:cNvSpPr txBox="1"/>
+          <p:nvPr/>
+        </p:nvSpPr>
+        <p:spPr>
+          <a:xfrm>
+            <a:off x="-8878" y="5690586"/>
+            <a:ext cx="12192000" cy="584775"/>
+          </a:xfrm>
+          <a:prstGeom prst="rect">
+            <a:avLst/>
+          </a:prstGeom>
+          <a:noFill/>
+        </p:spPr>
         <p:txBody>
-          <a:bodyPr/>
+          <a:bodyPr wrap="square" rtlCol="0">
+            <a:spAutoFit/>
+          </a:bodyPr>
           <a:lstStyle/>
           <a:p>
             <a:r>
-              <a:rPr lang="en-IN" dirty="0" err="1" smtClean="0"/>
-              <a:t>Arduino</a:t>
-            </a:r>
-            <a:r>
-              <a:rPr lang="en-IN" dirty="0" smtClean="0"/>
-              <a:t> IDLE</a:t>
-            </a:r>
-          </a:p>
-          <a:p>
-            <a:r>
-              <a:rPr lang="en-IN" dirty="0" smtClean="0"/>
-              <a:t>C++</a:t>
-            </a:r>
-          </a:p>
-          <a:p>
-            <a:r>
-              <a:rPr lang="en-IN" dirty="0" smtClean="0"/>
-              <a:t>IFTTT</a:t>
-            </a:r>
-          </a:p>
-          <a:p>
-            <a:endParaRPr lang="en-IN" dirty="0" smtClean="0"/>
-          </a:p>
-          <a:p>
-            <a:pPr marL="0" indent="0">
-              <a:buNone/>
-            </a:pPr>
-            <a:endParaRPr lang="en-IN" dirty="0"/>
+              <a:rPr lang="en-IN" sz="3200" b="1" dirty="0"/>
+              <a:t>			C++					   </a:t>
+            </a:r>
+            <a:r>
+              <a:rPr lang="en-IN" sz="3200" b="1" dirty="0" err="1"/>
+              <a:t>Ardunio</a:t>
+            </a:r>
+            <a:r>
+              <a:rPr lang="en-IN" sz="3200" b="1" dirty="0"/>
+              <a:t> IDE					 	  IFTTT</a:t>
+            </a:r>
           </a:p>
         </p:txBody>
       </p:sp>
@@ -8127,13 +10221,6 @@
   <p:clrMapOvr>
     <a:masterClrMapping/>
   </p:clrMapOvr>
-  <p:timing>
-    <p:tnLst>
-      <p:par>
-        <p:cTn id="1" dur="indefinite" restart="never" nodeType="tmRoot"/>
-      </p:par>
-    </p:tnLst>
-  </p:timing>
 </p:sld>
 </file>
 
@@ -8198,91 +10285,381 @@
             <p:ph idx="1"/>
           </p:nvPr>
         </p:nvSpPr>
-        <p:spPr/>
+        <p:spPr>
+          <a:xfrm>
+            <a:off x="818712" y="2222287"/>
+            <a:ext cx="5277288" cy="3636511"/>
+          </a:xfrm>
+        </p:spPr>
         <p:txBody>
-          <a:bodyPr/>
+          <a:bodyPr>
+            <a:normAutofit/>
+          </a:bodyPr>
           <a:lstStyle/>
           <a:p>
+            <a:pPr marL="0" indent="0">
+              <a:buNone/>
+            </a:pPr>
             <a:r>
               <a:rPr lang="en-US" dirty="0"/>
-              <a:t>For this project we </a:t>
-            </a:r>
-            <a:r>
-              <a:rPr lang="en-US" dirty="0" smtClean="0"/>
-              <a:t>need– </a:t>
-            </a:r>
-          </a:p>
-          <a:p>
-            <a:r>
-              <a:rPr lang="en-US" dirty="0" smtClean="0"/>
-              <a:t>1.Arduino </a:t>
-            </a:r>
+              <a:t>	1. Arduino Uno</a:t>
+            </a:r>
+          </a:p>
+          <a:p>
+            <a:pPr marL="0" indent="0">
+              <a:buNone/>
+            </a:pPr>
+            <a:endParaRPr lang="en-US" dirty="0"/>
+          </a:p>
+          <a:p>
+            <a:pPr marL="0" indent="0">
+              <a:buNone/>
+            </a:pPr>
+            <a:endParaRPr lang="en-US" dirty="0"/>
+          </a:p>
+          <a:p>
+            <a:pPr marL="0" indent="0">
+              <a:buNone/>
+            </a:pPr>
             <a:r>
               <a:rPr lang="en-US" dirty="0"/>
-              <a:t>Uno </a:t>
-            </a:r>
-            <a:endParaRPr lang="en-US" dirty="0" smtClean="0"/>
-          </a:p>
-          <a:p>
-            <a:r>
-              <a:rPr lang="en-US" dirty="0" smtClean="0"/>
-              <a:t>2.Heart </a:t>
-            </a:r>
+              <a:t>	2. Heart beat sensor </a:t>
+            </a:r>
+          </a:p>
+          <a:p>
+            <a:pPr marL="0" indent="0">
+              <a:buNone/>
+            </a:pPr>
+            <a:endParaRPr lang="en-US" dirty="0"/>
+          </a:p>
+          <a:p>
+            <a:pPr marL="0" indent="0">
+              <a:buNone/>
+            </a:pPr>
+            <a:endParaRPr lang="en-US" dirty="0"/>
+          </a:p>
+          <a:p>
+            <a:pPr marL="0" indent="0">
+              <a:buNone/>
+            </a:pPr>
             <a:r>
               <a:rPr lang="en-US" dirty="0"/>
-              <a:t>beat sensor </a:t>
-            </a:r>
-            <a:endParaRPr lang="en-US" dirty="0" smtClean="0"/>
-          </a:p>
-          <a:p>
-            <a:r>
-              <a:rPr lang="en-US" dirty="0" smtClean="0"/>
-              <a:t>3.Bread </a:t>
-            </a:r>
+              <a:t>	3. Bread Board</a:t>
+            </a:r>
+            <a:endParaRPr lang="en-IN" dirty="0"/>
+          </a:p>
+        </p:txBody>
+      </p:sp>
+      <p:sp>
+        <p:nvSpPr>
+          <p:cNvPr id="4" name="TextBox 3">
+            <a:extLst>
+              <a:ext uri="{FF2B5EF4-FFF2-40B4-BE49-F238E27FC236}">
+                <a16:creationId xmlns:a16="http://schemas.microsoft.com/office/drawing/2014/main" xmlns="" id="{8F650237-042C-4D65-9F25-813CEE4F98D6}"/>
+              </a:ext>
+            </a:extLst>
+          </p:cNvPr>
+          <p:cNvSpPr txBox="1"/>
+          <p:nvPr/>
+        </p:nvSpPr>
+        <p:spPr>
+          <a:xfrm>
+            <a:off x="6095999" y="2250690"/>
+            <a:ext cx="5356195" cy="3693319"/>
+          </a:xfrm>
+          <a:prstGeom prst="rect">
+            <a:avLst/>
+          </a:prstGeom>
+          <a:noFill/>
+        </p:spPr>
+        <p:txBody>
+          <a:bodyPr wrap="square" rtlCol="0">
+            <a:spAutoFit/>
+          </a:bodyPr>
+          <a:lstStyle/>
+          <a:p>
             <a:r>
               <a:rPr lang="en-US" dirty="0"/>
-              <a:t>Board </a:t>
-            </a:r>
-            <a:endParaRPr lang="en-US" dirty="0" smtClean="0"/>
-          </a:p>
-          <a:p>
-            <a:r>
-              <a:rPr lang="en-US" dirty="0" smtClean="0"/>
-              <a:t>4.Jumper </a:t>
-            </a:r>
+              <a:t>	</a:t>
+            </a:r>
+          </a:p>
+          <a:p>
             <a:r>
               <a:rPr lang="en-US" dirty="0"/>
-              <a:t>Wire </a:t>
-            </a:r>
-            <a:endParaRPr lang="en-US" dirty="0" smtClean="0"/>
-          </a:p>
-          <a:p>
-            <a:r>
-              <a:rPr lang="en-US" dirty="0" smtClean="0"/>
-              <a:t>5.16x2 </a:t>
-            </a:r>
+              <a:t>	4. Jumper Wire </a:t>
+            </a:r>
+          </a:p>
+          <a:p>
+            <a:endParaRPr lang="en-US" dirty="0"/>
+          </a:p>
+          <a:p>
+            <a:endParaRPr lang="en-US" dirty="0"/>
+          </a:p>
+          <a:p>
             <a:r>
               <a:rPr lang="en-US" dirty="0"/>
-              <a:t>LCD </a:t>
-            </a:r>
-            <a:r>
-              <a:rPr lang="en-US" dirty="0" smtClean="0"/>
-              <a:t>Display</a:t>
-            </a:r>
-          </a:p>
-          <a:p>
-            <a:r>
-              <a:rPr lang="en-US" dirty="0" err="1" smtClean="0"/>
+              <a:t>	</a:t>
+            </a:r>
+          </a:p>
+          <a:p>
+            <a:endParaRPr lang="en-US" dirty="0"/>
+          </a:p>
+          <a:p>
+            <a:r>
+              <a:rPr lang="en-US" dirty="0"/>
+              <a:t>	5. 16x2 LCD Display</a:t>
+            </a:r>
+          </a:p>
+          <a:p>
+            <a:endParaRPr lang="en-US" dirty="0"/>
+          </a:p>
+          <a:p>
+            <a:endParaRPr lang="en-US" dirty="0"/>
+          </a:p>
+          <a:p>
+            <a:r>
+              <a:rPr lang="en-US" dirty="0"/>
+              <a:t>	</a:t>
+            </a:r>
+          </a:p>
+          <a:p>
+            <a:r>
+              <a:rPr lang="en-US" dirty="0"/>
+              <a:t>	6. </a:t>
+            </a:r>
+            <a:r>
+              <a:rPr lang="en-US" dirty="0" err="1"/>
               <a:t>Nodemcu</a:t>
             </a:r>
             <a:r>
-              <a:rPr lang="en-US" dirty="0" smtClean="0"/>
-              <a:t> ESP8266</a:t>
-            </a:r>
+              <a:rPr lang="en-US" dirty="0"/>
+              <a:t> ESP8266	</a:t>
+            </a:r>
+          </a:p>
+          <a:p>
+            <a:endParaRPr lang="en-US" dirty="0"/>
+          </a:p>
+          <a:p>
             <a:endParaRPr lang="en-IN" dirty="0"/>
           </a:p>
         </p:txBody>
       </p:sp>
+      <p:pic>
+        <p:nvPicPr>
+          <p:cNvPr id="6" name="Picture 5">
+            <a:extLst>
+              <a:ext uri="{FF2B5EF4-FFF2-40B4-BE49-F238E27FC236}">
+                <a16:creationId xmlns:a16="http://schemas.microsoft.com/office/drawing/2014/main" xmlns="" id="{1613BD83-B6A7-401A-8526-19B5DBD4BAE4}"/>
+              </a:ext>
+            </a:extLst>
+          </p:cNvPr>
+          <p:cNvPicPr>
+            <a:picLocks noChangeAspect="1"/>
+          </p:cNvPicPr>
+          <p:nvPr/>
+        </p:nvPicPr>
+        <p:blipFill>
+          <a:blip r:embed="rId2" cstate="print">
+            <a:extLst>
+              <a:ext uri="{28A0092B-C50C-407E-A947-70E740481C1C}">
+                <a14:useLocalDpi xmlns:a14="http://schemas.microsoft.com/office/drawing/2010/main" val="0"/>
+              </a:ext>
+            </a:extLst>
+          </a:blip>
+          <a:stretch>
+            <a:fillRect/>
+          </a:stretch>
+        </p:blipFill>
+        <p:spPr>
+          <a:xfrm>
+            <a:off x="1646312" y="3028396"/>
+            <a:ext cx="801208" cy="801208"/>
+          </a:xfrm>
+          <a:prstGeom prst="rect">
+            <a:avLst/>
+          </a:prstGeom>
+        </p:spPr>
+      </p:pic>
+      <p:pic>
+        <p:nvPicPr>
+          <p:cNvPr id="8" name="Picture 7">
+            <a:extLst>
+              <a:ext uri="{FF2B5EF4-FFF2-40B4-BE49-F238E27FC236}">
+                <a16:creationId xmlns:a16="http://schemas.microsoft.com/office/drawing/2014/main" xmlns="" id="{7662B44C-6A46-4B39-A803-029A17AC978E}"/>
+              </a:ext>
+            </a:extLst>
+          </p:cNvPr>
+          <p:cNvPicPr>
+            <a:picLocks noChangeAspect="1"/>
+          </p:cNvPicPr>
+          <p:nvPr/>
+        </p:nvPicPr>
+        <p:blipFill>
+          <a:blip r:embed="rId3" cstate="print">
+            <a:extLst>
+              <a:ext uri="{28A0092B-C50C-407E-A947-70E740481C1C}">
+                <a14:useLocalDpi xmlns:a14="http://schemas.microsoft.com/office/drawing/2010/main" val="0"/>
+              </a:ext>
+            </a:extLst>
+          </a:blip>
+          <a:stretch>
+            <a:fillRect/>
+          </a:stretch>
+        </p:blipFill>
+        <p:spPr>
+          <a:xfrm>
+            <a:off x="1644000" y="4233649"/>
+            <a:ext cx="801208" cy="801208"/>
+          </a:xfrm>
+          <a:prstGeom prst="rect">
+            <a:avLst/>
+          </a:prstGeom>
+        </p:spPr>
+      </p:pic>
+      <p:pic>
+        <p:nvPicPr>
+          <p:cNvPr id="10" name="Picture 9">
+            <a:extLst>
+              <a:ext uri="{FF2B5EF4-FFF2-40B4-BE49-F238E27FC236}">
+                <a16:creationId xmlns:a16="http://schemas.microsoft.com/office/drawing/2014/main" xmlns="" id="{81B2DD31-0FA6-4BE5-9581-40AAF8BD4981}"/>
+              </a:ext>
+            </a:extLst>
+          </p:cNvPr>
+          <p:cNvPicPr>
+            <a:picLocks noChangeAspect="1"/>
+          </p:cNvPicPr>
+          <p:nvPr/>
+        </p:nvPicPr>
+        <p:blipFill>
+          <a:blip r:embed="rId4" cstate="print">
+            <a:extLst>
+              <a:ext uri="{28A0092B-C50C-407E-A947-70E740481C1C}">
+                <a14:useLocalDpi xmlns:a14="http://schemas.microsoft.com/office/drawing/2010/main" val="0"/>
+              </a:ext>
+            </a:extLst>
+          </a:blip>
+          <a:stretch>
+            <a:fillRect/>
+          </a:stretch>
+        </p:blipFill>
+        <p:spPr>
+          <a:xfrm>
+            <a:off x="1643999" y="5486596"/>
+            <a:ext cx="801209" cy="801209"/>
+          </a:xfrm>
+          <a:prstGeom prst="rect">
+            <a:avLst/>
+          </a:prstGeom>
+        </p:spPr>
+      </p:pic>
+      <p:pic>
+        <p:nvPicPr>
+          <p:cNvPr id="12" name="Picture 11">
+            <a:extLst>
+              <a:ext uri="{FF2B5EF4-FFF2-40B4-BE49-F238E27FC236}">
+                <a16:creationId xmlns:a16="http://schemas.microsoft.com/office/drawing/2014/main" xmlns="" id="{033BAF52-C796-4C71-BE4E-49B54BE13A1E}"/>
+              </a:ext>
+            </a:extLst>
+          </p:cNvPr>
+          <p:cNvPicPr>
+            <a:picLocks noChangeAspect="1"/>
+          </p:cNvPicPr>
+          <p:nvPr/>
+        </p:nvPicPr>
+        <p:blipFill>
+          <a:blip r:embed="rId5">
+            <a:extLst>
+              <a:ext uri="{28A0092B-C50C-407E-A947-70E740481C1C}">
+                <a14:useLocalDpi xmlns:a14="http://schemas.microsoft.com/office/drawing/2010/main" val="0"/>
+              </a:ext>
+            </a:extLst>
+          </a:blip>
+          <a:stretch>
+            <a:fillRect/>
+          </a:stretch>
+        </p:blipFill>
+        <p:spPr>
+          <a:xfrm>
+            <a:off x="6921288" y="2916822"/>
+            <a:ext cx="797181" cy="823402"/>
+          </a:xfrm>
+          <a:prstGeom prst="rect">
+            <a:avLst/>
+          </a:prstGeom>
+        </p:spPr>
+      </p:pic>
+      <p:pic>
+        <p:nvPicPr>
+          <p:cNvPr id="14" name="Picture 13">
+            <a:extLst>
+              <a:ext uri="{FF2B5EF4-FFF2-40B4-BE49-F238E27FC236}">
+                <a16:creationId xmlns:a16="http://schemas.microsoft.com/office/drawing/2014/main" xmlns="" id="{6B169CC5-0A6A-4C71-8594-95D0549B6C9C}"/>
+              </a:ext>
+            </a:extLst>
+          </p:cNvPr>
+          <p:cNvPicPr>
+            <a:picLocks noChangeAspect="1"/>
+          </p:cNvPicPr>
+          <p:nvPr/>
+        </p:nvPicPr>
+        <p:blipFill>
+          <a:blip r:embed="rId6" cstate="print">
+            <a:extLst>
+              <a:ext uri="{28A0092B-C50C-407E-A947-70E740481C1C}">
+                <a14:useLocalDpi xmlns:a14="http://schemas.microsoft.com/office/drawing/2010/main" val="0"/>
+              </a:ext>
+            </a:extLst>
+          </a:blip>
+          <a:stretch>
+            <a:fillRect/>
+          </a:stretch>
+        </p:blipFill>
+        <p:spPr>
+          <a:xfrm>
+            <a:off x="6921288" y="4237675"/>
+            <a:ext cx="797181" cy="797182"/>
+          </a:xfrm>
+          <a:prstGeom prst="rect">
+            <a:avLst/>
+          </a:prstGeom>
+        </p:spPr>
+      </p:pic>
+      <p:pic>
+        <p:nvPicPr>
+          <p:cNvPr id="16" name="Picture 15">
+            <a:extLst>
+              <a:ext uri="{FF2B5EF4-FFF2-40B4-BE49-F238E27FC236}">
+                <a16:creationId xmlns:a16="http://schemas.microsoft.com/office/drawing/2014/main" xmlns="" id="{7855567D-0E06-430B-97B7-4B8F5DE08B97}"/>
+              </a:ext>
+            </a:extLst>
+          </p:cNvPr>
+          <p:cNvPicPr>
+            <a:picLocks noChangeAspect="1"/>
+          </p:cNvPicPr>
+          <p:nvPr/>
+        </p:nvPicPr>
+        <p:blipFill>
+          <a:blip r:embed="rId7">
+            <a:extLst>
+              <a:ext uri="{28A0092B-C50C-407E-A947-70E740481C1C}">
+                <a14:useLocalDpi xmlns:a14="http://schemas.microsoft.com/office/drawing/2010/main" val="0"/>
+              </a:ext>
+            </a:extLst>
+          </a:blip>
+          <a:stretch>
+            <a:fillRect/>
+          </a:stretch>
+        </p:blipFill>
+        <p:spPr>
+          <a:xfrm>
+            <a:off x="6921288" y="5344545"/>
+            <a:ext cx="797182" cy="848189"/>
+          </a:xfrm>
+          <a:prstGeom prst="rect">
+            <a:avLst/>
+          </a:prstGeom>
+        </p:spPr>
+      </p:pic>
     </p:spTree>
     <p:extLst>
       <p:ext uri="{BB962C8B-B14F-4D97-AF65-F5344CB8AC3E}">
@@ -8293,13 +10670,6 @@
   <p:clrMapOvr>
     <a:masterClrMapping/>
   </p:clrMapOvr>
-  <p:timing>
-    <p:tnLst>
-      <p:par>
-        <p:cTn id="1" dur="indefinite" restart="never" nodeType="tmRoot"/>
-      </p:par>
-    </p:tnLst>
-  </p:timing>
 </p:sld>
 </file>
 
@@ -8343,65 +10713,449 @@
           <a:p>
             <a:r>
               <a:rPr lang="en-IN" dirty="0"/>
-              <a:t>P</a:t>
-            </a:r>
-            <a:r>
-              <a:rPr lang="en-IN" dirty="0" smtClean="0"/>
-              <a:t>roblem</a:t>
-            </a:r>
-            <a:endParaRPr lang="en-IN" dirty="0"/>
+              <a:t>Problem</a:t>
+            </a:r>
           </a:p>
         </p:txBody>
       </p:sp>
-      <p:sp>
-        <p:nvSpPr>
-          <p:cNvPr id="3" name="Content Placeholder 2">
+      <p:pic>
+        <p:nvPicPr>
+          <p:cNvPr id="1026" name="Picture 2"/>
+          <p:cNvPicPr>
+            <a:picLocks noChangeAspect="1" noChangeArrowheads="1"/>
+          </p:cNvPicPr>
+          <p:nvPr/>
+        </p:nvPicPr>
+        <p:blipFill>
+          <a:blip r:embed="rId2">
+            <a:extLst>
+              <a:ext uri="{28A0092B-C50C-407E-A947-70E740481C1C}">
+                <a14:useLocalDpi xmlns:a14="http://schemas.microsoft.com/office/drawing/2010/main" val="0"/>
+              </a:ext>
+            </a:extLst>
+          </a:blip>
+          <a:srcRect/>
+          <a:stretch>
+            <a:fillRect/>
+          </a:stretch>
+        </p:blipFill>
+        <p:spPr bwMode="auto">
+          <a:xfrm>
+            <a:off x="4396492" y="4540458"/>
+            <a:ext cx="2998221" cy="2005119"/>
+          </a:xfrm>
+          <a:prstGeom prst="ellipse">
+            <a:avLst/>
+          </a:prstGeom>
+          <a:ln w="63500" cap="rnd">
+            <a:solidFill>
+              <a:srgbClr val="333333"/>
+            </a:solidFill>
+          </a:ln>
+          <a:effectLst>
+            <a:outerShdw blurRad="381000" dist="292100" dir="5400000" sx="-80000" sy="-18000" rotWithShape="0">
+              <a:srgbClr val="000000">
+                <a:alpha val="22000"/>
+              </a:srgbClr>
+            </a:outerShdw>
+          </a:effectLst>
+          <a:scene3d>
+            <a:camera prst="orthographicFront"/>
+            <a:lightRig rig="contrasting" dir="t">
+              <a:rot lat="0" lon="0" rev="3000000"/>
+            </a:lightRig>
+          </a:scene3d>
+          <a:sp3d contourW="7620">
+            <a:bevelT w="95250" h="31750"/>
+            <a:contourClr>
+              <a:srgbClr val="333333"/>
+            </a:contourClr>
+          </a:sp3d>
+          <a:extLst>
+            <a:ext uri="{909E8E84-426E-40DD-AFC4-6F175D3DCCD1}">
+              <a14:hiddenFill xmlns:a14="http://schemas.microsoft.com/office/drawing/2010/main">
+                <a:solidFill>
+                  <a:schemeClr val="accent1"/>
+                </a:solidFill>
+              </a14:hiddenFill>
+            </a:ext>
+            <a:ext uri="{91240B29-F687-4F45-9708-019B960494DF}">
+              <a14:hiddenLine xmlns:a14="http://schemas.microsoft.com/office/drawing/2010/main" w="9525">
+                <a:solidFill>
+                  <a:schemeClr val="tx1"/>
+                </a:solidFill>
+                <a:miter lim="800000"/>
+                <a:headEnd/>
+                <a:tailEnd/>
+              </a14:hiddenLine>
+            </a:ext>
+            <a:ext uri="{AF507438-7753-43E0-B8FC-AC1667EBCBE1}">
+              <a14:hiddenEffects xmlns:a14="http://schemas.microsoft.com/office/drawing/2010/main">
+                <a:effectLst>
+                  <a:outerShdw dist="35921" dir="2700000" algn="ctr" rotWithShape="0">
+                    <a:schemeClr val="bg2"/>
+                  </a:outerShdw>
+                </a:effectLst>
+              </a14:hiddenEffects>
+            </a:ext>
+          </a:extLst>
+        </p:spPr>
+      </p:pic>
+      <p:sp>
+        <p:nvSpPr>
+          <p:cNvPr id="8" name="Content Placeholder 2">
             <a:extLst>
               <a:ext uri="{FF2B5EF4-FFF2-40B4-BE49-F238E27FC236}">
                 <a16:creationId xmlns:a16="http://schemas.microsoft.com/office/drawing/2014/main" xmlns="" id="{A089B21F-9E1E-4CA7-8FEC-D0D19E33EBCD}"/>
               </a:ext>
             </a:extLst>
           </p:cNvPr>
-          <p:cNvSpPr>
-            <a:spLocks noGrp="1"/>
-          </p:cNvSpPr>
-          <p:nvPr>
-            <p:ph idx="1"/>
-          </p:nvPr>
+          <p:cNvSpPr txBox="1">
+            <a:spLocks/>
+          </p:cNvSpPr>
+          <p:nvPr/>
         </p:nvSpPr>
         <p:spPr>
           <a:xfrm>
-            <a:off x="818712" y="2222287"/>
-            <a:ext cx="10554574" cy="1912391"/>
+            <a:off x="1270253" y="2776992"/>
+            <a:ext cx="7595449" cy="1938792"/>
           </a:xfrm>
+          <a:prstGeom prst="rect">
+            <a:avLst/>
+          </a:prstGeom>
+          <a:effectLst>
+            <a:outerShdw blurRad="50800" dir="14400000">
+              <a:srgbClr val="000000">
+                <a:alpha val="40000"/>
+              </a:srgbClr>
+            </a:outerShdw>
+          </a:effectLst>
         </p:spPr>
         <p:txBody>
-          <a:bodyPr/>
-          <a:lstStyle/>
-          <a:p>
-            <a:endParaRPr lang="en-IN" dirty="0" smtClean="0"/>
-          </a:p>
-          <a:p>
-            <a:r>
-              <a:rPr lang="en-IN" sz="2400" dirty="0" smtClean="0"/>
+          <a:bodyPr vert="horz" lIns="91440" tIns="45720" rIns="91440" bIns="45720" rtlCol="0" anchor="ctr">
+            <a:normAutofit fontScale="25000" lnSpcReduction="20000"/>
+            <a:scene3d>
+              <a:camera prst="orthographicFront"/>
+              <a:lightRig rig="balanced" dir="t">
+                <a:rot lat="0" lon="0" rev="2100000"/>
+              </a:lightRig>
+            </a:scene3d>
+            <a:sp3d extrusionH="57150" prstMaterial="metal">
+              <a:bevelT w="38100" h="25400"/>
+              <a:contourClr>
+                <a:schemeClr val="bg2"/>
+              </a:contourClr>
+            </a:sp3d>
+          </a:bodyPr>
+          <a:lstStyle>
+            <a:lvl1pPr marL="342900" indent="-342900" algn="l" defTabSz="457200" rtl="0" eaLnBrk="1" latinLnBrk="0" hangingPunct="1">
+              <a:spcBef>
+                <a:spcPct val="20000"/>
+              </a:spcBef>
+              <a:spcAft>
+                <a:spcPts val="600"/>
+              </a:spcAft>
+              <a:buClr>
+                <a:schemeClr val="accent1"/>
+              </a:buClr>
+              <a:buFont typeface="Wingdings 2" charset="2"/>
+              <a:buChar char=""/>
+              <a:defRPr sz="1800" kern="1200">
+                <a:solidFill>
+                  <a:schemeClr val="tx1"/>
+                </a:solidFill>
+                <a:latin typeface="+mn-lt"/>
+                <a:ea typeface="+mn-ea"/>
+                <a:cs typeface="+mn-cs"/>
+              </a:defRPr>
+            </a:lvl1pPr>
+            <a:lvl2pPr marL="742950" indent="-285750" algn="l" defTabSz="457200" rtl="0" eaLnBrk="1" latinLnBrk="0" hangingPunct="1">
+              <a:spcBef>
+                <a:spcPct val="20000"/>
+              </a:spcBef>
+              <a:spcAft>
+                <a:spcPts val="600"/>
+              </a:spcAft>
+              <a:buClr>
+                <a:schemeClr val="accent1"/>
+              </a:buClr>
+              <a:buFont typeface="Wingdings 2" charset="2"/>
+              <a:buChar char=""/>
+              <a:defRPr sz="1600" kern="1200">
+                <a:solidFill>
+                  <a:schemeClr val="tx1"/>
+                </a:solidFill>
+                <a:latin typeface="+mn-lt"/>
+                <a:ea typeface="+mn-ea"/>
+                <a:cs typeface="+mn-cs"/>
+              </a:defRPr>
+            </a:lvl2pPr>
+            <a:lvl3pPr marL="1143000" indent="-228600" algn="l" defTabSz="457200" rtl="0" eaLnBrk="1" latinLnBrk="0" hangingPunct="1">
+              <a:spcBef>
+                <a:spcPct val="20000"/>
+              </a:spcBef>
+              <a:spcAft>
+                <a:spcPts val="600"/>
+              </a:spcAft>
+              <a:buClr>
+                <a:schemeClr val="accent1"/>
+              </a:buClr>
+              <a:buFont typeface="Wingdings 2" charset="2"/>
+              <a:buChar char=""/>
+              <a:defRPr sz="1400" kern="1200">
+                <a:solidFill>
+                  <a:schemeClr val="tx1"/>
+                </a:solidFill>
+                <a:latin typeface="+mn-lt"/>
+                <a:ea typeface="+mn-ea"/>
+                <a:cs typeface="+mn-cs"/>
+              </a:defRPr>
+            </a:lvl3pPr>
+            <a:lvl4pPr marL="1600200" indent="-228600" algn="l" defTabSz="457200" rtl="0" eaLnBrk="1" latinLnBrk="0" hangingPunct="1">
+              <a:spcBef>
+                <a:spcPct val="20000"/>
+              </a:spcBef>
+              <a:spcAft>
+                <a:spcPts val="600"/>
+              </a:spcAft>
+              <a:buClr>
+                <a:schemeClr val="accent1"/>
+              </a:buClr>
+              <a:buFont typeface="Wingdings 2" charset="2"/>
+              <a:buChar char=""/>
+              <a:defRPr sz="1200" kern="1200">
+                <a:solidFill>
+                  <a:schemeClr val="tx1"/>
+                </a:solidFill>
+                <a:latin typeface="+mn-lt"/>
+                <a:ea typeface="+mn-ea"/>
+                <a:cs typeface="+mn-cs"/>
+              </a:defRPr>
+            </a:lvl4pPr>
+            <a:lvl5pPr marL="2057400" indent="-228600" algn="l" defTabSz="457200" rtl="0" eaLnBrk="1" latinLnBrk="0" hangingPunct="1">
+              <a:spcBef>
+                <a:spcPct val="20000"/>
+              </a:spcBef>
+              <a:spcAft>
+                <a:spcPts val="600"/>
+              </a:spcAft>
+              <a:buClr>
+                <a:schemeClr val="accent1"/>
+              </a:buClr>
+              <a:buFont typeface="Wingdings 2" charset="2"/>
+              <a:buChar char=""/>
+              <a:defRPr sz="1200" kern="1200">
+                <a:solidFill>
+                  <a:schemeClr val="tx1"/>
+                </a:solidFill>
+                <a:latin typeface="+mn-lt"/>
+                <a:ea typeface="+mn-ea"/>
+                <a:cs typeface="+mn-cs"/>
+              </a:defRPr>
+            </a:lvl5pPr>
+            <a:lvl6pPr marL="2400000" indent="-228600" algn="l" defTabSz="457200" rtl="0" eaLnBrk="1" latinLnBrk="0" hangingPunct="1">
+              <a:spcBef>
+                <a:spcPct val="20000"/>
+              </a:spcBef>
+              <a:spcAft>
+                <a:spcPts val="600"/>
+              </a:spcAft>
+              <a:buClr>
+                <a:schemeClr val="accent1"/>
+              </a:buClr>
+              <a:buFont typeface="Wingdings 2" charset="2"/>
+              <a:buChar char=""/>
+              <a:defRPr sz="1200" kern="1200">
+                <a:solidFill>
+                  <a:schemeClr val="tx1"/>
+                </a:solidFill>
+                <a:latin typeface="+mn-lt"/>
+                <a:ea typeface="+mn-ea"/>
+                <a:cs typeface="+mn-cs"/>
+              </a:defRPr>
+            </a:lvl6pPr>
+            <a:lvl7pPr marL="2800000" indent="-228600" algn="l" defTabSz="457200" rtl="0" eaLnBrk="1" latinLnBrk="0" hangingPunct="1">
+              <a:spcBef>
+                <a:spcPct val="20000"/>
+              </a:spcBef>
+              <a:spcAft>
+                <a:spcPts val="600"/>
+              </a:spcAft>
+              <a:buClr>
+                <a:schemeClr val="accent1"/>
+              </a:buClr>
+              <a:buFont typeface="Wingdings 2" charset="2"/>
+              <a:buChar char=""/>
+              <a:defRPr sz="1200" kern="1200">
+                <a:solidFill>
+                  <a:schemeClr val="tx1"/>
+                </a:solidFill>
+                <a:latin typeface="+mn-lt"/>
+                <a:ea typeface="+mn-ea"/>
+                <a:cs typeface="+mn-cs"/>
+              </a:defRPr>
+            </a:lvl7pPr>
+            <a:lvl8pPr marL="3200000" indent="-228600" algn="l" defTabSz="457200" rtl="0" eaLnBrk="1" latinLnBrk="0" hangingPunct="1">
+              <a:spcBef>
+                <a:spcPct val="20000"/>
+              </a:spcBef>
+              <a:spcAft>
+                <a:spcPts val="600"/>
+              </a:spcAft>
+              <a:buClr>
+                <a:schemeClr val="accent1"/>
+              </a:buClr>
+              <a:buFont typeface="Wingdings 2" charset="2"/>
+              <a:buChar char=""/>
+              <a:defRPr sz="1200" kern="1200">
+                <a:solidFill>
+                  <a:schemeClr val="tx1"/>
+                </a:solidFill>
+                <a:latin typeface="+mn-lt"/>
+                <a:ea typeface="+mn-ea"/>
+                <a:cs typeface="+mn-cs"/>
+              </a:defRPr>
+            </a:lvl8pPr>
+            <a:lvl9pPr marL="3600000" indent="-228600" algn="l" defTabSz="457200" rtl="0" eaLnBrk="1" latinLnBrk="0" hangingPunct="1">
+              <a:spcBef>
+                <a:spcPct val="20000"/>
+              </a:spcBef>
+              <a:spcAft>
+                <a:spcPts val="600"/>
+              </a:spcAft>
+              <a:buClr>
+                <a:schemeClr val="accent1"/>
+              </a:buClr>
+              <a:buFont typeface="Wingdings 2" charset="2"/>
+              <a:buChar char=""/>
+              <a:defRPr sz="1200" kern="1200">
+                <a:solidFill>
+                  <a:schemeClr val="tx1"/>
+                </a:solidFill>
+                <a:latin typeface="+mn-lt"/>
+                <a:ea typeface="+mn-ea"/>
+                <a:cs typeface="+mn-cs"/>
+              </a:defRPr>
+            </a:lvl9pPr>
+          </a:lstStyle>
+          <a:p>
+            <a:pPr>
+              <a:lnSpc>
+                <a:spcPct val="170000"/>
+              </a:lnSpc>
+            </a:pPr>
+            <a:endParaRPr lang="en-IN" b="1" dirty="0" smtClean="0">
+              <a:ln w="50800"/>
+              <a:solidFill>
+                <a:schemeClr val="bg1">
+                  <a:shade val="50000"/>
+                </a:schemeClr>
+              </a:solidFill>
+            </a:endParaRPr>
+          </a:p>
+          <a:p>
+            <a:pPr>
+              <a:lnSpc>
+                <a:spcPct val="170000"/>
+              </a:lnSpc>
+            </a:pPr>
+            <a:r>
+              <a:rPr lang="en-IN" sz="9600" b="1" dirty="0" smtClean="0">
+                <a:ln w="50800"/>
+              </a:rPr>
               <a:t>No one can stay with heart patients all the time.</a:t>
             </a:r>
           </a:p>
           <a:p>
-            <a:r>
-              <a:rPr lang="en-IN" sz="2400" dirty="0" smtClean="0"/>
-              <a:t>Heart patients may not receive timely treatment at times of emergency.</a:t>
-            </a:r>
-            <a:r>
-              <a:rPr lang="en-IN" dirty="0" smtClean="0"/>
+            <a:pPr>
+              <a:lnSpc>
+                <a:spcPct val="170000"/>
+              </a:lnSpc>
+            </a:pPr>
+            <a:r>
+              <a:rPr lang="en-IN" sz="9600" b="1" dirty="0"/>
+              <a:t>Heart patients may not receive timely treatment at times of emergency</a:t>
+            </a:r>
+            <a:r>
+              <a:rPr lang="en-IN" sz="9600" dirty="0"/>
+              <a:t>. </a:t>
+            </a:r>
+          </a:p>
+          <a:p>
+            <a:pPr>
+              <a:lnSpc>
+                <a:spcPct val="170000"/>
+              </a:lnSpc>
+            </a:pPr>
+            <a:endParaRPr lang="en-IN" sz="3200" b="1" dirty="0" smtClean="0">
+              <a:ln w="50800"/>
+            </a:endParaRPr>
+          </a:p>
+          <a:p>
+            <a:pPr marL="0" indent="0">
+              <a:lnSpc>
+                <a:spcPct val="170000"/>
+              </a:lnSpc>
+              <a:buFont typeface="Wingdings 2" charset="2"/>
+              <a:buNone/>
+            </a:pPr>
+            <a:endParaRPr lang="en-IN" sz="2400" b="1" dirty="0" smtClean="0">
+              <a:ln w="50800"/>
+              <a:solidFill>
+                <a:schemeClr val="bg1">
+                  <a:shade val="50000"/>
+                </a:schemeClr>
+              </a:solidFill>
+            </a:endParaRPr>
+          </a:p>
+          <a:p>
+            <a:pPr marL="0" indent="0">
+              <a:lnSpc>
+                <a:spcPct val="170000"/>
+              </a:lnSpc>
+              <a:buNone/>
+            </a:pPr>
+            <a:r>
+              <a:rPr lang="en-IN" b="1" dirty="0" smtClean="0">
+                <a:ln w="50800"/>
+                <a:solidFill>
+                  <a:schemeClr val="bg1">
+                    <a:shade val="50000"/>
+                  </a:schemeClr>
+                </a:solidFill>
+              </a:rPr>
               <a:t> </a:t>
             </a:r>
           </a:p>
           <a:p>
-            <a:endParaRPr lang="en-IN" dirty="0" smtClean="0"/>
-          </a:p>
-          <a:p>
-            <a:endParaRPr lang="en-IN" dirty="0"/>
+            <a:pPr>
+              <a:lnSpc>
+                <a:spcPct val="170000"/>
+              </a:lnSpc>
+            </a:pPr>
+            <a:endParaRPr lang="en-IN" b="1" dirty="0" smtClean="0">
+              <a:ln w="50800"/>
+              <a:solidFill>
+                <a:schemeClr val="bg1">
+                  <a:shade val="50000"/>
+                </a:schemeClr>
+              </a:solidFill>
+            </a:endParaRPr>
+          </a:p>
+          <a:p>
+            <a:pPr>
+              <a:lnSpc>
+                <a:spcPct val="170000"/>
+              </a:lnSpc>
+            </a:pPr>
+            <a:endParaRPr lang="en-IN" b="1" dirty="0">
+              <a:ln w="50800"/>
+              <a:solidFill>
+                <a:schemeClr val="bg1">
+                  <a:shade val="50000"/>
+                </a:schemeClr>
+              </a:solidFill>
+            </a:endParaRPr>
           </a:p>
         </p:txBody>
       </p:sp>
@@ -8415,13 +11169,6 @@
   <p:clrMapOvr>
     <a:masterClrMapping/>
   </p:clrMapOvr>
-  <p:timing>
-    <p:tnLst>
-      <p:par>
-        <p:cTn id="1" dur="indefinite" restart="never" nodeType="tmRoot"/>
-      </p:par>
-    </p:tnLst>
-  </p:timing>
 </p:sld>
 </file>
 
@@ -8464,10 +11211,9 @@
           <a:lstStyle/>
           <a:p>
             <a:r>
-              <a:rPr lang="en-IN" dirty="0" smtClean="0"/>
+              <a:rPr lang="en-IN" dirty="0"/>
               <a:t>Solution</a:t>
             </a:r>
-            <a:endParaRPr lang="en-IN" dirty="0"/>
           </a:p>
         </p:txBody>
       </p:sp>
@@ -8487,16 +11233,23 @@
             <p:ph idx="1"/>
           </p:nvPr>
         </p:nvSpPr>
-        <p:spPr/>
+        <p:spPr>
+          <a:xfrm>
+            <a:off x="818712" y="2222287"/>
+            <a:ext cx="10554574" cy="4098614"/>
+          </a:xfrm>
+        </p:spPr>
         <p:txBody>
-          <a:bodyPr/>
+          <a:bodyPr>
+            <a:normAutofit/>
+          </a:bodyPr>
           <a:lstStyle/>
           <a:p>
             <a:pPr marL="0" indent="0">
               <a:buNone/>
             </a:pPr>
             <a:r>
-              <a:rPr lang="en-IN" dirty="0" smtClean="0"/>
+              <a:rPr lang="en-IN" sz="2400" dirty="0"/>
               <a:t>More than 2 million people are at high risk of having heart attack.</a:t>
             </a:r>
           </a:p>
@@ -8504,8 +11257,14 @@
             <a:pPr marL="0" indent="0">
               <a:buNone/>
             </a:pPr>
-            <a:r>
-              <a:rPr lang="en-IN" dirty="0" smtClean="0"/>
+            <a:endParaRPr lang="en-IN" sz="2400" dirty="0"/>
+          </a:p>
+          <a:p>
+            <a:pPr marL="0" indent="0">
+              <a:buNone/>
+            </a:pPr>
+            <a:r>
+              <a:rPr lang="en-IN" sz="2400" dirty="0"/>
               <a:t>It  would be helpful if there is a way for these people to monitor their heart.</a:t>
             </a:r>
           </a:p>
@@ -8513,28 +11272,16 @@
             <a:pPr marL="0" indent="0">
               <a:buNone/>
             </a:pPr>
-            <a:r>
-              <a:rPr lang="en-IN" dirty="0" smtClean="0"/>
-              <a:t>We made a product that will notify</a:t>
-            </a:r>
-            <a:r>
-              <a:rPr lang="en-IN" dirty="0" smtClean="0"/>
-              <a:t> the patient’s family members or authorities,</a:t>
-            </a:r>
+            <a:endParaRPr lang="en-IN" sz="2400" dirty="0"/>
           </a:p>
           <a:p>
             <a:pPr marL="0" indent="0">
               <a:buNone/>
             </a:pPr>
             <a:r>
-              <a:rPr lang="en-IN" dirty="0"/>
-              <a:t>w</a:t>
-            </a:r>
-            <a:r>
-              <a:rPr lang="en-IN" dirty="0" smtClean="0"/>
-              <a:t>ho will take action.</a:t>
-            </a:r>
-            <a:endParaRPr lang="en-IN" dirty="0"/>
+              <a:rPr lang="en-IN" sz="2400" dirty="0"/>
+              <a:t>We made a product that will notify the patient’s family members or authorities, who will take action.</a:t>
+            </a:r>
           </a:p>
         </p:txBody>
       </p:sp>
@@ -8548,13 +11295,6 @@
   <p:clrMapOvr>
     <a:masterClrMapping/>
   </p:clrMapOvr>
-  <p:timing>
-    <p:tnLst>
-      <p:par>
-        <p:cTn id="1" dur="indefinite" restart="never" nodeType="tmRoot"/>
-      </p:par>
-    </p:tnLst>
-  </p:timing>
 </p:sld>
 </file>
 
@@ -8597,12 +11337,8 @@
           <a:lstStyle/>
           <a:p>
             <a:r>
-              <a:rPr lang="en-IN" dirty="0"/>
-              <a:t>F</a:t>
-            </a:r>
-            <a:r>
               <a:rPr lang="en-IN" dirty="0" smtClean="0"/>
-              <a:t>eatures</a:t>
+              <a:t>Applications</a:t>
             </a:r>
             <a:endParaRPr lang="en-IN" dirty="0"/>
           </a:p>
@@ -8624,12 +11360,41 @@
             <p:ph idx="1"/>
           </p:nvPr>
         </p:nvSpPr>
-        <p:spPr/>
+        <p:spPr>
+          <a:xfrm>
+            <a:off x="675588" y="1796995"/>
+            <a:ext cx="8714902" cy="2948621"/>
+          </a:xfrm>
+        </p:spPr>
         <p:txBody>
-          <a:bodyPr/>
+          <a:bodyPr>
+            <a:normAutofit/>
+          </a:bodyPr>
           <a:lstStyle/>
           <a:p>
-            <a:endParaRPr lang="en-IN" dirty="0"/>
+            <a:r>
+              <a:rPr lang="en-IN" sz="2000" dirty="0" smtClean="0"/>
+              <a:t>Better and accurate device of measuring heart beat at any time.</a:t>
+            </a:r>
+          </a:p>
+          <a:p>
+            <a:pPr marL="0" indent="0">
+              <a:buNone/>
+            </a:pPr>
+            <a:r>
+              <a:rPr lang="en-IN" sz="2000" dirty="0" smtClean="0"/>
+              <a:t>	- At homes</a:t>
+            </a:r>
+          </a:p>
+          <a:p>
+            <a:pPr marL="0" indent="0">
+              <a:buNone/>
+            </a:pPr>
+            <a:r>
+              <a:rPr lang="en-IN" sz="2000" dirty="0" smtClean="0"/>
+              <a:t>	- Hospitals </a:t>
+            </a:r>
+            <a:endParaRPr lang="en-IN" sz="2000" dirty="0"/>
           </a:p>
         </p:txBody>
       </p:sp>
@@ -8643,13 +11408,6 @@
   <p:clrMapOvr>
     <a:masterClrMapping/>
   </p:clrMapOvr>
-  <p:timing>
-    <p:tnLst>
-      <p:par>
-        <p:cTn id="1" dur="indefinite" restart="never" nodeType="tmRoot"/>
-      </p:par>
-    </p:tnLst>
-  </p:timing>
 </p:sld>
 </file>
 

--- a/Presentation/Presentation.pptx
+++ b/Presentation/Presentation.pptx
@@ -7,16 +7,15 @@
   <p:sldIdLst>
     <p:sldId id="256" r:id="rId2"/>
     <p:sldId id="257" r:id="rId3"/>
-    <p:sldId id="273" r:id="rId4"/>
-    <p:sldId id="259" r:id="rId5"/>
-    <p:sldId id="260" r:id="rId6"/>
-    <p:sldId id="261" r:id="rId7"/>
-    <p:sldId id="262" r:id="rId8"/>
-    <p:sldId id="263" r:id="rId9"/>
-    <p:sldId id="264" r:id="rId10"/>
-    <p:sldId id="265" r:id="rId11"/>
-    <p:sldId id="274" r:id="rId12"/>
-    <p:sldId id="267" r:id="rId13"/>
+    <p:sldId id="259" r:id="rId4"/>
+    <p:sldId id="260" r:id="rId5"/>
+    <p:sldId id="261" r:id="rId6"/>
+    <p:sldId id="262" r:id="rId7"/>
+    <p:sldId id="263" r:id="rId8"/>
+    <p:sldId id="264" r:id="rId9"/>
+    <p:sldId id="265" r:id="rId10"/>
+    <p:sldId id="274" r:id="rId11"/>
+    <p:sldId id="267" r:id="rId12"/>
   </p:sldIdLst>
   <p:sldSz cx="12192000" cy="6858000"/>
   <p:notesSz cx="6858000" cy="9144000"/>
@@ -117,7 +116,7 @@
   </p:defaultTextStyle>
   <p:extLst>
     <p:ext uri="{EFAFB233-063F-42B5-8137-9DF3F51BA10A}">
-      <p15:sldGuideLst xmlns:p15="http://schemas.microsoft.com/office/powerpoint/2012/main" xmlns="">
+      <p15:sldGuideLst xmlns="" xmlns:p15="http://schemas.microsoft.com/office/powerpoint/2012/main">
         <p15:guide id="1" orient="horz" pos="2160">
           <p15:clr>
             <a:srgbClr val="A4A3A4"/>
@@ -421,7 +420,7 @@
           <a:p>
             <a:fld id="{389D2EE8-1232-470D-86F1-F4A90B9D086F}" type="datetimeFigureOut">
               <a:rPr lang="en-IN" smtClean="0"/>
-              <a:t>15-10-2019</a:t>
+              <a:t>11-03-2020</a:t>
             </a:fld>
             <a:endParaRPr lang="en-IN" dirty="0"/>
           </a:p>
@@ -738,7 +737,7 @@
           <a:p>
             <a:fld id="{389D2EE8-1232-470D-86F1-F4A90B9D086F}" type="datetimeFigureOut">
               <a:rPr lang="en-IN" smtClean="0"/>
-              <a:t>15-10-2019</a:t>
+              <a:t>11-03-2020</a:t>
             </a:fld>
             <a:endParaRPr lang="en-IN" dirty="0"/>
           </a:p>
@@ -1226,7 +1225,7 @@
           <a:p>
             <a:fld id="{389D2EE8-1232-470D-86F1-F4A90B9D086F}" type="datetimeFigureOut">
               <a:rPr lang="en-IN" smtClean="0"/>
-              <a:t>15-10-2019</a:t>
+              <a:t>11-03-2020</a:t>
             </a:fld>
             <a:endParaRPr lang="en-IN" dirty="0"/>
           </a:p>
@@ -1595,7 +1594,7 @@
           <a:p>
             <a:fld id="{389D2EE8-1232-470D-86F1-F4A90B9D086F}" type="datetimeFigureOut">
               <a:rPr lang="en-IN" smtClean="0"/>
-              <a:t>15-10-2019</a:t>
+              <a:t>11-03-2020</a:t>
             </a:fld>
             <a:endParaRPr lang="en-IN" dirty="0"/>
           </a:p>
@@ -1868,7 +1867,7 @@
           <a:p>
             <a:fld id="{389D2EE8-1232-470D-86F1-F4A90B9D086F}" type="datetimeFigureOut">
               <a:rPr lang="en-IN" smtClean="0"/>
-              <a:t>15-10-2019</a:t>
+              <a:t>11-03-2020</a:t>
             </a:fld>
             <a:endParaRPr lang="en-IN" dirty="0"/>
           </a:p>
@@ -2153,7 +2152,7 @@
           <a:p>
             <a:fld id="{389D2EE8-1232-470D-86F1-F4A90B9D086F}" type="datetimeFigureOut">
               <a:rPr lang="en-IN" smtClean="0"/>
-              <a:t>15-10-2019</a:t>
+              <a:t>11-03-2020</a:t>
             </a:fld>
             <a:endParaRPr lang="en-IN" dirty="0"/>
           </a:p>
@@ -2436,7 +2435,7 @@
           <a:p>
             <a:fld id="{389D2EE8-1232-470D-86F1-F4A90B9D086F}" type="datetimeFigureOut">
               <a:rPr lang="en-IN" smtClean="0"/>
-              <a:t>15-10-2019</a:t>
+              <a:t>11-03-2020</a:t>
             </a:fld>
             <a:endParaRPr lang="en-IN" dirty="0"/>
           </a:p>
@@ -2779,7 +2778,7 @@
           <a:p>
             <a:fld id="{389D2EE8-1232-470D-86F1-F4A90B9D086F}" type="datetimeFigureOut">
               <a:rPr lang="en-IN" smtClean="0"/>
-              <a:t>15-10-2019</a:t>
+              <a:t>11-03-2020</a:t>
             </a:fld>
             <a:endParaRPr lang="en-IN" dirty="0"/>
           </a:p>
@@ -3118,7 +3117,7 @@
           <a:p>
             <a:fld id="{389D2EE8-1232-470D-86F1-F4A90B9D086F}" type="datetimeFigureOut">
               <a:rPr lang="en-IN" smtClean="0"/>
-              <a:t>15-10-2019</a:t>
+              <a:t>11-03-2020</a:t>
             </a:fld>
             <a:endParaRPr lang="en-IN" dirty="0"/>
           </a:p>
@@ -3595,7 +3594,7 @@
           <a:p>
             <a:fld id="{389D2EE8-1232-470D-86F1-F4A90B9D086F}" type="datetimeFigureOut">
               <a:rPr lang="en-IN" smtClean="0"/>
-              <a:t>15-10-2019</a:t>
+              <a:t>11-03-2020</a:t>
             </a:fld>
             <a:endParaRPr lang="en-IN" dirty="0"/>
           </a:p>
@@ -3816,7 +3815,7 @@
           <a:p>
             <a:fld id="{389D2EE8-1232-470D-86F1-F4A90B9D086F}" type="datetimeFigureOut">
               <a:rPr lang="en-IN" smtClean="0"/>
-              <a:t>15-10-2019</a:t>
+              <a:t>11-03-2020</a:t>
             </a:fld>
             <a:endParaRPr lang="en-IN" dirty="0"/>
           </a:p>
@@ -3911,7 +3910,7 @@
           <a:p>
             <a:fld id="{389D2EE8-1232-470D-86F1-F4A90B9D086F}" type="datetimeFigureOut">
               <a:rPr lang="en-IN" smtClean="0"/>
-              <a:t>15-10-2019</a:t>
+              <a:t>11-03-2020</a:t>
             </a:fld>
             <a:endParaRPr lang="en-IN" dirty="0"/>
           </a:p>
@@ -4378,7 +4377,7 @@
           <a:p>
             <a:fld id="{389D2EE8-1232-470D-86F1-F4A90B9D086F}" type="datetimeFigureOut">
               <a:rPr lang="en-IN" smtClean="0"/>
-              <a:t>15-10-2019</a:t>
+              <a:t>11-03-2020</a:t>
             </a:fld>
             <a:endParaRPr lang="en-IN" dirty="0"/>
           </a:p>
@@ -4690,7 +4689,7 @@
           <a:p>
             <a:fld id="{389D2EE8-1232-470D-86F1-F4A90B9D086F}" type="datetimeFigureOut">
               <a:rPr lang="en-IN" smtClean="0"/>
-              <a:t>15-10-2019</a:t>
+              <a:t>11-03-2020</a:t>
             </a:fld>
             <a:endParaRPr lang="en-IN" dirty="0"/>
           </a:p>
@@ -4960,7 +4959,7 @@
           <a:p>
             <a:fld id="{389D2EE8-1232-470D-86F1-F4A90B9D086F}" type="datetimeFigureOut">
               <a:rPr lang="en-IN" smtClean="0"/>
-              <a:t>15-10-2019</a:t>
+              <a:t>11-03-2020</a:t>
             </a:fld>
             <a:endParaRPr lang="en-IN" dirty="0"/>
           </a:p>
@@ -5414,7 +5413,7 @@
           <p:cNvPr id="2" name="Title 1">
             <a:extLst>
               <a:ext uri="{FF2B5EF4-FFF2-40B4-BE49-F238E27FC236}">
-                <a16:creationId xmlns:a16="http://schemas.microsoft.com/office/drawing/2014/main" xmlns="" id="{266A9351-3F54-4B82-A6F6-A143A720BEAA}"/>
+                <a16:creationId xmlns="" xmlns:a16="http://schemas.microsoft.com/office/drawing/2014/main" id="{266A9351-3F54-4B82-A6F6-A143A720BEAA}"/>
               </a:ext>
             </a:extLst>
           </p:cNvPr>
@@ -5445,7 +5444,7 @@
           <p:cNvPr id="3" name="Subtitle 2">
             <a:extLst>
               <a:ext uri="{FF2B5EF4-FFF2-40B4-BE49-F238E27FC236}">
-                <a16:creationId xmlns:a16="http://schemas.microsoft.com/office/drawing/2014/main" xmlns="" id="{B10246E5-E26A-4EB2-89F8-A86362089F77}"/>
+                <a16:creationId xmlns="" xmlns:a16="http://schemas.microsoft.com/office/drawing/2014/main" id="{B10246E5-E26A-4EB2-89F8-A86362089F77}"/>
               </a:ext>
             </a:extLst>
           </p:cNvPr>
@@ -5505,13 +5504,7 @@
       </p:grpSpPr>
       <p:sp>
         <p:nvSpPr>
-          <p:cNvPr id="2" name="Title 1">
-            <a:extLst>
-              <a:ext uri="{FF2B5EF4-FFF2-40B4-BE49-F238E27FC236}">
-                <a16:creationId xmlns:a16="http://schemas.microsoft.com/office/drawing/2014/main" xmlns="" id="{C55E1479-5319-48D6-BD92-C209AD84DF81}"/>
-              </a:ext>
-            </a:extLst>
-          </p:cNvPr>
+          <p:cNvPr id="2" name="Title 1"/>
           <p:cNvSpPr>
             <a:spLocks noGrp="1"/>
           </p:cNvSpPr>
@@ -5525,21 +5518,16 @@
           <a:lstStyle/>
           <a:p>
             <a:r>
-              <a:rPr lang="en-IN" dirty="0"/>
-              <a:t>CONCLUSION</a:t>
-            </a:r>
-          </a:p>
-        </p:txBody>
-      </p:sp>
-      <p:sp>
-        <p:nvSpPr>
-          <p:cNvPr id="3" name="Content Placeholder 2">
-            <a:extLst>
-              <a:ext uri="{FF2B5EF4-FFF2-40B4-BE49-F238E27FC236}">
-                <a16:creationId xmlns:a16="http://schemas.microsoft.com/office/drawing/2014/main" xmlns="" id="{D26320F7-4996-4E6B-844C-C6E14FBED3EE}"/>
-              </a:ext>
-            </a:extLst>
-          </p:cNvPr>
+              <a:rPr lang="en-IN" dirty="0" smtClean="0"/>
+              <a:t>COST</a:t>
+            </a:r>
+            <a:endParaRPr lang="en-IN" dirty="0"/>
+          </a:p>
+        </p:txBody>
+      </p:sp>
+      <p:sp>
+        <p:nvSpPr>
+          <p:cNvPr id="3" name="Content Placeholder 2"/>
           <p:cNvSpPr>
             <a:spLocks noGrp="1"/>
           </p:cNvSpPr>
@@ -5549,8 +5537,8 @@
         </p:nvSpPr>
         <p:spPr>
           <a:xfrm>
-            <a:off x="635833" y="1900361"/>
-            <a:ext cx="8237823" cy="2751151"/>
+            <a:off x="778956" y="1828799"/>
+            <a:ext cx="4977789" cy="2423835"/>
           </a:xfrm>
         </p:spPr>
         <p:txBody>
@@ -5566,80 +5554,1899 @@
             </a:pPr>
             <a:r>
               <a:rPr lang="en-IN" sz="2000" dirty="0" smtClean="0"/>
-              <a:t>Our device  low cost, quick and effective solution for the heart patients in emergency situations.</a:t>
+              <a:t>Cost determine by vendor cost.</a:t>
+            </a:r>
+          </a:p>
+          <a:p>
+            <a:pPr>
+              <a:lnSpc>
+                <a:spcPct val="150000"/>
+              </a:lnSpc>
+            </a:pPr>
+            <a:r>
+              <a:rPr lang="en-IN" sz="2000" dirty="0" smtClean="0"/>
+              <a:t>Based on work instruction tools.</a:t>
             </a:r>
             <a:endParaRPr lang="en-IN" sz="2000" dirty="0"/>
           </a:p>
         </p:txBody>
       </p:sp>
-      <p:pic>
-        <p:nvPicPr>
-          <p:cNvPr id="2050" name="Picture 2"/>
-          <p:cNvPicPr>
-            <a:picLocks noChangeAspect="1" noChangeArrowheads="1"/>
-          </p:cNvPicPr>
-          <p:nvPr/>
-        </p:nvPicPr>
-        <p:blipFill>
-          <a:blip r:embed="rId2">
+      <p:sp>
+        <p:nvSpPr>
+          <p:cNvPr id="4" name="Content Placeholder 2">
             <a:extLst>
-              <a:ext uri="{28A0092B-C50C-407E-A947-70E740481C1C}">
-                <a14:useLocalDpi xmlns:a14="http://schemas.microsoft.com/office/drawing/2010/main" val="0"/>
+              <a:ext uri="{FF2B5EF4-FFF2-40B4-BE49-F238E27FC236}">
+                <a16:creationId xmlns="" xmlns:a16="http://schemas.microsoft.com/office/drawing/2014/main" id="{8DB31CDA-ACB5-4C32-AB72-CE56539EFD0B}"/>
               </a:ext>
             </a:extLst>
-          </a:blip>
-          <a:srcRect/>
-          <a:stretch>
-            <a:fillRect/>
-          </a:stretch>
-        </p:blipFill>
-        <p:spPr bwMode="auto">
+          </p:cNvPr>
+          <p:cNvSpPr txBox="1">
+            <a:spLocks/>
+          </p:cNvSpPr>
+          <p:nvPr/>
+        </p:nvSpPr>
+        <p:spPr>
           <a:xfrm>
-            <a:off x="8437411" y="4110162"/>
-            <a:ext cx="2272996" cy="2272996"/>
+            <a:off x="10424160" y="5987331"/>
+            <a:ext cx="949126" cy="333569"/>
           </a:xfrm>
           <a:prstGeom prst="rect">
             <a:avLst/>
           </a:prstGeom>
-          <a:noFill/>
-          <a:ln>
-            <a:noFill/>
-          </a:ln>
-          <a:effectLst/>
-          <a:extLst>
-            <a:ext uri="{909E8E84-426E-40DD-AFC4-6F175D3DCCD1}">
-              <a14:hiddenFill xmlns:a14="http://schemas.microsoft.com/office/drawing/2010/main">
-                <a:solidFill>
-                  <a:schemeClr val="accent1"/>
-                </a:solidFill>
-              </a14:hiddenFill>
-            </a:ext>
-            <a:ext uri="{91240B29-F687-4F45-9708-019B960494DF}">
-              <a14:hiddenLine xmlns:a14="http://schemas.microsoft.com/office/drawing/2010/main" w="9525">
+          <a:effectLst>
+            <a:outerShdw blurRad="50800" dir="14400000">
+              <a:srgbClr val="000000">
+                <a:alpha val="40000"/>
+              </a:srgbClr>
+            </a:outerShdw>
+          </a:effectLst>
+        </p:spPr>
+        <p:txBody>
+          <a:bodyPr vert="horz" lIns="91440" tIns="45720" rIns="91440" bIns="45720" rtlCol="0" anchor="ctr">
+            <a:normAutofit fontScale="77500" lnSpcReduction="20000"/>
+          </a:bodyPr>
+          <a:lstStyle>
+            <a:lvl1pPr marL="342900" indent="-342900" algn="l" defTabSz="457200" rtl="0" eaLnBrk="1" latinLnBrk="0" hangingPunct="1">
+              <a:spcBef>
+                <a:spcPct val="20000"/>
+              </a:spcBef>
+              <a:spcAft>
+                <a:spcPts val="600"/>
+              </a:spcAft>
+              <a:buClr>
+                <a:schemeClr val="accent1"/>
+              </a:buClr>
+              <a:buFont typeface="Wingdings 2" charset="2"/>
+              <a:buChar char=""/>
+              <a:defRPr sz="1800" kern="1200">
                 <a:solidFill>
                   <a:schemeClr val="tx1"/>
                 </a:solidFill>
-                <a:miter lim="800000"/>
-                <a:headEnd/>
-                <a:tailEnd/>
-              </a14:hiddenLine>
-            </a:ext>
-            <a:ext uri="{AF507438-7753-43E0-B8FC-AC1667EBCBE1}">
-              <a14:hiddenEffects xmlns:a14="http://schemas.microsoft.com/office/drawing/2010/main">
-                <a:effectLst>
-                  <a:outerShdw dist="35921" dir="2700000" algn="ctr" rotWithShape="0">
-                    <a:schemeClr val="bg2"/>
-                  </a:outerShdw>
-                </a:effectLst>
-              </a14:hiddenEffects>
-            </a:ext>
-          </a:extLst>
+                <a:latin typeface="+mn-lt"/>
+                <a:ea typeface="+mn-ea"/>
+                <a:cs typeface="+mn-cs"/>
+              </a:defRPr>
+            </a:lvl1pPr>
+            <a:lvl2pPr marL="742950" indent="-285750" algn="l" defTabSz="457200" rtl="0" eaLnBrk="1" latinLnBrk="0" hangingPunct="1">
+              <a:spcBef>
+                <a:spcPct val="20000"/>
+              </a:spcBef>
+              <a:spcAft>
+                <a:spcPts val="600"/>
+              </a:spcAft>
+              <a:buClr>
+                <a:schemeClr val="accent1"/>
+              </a:buClr>
+              <a:buFont typeface="Wingdings 2" charset="2"/>
+              <a:buChar char=""/>
+              <a:defRPr sz="1600" kern="1200">
+                <a:solidFill>
+                  <a:schemeClr val="tx1"/>
+                </a:solidFill>
+                <a:latin typeface="+mn-lt"/>
+                <a:ea typeface="+mn-ea"/>
+                <a:cs typeface="+mn-cs"/>
+              </a:defRPr>
+            </a:lvl2pPr>
+            <a:lvl3pPr marL="1143000" indent="-228600" algn="l" defTabSz="457200" rtl="0" eaLnBrk="1" latinLnBrk="0" hangingPunct="1">
+              <a:spcBef>
+                <a:spcPct val="20000"/>
+              </a:spcBef>
+              <a:spcAft>
+                <a:spcPts val="600"/>
+              </a:spcAft>
+              <a:buClr>
+                <a:schemeClr val="accent1"/>
+              </a:buClr>
+              <a:buFont typeface="Wingdings 2" charset="2"/>
+              <a:buChar char=""/>
+              <a:defRPr sz="1400" kern="1200">
+                <a:solidFill>
+                  <a:schemeClr val="tx1"/>
+                </a:solidFill>
+                <a:latin typeface="+mn-lt"/>
+                <a:ea typeface="+mn-ea"/>
+                <a:cs typeface="+mn-cs"/>
+              </a:defRPr>
+            </a:lvl3pPr>
+            <a:lvl4pPr marL="1600200" indent="-228600" algn="l" defTabSz="457200" rtl="0" eaLnBrk="1" latinLnBrk="0" hangingPunct="1">
+              <a:spcBef>
+                <a:spcPct val="20000"/>
+              </a:spcBef>
+              <a:spcAft>
+                <a:spcPts val="600"/>
+              </a:spcAft>
+              <a:buClr>
+                <a:schemeClr val="accent1"/>
+              </a:buClr>
+              <a:buFont typeface="Wingdings 2" charset="2"/>
+              <a:buChar char=""/>
+              <a:defRPr sz="1200" kern="1200">
+                <a:solidFill>
+                  <a:schemeClr val="tx1"/>
+                </a:solidFill>
+                <a:latin typeface="+mn-lt"/>
+                <a:ea typeface="+mn-ea"/>
+                <a:cs typeface="+mn-cs"/>
+              </a:defRPr>
+            </a:lvl4pPr>
+            <a:lvl5pPr marL="2057400" indent="-228600" algn="l" defTabSz="457200" rtl="0" eaLnBrk="1" latinLnBrk="0" hangingPunct="1">
+              <a:spcBef>
+                <a:spcPct val="20000"/>
+              </a:spcBef>
+              <a:spcAft>
+                <a:spcPts val="600"/>
+              </a:spcAft>
+              <a:buClr>
+                <a:schemeClr val="accent1"/>
+              </a:buClr>
+              <a:buFont typeface="Wingdings 2" charset="2"/>
+              <a:buChar char=""/>
+              <a:defRPr sz="1200" kern="1200">
+                <a:solidFill>
+                  <a:schemeClr val="tx1"/>
+                </a:solidFill>
+                <a:latin typeface="+mn-lt"/>
+                <a:ea typeface="+mn-ea"/>
+                <a:cs typeface="+mn-cs"/>
+              </a:defRPr>
+            </a:lvl5pPr>
+            <a:lvl6pPr marL="2400000" indent="-228600" algn="l" defTabSz="457200" rtl="0" eaLnBrk="1" latinLnBrk="0" hangingPunct="1">
+              <a:spcBef>
+                <a:spcPct val="20000"/>
+              </a:spcBef>
+              <a:spcAft>
+                <a:spcPts val="600"/>
+              </a:spcAft>
+              <a:buClr>
+                <a:schemeClr val="accent1"/>
+              </a:buClr>
+              <a:buFont typeface="Wingdings 2" charset="2"/>
+              <a:buChar char=""/>
+              <a:defRPr sz="1200" kern="1200">
+                <a:solidFill>
+                  <a:schemeClr val="tx1"/>
+                </a:solidFill>
+                <a:latin typeface="+mn-lt"/>
+                <a:ea typeface="+mn-ea"/>
+                <a:cs typeface="+mn-cs"/>
+              </a:defRPr>
+            </a:lvl6pPr>
+            <a:lvl7pPr marL="2800000" indent="-228600" algn="l" defTabSz="457200" rtl="0" eaLnBrk="1" latinLnBrk="0" hangingPunct="1">
+              <a:spcBef>
+                <a:spcPct val="20000"/>
+              </a:spcBef>
+              <a:spcAft>
+                <a:spcPts val="600"/>
+              </a:spcAft>
+              <a:buClr>
+                <a:schemeClr val="accent1"/>
+              </a:buClr>
+              <a:buFont typeface="Wingdings 2" charset="2"/>
+              <a:buChar char=""/>
+              <a:defRPr sz="1200" kern="1200">
+                <a:solidFill>
+                  <a:schemeClr val="tx1"/>
+                </a:solidFill>
+                <a:latin typeface="+mn-lt"/>
+                <a:ea typeface="+mn-ea"/>
+                <a:cs typeface="+mn-cs"/>
+              </a:defRPr>
+            </a:lvl7pPr>
+            <a:lvl8pPr marL="3200000" indent="-228600" algn="l" defTabSz="457200" rtl="0" eaLnBrk="1" latinLnBrk="0" hangingPunct="1">
+              <a:spcBef>
+                <a:spcPct val="20000"/>
+              </a:spcBef>
+              <a:spcAft>
+                <a:spcPts val="600"/>
+              </a:spcAft>
+              <a:buClr>
+                <a:schemeClr val="accent1"/>
+              </a:buClr>
+              <a:buFont typeface="Wingdings 2" charset="2"/>
+              <a:buChar char=""/>
+              <a:defRPr sz="1200" kern="1200">
+                <a:solidFill>
+                  <a:schemeClr val="tx1"/>
+                </a:solidFill>
+                <a:latin typeface="+mn-lt"/>
+                <a:ea typeface="+mn-ea"/>
+                <a:cs typeface="+mn-cs"/>
+              </a:defRPr>
+            </a:lvl8pPr>
+            <a:lvl9pPr marL="3600000" indent="-228600" algn="l" defTabSz="457200" rtl="0" eaLnBrk="1" latinLnBrk="0" hangingPunct="1">
+              <a:spcBef>
+                <a:spcPct val="20000"/>
+              </a:spcBef>
+              <a:spcAft>
+                <a:spcPts val="600"/>
+              </a:spcAft>
+              <a:buClr>
+                <a:schemeClr val="accent1"/>
+              </a:buClr>
+              <a:buFont typeface="Wingdings 2" charset="2"/>
+              <a:buChar char=""/>
+              <a:defRPr sz="1200" kern="1200">
+                <a:solidFill>
+                  <a:schemeClr val="tx1"/>
+                </a:solidFill>
+                <a:latin typeface="+mn-lt"/>
+                <a:ea typeface="+mn-ea"/>
+                <a:cs typeface="+mn-cs"/>
+              </a:defRPr>
+            </a:lvl9pPr>
+          </a:lstStyle>
+          <a:p>
+            <a:pPr marL="0" indent="0">
+              <a:buFont typeface="Wingdings 2" charset="2"/>
+              <a:buNone/>
+            </a:pPr>
+            <a:endParaRPr lang="en-IN" sz="2400" dirty="0" smtClean="0"/>
+          </a:p>
+        </p:txBody>
+      </p:sp>
+      <p:sp>
+        <p:nvSpPr>
+          <p:cNvPr id="5" name="Content Placeholder 2">
+            <a:extLst>
+              <a:ext uri="{FF2B5EF4-FFF2-40B4-BE49-F238E27FC236}">
+                <a16:creationId xmlns="" xmlns:a16="http://schemas.microsoft.com/office/drawing/2014/main" id="{8DB31CDA-ACB5-4C32-AB72-CE56539EFD0B}"/>
+              </a:ext>
+            </a:extLst>
+          </p:cNvPr>
+          <p:cNvSpPr txBox="1">
+            <a:spLocks/>
+          </p:cNvSpPr>
+          <p:nvPr/>
+        </p:nvSpPr>
+        <p:spPr>
+          <a:xfrm>
+            <a:off x="10576560" y="6139731"/>
+            <a:ext cx="949126" cy="333569"/>
+          </a:xfrm>
+          <a:prstGeom prst="rect">
+            <a:avLst/>
+          </a:prstGeom>
+          <a:effectLst>
+            <a:outerShdw blurRad="50800" dir="14400000">
+              <a:srgbClr val="000000">
+                <a:alpha val="40000"/>
+              </a:srgbClr>
+            </a:outerShdw>
+          </a:effectLst>
         </p:spPr>
-      </p:pic>
+        <p:txBody>
+          <a:bodyPr vert="horz" lIns="91440" tIns="45720" rIns="91440" bIns="45720" rtlCol="0" anchor="ctr">
+            <a:normAutofit fontScale="77500" lnSpcReduction="20000"/>
+          </a:bodyPr>
+          <a:lstStyle>
+            <a:lvl1pPr marL="342900" indent="-342900" algn="l" defTabSz="457200" rtl="0" eaLnBrk="1" latinLnBrk="0" hangingPunct="1">
+              <a:spcBef>
+                <a:spcPct val="20000"/>
+              </a:spcBef>
+              <a:spcAft>
+                <a:spcPts val="600"/>
+              </a:spcAft>
+              <a:buClr>
+                <a:schemeClr val="accent1"/>
+              </a:buClr>
+              <a:buFont typeface="Wingdings 2" charset="2"/>
+              <a:buChar char=""/>
+              <a:defRPr sz="1800" kern="1200">
+                <a:solidFill>
+                  <a:schemeClr val="tx1"/>
+                </a:solidFill>
+                <a:latin typeface="+mn-lt"/>
+                <a:ea typeface="+mn-ea"/>
+                <a:cs typeface="+mn-cs"/>
+              </a:defRPr>
+            </a:lvl1pPr>
+            <a:lvl2pPr marL="742950" indent="-285750" algn="l" defTabSz="457200" rtl="0" eaLnBrk="1" latinLnBrk="0" hangingPunct="1">
+              <a:spcBef>
+                <a:spcPct val="20000"/>
+              </a:spcBef>
+              <a:spcAft>
+                <a:spcPts val="600"/>
+              </a:spcAft>
+              <a:buClr>
+                <a:schemeClr val="accent1"/>
+              </a:buClr>
+              <a:buFont typeface="Wingdings 2" charset="2"/>
+              <a:buChar char=""/>
+              <a:defRPr sz="1600" kern="1200">
+                <a:solidFill>
+                  <a:schemeClr val="tx1"/>
+                </a:solidFill>
+                <a:latin typeface="+mn-lt"/>
+                <a:ea typeface="+mn-ea"/>
+                <a:cs typeface="+mn-cs"/>
+              </a:defRPr>
+            </a:lvl2pPr>
+            <a:lvl3pPr marL="1143000" indent="-228600" algn="l" defTabSz="457200" rtl="0" eaLnBrk="1" latinLnBrk="0" hangingPunct="1">
+              <a:spcBef>
+                <a:spcPct val="20000"/>
+              </a:spcBef>
+              <a:spcAft>
+                <a:spcPts val="600"/>
+              </a:spcAft>
+              <a:buClr>
+                <a:schemeClr val="accent1"/>
+              </a:buClr>
+              <a:buFont typeface="Wingdings 2" charset="2"/>
+              <a:buChar char=""/>
+              <a:defRPr sz="1400" kern="1200">
+                <a:solidFill>
+                  <a:schemeClr val="tx1"/>
+                </a:solidFill>
+                <a:latin typeface="+mn-lt"/>
+                <a:ea typeface="+mn-ea"/>
+                <a:cs typeface="+mn-cs"/>
+              </a:defRPr>
+            </a:lvl3pPr>
+            <a:lvl4pPr marL="1600200" indent="-228600" algn="l" defTabSz="457200" rtl="0" eaLnBrk="1" latinLnBrk="0" hangingPunct="1">
+              <a:spcBef>
+                <a:spcPct val="20000"/>
+              </a:spcBef>
+              <a:spcAft>
+                <a:spcPts val="600"/>
+              </a:spcAft>
+              <a:buClr>
+                <a:schemeClr val="accent1"/>
+              </a:buClr>
+              <a:buFont typeface="Wingdings 2" charset="2"/>
+              <a:buChar char=""/>
+              <a:defRPr sz="1200" kern="1200">
+                <a:solidFill>
+                  <a:schemeClr val="tx1"/>
+                </a:solidFill>
+                <a:latin typeface="+mn-lt"/>
+                <a:ea typeface="+mn-ea"/>
+                <a:cs typeface="+mn-cs"/>
+              </a:defRPr>
+            </a:lvl4pPr>
+            <a:lvl5pPr marL="2057400" indent="-228600" algn="l" defTabSz="457200" rtl="0" eaLnBrk="1" latinLnBrk="0" hangingPunct="1">
+              <a:spcBef>
+                <a:spcPct val="20000"/>
+              </a:spcBef>
+              <a:spcAft>
+                <a:spcPts val="600"/>
+              </a:spcAft>
+              <a:buClr>
+                <a:schemeClr val="accent1"/>
+              </a:buClr>
+              <a:buFont typeface="Wingdings 2" charset="2"/>
+              <a:buChar char=""/>
+              <a:defRPr sz="1200" kern="1200">
+                <a:solidFill>
+                  <a:schemeClr val="tx1"/>
+                </a:solidFill>
+                <a:latin typeface="+mn-lt"/>
+                <a:ea typeface="+mn-ea"/>
+                <a:cs typeface="+mn-cs"/>
+              </a:defRPr>
+            </a:lvl5pPr>
+            <a:lvl6pPr marL="2400000" indent="-228600" algn="l" defTabSz="457200" rtl="0" eaLnBrk="1" latinLnBrk="0" hangingPunct="1">
+              <a:spcBef>
+                <a:spcPct val="20000"/>
+              </a:spcBef>
+              <a:spcAft>
+                <a:spcPts val="600"/>
+              </a:spcAft>
+              <a:buClr>
+                <a:schemeClr val="accent1"/>
+              </a:buClr>
+              <a:buFont typeface="Wingdings 2" charset="2"/>
+              <a:buChar char=""/>
+              <a:defRPr sz="1200" kern="1200">
+                <a:solidFill>
+                  <a:schemeClr val="tx1"/>
+                </a:solidFill>
+                <a:latin typeface="+mn-lt"/>
+                <a:ea typeface="+mn-ea"/>
+                <a:cs typeface="+mn-cs"/>
+              </a:defRPr>
+            </a:lvl6pPr>
+            <a:lvl7pPr marL="2800000" indent="-228600" algn="l" defTabSz="457200" rtl="0" eaLnBrk="1" latinLnBrk="0" hangingPunct="1">
+              <a:spcBef>
+                <a:spcPct val="20000"/>
+              </a:spcBef>
+              <a:spcAft>
+                <a:spcPts val="600"/>
+              </a:spcAft>
+              <a:buClr>
+                <a:schemeClr val="accent1"/>
+              </a:buClr>
+              <a:buFont typeface="Wingdings 2" charset="2"/>
+              <a:buChar char=""/>
+              <a:defRPr sz="1200" kern="1200">
+                <a:solidFill>
+                  <a:schemeClr val="tx1"/>
+                </a:solidFill>
+                <a:latin typeface="+mn-lt"/>
+                <a:ea typeface="+mn-ea"/>
+                <a:cs typeface="+mn-cs"/>
+              </a:defRPr>
+            </a:lvl7pPr>
+            <a:lvl8pPr marL="3200000" indent="-228600" algn="l" defTabSz="457200" rtl="0" eaLnBrk="1" latinLnBrk="0" hangingPunct="1">
+              <a:spcBef>
+                <a:spcPct val="20000"/>
+              </a:spcBef>
+              <a:spcAft>
+                <a:spcPts val="600"/>
+              </a:spcAft>
+              <a:buClr>
+                <a:schemeClr val="accent1"/>
+              </a:buClr>
+              <a:buFont typeface="Wingdings 2" charset="2"/>
+              <a:buChar char=""/>
+              <a:defRPr sz="1200" kern="1200">
+                <a:solidFill>
+                  <a:schemeClr val="tx1"/>
+                </a:solidFill>
+                <a:latin typeface="+mn-lt"/>
+                <a:ea typeface="+mn-ea"/>
+                <a:cs typeface="+mn-cs"/>
+              </a:defRPr>
+            </a:lvl8pPr>
+            <a:lvl9pPr marL="3600000" indent="-228600" algn="l" defTabSz="457200" rtl="0" eaLnBrk="1" latinLnBrk="0" hangingPunct="1">
+              <a:spcBef>
+                <a:spcPct val="20000"/>
+              </a:spcBef>
+              <a:spcAft>
+                <a:spcPts val="600"/>
+              </a:spcAft>
+              <a:buClr>
+                <a:schemeClr val="accent1"/>
+              </a:buClr>
+              <a:buFont typeface="Wingdings 2" charset="2"/>
+              <a:buChar char=""/>
+              <a:defRPr sz="1200" kern="1200">
+                <a:solidFill>
+                  <a:schemeClr val="tx1"/>
+                </a:solidFill>
+                <a:latin typeface="+mn-lt"/>
+                <a:ea typeface="+mn-ea"/>
+                <a:cs typeface="+mn-cs"/>
+              </a:defRPr>
+            </a:lvl9pPr>
+          </a:lstStyle>
+          <a:p>
+            <a:pPr marL="0" indent="0">
+              <a:buFont typeface="Wingdings 2" charset="2"/>
+              <a:buNone/>
+            </a:pPr>
+            <a:endParaRPr lang="en-IN" sz="2400" dirty="0" smtClean="0"/>
+          </a:p>
+        </p:txBody>
+      </p:sp>
+      <p:sp>
+        <p:nvSpPr>
+          <p:cNvPr id="6" name="Content Placeholder 2">
+            <a:extLst>
+              <a:ext uri="{FF2B5EF4-FFF2-40B4-BE49-F238E27FC236}">
+                <a16:creationId xmlns="" xmlns:a16="http://schemas.microsoft.com/office/drawing/2014/main" id="{8DB31CDA-ACB5-4C32-AB72-CE56539EFD0B}"/>
+              </a:ext>
+            </a:extLst>
+          </p:cNvPr>
+          <p:cNvSpPr txBox="1">
+            <a:spLocks/>
+          </p:cNvSpPr>
+          <p:nvPr/>
+        </p:nvSpPr>
+        <p:spPr>
+          <a:xfrm>
+            <a:off x="10728960" y="6292131"/>
+            <a:ext cx="949126" cy="333569"/>
+          </a:xfrm>
+          <a:prstGeom prst="rect">
+            <a:avLst/>
+          </a:prstGeom>
+          <a:effectLst>
+            <a:outerShdw blurRad="50800" dir="14400000">
+              <a:srgbClr val="000000">
+                <a:alpha val="40000"/>
+              </a:srgbClr>
+            </a:outerShdw>
+          </a:effectLst>
+        </p:spPr>
+        <p:txBody>
+          <a:bodyPr vert="horz" lIns="91440" tIns="45720" rIns="91440" bIns="45720" rtlCol="0" anchor="ctr">
+            <a:normAutofit fontScale="77500" lnSpcReduction="20000"/>
+          </a:bodyPr>
+          <a:lstStyle>
+            <a:lvl1pPr marL="342900" indent="-342900" algn="l" defTabSz="457200" rtl="0" eaLnBrk="1" latinLnBrk="0" hangingPunct="1">
+              <a:spcBef>
+                <a:spcPct val="20000"/>
+              </a:spcBef>
+              <a:spcAft>
+                <a:spcPts val="600"/>
+              </a:spcAft>
+              <a:buClr>
+                <a:schemeClr val="accent1"/>
+              </a:buClr>
+              <a:buFont typeface="Wingdings 2" charset="2"/>
+              <a:buChar char=""/>
+              <a:defRPr sz="1800" kern="1200">
+                <a:solidFill>
+                  <a:schemeClr val="tx1"/>
+                </a:solidFill>
+                <a:latin typeface="+mn-lt"/>
+                <a:ea typeface="+mn-ea"/>
+                <a:cs typeface="+mn-cs"/>
+              </a:defRPr>
+            </a:lvl1pPr>
+            <a:lvl2pPr marL="742950" indent="-285750" algn="l" defTabSz="457200" rtl="0" eaLnBrk="1" latinLnBrk="0" hangingPunct="1">
+              <a:spcBef>
+                <a:spcPct val="20000"/>
+              </a:spcBef>
+              <a:spcAft>
+                <a:spcPts val="600"/>
+              </a:spcAft>
+              <a:buClr>
+                <a:schemeClr val="accent1"/>
+              </a:buClr>
+              <a:buFont typeface="Wingdings 2" charset="2"/>
+              <a:buChar char=""/>
+              <a:defRPr sz="1600" kern="1200">
+                <a:solidFill>
+                  <a:schemeClr val="tx1"/>
+                </a:solidFill>
+                <a:latin typeface="+mn-lt"/>
+                <a:ea typeface="+mn-ea"/>
+                <a:cs typeface="+mn-cs"/>
+              </a:defRPr>
+            </a:lvl2pPr>
+            <a:lvl3pPr marL="1143000" indent="-228600" algn="l" defTabSz="457200" rtl="0" eaLnBrk="1" latinLnBrk="0" hangingPunct="1">
+              <a:spcBef>
+                <a:spcPct val="20000"/>
+              </a:spcBef>
+              <a:spcAft>
+                <a:spcPts val="600"/>
+              </a:spcAft>
+              <a:buClr>
+                <a:schemeClr val="accent1"/>
+              </a:buClr>
+              <a:buFont typeface="Wingdings 2" charset="2"/>
+              <a:buChar char=""/>
+              <a:defRPr sz="1400" kern="1200">
+                <a:solidFill>
+                  <a:schemeClr val="tx1"/>
+                </a:solidFill>
+                <a:latin typeface="+mn-lt"/>
+                <a:ea typeface="+mn-ea"/>
+                <a:cs typeface="+mn-cs"/>
+              </a:defRPr>
+            </a:lvl3pPr>
+            <a:lvl4pPr marL="1600200" indent="-228600" algn="l" defTabSz="457200" rtl="0" eaLnBrk="1" latinLnBrk="0" hangingPunct="1">
+              <a:spcBef>
+                <a:spcPct val="20000"/>
+              </a:spcBef>
+              <a:spcAft>
+                <a:spcPts val="600"/>
+              </a:spcAft>
+              <a:buClr>
+                <a:schemeClr val="accent1"/>
+              </a:buClr>
+              <a:buFont typeface="Wingdings 2" charset="2"/>
+              <a:buChar char=""/>
+              <a:defRPr sz="1200" kern="1200">
+                <a:solidFill>
+                  <a:schemeClr val="tx1"/>
+                </a:solidFill>
+                <a:latin typeface="+mn-lt"/>
+                <a:ea typeface="+mn-ea"/>
+                <a:cs typeface="+mn-cs"/>
+              </a:defRPr>
+            </a:lvl4pPr>
+            <a:lvl5pPr marL="2057400" indent="-228600" algn="l" defTabSz="457200" rtl="0" eaLnBrk="1" latinLnBrk="0" hangingPunct="1">
+              <a:spcBef>
+                <a:spcPct val="20000"/>
+              </a:spcBef>
+              <a:spcAft>
+                <a:spcPts val="600"/>
+              </a:spcAft>
+              <a:buClr>
+                <a:schemeClr val="accent1"/>
+              </a:buClr>
+              <a:buFont typeface="Wingdings 2" charset="2"/>
+              <a:buChar char=""/>
+              <a:defRPr sz="1200" kern="1200">
+                <a:solidFill>
+                  <a:schemeClr val="tx1"/>
+                </a:solidFill>
+                <a:latin typeface="+mn-lt"/>
+                <a:ea typeface="+mn-ea"/>
+                <a:cs typeface="+mn-cs"/>
+              </a:defRPr>
+            </a:lvl5pPr>
+            <a:lvl6pPr marL="2400000" indent="-228600" algn="l" defTabSz="457200" rtl="0" eaLnBrk="1" latinLnBrk="0" hangingPunct="1">
+              <a:spcBef>
+                <a:spcPct val="20000"/>
+              </a:spcBef>
+              <a:spcAft>
+                <a:spcPts val="600"/>
+              </a:spcAft>
+              <a:buClr>
+                <a:schemeClr val="accent1"/>
+              </a:buClr>
+              <a:buFont typeface="Wingdings 2" charset="2"/>
+              <a:buChar char=""/>
+              <a:defRPr sz="1200" kern="1200">
+                <a:solidFill>
+                  <a:schemeClr val="tx1"/>
+                </a:solidFill>
+                <a:latin typeface="+mn-lt"/>
+                <a:ea typeface="+mn-ea"/>
+                <a:cs typeface="+mn-cs"/>
+              </a:defRPr>
+            </a:lvl6pPr>
+            <a:lvl7pPr marL="2800000" indent="-228600" algn="l" defTabSz="457200" rtl="0" eaLnBrk="1" latinLnBrk="0" hangingPunct="1">
+              <a:spcBef>
+                <a:spcPct val="20000"/>
+              </a:spcBef>
+              <a:spcAft>
+                <a:spcPts val="600"/>
+              </a:spcAft>
+              <a:buClr>
+                <a:schemeClr val="accent1"/>
+              </a:buClr>
+              <a:buFont typeface="Wingdings 2" charset="2"/>
+              <a:buChar char=""/>
+              <a:defRPr sz="1200" kern="1200">
+                <a:solidFill>
+                  <a:schemeClr val="tx1"/>
+                </a:solidFill>
+                <a:latin typeface="+mn-lt"/>
+                <a:ea typeface="+mn-ea"/>
+                <a:cs typeface="+mn-cs"/>
+              </a:defRPr>
+            </a:lvl7pPr>
+            <a:lvl8pPr marL="3200000" indent="-228600" algn="l" defTabSz="457200" rtl="0" eaLnBrk="1" latinLnBrk="0" hangingPunct="1">
+              <a:spcBef>
+                <a:spcPct val="20000"/>
+              </a:spcBef>
+              <a:spcAft>
+                <a:spcPts val="600"/>
+              </a:spcAft>
+              <a:buClr>
+                <a:schemeClr val="accent1"/>
+              </a:buClr>
+              <a:buFont typeface="Wingdings 2" charset="2"/>
+              <a:buChar char=""/>
+              <a:defRPr sz="1200" kern="1200">
+                <a:solidFill>
+                  <a:schemeClr val="tx1"/>
+                </a:solidFill>
+                <a:latin typeface="+mn-lt"/>
+                <a:ea typeface="+mn-ea"/>
+                <a:cs typeface="+mn-cs"/>
+              </a:defRPr>
+            </a:lvl8pPr>
+            <a:lvl9pPr marL="3600000" indent="-228600" algn="l" defTabSz="457200" rtl="0" eaLnBrk="1" latinLnBrk="0" hangingPunct="1">
+              <a:spcBef>
+                <a:spcPct val="20000"/>
+              </a:spcBef>
+              <a:spcAft>
+                <a:spcPts val="600"/>
+              </a:spcAft>
+              <a:buClr>
+                <a:schemeClr val="accent1"/>
+              </a:buClr>
+              <a:buFont typeface="Wingdings 2" charset="2"/>
+              <a:buChar char=""/>
+              <a:defRPr sz="1200" kern="1200">
+                <a:solidFill>
+                  <a:schemeClr val="tx1"/>
+                </a:solidFill>
+                <a:latin typeface="+mn-lt"/>
+                <a:ea typeface="+mn-ea"/>
+                <a:cs typeface="+mn-cs"/>
+              </a:defRPr>
+            </a:lvl9pPr>
+          </a:lstStyle>
+          <a:p>
+            <a:pPr marL="0" indent="0">
+              <a:buFont typeface="Wingdings 2" charset="2"/>
+              <a:buNone/>
+            </a:pPr>
+            <a:endParaRPr lang="en-IN" sz="2400" dirty="0" smtClean="0"/>
+          </a:p>
+        </p:txBody>
+      </p:sp>
+      <p:sp>
+        <p:nvSpPr>
+          <p:cNvPr id="7" name="Content Placeholder 2">
+            <a:extLst>
+              <a:ext uri="{FF2B5EF4-FFF2-40B4-BE49-F238E27FC236}">
+                <a16:creationId xmlns="" xmlns:a16="http://schemas.microsoft.com/office/drawing/2014/main" id="{8DB31CDA-ACB5-4C32-AB72-CE56539EFD0B}"/>
+              </a:ext>
+            </a:extLst>
+          </p:cNvPr>
+          <p:cNvSpPr txBox="1">
+            <a:spLocks/>
+          </p:cNvSpPr>
+          <p:nvPr/>
+        </p:nvSpPr>
+        <p:spPr>
+          <a:xfrm>
+            <a:off x="10881360" y="6444531"/>
+            <a:ext cx="949126" cy="333569"/>
+          </a:xfrm>
+          <a:prstGeom prst="rect">
+            <a:avLst/>
+          </a:prstGeom>
+          <a:effectLst>
+            <a:outerShdw blurRad="50800" dir="14400000">
+              <a:srgbClr val="000000">
+                <a:alpha val="40000"/>
+              </a:srgbClr>
+            </a:outerShdw>
+          </a:effectLst>
+        </p:spPr>
+        <p:txBody>
+          <a:bodyPr vert="horz" lIns="91440" tIns="45720" rIns="91440" bIns="45720" rtlCol="0" anchor="ctr">
+            <a:normAutofit fontScale="77500" lnSpcReduction="20000"/>
+          </a:bodyPr>
+          <a:lstStyle>
+            <a:lvl1pPr marL="342900" indent="-342900" algn="l" defTabSz="457200" rtl="0" eaLnBrk="1" latinLnBrk="0" hangingPunct="1">
+              <a:spcBef>
+                <a:spcPct val="20000"/>
+              </a:spcBef>
+              <a:spcAft>
+                <a:spcPts val="600"/>
+              </a:spcAft>
+              <a:buClr>
+                <a:schemeClr val="accent1"/>
+              </a:buClr>
+              <a:buFont typeface="Wingdings 2" charset="2"/>
+              <a:buChar char=""/>
+              <a:defRPr sz="1800" kern="1200">
+                <a:solidFill>
+                  <a:schemeClr val="tx1"/>
+                </a:solidFill>
+                <a:latin typeface="+mn-lt"/>
+                <a:ea typeface="+mn-ea"/>
+                <a:cs typeface="+mn-cs"/>
+              </a:defRPr>
+            </a:lvl1pPr>
+            <a:lvl2pPr marL="742950" indent="-285750" algn="l" defTabSz="457200" rtl="0" eaLnBrk="1" latinLnBrk="0" hangingPunct="1">
+              <a:spcBef>
+                <a:spcPct val="20000"/>
+              </a:spcBef>
+              <a:spcAft>
+                <a:spcPts val="600"/>
+              </a:spcAft>
+              <a:buClr>
+                <a:schemeClr val="accent1"/>
+              </a:buClr>
+              <a:buFont typeface="Wingdings 2" charset="2"/>
+              <a:buChar char=""/>
+              <a:defRPr sz="1600" kern="1200">
+                <a:solidFill>
+                  <a:schemeClr val="tx1"/>
+                </a:solidFill>
+                <a:latin typeface="+mn-lt"/>
+                <a:ea typeface="+mn-ea"/>
+                <a:cs typeface="+mn-cs"/>
+              </a:defRPr>
+            </a:lvl2pPr>
+            <a:lvl3pPr marL="1143000" indent="-228600" algn="l" defTabSz="457200" rtl="0" eaLnBrk="1" latinLnBrk="0" hangingPunct="1">
+              <a:spcBef>
+                <a:spcPct val="20000"/>
+              </a:spcBef>
+              <a:spcAft>
+                <a:spcPts val="600"/>
+              </a:spcAft>
+              <a:buClr>
+                <a:schemeClr val="accent1"/>
+              </a:buClr>
+              <a:buFont typeface="Wingdings 2" charset="2"/>
+              <a:buChar char=""/>
+              <a:defRPr sz="1400" kern="1200">
+                <a:solidFill>
+                  <a:schemeClr val="tx1"/>
+                </a:solidFill>
+                <a:latin typeface="+mn-lt"/>
+                <a:ea typeface="+mn-ea"/>
+                <a:cs typeface="+mn-cs"/>
+              </a:defRPr>
+            </a:lvl3pPr>
+            <a:lvl4pPr marL="1600200" indent="-228600" algn="l" defTabSz="457200" rtl="0" eaLnBrk="1" latinLnBrk="0" hangingPunct="1">
+              <a:spcBef>
+                <a:spcPct val="20000"/>
+              </a:spcBef>
+              <a:spcAft>
+                <a:spcPts val="600"/>
+              </a:spcAft>
+              <a:buClr>
+                <a:schemeClr val="accent1"/>
+              </a:buClr>
+              <a:buFont typeface="Wingdings 2" charset="2"/>
+              <a:buChar char=""/>
+              <a:defRPr sz="1200" kern="1200">
+                <a:solidFill>
+                  <a:schemeClr val="tx1"/>
+                </a:solidFill>
+                <a:latin typeface="+mn-lt"/>
+                <a:ea typeface="+mn-ea"/>
+                <a:cs typeface="+mn-cs"/>
+              </a:defRPr>
+            </a:lvl4pPr>
+            <a:lvl5pPr marL="2057400" indent="-228600" algn="l" defTabSz="457200" rtl="0" eaLnBrk="1" latinLnBrk="0" hangingPunct="1">
+              <a:spcBef>
+                <a:spcPct val="20000"/>
+              </a:spcBef>
+              <a:spcAft>
+                <a:spcPts val="600"/>
+              </a:spcAft>
+              <a:buClr>
+                <a:schemeClr val="accent1"/>
+              </a:buClr>
+              <a:buFont typeface="Wingdings 2" charset="2"/>
+              <a:buChar char=""/>
+              <a:defRPr sz="1200" kern="1200">
+                <a:solidFill>
+                  <a:schemeClr val="tx1"/>
+                </a:solidFill>
+                <a:latin typeface="+mn-lt"/>
+                <a:ea typeface="+mn-ea"/>
+                <a:cs typeface="+mn-cs"/>
+              </a:defRPr>
+            </a:lvl5pPr>
+            <a:lvl6pPr marL="2400000" indent="-228600" algn="l" defTabSz="457200" rtl="0" eaLnBrk="1" latinLnBrk="0" hangingPunct="1">
+              <a:spcBef>
+                <a:spcPct val="20000"/>
+              </a:spcBef>
+              <a:spcAft>
+                <a:spcPts val="600"/>
+              </a:spcAft>
+              <a:buClr>
+                <a:schemeClr val="accent1"/>
+              </a:buClr>
+              <a:buFont typeface="Wingdings 2" charset="2"/>
+              <a:buChar char=""/>
+              <a:defRPr sz="1200" kern="1200">
+                <a:solidFill>
+                  <a:schemeClr val="tx1"/>
+                </a:solidFill>
+                <a:latin typeface="+mn-lt"/>
+                <a:ea typeface="+mn-ea"/>
+                <a:cs typeface="+mn-cs"/>
+              </a:defRPr>
+            </a:lvl6pPr>
+            <a:lvl7pPr marL="2800000" indent="-228600" algn="l" defTabSz="457200" rtl="0" eaLnBrk="1" latinLnBrk="0" hangingPunct="1">
+              <a:spcBef>
+                <a:spcPct val="20000"/>
+              </a:spcBef>
+              <a:spcAft>
+                <a:spcPts val="600"/>
+              </a:spcAft>
+              <a:buClr>
+                <a:schemeClr val="accent1"/>
+              </a:buClr>
+              <a:buFont typeface="Wingdings 2" charset="2"/>
+              <a:buChar char=""/>
+              <a:defRPr sz="1200" kern="1200">
+                <a:solidFill>
+                  <a:schemeClr val="tx1"/>
+                </a:solidFill>
+                <a:latin typeface="+mn-lt"/>
+                <a:ea typeface="+mn-ea"/>
+                <a:cs typeface="+mn-cs"/>
+              </a:defRPr>
+            </a:lvl7pPr>
+            <a:lvl8pPr marL="3200000" indent="-228600" algn="l" defTabSz="457200" rtl="0" eaLnBrk="1" latinLnBrk="0" hangingPunct="1">
+              <a:spcBef>
+                <a:spcPct val="20000"/>
+              </a:spcBef>
+              <a:spcAft>
+                <a:spcPts val="600"/>
+              </a:spcAft>
+              <a:buClr>
+                <a:schemeClr val="accent1"/>
+              </a:buClr>
+              <a:buFont typeface="Wingdings 2" charset="2"/>
+              <a:buChar char=""/>
+              <a:defRPr sz="1200" kern="1200">
+                <a:solidFill>
+                  <a:schemeClr val="tx1"/>
+                </a:solidFill>
+                <a:latin typeface="+mn-lt"/>
+                <a:ea typeface="+mn-ea"/>
+                <a:cs typeface="+mn-cs"/>
+              </a:defRPr>
+            </a:lvl8pPr>
+            <a:lvl9pPr marL="3600000" indent="-228600" algn="l" defTabSz="457200" rtl="0" eaLnBrk="1" latinLnBrk="0" hangingPunct="1">
+              <a:spcBef>
+                <a:spcPct val="20000"/>
+              </a:spcBef>
+              <a:spcAft>
+                <a:spcPts val="600"/>
+              </a:spcAft>
+              <a:buClr>
+                <a:schemeClr val="accent1"/>
+              </a:buClr>
+              <a:buFont typeface="Wingdings 2" charset="2"/>
+              <a:buChar char=""/>
+              <a:defRPr sz="1200" kern="1200">
+                <a:solidFill>
+                  <a:schemeClr val="tx1"/>
+                </a:solidFill>
+                <a:latin typeface="+mn-lt"/>
+                <a:ea typeface="+mn-ea"/>
+                <a:cs typeface="+mn-cs"/>
+              </a:defRPr>
+            </a:lvl9pPr>
+          </a:lstStyle>
+          <a:p>
+            <a:pPr marL="0" indent="0">
+              <a:buFont typeface="Wingdings 2" charset="2"/>
+              <a:buNone/>
+            </a:pPr>
+            <a:endParaRPr lang="en-IN" sz="2400" dirty="0" smtClean="0"/>
+          </a:p>
+        </p:txBody>
+      </p:sp>
+      <p:sp>
+        <p:nvSpPr>
+          <p:cNvPr id="8" name="Content Placeholder 2">
+            <a:extLst>
+              <a:ext uri="{FF2B5EF4-FFF2-40B4-BE49-F238E27FC236}">
+                <a16:creationId xmlns="" xmlns:a16="http://schemas.microsoft.com/office/drawing/2014/main" id="{8DB31CDA-ACB5-4C32-AB72-CE56539EFD0B}"/>
+              </a:ext>
+            </a:extLst>
+          </p:cNvPr>
+          <p:cNvSpPr txBox="1">
+            <a:spLocks/>
+          </p:cNvSpPr>
+          <p:nvPr/>
+        </p:nvSpPr>
+        <p:spPr>
+          <a:xfrm>
+            <a:off x="6167562" y="5197501"/>
+            <a:ext cx="2475506" cy="333569"/>
+          </a:xfrm>
+          <a:prstGeom prst="rect">
+            <a:avLst/>
+          </a:prstGeom>
+          <a:effectLst>
+            <a:outerShdw blurRad="50800" dir="14400000">
+              <a:srgbClr val="000000">
+                <a:alpha val="40000"/>
+              </a:srgbClr>
+            </a:outerShdw>
+          </a:effectLst>
+        </p:spPr>
+        <p:txBody>
+          <a:bodyPr vert="horz" lIns="91440" tIns="45720" rIns="91440" bIns="45720" rtlCol="0" anchor="ctr">
+            <a:normAutofit fontScale="77500" lnSpcReduction="20000"/>
+          </a:bodyPr>
+          <a:lstStyle>
+            <a:lvl1pPr marL="342900" indent="-342900" algn="l" defTabSz="457200" rtl="0" eaLnBrk="1" latinLnBrk="0" hangingPunct="1">
+              <a:spcBef>
+                <a:spcPct val="20000"/>
+              </a:spcBef>
+              <a:spcAft>
+                <a:spcPts val="600"/>
+              </a:spcAft>
+              <a:buClr>
+                <a:schemeClr val="accent1"/>
+              </a:buClr>
+              <a:buFont typeface="Wingdings 2" charset="2"/>
+              <a:buChar char=""/>
+              <a:defRPr sz="1800" kern="1200">
+                <a:solidFill>
+                  <a:schemeClr val="tx1"/>
+                </a:solidFill>
+                <a:latin typeface="+mn-lt"/>
+                <a:ea typeface="+mn-ea"/>
+                <a:cs typeface="+mn-cs"/>
+              </a:defRPr>
+            </a:lvl1pPr>
+            <a:lvl2pPr marL="742950" indent="-285750" algn="l" defTabSz="457200" rtl="0" eaLnBrk="1" latinLnBrk="0" hangingPunct="1">
+              <a:spcBef>
+                <a:spcPct val="20000"/>
+              </a:spcBef>
+              <a:spcAft>
+                <a:spcPts val="600"/>
+              </a:spcAft>
+              <a:buClr>
+                <a:schemeClr val="accent1"/>
+              </a:buClr>
+              <a:buFont typeface="Wingdings 2" charset="2"/>
+              <a:buChar char=""/>
+              <a:defRPr sz="1600" kern="1200">
+                <a:solidFill>
+                  <a:schemeClr val="tx1"/>
+                </a:solidFill>
+                <a:latin typeface="+mn-lt"/>
+                <a:ea typeface="+mn-ea"/>
+                <a:cs typeface="+mn-cs"/>
+              </a:defRPr>
+            </a:lvl2pPr>
+            <a:lvl3pPr marL="1143000" indent="-228600" algn="l" defTabSz="457200" rtl="0" eaLnBrk="1" latinLnBrk="0" hangingPunct="1">
+              <a:spcBef>
+                <a:spcPct val="20000"/>
+              </a:spcBef>
+              <a:spcAft>
+                <a:spcPts val="600"/>
+              </a:spcAft>
+              <a:buClr>
+                <a:schemeClr val="accent1"/>
+              </a:buClr>
+              <a:buFont typeface="Wingdings 2" charset="2"/>
+              <a:buChar char=""/>
+              <a:defRPr sz="1400" kern="1200">
+                <a:solidFill>
+                  <a:schemeClr val="tx1"/>
+                </a:solidFill>
+                <a:latin typeface="+mn-lt"/>
+                <a:ea typeface="+mn-ea"/>
+                <a:cs typeface="+mn-cs"/>
+              </a:defRPr>
+            </a:lvl3pPr>
+            <a:lvl4pPr marL="1600200" indent="-228600" algn="l" defTabSz="457200" rtl="0" eaLnBrk="1" latinLnBrk="0" hangingPunct="1">
+              <a:spcBef>
+                <a:spcPct val="20000"/>
+              </a:spcBef>
+              <a:spcAft>
+                <a:spcPts val="600"/>
+              </a:spcAft>
+              <a:buClr>
+                <a:schemeClr val="accent1"/>
+              </a:buClr>
+              <a:buFont typeface="Wingdings 2" charset="2"/>
+              <a:buChar char=""/>
+              <a:defRPr sz="1200" kern="1200">
+                <a:solidFill>
+                  <a:schemeClr val="tx1"/>
+                </a:solidFill>
+                <a:latin typeface="+mn-lt"/>
+                <a:ea typeface="+mn-ea"/>
+                <a:cs typeface="+mn-cs"/>
+              </a:defRPr>
+            </a:lvl4pPr>
+            <a:lvl5pPr marL="2057400" indent="-228600" algn="l" defTabSz="457200" rtl="0" eaLnBrk="1" latinLnBrk="0" hangingPunct="1">
+              <a:spcBef>
+                <a:spcPct val="20000"/>
+              </a:spcBef>
+              <a:spcAft>
+                <a:spcPts val="600"/>
+              </a:spcAft>
+              <a:buClr>
+                <a:schemeClr val="accent1"/>
+              </a:buClr>
+              <a:buFont typeface="Wingdings 2" charset="2"/>
+              <a:buChar char=""/>
+              <a:defRPr sz="1200" kern="1200">
+                <a:solidFill>
+                  <a:schemeClr val="tx1"/>
+                </a:solidFill>
+                <a:latin typeface="+mn-lt"/>
+                <a:ea typeface="+mn-ea"/>
+                <a:cs typeface="+mn-cs"/>
+              </a:defRPr>
+            </a:lvl5pPr>
+            <a:lvl6pPr marL="2400000" indent="-228600" algn="l" defTabSz="457200" rtl="0" eaLnBrk="1" latinLnBrk="0" hangingPunct="1">
+              <a:spcBef>
+                <a:spcPct val="20000"/>
+              </a:spcBef>
+              <a:spcAft>
+                <a:spcPts val="600"/>
+              </a:spcAft>
+              <a:buClr>
+                <a:schemeClr val="accent1"/>
+              </a:buClr>
+              <a:buFont typeface="Wingdings 2" charset="2"/>
+              <a:buChar char=""/>
+              <a:defRPr sz="1200" kern="1200">
+                <a:solidFill>
+                  <a:schemeClr val="tx1"/>
+                </a:solidFill>
+                <a:latin typeface="+mn-lt"/>
+                <a:ea typeface="+mn-ea"/>
+                <a:cs typeface="+mn-cs"/>
+              </a:defRPr>
+            </a:lvl6pPr>
+            <a:lvl7pPr marL="2800000" indent="-228600" algn="l" defTabSz="457200" rtl="0" eaLnBrk="1" latinLnBrk="0" hangingPunct="1">
+              <a:spcBef>
+                <a:spcPct val="20000"/>
+              </a:spcBef>
+              <a:spcAft>
+                <a:spcPts val="600"/>
+              </a:spcAft>
+              <a:buClr>
+                <a:schemeClr val="accent1"/>
+              </a:buClr>
+              <a:buFont typeface="Wingdings 2" charset="2"/>
+              <a:buChar char=""/>
+              <a:defRPr sz="1200" kern="1200">
+                <a:solidFill>
+                  <a:schemeClr val="tx1"/>
+                </a:solidFill>
+                <a:latin typeface="+mn-lt"/>
+                <a:ea typeface="+mn-ea"/>
+                <a:cs typeface="+mn-cs"/>
+              </a:defRPr>
+            </a:lvl7pPr>
+            <a:lvl8pPr marL="3200000" indent="-228600" algn="l" defTabSz="457200" rtl="0" eaLnBrk="1" latinLnBrk="0" hangingPunct="1">
+              <a:spcBef>
+                <a:spcPct val="20000"/>
+              </a:spcBef>
+              <a:spcAft>
+                <a:spcPts val="600"/>
+              </a:spcAft>
+              <a:buClr>
+                <a:schemeClr val="accent1"/>
+              </a:buClr>
+              <a:buFont typeface="Wingdings 2" charset="2"/>
+              <a:buChar char=""/>
+              <a:defRPr sz="1200" kern="1200">
+                <a:solidFill>
+                  <a:schemeClr val="tx1"/>
+                </a:solidFill>
+                <a:latin typeface="+mn-lt"/>
+                <a:ea typeface="+mn-ea"/>
+                <a:cs typeface="+mn-cs"/>
+              </a:defRPr>
+            </a:lvl8pPr>
+            <a:lvl9pPr marL="3600000" indent="-228600" algn="l" defTabSz="457200" rtl="0" eaLnBrk="1" latinLnBrk="0" hangingPunct="1">
+              <a:spcBef>
+                <a:spcPct val="20000"/>
+              </a:spcBef>
+              <a:spcAft>
+                <a:spcPts val="600"/>
+              </a:spcAft>
+              <a:buClr>
+                <a:schemeClr val="accent1"/>
+              </a:buClr>
+              <a:buFont typeface="Wingdings 2" charset="2"/>
+              <a:buChar char=""/>
+              <a:defRPr sz="1200" kern="1200">
+                <a:solidFill>
+                  <a:schemeClr val="tx1"/>
+                </a:solidFill>
+                <a:latin typeface="+mn-lt"/>
+                <a:ea typeface="+mn-ea"/>
+                <a:cs typeface="+mn-cs"/>
+              </a:defRPr>
+            </a:lvl9pPr>
+          </a:lstStyle>
+          <a:p>
+            <a:pPr marL="0" indent="0">
+              <a:buFont typeface="Wingdings 2" charset="2"/>
+              <a:buNone/>
+            </a:pPr>
+            <a:endParaRPr lang="en-IN" sz="2400" dirty="0" smtClean="0"/>
+          </a:p>
+        </p:txBody>
+      </p:sp>
+      <p:sp>
+        <p:nvSpPr>
+          <p:cNvPr id="9" name="Content Placeholder 2">
+            <a:extLst>
+              <a:ext uri="{FF2B5EF4-FFF2-40B4-BE49-F238E27FC236}">
+                <a16:creationId xmlns="" xmlns:a16="http://schemas.microsoft.com/office/drawing/2014/main" id="{8DB31CDA-ACB5-4C32-AB72-CE56539EFD0B}"/>
+              </a:ext>
+            </a:extLst>
+          </p:cNvPr>
+          <p:cNvSpPr txBox="1">
+            <a:spLocks/>
+          </p:cNvSpPr>
+          <p:nvPr/>
+        </p:nvSpPr>
+        <p:spPr>
+          <a:xfrm>
+            <a:off x="11186160" y="6749331"/>
+            <a:ext cx="949126" cy="333569"/>
+          </a:xfrm>
+          <a:prstGeom prst="rect">
+            <a:avLst/>
+          </a:prstGeom>
+          <a:effectLst>
+            <a:outerShdw blurRad="50800" dir="14400000">
+              <a:srgbClr val="000000">
+                <a:alpha val="40000"/>
+              </a:srgbClr>
+            </a:outerShdw>
+          </a:effectLst>
+        </p:spPr>
+        <p:txBody>
+          <a:bodyPr vert="horz" lIns="91440" tIns="45720" rIns="91440" bIns="45720" rtlCol="0" anchor="ctr">
+            <a:normAutofit fontScale="77500" lnSpcReduction="20000"/>
+          </a:bodyPr>
+          <a:lstStyle>
+            <a:lvl1pPr marL="342900" indent="-342900" algn="l" defTabSz="457200" rtl="0" eaLnBrk="1" latinLnBrk="0" hangingPunct="1">
+              <a:spcBef>
+                <a:spcPct val="20000"/>
+              </a:spcBef>
+              <a:spcAft>
+                <a:spcPts val="600"/>
+              </a:spcAft>
+              <a:buClr>
+                <a:schemeClr val="accent1"/>
+              </a:buClr>
+              <a:buFont typeface="Wingdings 2" charset="2"/>
+              <a:buChar char=""/>
+              <a:defRPr sz="1800" kern="1200">
+                <a:solidFill>
+                  <a:schemeClr val="tx1"/>
+                </a:solidFill>
+                <a:latin typeface="+mn-lt"/>
+                <a:ea typeface="+mn-ea"/>
+                <a:cs typeface="+mn-cs"/>
+              </a:defRPr>
+            </a:lvl1pPr>
+            <a:lvl2pPr marL="742950" indent="-285750" algn="l" defTabSz="457200" rtl="0" eaLnBrk="1" latinLnBrk="0" hangingPunct="1">
+              <a:spcBef>
+                <a:spcPct val="20000"/>
+              </a:spcBef>
+              <a:spcAft>
+                <a:spcPts val="600"/>
+              </a:spcAft>
+              <a:buClr>
+                <a:schemeClr val="accent1"/>
+              </a:buClr>
+              <a:buFont typeface="Wingdings 2" charset="2"/>
+              <a:buChar char=""/>
+              <a:defRPr sz="1600" kern="1200">
+                <a:solidFill>
+                  <a:schemeClr val="tx1"/>
+                </a:solidFill>
+                <a:latin typeface="+mn-lt"/>
+                <a:ea typeface="+mn-ea"/>
+                <a:cs typeface="+mn-cs"/>
+              </a:defRPr>
+            </a:lvl2pPr>
+            <a:lvl3pPr marL="1143000" indent="-228600" algn="l" defTabSz="457200" rtl="0" eaLnBrk="1" latinLnBrk="0" hangingPunct="1">
+              <a:spcBef>
+                <a:spcPct val="20000"/>
+              </a:spcBef>
+              <a:spcAft>
+                <a:spcPts val="600"/>
+              </a:spcAft>
+              <a:buClr>
+                <a:schemeClr val="accent1"/>
+              </a:buClr>
+              <a:buFont typeface="Wingdings 2" charset="2"/>
+              <a:buChar char=""/>
+              <a:defRPr sz="1400" kern="1200">
+                <a:solidFill>
+                  <a:schemeClr val="tx1"/>
+                </a:solidFill>
+                <a:latin typeface="+mn-lt"/>
+                <a:ea typeface="+mn-ea"/>
+                <a:cs typeface="+mn-cs"/>
+              </a:defRPr>
+            </a:lvl3pPr>
+            <a:lvl4pPr marL="1600200" indent="-228600" algn="l" defTabSz="457200" rtl="0" eaLnBrk="1" latinLnBrk="0" hangingPunct="1">
+              <a:spcBef>
+                <a:spcPct val="20000"/>
+              </a:spcBef>
+              <a:spcAft>
+                <a:spcPts val="600"/>
+              </a:spcAft>
+              <a:buClr>
+                <a:schemeClr val="accent1"/>
+              </a:buClr>
+              <a:buFont typeface="Wingdings 2" charset="2"/>
+              <a:buChar char=""/>
+              <a:defRPr sz="1200" kern="1200">
+                <a:solidFill>
+                  <a:schemeClr val="tx1"/>
+                </a:solidFill>
+                <a:latin typeface="+mn-lt"/>
+                <a:ea typeface="+mn-ea"/>
+                <a:cs typeface="+mn-cs"/>
+              </a:defRPr>
+            </a:lvl4pPr>
+            <a:lvl5pPr marL="2057400" indent="-228600" algn="l" defTabSz="457200" rtl="0" eaLnBrk="1" latinLnBrk="0" hangingPunct="1">
+              <a:spcBef>
+                <a:spcPct val="20000"/>
+              </a:spcBef>
+              <a:spcAft>
+                <a:spcPts val="600"/>
+              </a:spcAft>
+              <a:buClr>
+                <a:schemeClr val="accent1"/>
+              </a:buClr>
+              <a:buFont typeface="Wingdings 2" charset="2"/>
+              <a:buChar char=""/>
+              <a:defRPr sz="1200" kern="1200">
+                <a:solidFill>
+                  <a:schemeClr val="tx1"/>
+                </a:solidFill>
+                <a:latin typeface="+mn-lt"/>
+                <a:ea typeface="+mn-ea"/>
+                <a:cs typeface="+mn-cs"/>
+              </a:defRPr>
+            </a:lvl5pPr>
+            <a:lvl6pPr marL="2400000" indent="-228600" algn="l" defTabSz="457200" rtl="0" eaLnBrk="1" latinLnBrk="0" hangingPunct="1">
+              <a:spcBef>
+                <a:spcPct val="20000"/>
+              </a:spcBef>
+              <a:spcAft>
+                <a:spcPts val="600"/>
+              </a:spcAft>
+              <a:buClr>
+                <a:schemeClr val="accent1"/>
+              </a:buClr>
+              <a:buFont typeface="Wingdings 2" charset="2"/>
+              <a:buChar char=""/>
+              <a:defRPr sz="1200" kern="1200">
+                <a:solidFill>
+                  <a:schemeClr val="tx1"/>
+                </a:solidFill>
+                <a:latin typeface="+mn-lt"/>
+                <a:ea typeface="+mn-ea"/>
+                <a:cs typeface="+mn-cs"/>
+              </a:defRPr>
+            </a:lvl6pPr>
+            <a:lvl7pPr marL="2800000" indent="-228600" algn="l" defTabSz="457200" rtl="0" eaLnBrk="1" latinLnBrk="0" hangingPunct="1">
+              <a:spcBef>
+                <a:spcPct val="20000"/>
+              </a:spcBef>
+              <a:spcAft>
+                <a:spcPts val="600"/>
+              </a:spcAft>
+              <a:buClr>
+                <a:schemeClr val="accent1"/>
+              </a:buClr>
+              <a:buFont typeface="Wingdings 2" charset="2"/>
+              <a:buChar char=""/>
+              <a:defRPr sz="1200" kern="1200">
+                <a:solidFill>
+                  <a:schemeClr val="tx1"/>
+                </a:solidFill>
+                <a:latin typeface="+mn-lt"/>
+                <a:ea typeface="+mn-ea"/>
+                <a:cs typeface="+mn-cs"/>
+              </a:defRPr>
+            </a:lvl7pPr>
+            <a:lvl8pPr marL="3200000" indent="-228600" algn="l" defTabSz="457200" rtl="0" eaLnBrk="1" latinLnBrk="0" hangingPunct="1">
+              <a:spcBef>
+                <a:spcPct val="20000"/>
+              </a:spcBef>
+              <a:spcAft>
+                <a:spcPts val="600"/>
+              </a:spcAft>
+              <a:buClr>
+                <a:schemeClr val="accent1"/>
+              </a:buClr>
+              <a:buFont typeface="Wingdings 2" charset="2"/>
+              <a:buChar char=""/>
+              <a:defRPr sz="1200" kern="1200">
+                <a:solidFill>
+                  <a:schemeClr val="tx1"/>
+                </a:solidFill>
+                <a:latin typeface="+mn-lt"/>
+                <a:ea typeface="+mn-ea"/>
+                <a:cs typeface="+mn-cs"/>
+              </a:defRPr>
+            </a:lvl8pPr>
+            <a:lvl9pPr marL="3600000" indent="-228600" algn="l" defTabSz="457200" rtl="0" eaLnBrk="1" latinLnBrk="0" hangingPunct="1">
+              <a:spcBef>
+                <a:spcPct val="20000"/>
+              </a:spcBef>
+              <a:spcAft>
+                <a:spcPts val="600"/>
+              </a:spcAft>
+              <a:buClr>
+                <a:schemeClr val="accent1"/>
+              </a:buClr>
+              <a:buFont typeface="Wingdings 2" charset="2"/>
+              <a:buChar char=""/>
+              <a:defRPr sz="1200" kern="1200">
+                <a:solidFill>
+                  <a:schemeClr val="tx1"/>
+                </a:solidFill>
+                <a:latin typeface="+mn-lt"/>
+                <a:ea typeface="+mn-ea"/>
+                <a:cs typeface="+mn-cs"/>
+              </a:defRPr>
+            </a:lvl9pPr>
+          </a:lstStyle>
+          <a:p>
+            <a:pPr marL="0" indent="0">
+              <a:buFont typeface="Wingdings 2" charset="2"/>
+              <a:buNone/>
+            </a:pPr>
+            <a:endParaRPr lang="en-IN" sz="2400" dirty="0" smtClean="0"/>
+          </a:p>
+        </p:txBody>
+      </p:sp>
+      <p:sp>
+        <p:nvSpPr>
+          <p:cNvPr id="11" name="Content Placeholder 2">
+            <a:extLst>
+              <a:ext uri="{FF2B5EF4-FFF2-40B4-BE49-F238E27FC236}">
+                <a16:creationId xmlns="" xmlns:a16="http://schemas.microsoft.com/office/drawing/2014/main" id="{8DB31CDA-ACB5-4C32-AB72-CE56539EFD0B}"/>
+              </a:ext>
+            </a:extLst>
+          </p:cNvPr>
+          <p:cNvSpPr txBox="1">
+            <a:spLocks/>
+          </p:cNvSpPr>
+          <p:nvPr/>
+        </p:nvSpPr>
+        <p:spPr>
+          <a:xfrm>
+            <a:off x="5070282" y="5193331"/>
+            <a:ext cx="949126" cy="333569"/>
+          </a:xfrm>
+          <a:prstGeom prst="rect">
+            <a:avLst/>
+          </a:prstGeom>
+          <a:effectLst>
+            <a:outerShdw blurRad="50800" dir="14400000">
+              <a:srgbClr val="000000">
+                <a:alpha val="40000"/>
+              </a:srgbClr>
+            </a:outerShdw>
+          </a:effectLst>
+        </p:spPr>
+        <p:txBody>
+          <a:bodyPr vert="horz" lIns="91440" tIns="45720" rIns="91440" bIns="45720" rtlCol="0" anchor="ctr">
+            <a:normAutofit fontScale="77500" lnSpcReduction="20000"/>
+          </a:bodyPr>
+          <a:lstStyle>
+            <a:lvl1pPr marL="342900" indent="-342900" algn="l" defTabSz="457200" rtl="0" eaLnBrk="1" latinLnBrk="0" hangingPunct="1">
+              <a:spcBef>
+                <a:spcPct val="20000"/>
+              </a:spcBef>
+              <a:spcAft>
+                <a:spcPts val="600"/>
+              </a:spcAft>
+              <a:buClr>
+                <a:schemeClr val="accent1"/>
+              </a:buClr>
+              <a:buFont typeface="Wingdings 2" charset="2"/>
+              <a:buChar char=""/>
+              <a:defRPr sz="1800" kern="1200">
+                <a:solidFill>
+                  <a:schemeClr val="tx1"/>
+                </a:solidFill>
+                <a:latin typeface="+mn-lt"/>
+                <a:ea typeface="+mn-ea"/>
+                <a:cs typeface="+mn-cs"/>
+              </a:defRPr>
+            </a:lvl1pPr>
+            <a:lvl2pPr marL="742950" indent="-285750" algn="l" defTabSz="457200" rtl="0" eaLnBrk="1" latinLnBrk="0" hangingPunct="1">
+              <a:spcBef>
+                <a:spcPct val="20000"/>
+              </a:spcBef>
+              <a:spcAft>
+                <a:spcPts val="600"/>
+              </a:spcAft>
+              <a:buClr>
+                <a:schemeClr val="accent1"/>
+              </a:buClr>
+              <a:buFont typeface="Wingdings 2" charset="2"/>
+              <a:buChar char=""/>
+              <a:defRPr sz="1600" kern="1200">
+                <a:solidFill>
+                  <a:schemeClr val="tx1"/>
+                </a:solidFill>
+                <a:latin typeface="+mn-lt"/>
+                <a:ea typeface="+mn-ea"/>
+                <a:cs typeface="+mn-cs"/>
+              </a:defRPr>
+            </a:lvl2pPr>
+            <a:lvl3pPr marL="1143000" indent="-228600" algn="l" defTabSz="457200" rtl="0" eaLnBrk="1" latinLnBrk="0" hangingPunct="1">
+              <a:spcBef>
+                <a:spcPct val="20000"/>
+              </a:spcBef>
+              <a:spcAft>
+                <a:spcPts val="600"/>
+              </a:spcAft>
+              <a:buClr>
+                <a:schemeClr val="accent1"/>
+              </a:buClr>
+              <a:buFont typeface="Wingdings 2" charset="2"/>
+              <a:buChar char=""/>
+              <a:defRPr sz="1400" kern="1200">
+                <a:solidFill>
+                  <a:schemeClr val="tx1"/>
+                </a:solidFill>
+                <a:latin typeface="+mn-lt"/>
+                <a:ea typeface="+mn-ea"/>
+                <a:cs typeface="+mn-cs"/>
+              </a:defRPr>
+            </a:lvl3pPr>
+            <a:lvl4pPr marL="1600200" indent="-228600" algn="l" defTabSz="457200" rtl="0" eaLnBrk="1" latinLnBrk="0" hangingPunct="1">
+              <a:spcBef>
+                <a:spcPct val="20000"/>
+              </a:spcBef>
+              <a:spcAft>
+                <a:spcPts val="600"/>
+              </a:spcAft>
+              <a:buClr>
+                <a:schemeClr val="accent1"/>
+              </a:buClr>
+              <a:buFont typeface="Wingdings 2" charset="2"/>
+              <a:buChar char=""/>
+              <a:defRPr sz="1200" kern="1200">
+                <a:solidFill>
+                  <a:schemeClr val="tx1"/>
+                </a:solidFill>
+                <a:latin typeface="+mn-lt"/>
+                <a:ea typeface="+mn-ea"/>
+                <a:cs typeface="+mn-cs"/>
+              </a:defRPr>
+            </a:lvl4pPr>
+            <a:lvl5pPr marL="2057400" indent="-228600" algn="l" defTabSz="457200" rtl="0" eaLnBrk="1" latinLnBrk="0" hangingPunct="1">
+              <a:spcBef>
+                <a:spcPct val="20000"/>
+              </a:spcBef>
+              <a:spcAft>
+                <a:spcPts val="600"/>
+              </a:spcAft>
+              <a:buClr>
+                <a:schemeClr val="accent1"/>
+              </a:buClr>
+              <a:buFont typeface="Wingdings 2" charset="2"/>
+              <a:buChar char=""/>
+              <a:defRPr sz="1200" kern="1200">
+                <a:solidFill>
+                  <a:schemeClr val="tx1"/>
+                </a:solidFill>
+                <a:latin typeface="+mn-lt"/>
+                <a:ea typeface="+mn-ea"/>
+                <a:cs typeface="+mn-cs"/>
+              </a:defRPr>
+            </a:lvl5pPr>
+            <a:lvl6pPr marL="2400000" indent="-228600" algn="l" defTabSz="457200" rtl="0" eaLnBrk="1" latinLnBrk="0" hangingPunct="1">
+              <a:spcBef>
+                <a:spcPct val="20000"/>
+              </a:spcBef>
+              <a:spcAft>
+                <a:spcPts val="600"/>
+              </a:spcAft>
+              <a:buClr>
+                <a:schemeClr val="accent1"/>
+              </a:buClr>
+              <a:buFont typeface="Wingdings 2" charset="2"/>
+              <a:buChar char=""/>
+              <a:defRPr sz="1200" kern="1200">
+                <a:solidFill>
+                  <a:schemeClr val="tx1"/>
+                </a:solidFill>
+                <a:latin typeface="+mn-lt"/>
+                <a:ea typeface="+mn-ea"/>
+                <a:cs typeface="+mn-cs"/>
+              </a:defRPr>
+            </a:lvl6pPr>
+            <a:lvl7pPr marL="2800000" indent="-228600" algn="l" defTabSz="457200" rtl="0" eaLnBrk="1" latinLnBrk="0" hangingPunct="1">
+              <a:spcBef>
+                <a:spcPct val="20000"/>
+              </a:spcBef>
+              <a:spcAft>
+                <a:spcPts val="600"/>
+              </a:spcAft>
+              <a:buClr>
+                <a:schemeClr val="accent1"/>
+              </a:buClr>
+              <a:buFont typeface="Wingdings 2" charset="2"/>
+              <a:buChar char=""/>
+              <a:defRPr sz="1200" kern="1200">
+                <a:solidFill>
+                  <a:schemeClr val="tx1"/>
+                </a:solidFill>
+                <a:latin typeface="+mn-lt"/>
+                <a:ea typeface="+mn-ea"/>
+                <a:cs typeface="+mn-cs"/>
+              </a:defRPr>
+            </a:lvl7pPr>
+            <a:lvl8pPr marL="3200000" indent="-228600" algn="l" defTabSz="457200" rtl="0" eaLnBrk="1" latinLnBrk="0" hangingPunct="1">
+              <a:spcBef>
+                <a:spcPct val="20000"/>
+              </a:spcBef>
+              <a:spcAft>
+                <a:spcPts val="600"/>
+              </a:spcAft>
+              <a:buClr>
+                <a:schemeClr val="accent1"/>
+              </a:buClr>
+              <a:buFont typeface="Wingdings 2" charset="2"/>
+              <a:buChar char=""/>
+              <a:defRPr sz="1200" kern="1200">
+                <a:solidFill>
+                  <a:schemeClr val="tx1"/>
+                </a:solidFill>
+                <a:latin typeface="+mn-lt"/>
+                <a:ea typeface="+mn-ea"/>
+                <a:cs typeface="+mn-cs"/>
+              </a:defRPr>
+            </a:lvl8pPr>
+            <a:lvl9pPr marL="3600000" indent="-228600" algn="l" defTabSz="457200" rtl="0" eaLnBrk="1" latinLnBrk="0" hangingPunct="1">
+              <a:spcBef>
+                <a:spcPct val="20000"/>
+              </a:spcBef>
+              <a:spcAft>
+                <a:spcPts val="600"/>
+              </a:spcAft>
+              <a:buClr>
+                <a:schemeClr val="accent1"/>
+              </a:buClr>
+              <a:buFont typeface="Wingdings 2" charset="2"/>
+              <a:buChar char=""/>
+              <a:defRPr sz="1200" kern="1200">
+                <a:solidFill>
+                  <a:schemeClr val="tx1"/>
+                </a:solidFill>
+                <a:latin typeface="+mn-lt"/>
+                <a:ea typeface="+mn-ea"/>
+                <a:cs typeface="+mn-cs"/>
+              </a:defRPr>
+            </a:lvl9pPr>
+          </a:lstStyle>
+          <a:p>
+            <a:pPr marL="0" indent="0">
+              <a:buFont typeface="Wingdings 2" charset="2"/>
+              <a:buNone/>
+            </a:pPr>
+            <a:endParaRPr lang="en-IN" sz="2400" dirty="0" smtClean="0"/>
+          </a:p>
+        </p:txBody>
+      </p:sp>
+      <p:sp>
+        <p:nvSpPr>
+          <p:cNvPr id="12" name="Content Placeholder 2">
+            <a:extLst>
+              <a:ext uri="{FF2B5EF4-FFF2-40B4-BE49-F238E27FC236}">
+                <a16:creationId xmlns="" xmlns:a16="http://schemas.microsoft.com/office/drawing/2014/main" id="{8DB31CDA-ACB5-4C32-AB72-CE56539EFD0B}"/>
+              </a:ext>
+            </a:extLst>
+          </p:cNvPr>
+          <p:cNvSpPr txBox="1">
+            <a:spLocks/>
+          </p:cNvSpPr>
+          <p:nvPr/>
+        </p:nvSpPr>
+        <p:spPr>
+          <a:xfrm>
+            <a:off x="11033760" y="6596931"/>
+            <a:ext cx="949126" cy="333569"/>
+          </a:xfrm>
+          <a:prstGeom prst="rect">
+            <a:avLst/>
+          </a:prstGeom>
+          <a:effectLst>
+            <a:outerShdw blurRad="50800" dir="14400000">
+              <a:srgbClr val="000000">
+                <a:alpha val="40000"/>
+              </a:srgbClr>
+            </a:outerShdw>
+          </a:effectLst>
+        </p:spPr>
+        <p:txBody>
+          <a:bodyPr vert="horz" lIns="91440" tIns="45720" rIns="91440" bIns="45720" rtlCol="0" anchor="ctr">
+            <a:normAutofit fontScale="77500" lnSpcReduction="20000"/>
+          </a:bodyPr>
+          <a:lstStyle>
+            <a:lvl1pPr marL="342900" indent="-342900" algn="l" defTabSz="457200" rtl="0" eaLnBrk="1" latinLnBrk="0" hangingPunct="1">
+              <a:spcBef>
+                <a:spcPct val="20000"/>
+              </a:spcBef>
+              <a:spcAft>
+                <a:spcPts val="600"/>
+              </a:spcAft>
+              <a:buClr>
+                <a:schemeClr val="accent1"/>
+              </a:buClr>
+              <a:buFont typeface="Wingdings 2" charset="2"/>
+              <a:buChar char=""/>
+              <a:defRPr sz="1800" kern="1200">
+                <a:solidFill>
+                  <a:schemeClr val="tx1"/>
+                </a:solidFill>
+                <a:latin typeface="+mn-lt"/>
+                <a:ea typeface="+mn-ea"/>
+                <a:cs typeface="+mn-cs"/>
+              </a:defRPr>
+            </a:lvl1pPr>
+            <a:lvl2pPr marL="742950" indent="-285750" algn="l" defTabSz="457200" rtl="0" eaLnBrk="1" latinLnBrk="0" hangingPunct="1">
+              <a:spcBef>
+                <a:spcPct val="20000"/>
+              </a:spcBef>
+              <a:spcAft>
+                <a:spcPts val="600"/>
+              </a:spcAft>
+              <a:buClr>
+                <a:schemeClr val="accent1"/>
+              </a:buClr>
+              <a:buFont typeface="Wingdings 2" charset="2"/>
+              <a:buChar char=""/>
+              <a:defRPr sz="1600" kern="1200">
+                <a:solidFill>
+                  <a:schemeClr val="tx1"/>
+                </a:solidFill>
+                <a:latin typeface="+mn-lt"/>
+                <a:ea typeface="+mn-ea"/>
+                <a:cs typeface="+mn-cs"/>
+              </a:defRPr>
+            </a:lvl2pPr>
+            <a:lvl3pPr marL="1143000" indent="-228600" algn="l" defTabSz="457200" rtl="0" eaLnBrk="1" latinLnBrk="0" hangingPunct="1">
+              <a:spcBef>
+                <a:spcPct val="20000"/>
+              </a:spcBef>
+              <a:spcAft>
+                <a:spcPts val="600"/>
+              </a:spcAft>
+              <a:buClr>
+                <a:schemeClr val="accent1"/>
+              </a:buClr>
+              <a:buFont typeface="Wingdings 2" charset="2"/>
+              <a:buChar char=""/>
+              <a:defRPr sz="1400" kern="1200">
+                <a:solidFill>
+                  <a:schemeClr val="tx1"/>
+                </a:solidFill>
+                <a:latin typeface="+mn-lt"/>
+                <a:ea typeface="+mn-ea"/>
+                <a:cs typeface="+mn-cs"/>
+              </a:defRPr>
+            </a:lvl3pPr>
+            <a:lvl4pPr marL="1600200" indent="-228600" algn="l" defTabSz="457200" rtl="0" eaLnBrk="1" latinLnBrk="0" hangingPunct="1">
+              <a:spcBef>
+                <a:spcPct val="20000"/>
+              </a:spcBef>
+              <a:spcAft>
+                <a:spcPts val="600"/>
+              </a:spcAft>
+              <a:buClr>
+                <a:schemeClr val="accent1"/>
+              </a:buClr>
+              <a:buFont typeface="Wingdings 2" charset="2"/>
+              <a:buChar char=""/>
+              <a:defRPr sz="1200" kern="1200">
+                <a:solidFill>
+                  <a:schemeClr val="tx1"/>
+                </a:solidFill>
+                <a:latin typeface="+mn-lt"/>
+                <a:ea typeface="+mn-ea"/>
+                <a:cs typeface="+mn-cs"/>
+              </a:defRPr>
+            </a:lvl4pPr>
+            <a:lvl5pPr marL="2057400" indent="-228600" algn="l" defTabSz="457200" rtl="0" eaLnBrk="1" latinLnBrk="0" hangingPunct="1">
+              <a:spcBef>
+                <a:spcPct val="20000"/>
+              </a:spcBef>
+              <a:spcAft>
+                <a:spcPts val="600"/>
+              </a:spcAft>
+              <a:buClr>
+                <a:schemeClr val="accent1"/>
+              </a:buClr>
+              <a:buFont typeface="Wingdings 2" charset="2"/>
+              <a:buChar char=""/>
+              <a:defRPr sz="1200" kern="1200">
+                <a:solidFill>
+                  <a:schemeClr val="tx1"/>
+                </a:solidFill>
+                <a:latin typeface="+mn-lt"/>
+                <a:ea typeface="+mn-ea"/>
+                <a:cs typeface="+mn-cs"/>
+              </a:defRPr>
+            </a:lvl5pPr>
+            <a:lvl6pPr marL="2400000" indent="-228600" algn="l" defTabSz="457200" rtl="0" eaLnBrk="1" latinLnBrk="0" hangingPunct="1">
+              <a:spcBef>
+                <a:spcPct val="20000"/>
+              </a:spcBef>
+              <a:spcAft>
+                <a:spcPts val="600"/>
+              </a:spcAft>
+              <a:buClr>
+                <a:schemeClr val="accent1"/>
+              </a:buClr>
+              <a:buFont typeface="Wingdings 2" charset="2"/>
+              <a:buChar char=""/>
+              <a:defRPr sz="1200" kern="1200">
+                <a:solidFill>
+                  <a:schemeClr val="tx1"/>
+                </a:solidFill>
+                <a:latin typeface="+mn-lt"/>
+                <a:ea typeface="+mn-ea"/>
+                <a:cs typeface="+mn-cs"/>
+              </a:defRPr>
+            </a:lvl6pPr>
+            <a:lvl7pPr marL="2800000" indent="-228600" algn="l" defTabSz="457200" rtl="0" eaLnBrk="1" latinLnBrk="0" hangingPunct="1">
+              <a:spcBef>
+                <a:spcPct val="20000"/>
+              </a:spcBef>
+              <a:spcAft>
+                <a:spcPts val="600"/>
+              </a:spcAft>
+              <a:buClr>
+                <a:schemeClr val="accent1"/>
+              </a:buClr>
+              <a:buFont typeface="Wingdings 2" charset="2"/>
+              <a:buChar char=""/>
+              <a:defRPr sz="1200" kern="1200">
+                <a:solidFill>
+                  <a:schemeClr val="tx1"/>
+                </a:solidFill>
+                <a:latin typeface="+mn-lt"/>
+                <a:ea typeface="+mn-ea"/>
+                <a:cs typeface="+mn-cs"/>
+              </a:defRPr>
+            </a:lvl7pPr>
+            <a:lvl8pPr marL="3200000" indent="-228600" algn="l" defTabSz="457200" rtl="0" eaLnBrk="1" latinLnBrk="0" hangingPunct="1">
+              <a:spcBef>
+                <a:spcPct val="20000"/>
+              </a:spcBef>
+              <a:spcAft>
+                <a:spcPts val="600"/>
+              </a:spcAft>
+              <a:buClr>
+                <a:schemeClr val="accent1"/>
+              </a:buClr>
+              <a:buFont typeface="Wingdings 2" charset="2"/>
+              <a:buChar char=""/>
+              <a:defRPr sz="1200" kern="1200">
+                <a:solidFill>
+                  <a:schemeClr val="tx1"/>
+                </a:solidFill>
+                <a:latin typeface="+mn-lt"/>
+                <a:ea typeface="+mn-ea"/>
+                <a:cs typeface="+mn-cs"/>
+              </a:defRPr>
+            </a:lvl8pPr>
+            <a:lvl9pPr marL="3600000" indent="-228600" algn="l" defTabSz="457200" rtl="0" eaLnBrk="1" latinLnBrk="0" hangingPunct="1">
+              <a:spcBef>
+                <a:spcPct val="20000"/>
+              </a:spcBef>
+              <a:spcAft>
+                <a:spcPts val="600"/>
+              </a:spcAft>
+              <a:buClr>
+                <a:schemeClr val="accent1"/>
+              </a:buClr>
+              <a:buFont typeface="Wingdings 2" charset="2"/>
+              <a:buChar char=""/>
+              <a:defRPr sz="1200" kern="1200">
+                <a:solidFill>
+                  <a:schemeClr val="tx1"/>
+                </a:solidFill>
+                <a:latin typeface="+mn-lt"/>
+                <a:ea typeface="+mn-ea"/>
+                <a:cs typeface="+mn-cs"/>
+              </a:defRPr>
+            </a:lvl9pPr>
+          </a:lstStyle>
+          <a:p>
+            <a:pPr marL="0" indent="0">
+              <a:buFont typeface="Wingdings 2" charset="2"/>
+              <a:buNone/>
+            </a:pPr>
+            <a:endParaRPr lang="en-IN" sz="2400" dirty="0" smtClean="0"/>
+          </a:p>
+        </p:txBody>
+      </p:sp>
     </p:spTree>
     <p:extLst>
       <p:ext uri="{BB962C8B-B14F-4D97-AF65-F5344CB8AC3E}">
-        <p14:creationId xmlns:p14="http://schemas.microsoft.com/office/powerpoint/2010/main" val="1660470809"/>
+        <p14:creationId xmlns:p14="http://schemas.microsoft.com/office/powerpoint/2010/main" val="1376670911"/>
       </p:ext>
     </p:extLst>
   </p:cSld>
@@ -5668,1981 +7475,10 @@
       </p:grpSpPr>
       <p:sp>
         <p:nvSpPr>
-          <p:cNvPr id="2" name="Title 1"/>
-          <p:cNvSpPr>
-            <a:spLocks noGrp="1"/>
-          </p:cNvSpPr>
-          <p:nvPr>
-            <p:ph type="title"/>
-          </p:nvPr>
-        </p:nvSpPr>
-        <p:spPr/>
-        <p:txBody>
-          <a:bodyPr/>
-          <a:lstStyle/>
-          <a:p>
-            <a:r>
-              <a:rPr lang="en-IN" dirty="0" smtClean="0"/>
-              <a:t>COST</a:t>
-            </a:r>
-            <a:endParaRPr lang="en-IN" dirty="0"/>
-          </a:p>
-        </p:txBody>
-      </p:sp>
-      <p:sp>
-        <p:nvSpPr>
-          <p:cNvPr id="3" name="Content Placeholder 2"/>
-          <p:cNvSpPr>
-            <a:spLocks noGrp="1"/>
-          </p:cNvSpPr>
-          <p:nvPr>
-            <p:ph idx="1"/>
-          </p:nvPr>
-        </p:nvSpPr>
-        <p:spPr>
-          <a:xfrm>
-            <a:off x="778956" y="1828799"/>
-            <a:ext cx="4977789" cy="2423835"/>
-          </a:xfrm>
-        </p:spPr>
-        <p:txBody>
-          <a:bodyPr>
-            <a:normAutofit/>
-          </a:bodyPr>
-          <a:lstStyle/>
-          <a:p>
-            <a:pPr>
-              <a:lnSpc>
-                <a:spcPct val="150000"/>
-              </a:lnSpc>
-            </a:pPr>
-            <a:r>
-              <a:rPr lang="en-IN" sz="2000" dirty="0" smtClean="0"/>
-              <a:t>Cost determine by vendor cost.</a:t>
-            </a:r>
-          </a:p>
-          <a:p>
-            <a:pPr>
-              <a:lnSpc>
-                <a:spcPct val="150000"/>
-              </a:lnSpc>
-            </a:pPr>
-            <a:r>
-              <a:rPr lang="en-IN" sz="2000" dirty="0" smtClean="0"/>
-              <a:t>Based on work instruction tools.</a:t>
-            </a:r>
-            <a:endParaRPr lang="en-IN" sz="2000" dirty="0"/>
-          </a:p>
-        </p:txBody>
-      </p:sp>
-      <p:sp>
-        <p:nvSpPr>
-          <p:cNvPr id="4" name="Content Placeholder 2">
-            <a:extLst>
-              <a:ext uri="{FF2B5EF4-FFF2-40B4-BE49-F238E27FC236}">
-                <a16:creationId xmlns:a16="http://schemas.microsoft.com/office/drawing/2014/main" xmlns="" id="{8DB31CDA-ACB5-4C32-AB72-CE56539EFD0B}"/>
-              </a:ext>
-            </a:extLst>
-          </p:cNvPr>
-          <p:cNvSpPr txBox="1">
-            <a:spLocks/>
-          </p:cNvSpPr>
-          <p:nvPr/>
-        </p:nvSpPr>
-        <p:spPr>
-          <a:xfrm>
-            <a:off x="10424160" y="5987331"/>
-            <a:ext cx="949126" cy="333569"/>
-          </a:xfrm>
-          <a:prstGeom prst="rect">
-            <a:avLst/>
-          </a:prstGeom>
-          <a:effectLst>
-            <a:outerShdw blurRad="50800" dir="14400000">
-              <a:srgbClr val="000000">
-                <a:alpha val="40000"/>
-              </a:srgbClr>
-            </a:outerShdw>
-          </a:effectLst>
-        </p:spPr>
-        <p:txBody>
-          <a:bodyPr vert="horz" lIns="91440" tIns="45720" rIns="91440" bIns="45720" rtlCol="0" anchor="ctr">
-            <a:normAutofit fontScale="77500" lnSpcReduction="20000"/>
-          </a:bodyPr>
-          <a:lstStyle>
-            <a:lvl1pPr marL="342900" indent="-342900" algn="l" defTabSz="457200" rtl="0" eaLnBrk="1" latinLnBrk="0" hangingPunct="1">
-              <a:spcBef>
-                <a:spcPct val="20000"/>
-              </a:spcBef>
-              <a:spcAft>
-                <a:spcPts val="600"/>
-              </a:spcAft>
-              <a:buClr>
-                <a:schemeClr val="accent1"/>
-              </a:buClr>
-              <a:buFont typeface="Wingdings 2" charset="2"/>
-              <a:buChar char=""/>
-              <a:defRPr sz="1800" kern="1200">
-                <a:solidFill>
-                  <a:schemeClr val="tx1"/>
-                </a:solidFill>
-                <a:latin typeface="+mn-lt"/>
-                <a:ea typeface="+mn-ea"/>
-                <a:cs typeface="+mn-cs"/>
-              </a:defRPr>
-            </a:lvl1pPr>
-            <a:lvl2pPr marL="742950" indent="-285750" algn="l" defTabSz="457200" rtl="0" eaLnBrk="1" latinLnBrk="0" hangingPunct="1">
-              <a:spcBef>
-                <a:spcPct val="20000"/>
-              </a:spcBef>
-              <a:spcAft>
-                <a:spcPts val="600"/>
-              </a:spcAft>
-              <a:buClr>
-                <a:schemeClr val="accent1"/>
-              </a:buClr>
-              <a:buFont typeface="Wingdings 2" charset="2"/>
-              <a:buChar char=""/>
-              <a:defRPr sz="1600" kern="1200">
-                <a:solidFill>
-                  <a:schemeClr val="tx1"/>
-                </a:solidFill>
-                <a:latin typeface="+mn-lt"/>
-                <a:ea typeface="+mn-ea"/>
-                <a:cs typeface="+mn-cs"/>
-              </a:defRPr>
-            </a:lvl2pPr>
-            <a:lvl3pPr marL="1143000" indent="-228600" algn="l" defTabSz="457200" rtl="0" eaLnBrk="1" latinLnBrk="0" hangingPunct="1">
-              <a:spcBef>
-                <a:spcPct val="20000"/>
-              </a:spcBef>
-              <a:spcAft>
-                <a:spcPts val="600"/>
-              </a:spcAft>
-              <a:buClr>
-                <a:schemeClr val="accent1"/>
-              </a:buClr>
-              <a:buFont typeface="Wingdings 2" charset="2"/>
-              <a:buChar char=""/>
-              <a:defRPr sz="1400" kern="1200">
-                <a:solidFill>
-                  <a:schemeClr val="tx1"/>
-                </a:solidFill>
-                <a:latin typeface="+mn-lt"/>
-                <a:ea typeface="+mn-ea"/>
-                <a:cs typeface="+mn-cs"/>
-              </a:defRPr>
-            </a:lvl3pPr>
-            <a:lvl4pPr marL="1600200" indent="-228600" algn="l" defTabSz="457200" rtl="0" eaLnBrk="1" latinLnBrk="0" hangingPunct="1">
-              <a:spcBef>
-                <a:spcPct val="20000"/>
-              </a:spcBef>
-              <a:spcAft>
-                <a:spcPts val="600"/>
-              </a:spcAft>
-              <a:buClr>
-                <a:schemeClr val="accent1"/>
-              </a:buClr>
-              <a:buFont typeface="Wingdings 2" charset="2"/>
-              <a:buChar char=""/>
-              <a:defRPr sz="1200" kern="1200">
-                <a:solidFill>
-                  <a:schemeClr val="tx1"/>
-                </a:solidFill>
-                <a:latin typeface="+mn-lt"/>
-                <a:ea typeface="+mn-ea"/>
-                <a:cs typeface="+mn-cs"/>
-              </a:defRPr>
-            </a:lvl4pPr>
-            <a:lvl5pPr marL="2057400" indent="-228600" algn="l" defTabSz="457200" rtl="0" eaLnBrk="1" latinLnBrk="0" hangingPunct="1">
-              <a:spcBef>
-                <a:spcPct val="20000"/>
-              </a:spcBef>
-              <a:spcAft>
-                <a:spcPts val="600"/>
-              </a:spcAft>
-              <a:buClr>
-                <a:schemeClr val="accent1"/>
-              </a:buClr>
-              <a:buFont typeface="Wingdings 2" charset="2"/>
-              <a:buChar char=""/>
-              <a:defRPr sz="1200" kern="1200">
-                <a:solidFill>
-                  <a:schemeClr val="tx1"/>
-                </a:solidFill>
-                <a:latin typeface="+mn-lt"/>
-                <a:ea typeface="+mn-ea"/>
-                <a:cs typeface="+mn-cs"/>
-              </a:defRPr>
-            </a:lvl5pPr>
-            <a:lvl6pPr marL="2400000" indent="-228600" algn="l" defTabSz="457200" rtl="0" eaLnBrk="1" latinLnBrk="0" hangingPunct="1">
-              <a:spcBef>
-                <a:spcPct val="20000"/>
-              </a:spcBef>
-              <a:spcAft>
-                <a:spcPts val="600"/>
-              </a:spcAft>
-              <a:buClr>
-                <a:schemeClr val="accent1"/>
-              </a:buClr>
-              <a:buFont typeface="Wingdings 2" charset="2"/>
-              <a:buChar char=""/>
-              <a:defRPr sz="1200" kern="1200">
-                <a:solidFill>
-                  <a:schemeClr val="tx1"/>
-                </a:solidFill>
-                <a:latin typeface="+mn-lt"/>
-                <a:ea typeface="+mn-ea"/>
-                <a:cs typeface="+mn-cs"/>
-              </a:defRPr>
-            </a:lvl6pPr>
-            <a:lvl7pPr marL="2800000" indent="-228600" algn="l" defTabSz="457200" rtl="0" eaLnBrk="1" latinLnBrk="0" hangingPunct="1">
-              <a:spcBef>
-                <a:spcPct val="20000"/>
-              </a:spcBef>
-              <a:spcAft>
-                <a:spcPts val="600"/>
-              </a:spcAft>
-              <a:buClr>
-                <a:schemeClr val="accent1"/>
-              </a:buClr>
-              <a:buFont typeface="Wingdings 2" charset="2"/>
-              <a:buChar char=""/>
-              <a:defRPr sz="1200" kern="1200">
-                <a:solidFill>
-                  <a:schemeClr val="tx1"/>
-                </a:solidFill>
-                <a:latin typeface="+mn-lt"/>
-                <a:ea typeface="+mn-ea"/>
-                <a:cs typeface="+mn-cs"/>
-              </a:defRPr>
-            </a:lvl7pPr>
-            <a:lvl8pPr marL="3200000" indent="-228600" algn="l" defTabSz="457200" rtl="0" eaLnBrk="1" latinLnBrk="0" hangingPunct="1">
-              <a:spcBef>
-                <a:spcPct val="20000"/>
-              </a:spcBef>
-              <a:spcAft>
-                <a:spcPts val="600"/>
-              </a:spcAft>
-              <a:buClr>
-                <a:schemeClr val="accent1"/>
-              </a:buClr>
-              <a:buFont typeface="Wingdings 2" charset="2"/>
-              <a:buChar char=""/>
-              <a:defRPr sz="1200" kern="1200">
-                <a:solidFill>
-                  <a:schemeClr val="tx1"/>
-                </a:solidFill>
-                <a:latin typeface="+mn-lt"/>
-                <a:ea typeface="+mn-ea"/>
-                <a:cs typeface="+mn-cs"/>
-              </a:defRPr>
-            </a:lvl8pPr>
-            <a:lvl9pPr marL="3600000" indent="-228600" algn="l" defTabSz="457200" rtl="0" eaLnBrk="1" latinLnBrk="0" hangingPunct="1">
-              <a:spcBef>
-                <a:spcPct val="20000"/>
-              </a:spcBef>
-              <a:spcAft>
-                <a:spcPts val="600"/>
-              </a:spcAft>
-              <a:buClr>
-                <a:schemeClr val="accent1"/>
-              </a:buClr>
-              <a:buFont typeface="Wingdings 2" charset="2"/>
-              <a:buChar char=""/>
-              <a:defRPr sz="1200" kern="1200">
-                <a:solidFill>
-                  <a:schemeClr val="tx1"/>
-                </a:solidFill>
-                <a:latin typeface="+mn-lt"/>
-                <a:ea typeface="+mn-ea"/>
-                <a:cs typeface="+mn-cs"/>
-              </a:defRPr>
-            </a:lvl9pPr>
-          </a:lstStyle>
-          <a:p>
-            <a:pPr marL="0" indent="0">
-              <a:buFont typeface="Wingdings 2" charset="2"/>
-              <a:buNone/>
-            </a:pPr>
-            <a:endParaRPr lang="en-IN" sz="2400" dirty="0" smtClean="0"/>
-          </a:p>
-        </p:txBody>
-      </p:sp>
-      <p:sp>
-        <p:nvSpPr>
-          <p:cNvPr id="5" name="Content Placeholder 2">
-            <a:extLst>
-              <a:ext uri="{FF2B5EF4-FFF2-40B4-BE49-F238E27FC236}">
-                <a16:creationId xmlns:a16="http://schemas.microsoft.com/office/drawing/2014/main" xmlns="" id="{8DB31CDA-ACB5-4C32-AB72-CE56539EFD0B}"/>
-              </a:ext>
-            </a:extLst>
-          </p:cNvPr>
-          <p:cNvSpPr txBox="1">
-            <a:spLocks/>
-          </p:cNvSpPr>
-          <p:nvPr/>
-        </p:nvSpPr>
-        <p:spPr>
-          <a:xfrm>
-            <a:off x="10576560" y="6139731"/>
-            <a:ext cx="949126" cy="333569"/>
-          </a:xfrm>
-          <a:prstGeom prst="rect">
-            <a:avLst/>
-          </a:prstGeom>
-          <a:effectLst>
-            <a:outerShdw blurRad="50800" dir="14400000">
-              <a:srgbClr val="000000">
-                <a:alpha val="40000"/>
-              </a:srgbClr>
-            </a:outerShdw>
-          </a:effectLst>
-        </p:spPr>
-        <p:txBody>
-          <a:bodyPr vert="horz" lIns="91440" tIns="45720" rIns="91440" bIns="45720" rtlCol="0" anchor="ctr">
-            <a:normAutofit fontScale="77500" lnSpcReduction="20000"/>
-          </a:bodyPr>
-          <a:lstStyle>
-            <a:lvl1pPr marL="342900" indent="-342900" algn="l" defTabSz="457200" rtl="0" eaLnBrk="1" latinLnBrk="0" hangingPunct="1">
-              <a:spcBef>
-                <a:spcPct val="20000"/>
-              </a:spcBef>
-              <a:spcAft>
-                <a:spcPts val="600"/>
-              </a:spcAft>
-              <a:buClr>
-                <a:schemeClr val="accent1"/>
-              </a:buClr>
-              <a:buFont typeface="Wingdings 2" charset="2"/>
-              <a:buChar char=""/>
-              <a:defRPr sz="1800" kern="1200">
-                <a:solidFill>
-                  <a:schemeClr val="tx1"/>
-                </a:solidFill>
-                <a:latin typeface="+mn-lt"/>
-                <a:ea typeface="+mn-ea"/>
-                <a:cs typeface="+mn-cs"/>
-              </a:defRPr>
-            </a:lvl1pPr>
-            <a:lvl2pPr marL="742950" indent="-285750" algn="l" defTabSz="457200" rtl="0" eaLnBrk="1" latinLnBrk="0" hangingPunct="1">
-              <a:spcBef>
-                <a:spcPct val="20000"/>
-              </a:spcBef>
-              <a:spcAft>
-                <a:spcPts val="600"/>
-              </a:spcAft>
-              <a:buClr>
-                <a:schemeClr val="accent1"/>
-              </a:buClr>
-              <a:buFont typeface="Wingdings 2" charset="2"/>
-              <a:buChar char=""/>
-              <a:defRPr sz="1600" kern="1200">
-                <a:solidFill>
-                  <a:schemeClr val="tx1"/>
-                </a:solidFill>
-                <a:latin typeface="+mn-lt"/>
-                <a:ea typeface="+mn-ea"/>
-                <a:cs typeface="+mn-cs"/>
-              </a:defRPr>
-            </a:lvl2pPr>
-            <a:lvl3pPr marL="1143000" indent="-228600" algn="l" defTabSz="457200" rtl="0" eaLnBrk="1" latinLnBrk="0" hangingPunct="1">
-              <a:spcBef>
-                <a:spcPct val="20000"/>
-              </a:spcBef>
-              <a:spcAft>
-                <a:spcPts val="600"/>
-              </a:spcAft>
-              <a:buClr>
-                <a:schemeClr val="accent1"/>
-              </a:buClr>
-              <a:buFont typeface="Wingdings 2" charset="2"/>
-              <a:buChar char=""/>
-              <a:defRPr sz="1400" kern="1200">
-                <a:solidFill>
-                  <a:schemeClr val="tx1"/>
-                </a:solidFill>
-                <a:latin typeface="+mn-lt"/>
-                <a:ea typeface="+mn-ea"/>
-                <a:cs typeface="+mn-cs"/>
-              </a:defRPr>
-            </a:lvl3pPr>
-            <a:lvl4pPr marL="1600200" indent="-228600" algn="l" defTabSz="457200" rtl="0" eaLnBrk="1" latinLnBrk="0" hangingPunct="1">
-              <a:spcBef>
-                <a:spcPct val="20000"/>
-              </a:spcBef>
-              <a:spcAft>
-                <a:spcPts val="600"/>
-              </a:spcAft>
-              <a:buClr>
-                <a:schemeClr val="accent1"/>
-              </a:buClr>
-              <a:buFont typeface="Wingdings 2" charset="2"/>
-              <a:buChar char=""/>
-              <a:defRPr sz="1200" kern="1200">
-                <a:solidFill>
-                  <a:schemeClr val="tx1"/>
-                </a:solidFill>
-                <a:latin typeface="+mn-lt"/>
-                <a:ea typeface="+mn-ea"/>
-                <a:cs typeface="+mn-cs"/>
-              </a:defRPr>
-            </a:lvl4pPr>
-            <a:lvl5pPr marL="2057400" indent="-228600" algn="l" defTabSz="457200" rtl="0" eaLnBrk="1" latinLnBrk="0" hangingPunct="1">
-              <a:spcBef>
-                <a:spcPct val="20000"/>
-              </a:spcBef>
-              <a:spcAft>
-                <a:spcPts val="600"/>
-              </a:spcAft>
-              <a:buClr>
-                <a:schemeClr val="accent1"/>
-              </a:buClr>
-              <a:buFont typeface="Wingdings 2" charset="2"/>
-              <a:buChar char=""/>
-              <a:defRPr sz="1200" kern="1200">
-                <a:solidFill>
-                  <a:schemeClr val="tx1"/>
-                </a:solidFill>
-                <a:latin typeface="+mn-lt"/>
-                <a:ea typeface="+mn-ea"/>
-                <a:cs typeface="+mn-cs"/>
-              </a:defRPr>
-            </a:lvl5pPr>
-            <a:lvl6pPr marL="2400000" indent="-228600" algn="l" defTabSz="457200" rtl="0" eaLnBrk="1" latinLnBrk="0" hangingPunct="1">
-              <a:spcBef>
-                <a:spcPct val="20000"/>
-              </a:spcBef>
-              <a:spcAft>
-                <a:spcPts val="600"/>
-              </a:spcAft>
-              <a:buClr>
-                <a:schemeClr val="accent1"/>
-              </a:buClr>
-              <a:buFont typeface="Wingdings 2" charset="2"/>
-              <a:buChar char=""/>
-              <a:defRPr sz="1200" kern="1200">
-                <a:solidFill>
-                  <a:schemeClr val="tx1"/>
-                </a:solidFill>
-                <a:latin typeface="+mn-lt"/>
-                <a:ea typeface="+mn-ea"/>
-                <a:cs typeface="+mn-cs"/>
-              </a:defRPr>
-            </a:lvl6pPr>
-            <a:lvl7pPr marL="2800000" indent="-228600" algn="l" defTabSz="457200" rtl="0" eaLnBrk="1" latinLnBrk="0" hangingPunct="1">
-              <a:spcBef>
-                <a:spcPct val="20000"/>
-              </a:spcBef>
-              <a:spcAft>
-                <a:spcPts val="600"/>
-              </a:spcAft>
-              <a:buClr>
-                <a:schemeClr val="accent1"/>
-              </a:buClr>
-              <a:buFont typeface="Wingdings 2" charset="2"/>
-              <a:buChar char=""/>
-              <a:defRPr sz="1200" kern="1200">
-                <a:solidFill>
-                  <a:schemeClr val="tx1"/>
-                </a:solidFill>
-                <a:latin typeface="+mn-lt"/>
-                <a:ea typeface="+mn-ea"/>
-                <a:cs typeface="+mn-cs"/>
-              </a:defRPr>
-            </a:lvl7pPr>
-            <a:lvl8pPr marL="3200000" indent="-228600" algn="l" defTabSz="457200" rtl="0" eaLnBrk="1" latinLnBrk="0" hangingPunct="1">
-              <a:spcBef>
-                <a:spcPct val="20000"/>
-              </a:spcBef>
-              <a:spcAft>
-                <a:spcPts val="600"/>
-              </a:spcAft>
-              <a:buClr>
-                <a:schemeClr val="accent1"/>
-              </a:buClr>
-              <a:buFont typeface="Wingdings 2" charset="2"/>
-              <a:buChar char=""/>
-              <a:defRPr sz="1200" kern="1200">
-                <a:solidFill>
-                  <a:schemeClr val="tx1"/>
-                </a:solidFill>
-                <a:latin typeface="+mn-lt"/>
-                <a:ea typeface="+mn-ea"/>
-                <a:cs typeface="+mn-cs"/>
-              </a:defRPr>
-            </a:lvl8pPr>
-            <a:lvl9pPr marL="3600000" indent="-228600" algn="l" defTabSz="457200" rtl="0" eaLnBrk="1" latinLnBrk="0" hangingPunct="1">
-              <a:spcBef>
-                <a:spcPct val="20000"/>
-              </a:spcBef>
-              <a:spcAft>
-                <a:spcPts val="600"/>
-              </a:spcAft>
-              <a:buClr>
-                <a:schemeClr val="accent1"/>
-              </a:buClr>
-              <a:buFont typeface="Wingdings 2" charset="2"/>
-              <a:buChar char=""/>
-              <a:defRPr sz="1200" kern="1200">
-                <a:solidFill>
-                  <a:schemeClr val="tx1"/>
-                </a:solidFill>
-                <a:latin typeface="+mn-lt"/>
-                <a:ea typeface="+mn-ea"/>
-                <a:cs typeface="+mn-cs"/>
-              </a:defRPr>
-            </a:lvl9pPr>
-          </a:lstStyle>
-          <a:p>
-            <a:pPr marL="0" indent="0">
-              <a:buFont typeface="Wingdings 2" charset="2"/>
-              <a:buNone/>
-            </a:pPr>
-            <a:endParaRPr lang="en-IN" sz="2400" dirty="0" smtClean="0"/>
-          </a:p>
-        </p:txBody>
-      </p:sp>
-      <p:sp>
-        <p:nvSpPr>
-          <p:cNvPr id="6" name="Content Placeholder 2">
-            <a:extLst>
-              <a:ext uri="{FF2B5EF4-FFF2-40B4-BE49-F238E27FC236}">
-                <a16:creationId xmlns:a16="http://schemas.microsoft.com/office/drawing/2014/main" xmlns="" id="{8DB31CDA-ACB5-4C32-AB72-CE56539EFD0B}"/>
-              </a:ext>
-            </a:extLst>
-          </p:cNvPr>
-          <p:cNvSpPr txBox="1">
-            <a:spLocks/>
-          </p:cNvSpPr>
-          <p:nvPr/>
-        </p:nvSpPr>
-        <p:spPr>
-          <a:xfrm>
-            <a:off x="10728960" y="6292131"/>
-            <a:ext cx="949126" cy="333569"/>
-          </a:xfrm>
-          <a:prstGeom prst="rect">
-            <a:avLst/>
-          </a:prstGeom>
-          <a:effectLst>
-            <a:outerShdw blurRad="50800" dir="14400000">
-              <a:srgbClr val="000000">
-                <a:alpha val="40000"/>
-              </a:srgbClr>
-            </a:outerShdw>
-          </a:effectLst>
-        </p:spPr>
-        <p:txBody>
-          <a:bodyPr vert="horz" lIns="91440" tIns="45720" rIns="91440" bIns="45720" rtlCol="0" anchor="ctr">
-            <a:normAutofit fontScale="77500" lnSpcReduction="20000"/>
-          </a:bodyPr>
-          <a:lstStyle>
-            <a:lvl1pPr marL="342900" indent="-342900" algn="l" defTabSz="457200" rtl="0" eaLnBrk="1" latinLnBrk="0" hangingPunct="1">
-              <a:spcBef>
-                <a:spcPct val="20000"/>
-              </a:spcBef>
-              <a:spcAft>
-                <a:spcPts val="600"/>
-              </a:spcAft>
-              <a:buClr>
-                <a:schemeClr val="accent1"/>
-              </a:buClr>
-              <a:buFont typeface="Wingdings 2" charset="2"/>
-              <a:buChar char=""/>
-              <a:defRPr sz="1800" kern="1200">
-                <a:solidFill>
-                  <a:schemeClr val="tx1"/>
-                </a:solidFill>
-                <a:latin typeface="+mn-lt"/>
-                <a:ea typeface="+mn-ea"/>
-                <a:cs typeface="+mn-cs"/>
-              </a:defRPr>
-            </a:lvl1pPr>
-            <a:lvl2pPr marL="742950" indent="-285750" algn="l" defTabSz="457200" rtl="0" eaLnBrk="1" latinLnBrk="0" hangingPunct="1">
-              <a:spcBef>
-                <a:spcPct val="20000"/>
-              </a:spcBef>
-              <a:spcAft>
-                <a:spcPts val="600"/>
-              </a:spcAft>
-              <a:buClr>
-                <a:schemeClr val="accent1"/>
-              </a:buClr>
-              <a:buFont typeface="Wingdings 2" charset="2"/>
-              <a:buChar char=""/>
-              <a:defRPr sz="1600" kern="1200">
-                <a:solidFill>
-                  <a:schemeClr val="tx1"/>
-                </a:solidFill>
-                <a:latin typeface="+mn-lt"/>
-                <a:ea typeface="+mn-ea"/>
-                <a:cs typeface="+mn-cs"/>
-              </a:defRPr>
-            </a:lvl2pPr>
-            <a:lvl3pPr marL="1143000" indent="-228600" algn="l" defTabSz="457200" rtl="0" eaLnBrk="1" latinLnBrk="0" hangingPunct="1">
-              <a:spcBef>
-                <a:spcPct val="20000"/>
-              </a:spcBef>
-              <a:spcAft>
-                <a:spcPts val="600"/>
-              </a:spcAft>
-              <a:buClr>
-                <a:schemeClr val="accent1"/>
-              </a:buClr>
-              <a:buFont typeface="Wingdings 2" charset="2"/>
-              <a:buChar char=""/>
-              <a:defRPr sz="1400" kern="1200">
-                <a:solidFill>
-                  <a:schemeClr val="tx1"/>
-                </a:solidFill>
-                <a:latin typeface="+mn-lt"/>
-                <a:ea typeface="+mn-ea"/>
-                <a:cs typeface="+mn-cs"/>
-              </a:defRPr>
-            </a:lvl3pPr>
-            <a:lvl4pPr marL="1600200" indent="-228600" algn="l" defTabSz="457200" rtl="0" eaLnBrk="1" latinLnBrk="0" hangingPunct="1">
-              <a:spcBef>
-                <a:spcPct val="20000"/>
-              </a:spcBef>
-              <a:spcAft>
-                <a:spcPts val="600"/>
-              </a:spcAft>
-              <a:buClr>
-                <a:schemeClr val="accent1"/>
-              </a:buClr>
-              <a:buFont typeface="Wingdings 2" charset="2"/>
-              <a:buChar char=""/>
-              <a:defRPr sz="1200" kern="1200">
-                <a:solidFill>
-                  <a:schemeClr val="tx1"/>
-                </a:solidFill>
-                <a:latin typeface="+mn-lt"/>
-                <a:ea typeface="+mn-ea"/>
-                <a:cs typeface="+mn-cs"/>
-              </a:defRPr>
-            </a:lvl4pPr>
-            <a:lvl5pPr marL="2057400" indent="-228600" algn="l" defTabSz="457200" rtl="0" eaLnBrk="1" latinLnBrk="0" hangingPunct="1">
-              <a:spcBef>
-                <a:spcPct val="20000"/>
-              </a:spcBef>
-              <a:spcAft>
-                <a:spcPts val="600"/>
-              </a:spcAft>
-              <a:buClr>
-                <a:schemeClr val="accent1"/>
-              </a:buClr>
-              <a:buFont typeface="Wingdings 2" charset="2"/>
-              <a:buChar char=""/>
-              <a:defRPr sz="1200" kern="1200">
-                <a:solidFill>
-                  <a:schemeClr val="tx1"/>
-                </a:solidFill>
-                <a:latin typeface="+mn-lt"/>
-                <a:ea typeface="+mn-ea"/>
-                <a:cs typeface="+mn-cs"/>
-              </a:defRPr>
-            </a:lvl5pPr>
-            <a:lvl6pPr marL="2400000" indent="-228600" algn="l" defTabSz="457200" rtl="0" eaLnBrk="1" latinLnBrk="0" hangingPunct="1">
-              <a:spcBef>
-                <a:spcPct val="20000"/>
-              </a:spcBef>
-              <a:spcAft>
-                <a:spcPts val="600"/>
-              </a:spcAft>
-              <a:buClr>
-                <a:schemeClr val="accent1"/>
-              </a:buClr>
-              <a:buFont typeface="Wingdings 2" charset="2"/>
-              <a:buChar char=""/>
-              <a:defRPr sz="1200" kern="1200">
-                <a:solidFill>
-                  <a:schemeClr val="tx1"/>
-                </a:solidFill>
-                <a:latin typeface="+mn-lt"/>
-                <a:ea typeface="+mn-ea"/>
-                <a:cs typeface="+mn-cs"/>
-              </a:defRPr>
-            </a:lvl6pPr>
-            <a:lvl7pPr marL="2800000" indent="-228600" algn="l" defTabSz="457200" rtl="0" eaLnBrk="1" latinLnBrk="0" hangingPunct="1">
-              <a:spcBef>
-                <a:spcPct val="20000"/>
-              </a:spcBef>
-              <a:spcAft>
-                <a:spcPts val="600"/>
-              </a:spcAft>
-              <a:buClr>
-                <a:schemeClr val="accent1"/>
-              </a:buClr>
-              <a:buFont typeface="Wingdings 2" charset="2"/>
-              <a:buChar char=""/>
-              <a:defRPr sz="1200" kern="1200">
-                <a:solidFill>
-                  <a:schemeClr val="tx1"/>
-                </a:solidFill>
-                <a:latin typeface="+mn-lt"/>
-                <a:ea typeface="+mn-ea"/>
-                <a:cs typeface="+mn-cs"/>
-              </a:defRPr>
-            </a:lvl7pPr>
-            <a:lvl8pPr marL="3200000" indent="-228600" algn="l" defTabSz="457200" rtl="0" eaLnBrk="1" latinLnBrk="0" hangingPunct="1">
-              <a:spcBef>
-                <a:spcPct val="20000"/>
-              </a:spcBef>
-              <a:spcAft>
-                <a:spcPts val="600"/>
-              </a:spcAft>
-              <a:buClr>
-                <a:schemeClr val="accent1"/>
-              </a:buClr>
-              <a:buFont typeface="Wingdings 2" charset="2"/>
-              <a:buChar char=""/>
-              <a:defRPr sz="1200" kern="1200">
-                <a:solidFill>
-                  <a:schemeClr val="tx1"/>
-                </a:solidFill>
-                <a:latin typeface="+mn-lt"/>
-                <a:ea typeface="+mn-ea"/>
-                <a:cs typeface="+mn-cs"/>
-              </a:defRPr>
-            </a:lvl8pPr>
-            <a:lvl9pPr marL="3600000" indent="-228600" algn="l" defTabSz="457200" rtl="0" eaLnBrk="1" latinLnBrk="0" hangingPunct="1">
-              <a:spcBef>
-                <a:spcPct val="20000"/>
-              </a:spcBef>
-              <a:spcAft>
-                <a:spcPts val="600"/>
-              </a:spcAft>
-              <a:buClr>
-                <a:schemeClr val="accent1"/>
-              </a:buClr>
-              <a:buFont typeface="Wingdings 2" charset="2"/>
-              <a:buChar char=""/>
-              <a:defRPr sz="1200" kern="1200">
-                <a:solidFill>
-                  <a:schemeClr val="tx1"/>
-                </a:solidFill>
-                <a:latin typeface="+mn-lt"/>
-                <a:ea typeface="+mn-ea"/>
-                <a:cs typeface="+mn-cs"/>
-              </a:defRPr>
-            </a:lvl9pPr>
-          </a:lstStyle>
-          <a:p>
-            <a:pPr marL="0" indent="0">
-              <a:buFont typeface="Wingdings 2" charset="2"/>
-              <a:buNone/>
-            </a:pPr>
-            <a:endParaRPr lang="en-IN" sz="2400" dirty="0" smtClean="0"/>
-          </a:p>
-        </p:txBody>
-      </p:sp>
-      <p:sp>
-        <p:nvSpPr>
-          <p:cNvPr id="7" name="Content Placeholder 2">
-            <a:extLst>
-              <a:ext uri="{FF2B5EF4-FFF2-40B4-BE49-F238E27FC236}">
-                <a16:creationId xmlns:a16="http://schemas.microsoft.com/office/drawing/2014/main" xmlns="" id="{8DB31CDA-ACB5-4C32-AB72-CE56539EFD0B}"/>
-              </a:ext>
-            </a:extLst>
-          </p:cNvPr>
-          <p:cNvSpPr txBox="1">
-            <a:spLocks/>
-          </p:cNvSpPr>
-          <p:nvPr/>
-        </p:nvSpPr>
-        <p:spPr>
-          <a:xfrm>
-            <a:off x="10881360" y="6444531"/>
-            <a:ext cx="949126" cy="333569"/>
-          </a:xfrm>
-          <a:prstGeom prst="rect">
-            <a:avLst/>
-          </a:prstGeom>
-          <a:effectLst>
-            <a:outerShdw blurRad="50800" dir="14400000">
-              <a:srgbClr val="000000">
-                <a:alpha val="40000"/>
-              </a:srgbClr>
-            </a:outerShdw>
-          </a:effectLst>
-        </p:spPr>
-        <p:txBody>
-          <a:bodyPr vert="horz" lIns="91440" tIns="45720" rIns="91440" bIns="45720" rtlCol="0" anchor="ctr">
-            <a:normAutofit fontScale="77500" lnSpcReduction="20000"/>
-          </a:bodyPr>
-          <a:lstStyle>
-            <a:lvl1pPr marL="342900" indent="-342900" algn="l" defTabSz="457200" rtl="0" eaLnBrk="1" latinLnBrk="0" hangingPunct="1">
-              <a:spcBef>
-                <a:spcPct val="20000"/>
-              </a:spcBef>
-              <a:spcAft>
-                <a:spcPts val="600"/>
-              </a:spcAft>
-              <a:buClr>
-                <a:schemeClr val="accent1"/>
-              </a:buClr>
-              <a:buFont typeface="Wingdings 2" charset="2"/>
-              <a:buChar char=""/>
-              <a:defRPr sz="1800" kern="1200">
-                <a:solidFill>
-                  <a:schemeClr val="tx1"/>
-                </a:solidFill>
-                <a:latin typeface="+mn-lt"/>
-                <a:ea typeface="+mn-ea"/>
-                <a:cs typeface="+mn-cs"/>
-              </a:defRPr>
-            </a:lvl1pPr>
-            <a:lvl2pPr marL="742950" indent="-285750" algn="l" defTabSz="457200" rtl="0" eaLnBrk="1" latinLnBrk="0" hangingPunct="1">
-              <a:spcBef>
-                <a:spcPct val="20000"/>
-              </a:spcBef>
-              <a:spcAft>
-                <a:spcPts val="600"/>
-              </a:spcAft>
-              <a:buClr>
-                <a:schemeClr val="accent1"/>
-              </a:buClr>
-              <a:buFont typeface="Wingdings 2" charset="2"/>
-              <a:buChar char=""/>
-              <a:defRPr sz="1600" kern="1200">
-                <a:solidFill>
-                  <a:schemeClr val="tx1"/>
-                </a:solidFill>
-                <a:latin typeface="+mn-lt"/>
-                <a:ea typeface="+mn-ea"/>
-                <a:cs typeface="+mn-cs"/>
-              </a:defRPr>
-            </a:lvl2pPr>
-            <a:lvl3pPr marL="1143000" indent="-228600" algn="l" defTabSz="457200" rtl="0" eaLnBrk="1" latinLnBrk="0" hangingPunct="1">
-              <a:spcBef>
-                <a:spcPct val="20000"/>
-              </a:spcBef>
-              <a:spcAft>
-                <a:spcPts val="600"/>
-              </a:spcAft>
-              <a:buClr>
-                <a:schemeClr val="accent1"/>
-              </a:buClr>
-              <a:buFont typeface="Wingdings 2" charset="2"/>
-              <a:buChar char=""/>
-              <a:defRPr sz="1400" kern="1200">
-                <a:solidFill>
-                  <a:schemeClr val="tx1"/>
-                </a:solidFill>
-                <a:latin typeface="+mn-lt"/>
-                <a:ea typeface="+mn-ea"/>
-                <a:cs typeface="+mn-cs"/>
-              </a:defRPr>
-            </a:lvl3pPr>
-            <a:lvl4pPr marL="1600200" indent="-228600" algn="l" defTabSz="457200" rtl="0" eaLnBrk="1" latinLnBrk="0" hangingPunct="1">
-              <a:spcBef>
-                <a:spcPct val="20000"/>
-              </a:spcBef>
-              <a:spcAft>
-                <a:spcPts val="600"/>
-              </a:spcAft>
-              <a:buClr>
-                <a:schemeClr val="accent1"/>
-              </a:buClr>
-              <a:buFont typeface="Wingdings 2" charset="2"/>
-              <a:buChar char=""/>
-              <a:defRPr sz="1200" kern="1200">
-                <a:solidFill>
-                  <a:schemeClr val="tx1"/>
-                </a:solidFill>
-                <a:latin typeface="+mn-lt"/>
-                <a:ea typeface="+mn-ea"/>
-                <a:cs typeface="+mn-cs"/>
-              </a:defRPr>
-            </a:lvl4pPr>
-            <a:lvl5pPr marL="2057400" indent="-228600" algn="l" defTabSz="457200" rtl="0" eaLnBrk="1" latinLnBrk="0" hangingPunct="1">
-              <a:spcBef>
-                <a:spcPct val="20000"/>
-              </a:spcBef>
-              <a:spcAft>
-                <a:spcPts val="600"/>
-              </a:spcAft>
-              <a:buClr>
-                <a:schemeClr val="accent1"/>
-              </a:buClr>
-              <a:buFont typeface="Wingdings 2" charset="2"/>
-              <a:buChar char=""/>
-              <a:defRPr sz="1200" kern="1200">
-                <a:solidFill>
-                  <a:schemeClr val="tx1"/>
-                </a:solidFill>
-                <a:latin typeface="+mn-lt"/>
-                <a:ea typeface="+mn-ea"/>
-                <a:cs typeface="+mn-cs"/>
-              </a:defRPr>
-            </a:lvl5pPr>
-            <a:lvl6pPr marL="2400000" indent="-228600" algn="l" defTabSz="457200" rtl="0" eaLnBrk="1" latinLnBrk="0" hangingPunct="1">
-              <a:spcBef>
-                <a:spcPct val="20000"/>
-              </a:spcBef>
-              <a:spcAft>
-                <a:spcPts val="600"/>
-              </a:spcAft>
-              <a:buClr>
-                <a:schemeClr val="accent1"/>
-              </a:buClr>
-              <a:buFont typeface="Wingdings 2" charset="2"/>
-              <a:buChar char=""/>
-              <a:defRPr sz="1200" kern="1200">
-                <a:solidFill>
-                  <a:schemeClr val="tx1"/>
-                </a:solidFill>
-                <a:latin typeface="+mn-lt"/>
-                <a:ea typeface="+mn-ea"/>
-                <a:cs typeface="+mn-cs"/>
-              </a:defRPr>
-            </a:lvl6pPr>
-            <a:lvl7pPr marL="2800000" indent="-228600" algn="l" defTabSz="457200" rtl="0" eaLnBrk="1" latinLnBrk="0" hangingPunct="1">
-              <a:spcBef>
-                <a:spcPct val="20000"/>
-              </a:spcBef>
-              <a:spcAft>
-                <a:spcPts val="600"/>
-              </a:spcAft>
-              <a:buClr>
-                <a:schemeClr val="accent1"/>
-              </a:buClr>
-              <a:buFont typeface="Wingdings 2" charset="2"/>
-              <a:buChar char=""/>
-              <a:defRPr sz="1200" kern="1200">
-                <a:solidFill>
-                  <a:schemeClr val="tx1"/>
-                </a:solidFill>
-                <a:latin typeface="+mn-lt"/>
-                <a:ea typeface="+mn-ea"/>
-                <a:cs typeface="+mn-cs"/>
-              </a:defRPr>
-            </a:lvl7pPr>
-            <a:lvl8pPr marL="3200000" indent="-228600" algn="l" defTabSz="457200" rtl="0" eaLnBrk="1" latinLnBrk="0" hangingPunct="1">
-              <a:spcBef>
-                <a:spcPct val="20000"/>
-              </a:spcBef>
-              <a:spcAft>
-                <a:spcPts val="600"/>
-              </a:spcAft>
-              <a:buClr>
-                <a:schemeClr val="accent1"/>
-              </a:buClr>
-              <a:buFont typeface="Wingdings 2" charset="2"/>
-              <a:buChar char=""/>
-              <a:defRPr sz="1200" kern="1200">
-                <a:solidFill>
-                  <a:schemeClr val="tx1"/>
-                </a:solidFill>
-                <a:latin typeface="+mn-lt"/>
-                <a:ea typeface="+mn-ea"/>
-                <a:cs typeface="+mn-cs"/>
-              </a:defRPr>
-            </a:lvl8pPr>
-            <a:lvl9pPr marL="3600000" indent="-228600" algn="l" defTabSz="457200" rtl="0" eaLnBrk="1" latinLnBrk="0" hangingPunct="1">
-              <a:spcBef>
-                <a:spcPct val="20000"/>
-              </a:spcBef>
-              <a:spcAft>
-                <a:spcPts val="600"/>
-              </a:spcAft>
-              <a:buClr>
-                <a:schemeClr val="accent1"/>
-              </a:buClr>
-              <a:buFont typeface="Wingdings 2" charset="2"/>
-              <a:buChar char=""/>
-              <a:defRPr sz="1200" kern="1200">
-                <a:solidFill>
-                  <a:schemeClr val="tx1"/>
-                </a:solidFill>
-                <a:latin typeface="+mn-lt"/>
-                <a:ea typeface="+mn-ea"/>
-                <a:cs typeface="+mn-cs"/>
-              </a:defRPr>
-            </a:lvl9pPr>
-          </a:lstStyle>
-          <a:p>
-            <a:pPr marL="0" indent="0">
-              <a:buFont typeface="Wingdings 2" charset="2"/>
-              <a:buNone/>
-            </a:pPr>
-            <a:endParaRPr lang="en-IN" sz="2400" dirty="0" smtClean="0"/>
-          </a:p>
-        </p:txBody>
-      </p:sp>
-      <p:sp>
-        <p:nvSpPr>
-          <p:cNvPr id="8" name="Content Placeholder 2">
-            <a:extLst>
-              <a:ext uri="{FF2B5EF4-FFF2-40B4-BE49-F238E27FC236}">
-                <a16:creationId xmlns:a16="http://schemas.microsoft.com/office/drawing/2014/main" xmlns="" id="{8DB31CDA-ACB5-4C32-AB72-CE56539EFD0B}"/>
-              </a:ext>
-            </a:extLst>
-          </p:cNvPr>
-          <p:cNvSpPr txBox="1">
-            <a:spLocks/>
-          </p:cNvSpPr>
-          <p:nvPr/>
-        </p:nvSpPr>
-        <p:spPr>
-          <a:xfrm>
-            <a:off x="6167562" y="5197501"/>
-            <a:ext cx="2475506" cy="333569"/>
-          </a:xfrm>
-          <a:prstGeom prst="rect">
-            <a:avLst/>
-          </a:prstGeom>
-          <a:effectLst>
-            <a:outerShdw blurRad="50800" dir="14400000">
-              <a:srgbClr val="000000">
-                <a:alpha val="40000"/>
-              </a:srgbClr>
-            </a:outerShdw>
-          </a:effectLst>
-        </p:spPr>
-        <p:txBody>
-          <a:bodyPr vert="horz" lIns="91440" tIns="45720" rIns="91440" bIns="45720" rtlCol="0" anchor="ctr">
-            <a:normAutofit fontScale="77500" lnSpcReduction="20000"/>
-          </a:bodyPr>
-          <a:lstStyle>
-            <a:lvl1pPr marL="342900" indent="-342900" algn="l" defTabSz="457200" rtl="0" eaLnBrk="1" latinLnBrk="0" hangingPunct="1">
-              <a:spcBef>
-                <a:spcPct val="20000"/>
-              </a:spcBef>
-              <a:spcAft>
-                <a:spcPts val="600"/>
-              </a:spcAft>
-              <a:buClr>
-                <a:schemeClr val="accent1"/>
-              </a:buClr>
-              <a:buFont typeface="Wingdings 2" charset="2"/>
-              <a:buChar char=""/>
-              <a:defRPr sz="1800" kern="1200">
-                <a:solidFill>
-                  <a:schemeClr val="tx1"/>
-                </a:solidFill>
-                <a:latin typeface="+mn-lt"/>
-                <a:ea typeface="+mn-ea"/>
-                <a:cs typeface="+mn-cs"/>
-              </a:defRPr>
-            </a:lvl1pPr>
-            <a:lvl2pPr marL="742950" indent="-285750" algn="l" defTabSz="457200" rtl="0" eaLnBrk="1" latinLnBrk="0" hangingPunct="1">
-              <a:spcBef>
-                <a:spcPct val="20000"/>
-              </a:spcBef>
-              <a:spcAft>
-                <a:spcPts val="600"/>
-              </a:spcAft>
-              <a:buClr>
-                <a:schemeClr val="accent1"/>
-              </a:buClr>
-              <a:buFont typeface="Wingdings 2" charset="2"/>
-              <a:buChar char=""/>
-              <a:defRPr sz="1600" kern="1200">
-                <a:solidFill>
-                  <a:schemeClr val="tx1"/>
-                </a:solidFill>
-                <a:latin typeface="+mn-lt"/>
-                <a:ea typeface="+mn-ea"/>
-                <a:cs typeface="+mn-cs"/>
-              </a:defRPr>
-            </a:lvl2pPr>
-            <a:lvl3pPr marL="1143000" indent="-228600" algn="l" defTabSz="457200" rtl="0" eaLnBrk="1" latinLnBrk="0" hangingPunct="1">
-              <a:spcBef>
-                <a:spcPct val="20000"/>
-              </a:spcBef>
-              <a:spcAft>
-                <a:spcPts val="600"/>
-              </a:spcAft>
-              <a:buClr>
-                <a:schemeClr val="accent1"/>
-              </a:buClr>
-              <a:buFont typeface="Wingdings 2" charset="2"/>
-              <a:buChar char=""/>
-              <a:defRPr sz="1400" kern="1200">
-                <a:solidFill>
-                  <a:schemeClr val="tx1"/>
-                </a:solidFill>
-                <a:latin typeface="+mn-lt"/>
-                <a:ea typeface="+mn-ea"/>
-                <a:cs typeface="+mn-cs"/>
-              </a:defRPr>
-            </a:lvl3pPr>
-            <a:lvl4pPr marL="1600200" indent="-228600" algn="l" defTabSz="457200" rtl="0" eaLnBrk="1" latinLnBrk="0" hangingPunct="1">
-              <a:spcBef>
-                <a:spcPct val="20000"/>
-              </a:spcBef>
-              <a:spcAft>
-                <a:spcPts val="600"/>
-              </a:spcAft>
-              <a:buClr>
-                <a:schemeClr val="accent1"/>
-              </a:buClr>
-              <a:buFont typeface="Wingdings 2" charset="2"/>
-              <a:buChar char=""/>
-              <a:defRPr sz="1200" kern="1200">
-                <a:solidFill>
-                  <a:schemeClr val="tx1"/>
-                </a:solidFill>
-                <a:latin typeface="+mn-lt"/>
-                <a:ea typeface="+mn-ea"/>
-                <a:cs typeface="+mn-cs"/>
-              </a:defRPr>
-            </a:lvl4pPr>
-            <a:lvl5pPr marL="2057400" indent="-228600" algn="l" defTabSz="457200" rtl="0" eaLnBrk="1" latinLnBrk="0" hangingPunct="1">
-              <a:spcBef>
-                <a:spcPct val="20000"/>
-              </a:spcBef>
-              <a:spcAft>
-                <a:spcPts val="600"/>
-              </a:spcAft>
-              <a:buClr>
-                <a:schemeClr val="accent1"/>
-              </a:buClr>
-              <a:buFont typeface="Wingdings 2" charset="2"/>
-              <a:buChar char=""/>
-              <a:defRPr sz="1200" kern="1200">
-                <a:solidFill>
-                  <a:schemeClr val="tx1"/>
-                </a:solidFill>
-                <a:latin typeface="+mn-lt"/>
-                <a:ea typeface="+mn-ea"/>
-                <a:cs typeface="+mn-cs"/>
-              </a:defRPr>
-            </a:lvl5pPr>
-            <a:lvl6pPr marL="2400000" indent="-228600" algn="l" defTabSz="457200" rtl="0" eaLnBrk="1" latinLnBrk="0" hangingPunct="1">
-              <a:spcBef>
-                <a:spcPct val="20000"/>
-              </a:spcBef>
-              <a:spcAft>
-                <a:spcPts val="600"/>
-              </a:spcAft>
-              <a:buClr>
-                <a:schemeClr val="accent1"/>
-              </a:buClr>
-              <a:buFont typeface="Wingdings 2" charset="2"/>
-              <a:buChar char=""/>
-              <a:defRPr sz="1200" kern="1200">
-                <a:solidFill>
-                  <a:schemeClr val="tx1"/>
-                </a:solidFill>
-                <a:latin typeface="+mn-lt"/>
-                <a:ea typeface="+mn-ea"/>
-                <a:cs typeface="+mn-cs"/>
-              </a:defRPr>
-            </a:lvl6pPr>
-            <a:lvl7pPr marL="2800000" indent="-228600" algn="l" defTabSz="457200" rtl="0" eaLnBrk="1" latinLnBrk="0" hangingPunct="1">
-              <a:spcBef>
-                <a:spcPct val="20000"/>
-              </a:spcBef>
-              <a:spcAft>
-                <a:spcPts val="600"/>
-              </a:spcAft>
-              <a:buClr>
-                <a:schemeClr val="accent1"/>
-              </a:buClr>
-              <a:buFont typeface="Wingdings 2" charset="2"/>
-              <a:buChar char=""/>
-              <a:defRPr sz="1200" kern="1200">
-                <a:solidFill>
-                  <a:schemeClr val="tx1"/>
-                </a:solidFill>
-                <a:latin typeface="+mn-lt"/>
-                <a:ea typeface="+mn-ea"/>
-                <a:cs typeface="+mn-cs"/>
-              </a:defRPr>
-            </a:lvl7pPr>
-            <a:lvl8pPr marL="3200000" indent="-228600" algn="l" defTabSz="457200" rtl="0" eaLnBrk="1" latinLnBrk="0" hangingPunct="1">
-              <a:spcBef>
-                <a:spcPct val="20000"/>
-              </a:spcBef>
-              <a:spcAft>
-                <a:spcPts val="600"/>
-              </a:spcAft>
-              <a:buClr>
-                <a:schemeClr val="accent1"/>
-              </a:buClr>
-              <a:buFont typeface="Wingdings 2" charset="2"/>
-              <a:buChar char=""/>
-              <a:defRPr sz="1200" kern="1200">
-                <a:solidFill>
-                  <a:schemeClr val="tx1"/>
-                </a:solidFill>
-                <a:latin typeface="+mn-lt"/>
-                <a:ea typeface="+mn-ea"/>
-                <a:cs typeface="+mn-cs"/>
-              </a:defRPr>
-            </a:lvl8pPr>
-            <a:lvl9pPr marL="3600000" indent="-228600" algn="l" defTabSz="457200" rtl="0" eaLnBrk="1" latinLnBrk="0" hangingPunct="1">
-              <a:spcBef>
-                <a:spcPct val="20000"/>
-              </a:spcBef>
-              <a:spcAft>
-                <a:spcPts val="600"/>
-              </a:spcAft>
-              <a:buClr>
-                <a:schemeClr val="accent1"/>
-              </a:buClr>
-              <a:buFont typeface="Wingdings 2" charset="2"/>
-              <a:buChar char=""/>
-              <a:defRPr sz="1200" kern="1200">
-                <a:solidFill>
-                  <a:schemeClr val="tx1"/>
-                </a:solidFill>
-                <a:latin typeface="+mn-lt"/>
-                <a:ea typeface="+mn-ea"/>
-                <a:cs typeface="+mn-cs"/>
-              </a:defRPr>
-            </a:lvl9pPr>
-          </a:lstStyle>
-          <a:p>
-            <a:pPr marL="0" indent="0">
-              <a:buFont typeface="Wingdings 2" charset="2"/>
-              <a:buNone/>
-            </a:pPr>
-            <a:endParaRPr lang="en-IN" sz="2400" dirty="0" smtClean="0"/>
-          </a:p>
-        </p:txBody>
-      </p:sp>
-      <p:sp>
-        <p:nvSpPr>
-          <p:cNvPr id="9" name="Content Placeholder 2">
-            <a:extLst>
-              <a:ext uri="{FF2B5EF4-FFF2-40B4-BE49-F238E27FC236}">
-                <a16:creationId xmlns:a16="http://schemas.microsoft.com/office/drawing/2014/main" xmlns="" id="{8DB31CDA-ACB5-4C32-AB72-CE56539EFD0B}"/>
-              </a:ext>
-            </a:extLst>
-          </p:cNvPr>
-          <p:cNvSpPr txBox="1">
-            <a:spLocks/>
-          </p:cNvSpPr>
-          <p:nvPr/>
-        </p:nvSpPr>
-        <p:spPr>
-          <a:xfrm>
-            <a:off x="11186160" y="6749331"/>
-            <a:ext cx="949126" cy="333569"/>
-          </a:xfrm>
-          <a:prstGeom prst="rect">
-            <a:avLst/>
-          </a:prstGeom>
-          <a:effectLst>
-            <a:outerShdw blurRad="50800" dir="14400000">
-              <a:srgbClr val="000000">
-                <a:alpha val="40000"/>
-              </a:srgbClr>
-            </a:outerShdw>
-          </a:effectLst>
-        </p:spPr>
-        <p:txBody>
-          <a:bodyPr vert="horz" lIns="91440" tIns="45720" rIns="91440" bIns="45720" rtlCol="0" anchor="ctr">
-            <a:normAutofit fontScale="77500" lnSpcReduction="20000"/>
-          </a:bodyPr>
-          <a:lstStyle>
-            <a:lvl1pPr marL="342900" indent="-342900" algn="l" defTabSz="457200" rtl="0" eaLnBrk="1" latinLnBrk="0" hangingPunct="1">
-              <a:spcBef>
-                <a:spcPct val="20000"/>
-              </a:spcBef>
-              <a:spcAft>
-                <a:spcPts val="600"/>
-              </a:spcAft>
-              <a:buClr>
-                <a:schemeClr val="accent1"/>
-              </a:buClr>
-              <a:buFont typeface="Wingdings 2" charset="2"/>
-              <a:buChar char=""/>
-              <a:defRPr sz="1800" kern="1200">
-                <a:solidFill>
-                  <a:schemeClr val="tx1"/>
-                </a:solidFill>
-                <a:latin typeface="+mn-lt"/>
-                <a:ea typeface="+mn-ea"/>
-                <a:cs typeface="+mn-cs"/>
-              </a:defRPr>
-            </a:lvl1pPr>
-            <a:lvl2pPr marL="742950" indent="-285750" algn="l" defTabSz="457200" rtl="0" eaLnBrk="1" latinLnBrk="0" hangingPunct="1">
-              <a:spcBef>
-                <a:spcPct val="20000"/>
-              </a:spcBef>
-              <a:spcAft>
-                <a:spcPts val="600"/>
-              </a:spcAft>
-              <a:buClr>
-                <a:schemeClr val="accent1"/>
-              </a:buClr>
-              <a:buFont typeface="Wingdings 2" charset="2"/>
-              <a:buChar char=""/>
-              <a:defRPr sz="1600" kern="1200">
-                <a:solidFill>
-                  <a:schemeClr val="tx1"/>
-                </a:solidFill>
-                <a:latin typeface="+mn-lt"/>
-                <a:ea typeface="+mn-ea"/>
-                <a:cs typeface="+mn-cs"/>
-              </a:defRPr>
-            </a:lvl2pPr>
-            <a:lvl3pPr marL="1143000" indent="-228600" algn="l" defTabSz="457200" rtl="0" eaLnBrk="1" latinLnBrk="0" hangingPunct="1">
-              <a:spcBef>
-                <a:spcPct val="20000"/>
-              </a:spcBef>
-              <a:spcAft>
-                <a:spcPts val="600"/>
-              </a:spcAft>
-              <a:buClr>
-                <a:schemeClr val="accent1"/>
-              </a:buClr>
-              <a:buFont typeface="Wingdings 2" charset="2"/>
-              <a:buChar char=""/>
-              <a:defRPr sz="1400" kern="1200">
-                <a:solidFill>
-                  <a:schemeClr val="tx1"/>
-                </a:solidFill>
-                <a:latin typeface="+mn-lt"/>
-                <a:ea typeface="+mn-ea"/>
-                <a:cs typeface="+mn-cs"/>
-              </a:defRPr>
-            </a:lvl3pPr>
-            <a:lvl4pPr marL="1600200" indent="-228600" algn="l" defTabSz="457200" rtl="0" eaLnBrk="1" latinLnBrk="0" hangingPunct="1">
-              <a:spcBef>
-                <a:spcPct val="20000"/>
-              </a:spcBef>
-              <a:spcAft>
-                <a:spcPts val="600"/>
-              </a:spcAft>
-              <a:buClr>
-                <a:schemeClr val="accent1"/>
-              </a:buClr>
-              <a:buFont typeface="Wingdings 2" charset="2"/>
-              <a:buChar char=""/>
-              <a:defRPr sz="1200" kern="1200">
-                <a:solidFill>
-                  <a:schemeClr val="tx1"/>
-                </a:solidFill>
-                <a:latin typeface="+mn-lt"/>
-                <a:ea typeface="+mn-ea"/>
-                <a:cs typeface="+mn-cs"/>
-              </a:defRPr>
-            </a:lvl4pPr>
-            <a:lvl5pPr marL="2057400" indent="-228600" algn="l" defTabSz="457200" rtl="0" eaLnBrk="1" latinLnBrk="0" hangingPunct="1">
-              <a:spcBef>
-                <a:spcPct val="20000"/>
-              </a:spcBef>
-              <a:spcAft>
-                <a:spcPts val="600"/>
-              </a:spcAft>
-              <a:buClr>
-                <a:schemeClr val="accent1"/>
-              </a:buClr>
-              <a:buFont typeface="Wingdings 2" charset="2"/>
-              <a:buChar char=""/>
-              <a:defRPr sz="1200" kern="1200">
-                <a:solidFill>
-                  <a:schemeClr val="tx1"/>
-                </a:solidFill>
-                <a:latin typeface="+mn-lt"/>
-                <a:ea typeface="+mn-ea"/>
-                <a:cs typeface="+mn-cs"/>
-              </a:defRPr>
-            </a:lvl5pPr>
-            <a:lvl6pPr marL="2400000" indent="-228600" algn="l" defTabSz="457200" rtl="0" eaLnBrk="1" latinLnBrk="0" hangingPunct="1">
-              <a:spcBef>
-                <a:spcPct val="20000"/>
-              </a:spcBef>
-              <a:spcAft>
-                <a:spcPts val="600"/>
-              </a:spcAft>
-              <a:buClr>
-                <a:schemeClr val="accent1"/>
-              </a:buClr>
-              <a:buFont typeface="Wingdings 2" charset="2"/>
-              <a:buChar char=""/>
-              <a:defRPr sz="1200" kern="1200">
-                <a:solidFill>
-                  <a:schemeClr val="tx1"/>
-                </a:solidFill>
-                <a:latin typeface="+mn-lt"/>
-                <a:ea typeface="+mn-ea"/>
-                <a:cs typeface="+mn-cs"/>
-              </a:defRPr>
-            </a:lvl6pPr>
-            <a:lvl7pPr marL="2800000" indent="-228600" algn="l" defTabSz="457200" rtl="0" eaLnBrk="1" latinLnBrk="0" hangingPunct="1">
-              <a:spcBef>
-                <a:spcPct val="20000"/>
-              </a:spcBef>
-              <a:spcAft>
-                <a:spcPts val="600"/>
-              </a:spcAft>
-              <a:buClr>
-                <a:schemeClr val="accent1"/>
-              </a:buClr>
-              <a:buFont typeface="Wingdings 2" charset="2"/>
-              <a:buChar char=""/>
-              <a:defRPr sz="1200" kern="1200">
-                <a:solidFill>
-                  <a:schemeClr val="tx1"/>
-                </a:solidFill>
-                <a:latin typeface="+mn-lt"/>
-                <a:ea typeface="+mn-ea"/>
-                <a:cs typeface="+mn-cs"/>
-              </a:defRPr>
-            </a:lvl7pPr>
-            <a:lvl8pPr marL="3200000" indent="-228600" algn="l" defTabSz="457200" rtl="0" eaLnBrk="1" latinLnBrk="0" hangingPunct="1">
-              <a:spcBef>
-                <a:spcPct val="20000"/>
-              </a:spcBef>
-              <a:spcAft>
-                <a:spcPts val="600"/>
-              </a:spcAft>
-              <a:buClr>
-                <a:schemeClr val="accent1"/>
-              </a:buClr>
-              <a:buFont typeface="Wingdings 2" charset="2"/>
-              <a:buChar char=""/>
-              <a:defRPr sz="1200" kern="1200">
-                <a:solidFill>
-                  <a:schemeClr val="tx1"/>
-                </a:solidFill>
-                <a:latin typeface="+mn-lt"/>
-                <a:ea typeface="+mn-ea"/>
-                <a:cs typeface="+mn-cs"/>
-              </a:defRPr>
-            </a:lvl8pPr>
-            <a:lvl9pPr marL="3600000" indent="-228600" algn="l" defTabSz="457200" rtl="0" eaLnBrk="1" latinLnBrk="0" hangingPunct="1">
-              <a:spcBef>
-                <a:spcPct val="20000"/>
-              </a:spcBef>
-              <a:spcAft>
-                <a:spcPts val="600"/>
-              </a:spcAft>
-              <a:buClr>
-                <a:schemeClr val="accent1"/>
-              </a:buClr>
-              <a:buFont typeface="Wingdings 2" charset="2"/>
-              <a:buChar char=""/>
-              <a:defRPr sz="1200" kern="1200">
-                <a:solidFill>
-                  <a:schemeClr val="tx1"/>
-                </a:solidFill>
-                <a:latin typeface="+mn-lt"/>
-                <a:ea typeface="+mn-ea"/>
-                <a:cs typeface="+mn-cs"/>
-              </a:defRPr>
-            </a:lvl9pPr>
-          </a:lstStyle>
-          <a:p>
-            <a:pPr marL="0" indent="0">
-              <a:buFont typeface="Wingdings 2" charset="2"/>
-              <a:buNone/>
-            </a:pPr>
-            <a:endParaRPr lang="en-IN" sz="2400" dirty="0" smtClean="0"/>
-          </a:p>
-        </p:txBody>
-      </p:sp>
-      <p:sp>
-        <p:nvSpPr>
-          <p:cNvPr id="11" name="Content Placeholder 2">
-            <a:extLst>
-              <a:ext uri="{FF2B5EF4-FFF2-40B4-BE49-F238E27FC236}">
-                <a16:creationId xmlns:a16="http://schemas.microsoft.com/office/drawing/2014/main" xmlns="" id="{8DB31CDA-ACB5-4C32-AB72-CE56539EFD0B}"/>
-              </a:ext>
-            </a:extLst>
-          </p:cNvPr>
-          <p:cNvSpPr txBox="1">
-            <a:spLocks/>
-          </p:cNvSpPr>
-          <p:nvPr/>
-        </p:nvSpPr>
-        <p:spPr>
-          <a:xfrm>
-            <a:off x="5070282" y="5193331"/>
-            <a:ext cx="949126" cy="333569"/>
-          </a:xfrm>
-          <a:prstGeom prst="rect">
-            <a:avLst/>
-          </a:prstGeom>
-          <a:effectLst>
-            <a:outerShdw blurRad="50800" dir="14400000">
-              <a:srgbClr val="000000">
-                <a:alpha val="40000"/>
-              </a:srgbClr>
-            </a:outerShdw>
-          </a:effectLst>
-        </p:spPr>
-        <p:txBody>
-          <a:bodyPr vert="horz" lIns="91440" tIns="45720" rIns="91440" bIns="45720" rtlCol="0" anchor="ctr">
-            <a:normAutofit fontScale="77500" lnSpcReduction="20000"/>
-          </a:bodyPr>
-          <a:lstStyle>
-            <a:lvl1pPr marL="342900" indent="-342900" algn="l" defTabSz="457200" rtl="0" eaLnBrk="1" latinLnBrk="0" hangingPunct="1">
-              <a:spcBef>
-                <a:spcPct val="20000"/>
-              </a:spcBef>
-              <a:spcAft>
-                <a:spcPts val="600"/>
-              </a:spcAft>
-              <a:buClr>
-                <a:schemeClr val="accent1"/>
-              </a:buClr>
-              <a:buFont typeface="Wingdings 2" charset="2"/>
-              <a:buChar char=""/>
-              <a:defRPr sz="1800" kern="1200">
-                <a:solidFill>
-                  <a:schemeClr val="tx1"/>
-                </a:solidFill>
-                <a:latin typeface="+mn-lt"/>
-                <a:ea typeface="+mn-ea"/>
-                <a:cs typeface="+mn-cs"/>
-              </a:defRPr>
-            </a:lvl1pPr>
-            <a:lvl2pPr marL="742950" indent="-285750" algn="l" defTabSz="457200" rtl="0" eaLnBrk="1" latinLnBrk="0" hangingPunct="1">
-              <a:spcBef>
-                <a:spcPct val="20000"/>
-              </a:spcBef>
-              <a:spcAft>
-                <a:spcPts val="600"/>
-              </a:spcAft>
-              <a:buClr>
-                <a:schemeClr val="accent1"/>
-              </a:buClr>
-              <a:buFont typeface="Wingdings 2" charset="2"/>
-              <a:buChar char=""/>
-              <a:defRPr sz="1600" kern="1200">
-                <a:solidFill>
-                  <a:schemeClr val="tx1"/>
-                </a:solidFill>
-                <a:latin typeface="+mn-lt"/>
-                <a:ea typeface="+mn-ea"/>
-                <a:cs typeface="+mn-cs"/>
-              </a:defRPr>
-            </a:lvl2pPr>
-            <a:lvl3pPr marL="1143000" indent="-228600" algn="l" defTabSz="457200" rtl="0" eaLnBrk="1" latinLnBrk="0" hangingPunct="1">
-              <a:spcBef>
-                <a:spcPct val="20000"/>
-              </a:spcBef>
-              <a:spcAft>
-                <a:spcPts val="600"/>
-              </a:spcAft>
-              <a:buClr>
-                <a:schemeClr val="accent1"/>
-              </a:buClr>
-              <a:buFont typeface="Wingdings 2" charset="2"/>
-              <a:buChar char=""/>
-              <a:defRPr sz="1400" kern="1200">
-                <a:solidFill>
-                  <a:schemeClr val="tx1"/>
-                </a:solidFill>
-                <a:latin typeface="+mn-lt"/>
-                <a:ea typeface="+mn-ea"/>
-                <a:cs typeface="+mn-cs"/>
-              </a:defRPr>
-            </a:lvl3pPr>
-            <a:lvl4pPr marL="1600200" indent="-228600" algn="l" defTabSz="457200" rtl="0" eaLnBrk="1" latinLnBrk="0" hangingPunct="1">
-              <a:spcBef>
-                <a:spcPct val="20000"/>
-              </a:spcBef>
-              <a:spcAft>
-                <a:spcPts val="600"/>
-              </a:spcAft>
-              <a:buClr>
-                <a:schemeClr val="accent1"/>
-              </a:buClr>
-              <a:buFont typeface="Wingdings 2" charset="2"/>
-              <a:buChar char=""/>
-              <a:defRPr sz="1200" kern="1200">
-                <a:solidFill>
-                  <a:schemeClr val="tx1"/>
-                </a:solidFill>
-                <a:latin typeface="+mn-lt"/>
-                <a:ea typeface="+mn-ea"/>
-                <a:cs typeface="+mn-cs"/>
-              </a:defRPr>
-            </a:lvl4pPr>
-            <a:lvl5pPr marL="2057400" indent="-228600" algn="l" defTabSz="457200" rtl="0" eaLnBrk="1" latinLnBrk="0" hangingPunct="1">
-              <a:spcBef>
-                <a:spcPct val="20000"/>
-              </a:spcBef>
-              <a:spcAft>
-                <a:spcPts val="600"/>
-              </a:spcAft>
-              <a:buClr>
-                <a:schemeClr val="accent1"/>
-              </a:buClr>
-              <a:buFont typeface="Wingdings 2" charset="2"/>
-              <a:buChar char=""/>
-              <a:defRPr sz="1200" kern="1200">
-                <a:solidFill>
-                  <a:schemeClr val="tx1"/>
-                </a:solidFill>
-                <a:latin typeface="+mn-lt"/>
-                <a:ea typeface="+mn-ea"/>
-                <a:cs typeface="+mn-cs"/>
-              </a:defRPr>
-            </a:lvl5pPr>
-            <a:lvl6pPr marL="2400000" indent="-228600" algn="l" defTabSz="457200" rtl="0" eaLnBrk="1" latinLnBrk="0" hangingPunct="1">
-              <a:spcBef>
-                <a:spcPct val="20000"/>
-              </a:spcBef>
-              <a:spcAft>
-                <a:spcPts val="600"/>
-              </a:spcAft>
-              <a:buClr>
-                <a:schemeClr val="accent1"/>
-              </a:buClr>
-              <a:buFont typeface="Wingdings 2" charset="2"/>
-              <a:buChar char=""/>
-              <a:defRPr sz="1200" kern="1200">
-                <a:solidFill>
-                  <a:schemeClr val="tx1"/>
-                </a:solidFill>
-                <a:latin typeface="+mn-lt"/>
-                <a:ea typeface="+mn-ea"/>
-                <a:cs typeface="+mn-cs"/>
-              </a:defRPr>
-            </a:lvl6pPr>
-            <a:lvl7pPr marL="2800000" indent="-228600" algn="l" defTabSz="457200" rtl="0" eaLnBrk="1" latinLnBrk="0" hangingPunct="1">
-              <a:spcBef>
-                <a:spcPct val="20000"/>
-              </a:spcBef>
-              <a:spcAft>
-                <a:spcPts val="600"/>
-              </a:spcAft>
-              <a:buClr>
-                <a:schemeClr val="accent1"/>
-              </a:buClr>
-              <a:buFont typeface="Wingdings 2" charset="2"/>
-              <a:buChar char=""/>
-              <a:defRPr sz="1200" kern="1200">
-                <a:solidFill>
-                  <a:schemeClr val="tx1"/>
-                </a:solidFill>
-                <a:latin typeface="+mn-lt"/>
-                <a:ea typeface="+mn-ea"/>
-                <a:cs typeface="+mn-cs"/>
-              </a:defRPr>
-            </a:lvl7pPr>
-            <a:lvl8pPr marL="3200000" indent="-228600" algn="l" defTabSz="457200" rtl="0" eaLnBrk="1" latinLnBrk="0" hangingPunct="1">
-              <a:spcBef>
-                <a:spcPct val="20000"/>
-              </a:spcBef>
-              <a:spcAft>
-                <a:spcPts val="600"/>
-              </a:spcAft>
-              <a:buClr>
-                <a:schemeClr val="accent1"/>
-              </a:buClr>
-              <a:buFont typeface="Wingdings 2" charset="2"/>
-              <a:buChar char=""/>
-              <a:defRPr sz="1200" kern="1200">
-                <a:solidFill>
-                  <a:schemeClr val="tx1"/>
-                </a:solidFill>
-                <a:latin typeface="+mn-lt"/>
-                <a:ea typeface="+mn-ea"/>
-                <a:cs typeface="+mn-cs"/>
-              </a:defRPr>
-            </a:lvl8pPr>
-            <a:lvl9pPr marL="3600000" indent="-228600" algn="l" defTabSz="457200" rtl="0" eaLnBrk="1" latinLnBrk="0" hangingPunct="1">
-              <a:spcBef>
-                <a:spcPct val="20000"/>
-              </a:spcBef>
-              <a:spcAft>
-                <a:spcPts val="600"/>
-              </a:spcAft>
-              <a:buClr>
-                <a:schemeClr val="accent1"/>
-              </a:buClr>
-              <a:buFont typeface="Wingdings 2" charset="2"/>
-              <a:buChar char=""/>
-              <a:defRPr sz="1200" kern="1200">
-                <a:solidFill>
-                  <a:schemeClr val="tx1"/>
-                </a:solidFill>
-                <a:latin typeface="+mn-lt"/>
-                <a:ea typeface="+mn-ea"/>
-                <a:cs typeface="+mn-cs"/>
-              </a:defRPr>
-            </a:lvl9pPr>
-          </a:lstStyle>
-          <a:p>
-            <a:pPr marL="0" indent="0">
-              <a:buFont typeface="Wingdings 2" charset="2"/>
-              <a:buNone/>
-            </a:pPr>
-            <a:endParaRPr lang="en-IN" sz="2400" dirty="0" smtClean="0"/>
-          </a:p>
-        </p:txBody>
-      </p:sp>
-      <p:sp>
-        <p:nvSpPr>
-          <p:cNvPr id="12" name="Content Placeholder 2">
-            <a:extLst>
-              <a:ext uri="{FF2B5EF4-FFF2-40B4-BE49-F238E27FC236}">
-                <a16:creationId xmlns:a16="http://schemas.microsoft.com/office/drawing/2014/main" xmlns="" id="{8DB31CDA-ACB5-4C32-AB72-CE56539EFD0B}"/>
-              </a:ext>
-            </a:extLst>
-          </p:cNvPr>
-          <p:cNvSpPr txBox="1">
-            <a:spLocks/>
-          </p:cNvSpPr>
-          <p:nvPr/>
-        </p:nvSpPr>
-        <p:spPr>
-          <a:xfrm>
-            <a:off x="11033760" y="6596931"/>
-            <a:ext cx="949126" cy="333569"/>
-          </a:xfrm>
-          <a:prstGeom prst="rect">
-            <a:avLst/>
-          </a:prstGeom>
-          <a:effectLst>
-            <a:outerShdw blurRad="50800" dir="14400000">
-              <a:srgbClr val="000000">
-                <a:alpha val="40000"/>
-              </a:srgbClr>
-            </a:outerShdw>
-          </a:effectLst>
-        </p:spPr>
-        <p:txBody>
-          <a:bodyPr vert="horz" lIns="91440" tIns="45720" rIns="91440" bIns="45720" rtlCol="0" anchor="ctr">
-            <a:normAutofit fontScale="77500" lnSpcReduction="20000"/>
-          </a:bodyPr>
-          <a:lstStyle>
-            <a:lvl1pPr marL="342900" indent="-342900" algn="l" defTabSz="457200" rtl="0" eaLnBrk="1" latinLnBrk="0" hangingPunct="1">
-              <a:spcBef>
-                <a:spcPct val="20000"/>
-              </a:spcBef>
-              <a:spcAft>
-                <a:spcPts val="600"/>
-              </a:spcAft>
-              <a:buClr>
-                <a:schemeClr val="accent1"/>
-              </a:buClr>
-              <a:buFont typeface="Wingdings 2" charset="2"/>
-              <a:buChar char=""/>
-              <a:defRPr sz="1800" kern="1200">
-                <a:solidFill>
-                  <a:schemeClr val="tx1"/>
-                </a:solidFill>
-                <a:latin typeface="+mn-lt"/>
-                <a:ea typeface="+mn-ea"/>
-                <a:cs typeface="+mn-cs"/>
-              </a:defRPr>
-            </a:lvl1pPr>
-            <a:lvl2pPr marL="742950" indent="-285750" algn="l" defTabSz="457200" rtl="0" eaLnBrk="1" latinLnBrk="0" hangingPunct="1">
-              <a:spcBef>
-                <a:spcPct val="20000"/>
-              </a:spcBef>
-              <a:spcAft>
-                <a:spcPts val="600"/>
-              </a:spcAft>
-              <a:buClr>
-                <a:schemeClr val="accent1"/>
-              </a:buClr>
-              <a:buFont typeface="Wingdings 2" charset="2"/>
-              <a:buChar char=""/>
-              <a:defRPr sz="1600" kern="1200">
-                <a:solidFill>
-                  <a:schemeClr val="tx1"/>
-                </a:solidFill>
-                <a:latin typeface="+mn-lt"/>
-                <a:ea typeface="+mn-ea"/>
-                <a:cs typeface="+mn-cs"/>
-              </a:defRPr>
-            </a:lvl2pPr>
-            <a:lvl3pPr marL="1143000" indent="-228600" algn="l" defTabSz="457200" rtl="0" eaLnBrk="1" latinLnBrk="0" hangingPunct="1">
-              <a:spcBef>
-                <a:spcPct val="20000"/>
-              </a:spcBef>
-              <a:spcAft>
-                <a:spcPts val="600"/>
-              </a:spcAft>
-              <a:buClr>
-                <a:schemeClr val="accent1"/>
-              </a:buClr>
-              <a:buFont typeface="Wingdings 2" charset="2"/>
-              <a:buChar char=""/>
-              <a:defRPr sz="1400" kern="1200">
-                <a:solidFill>
-                  <a:schemeClr val="tx1"/>
-                </a:solidFill>
-                <a:latin typeface="+mn-lt"/>
-                <a:ea typeface="+mn-ea"/>
-                <a:cs typeface="+mn-cs"/>
-              </a:defRPr>
-            </a:lvl3pPr>
-            <a:lvl4pPr marL="1600200" indent="-228600" algn="l" defTabSz="457200" rtl="0" eaLnBrk="1" latinLnBrk="0" hangingPunct="1">
-              <a:spcBef>
-                <a:spcPct val="20000"/>
-              </a:spcBef>
-              <a:spcAft>
-                <a:spcPts val="600"/>
-              </a:spcAft>
-              <a:buClr>
-                <a:schemeClr val="accent1"/>
-              </a:buClr>
-              <a:buFont typeface="Wingdings 2" charset="2"/>
-              <a:buChar char=""/>
-              <a:defRPr sz="1200" kern="1200">
-                <a:solidFill>
-                  <a:schemeClr val="tx1"/>
-                </a:solidFill>
-                <a:latin typeface="+mn-lt"/>
-                <a:ea typeface="+mn-ea"/>
-                <a:cs typeface="+mn-cs"/>
-              </a:defRPr>
-            </a:lvl4pPr>
-            <a:lvl5pPr marL="2057400" indent="-228600" algn="l" defTabSz="457200" rtl="0" eaLnBrk="1" latinLnBrk="0" hangingPunct="1">
-              <a:spcBef>
-                <a:spcPct val="20000"/>
-              </a:spcBef>
-              <a:spcAft>
-                <a:spcPts val="600"/>
-              </a:spcAft>
-              <a:buClr>
-                <a:schemeClr val="accent1"/>
-              </a:buClr>
-              <a:buFont typeface="Wingdings 2" charset="2"/>
-              <a:buChar char=""/>
-              <a:defRPr sz="1200" kern="1200">
-                <a:solidFill>
-                  <a:schemeClr val="tx1"/>
-                </a:solidFill>
-                <a:latin typeface="+mn-lt"/>
-                <a:ea typeface="+mn-ea"/>
-                <a:cs typeface="+mn-cs"/>
-              </a:defRPr>
-            </a:lvl5pPr>
-            <a:lvl6pPr marL="2400000" indent="-228600" algn="l" defTabSz="457200" rtl="0" eaLnBrk="1" latinLnBrk="0" hangingPunct="1">
-              <a:spcBef>
-                <a:spcPct val="20000"/>
-              </a:spcBef>
-              <a:spcAft>
-                <a:spcPts val="600"/>
-              </a:spcAft>
-              <a:buClr>
-                <a:schemeClr val="accent1"/>
-              </a:buClr>
-              <a:buFont typeface="Wingdings 2" charset="2"/>
-              <a:buChar char=""/>
-              <a:defRPr sz="1200" kern="1200">
-                <a:solidFill>
-                  <a:schemeClr val="tx1"/>
-                </a:solidFill>
-                <a:latin typeface="+mn-lt"/>
-                <a:ea typeface="+mn-ea"/>
-                <a:cs typeface="+mn-cs"/>
-              </a:defRPr>
-            </a:lvl6pPr>
-            <a:lvl7pPr marL="2800000" indent="-228600" algn="l" defTabSz="457200" rtl="0" eaLnBrk="1" latinLnBrk="0" hangingPunct="1">
-              <a:spcBef>
-                <a:spcPct val="20000"/>
-              </a:spcBef>
-              <a:spcAft>
-                <a:spcPts val="600"/>
-              </a:spcAft>
-              <a:buClr>
-                <a:schemeClr val="accent1"/>
-              </a:buClr>
-              <a:buFont typeface="Wingdings 2" charset="2"/>
-              <a:buChar char=""/>
-              <a:defRPr sz="1200" kern="1200">
-                <a:solidFill>
-                  <a:schemeClr val="tx1"/>
-                </a:solidFill>
-                <a:latin typeface="+mn-lt"/>
-                <a:ea typeface="+mn-ea"/>
-                <a:cs typeface="+mn-cs"/>
-              </a:defRPr>
-            </a:lvl7pPr>
-            <a:lvl8pPr marL="3200000" indent="-228600" algn="l" defTabSz="457200" rtl="0" eaLnBrk="1" latinLnBrk="0" hangingPunct="1">
-              <a:spcBef>
-                <a:spcPct val="20000"/>
-              </a:spcBef>
-              <a:spcAft>
-                <a:spcPts val="600"/>
-              </a:spcAft>
-              <a:buClr>
-                <a:schemeClr val="accent1"/>
-              </a:buClr>
-              <a:buFont typeface="Wingdings 2" charset="2"/>
-              <a:buChar char=""/>
-              <a:defRPr sz="1200" kern="1200">
-                <a:solidFill>
-                  <a:schemeClr val="tx1"/>
-                </a:solidFill>
-                <a:latin typeface="+mn-lt"/>
-                <a:ea typeface="+mn-ea"/>
-                <a:cs typeface="+mn-cs"/>
-              </a:defRPr>
-            </a:lvl8pPr>
-            <a:lvl9pPr marL="3600000" indent="-228600" algn="l" defTabSz="457200" rtl="0" eaLnBrk="1" latinLnBrk="0" hangingPunct="1">
-              <a:spcBef>
-                <a:spcPct val="20000"/>
-              </a:spcBef>
-              <a:spcAft>
-                <a:spcPts val="600"/>
-              </a:spcAft>
-              <a:buClr>
-                <a:schemeClr val="accent1"/>
-              </a:buClr>
-              <a:buFont typeface="Wingdings 2" charset="2"/>
-              <a:buChar char=""/>
-              <a:defRPr sz="1200" kern="1200">
-                <a:solidFill>
-                  <a:schemeClr val="tx1"/>
-                </a:solidFill>
-                <a:latin typeface="+mn-lt"/>
-                <a:ea typeface="+mn-ea"/>
-                <a:cs typeface="+mn-cs"/>
-              </a:defRPr>
-            </a:lvl9pPr>
-          </a:lstStyle>
-          <a:p>
-            <a:pPr marL="0" indent="0">
-              <a:buFont typeface="Wingdings 2" charset="2"/>
-              <a:buNone/>
-            </a:pPr>
-            <a:endParaRPr lang="en-IN" sz="2400" dirty="0" smtClean="0"/>
-          </a:p>
-        </p:txBody>
-      </p:sp>
-    </p:spTree>
-    <p:extLst>
-      <p:ext uri="{BB962C8B-B14F-4D97-AF65-F5344CB8AC3E}">
-        <p14:creationId xmlns:p14="http://schemas.microsoft.com/office/powerpoint/2010/main" val="1376670911"/>
-      </p:ext>
-    </p:extLst>
-  </p:cSld>
-  <p:clrMapOvr>
-    <a:masterClrMapping/>
-  </p:clrMapOvr>
-</p:sld>
-</file>
-
-<file path=ppt/slides/slide12.xml><?xml version="1.0" encoding="utf-8"?>
-<p:sld xmlns:a="http://schemas.openxmlformats.org/drawingml/2006/main" xmlns:r="http://schemas.openxmlformats.org/officeDocument/2006/relationships" xmlns:p="http://schemas.openxmlformats.org/presentationml/2006/main">
-  <p:cSld>
-    <p:spTree>
-      <p:nvGrpSpPr>
-        <p:cNvPr id="1" name=""/>
-        <p:cNvGrpSpPr/>
-        <p:nvPr/>
-      </p:nvGrpSpPr>
-      <p:grpSpPr>
-        <a:xfrm>
-          <a:off x="0" y="0"/>
-          <a:ext cx="0" cy="0"/>
-          <a:chOff x="0" y="0"/>
-          <a:chExt cx="0" cy="0"/>
-        </a:xfrm>
-      </p:grpSpPr>
-      <p:sp>
-        <p:nvSpPr>
           <p:cNvPr id="4" name="Title 3">
             <a:extLst>
               <a:ext uri="{FF2B5EF4-FFF2-40B4-BE49-F238E27FC236}">
-                <a16:creationId xmlns:a16="http://schemas.microsoft.com/office/drawing/2014/main" xmlns="" id="{C0C22601-13A2-4FE8-8BAE-78E4966B52E2}"/>
+                <a16:creationId xmlns="" xmlns:a16="http://schemas.microsoft.com/office/drawing/2014/main" id="{C0C22601-13A2-4FE8-8BAE-78E4966B52E2}"/>
               </a:ext>
             </a:extLst>
           </p:cNvPr>
@@ -7675,7 +7511,7 @@
           <p:cNvPr id="5" name="Text Placeholder 4">
             <a:extLst>
               <a:ext uri="{FF2B5EF4-FFF2-40B4-BE49-F238E27FC236}">
-                <a16:creationId xmlns:a16="http://schemas.microsoft.com/office/drawing/2014/main" xmlns="" id="{94863BE1-82F7-4591-906B-F1D76191C408}"/>
+                <a16:creationId xmlns="" xmlns:a16="http://schemas.microsoft.com/office/drawing/2014/main" id="{94863BE1-82F7-4591-906B-F1D76191C408}"/>
               </a:ext>
             </a:extLst>
           </p:cNvPr>
@@ -7820,7 +7656,7 @@
           <p:cNvPr id="2" name="Title 1">
             <a:extLst>
               <a:ext uri="{FF2B5EF4-FFF2-40B4-BE49-F238E27FC236}">
-                <a16:creationId xmlns:a16="http://schemas.microsoft.com/office/drawing/2014/main" xmlns="" id="{9C47A14E-383E-41B7-9CDD-2929B239446F}"/>
+                <a16:creationId xmlns="" xmlns:a16="http://schemas.microsoft.com/office/drawing/2014/main" id="{9C47A14E-383E-41B7-9CDD-2929B239446F}"/>
               </a:ext>
             </a:extLst>
           </p:cNvPr>
@@ -7848,7 +7684,7 @@
           <p:cNvPr id="3" name="Content Placeholder 2">
             <a:extLst>
               <a:ext uri="{FF2B5EF4-FFF2-40B4-BE49-F238E27FC236}">
-                <a16:creationId xmlns:a16="http://schemas.microsoft.com/office/drawing/2014/main" xmlns="" id="{402EC573-04F6-433D-8CB9-23E2BECBBE84}"/>
+                <a16:creationId xmlns="" xmlns:a16="http://schemas.microsoft.com/office/drawing/2014/main" id="{402EC573-04F6-433D-8CB9-23E2BECBBE84}"/>
               </a:ext>
             </a:extLst>
           </p:cNvPr>
@@ -8018,1883 +7854,90 @@
       </p:grpSpPr>
       <p:sp>
         <p:nvSpPr>
-          <p:cNvPr id="4" name="Title 3">
+          <p:cNvPr id="2" name="Title 1">
             <a:extLst>
               <a:ext uri="{FF2B5EF4-FFF2-40B4-BE49-F238E27FC236}">
-                <a16:creationId xmlns:a16="http://schemas.microsoft.com/office/drawing/2014/main" xmlns="" id="{5903C9A1-0AFE-4AC8-A08C-DE20AA37C16D}"/>
+                <a16:creationId xmlns="" xmlns:a16="http://schemas.microsoft.com/office/drawing/2014/main" id="{778BFF3D-7FCB-4D69-BAA7-049F51B6AB2A}"/>
               </a:ext>
             </a:extLst>
           </p:cNvPr>
-          <p:cNvSpPr txBox="1">
-            <a:spLocks/>
-          </p:cNvSpPr>
-          <p:nvPr/>
-        </p:nvSpPr>
-        <p:spPr>
-          <a:xfrm>
-            <a:off x="0" y="0"/>
-            <a:ext cx="12191999" cy="1144988"/>
-          </a:xfrm>
-          <a:prstGeom prst="rect">
-            <a:avLst/>
-          </a:prstGeom>
-        </p:spPr>
+          <p:cNvSpPr>
+            <a:spLocks noGrp="1"/>
+          </p:cNvSpPr>
+          <p:nvPr>
+            <p:ph type="title"/>
+          </p:nvPr>
+        </p:nvSpPr>
+        <p:spPr/>
         <p:txBody>
           <a:bodyPr/>
-          <a:lstStyle>
-            <a:lvl1pPr algn="l" defTabSz="457200" rtl="0" eaLnBrk="1" latinLnBrk="0" hangingPunct="1">
-              <a:spcBef>
-                <a:spcPct val="0"/>
-              </a:spcBef>
-              <a:buNone/>
-              <a:defRPr sz="4000" b="1" kern="1200">
-                <a:solidFill>
-                  <a:srgbClr val="FEFEFE"/>
-                </a:solidFill>
-                <a:latin typeface="+mj-lt"/>
-                <a:ea typeface="+mj-ea"/>
-                <a:cs typeface="+mj-cs"/>
-              </a:defRPr>
-            </a:lvl1pPr>
-            <a:lvl2pPr eaLnBrk="1" hangingPunct="1">
-              <a:defRPr>
-                <a:solidFill>
-                  <a:schemeClr val="tx2"/>
-                </a:solidFill>
-              </a:defRPr>
-            </a:lvl2pPr>
-            <a:lvl3pPr eaLnBrk="1" hangingPunct="1">
-              <a:defRPr>
-                <a:solidFill>
-                  <a:schemeClr val="tx2"/>
-                </a:solidFill>
-              </a:defRPr>
-            </a:lvl3pPr>
-            <a:lvl4pPr eaLnBrk="1" hangingPunct="1">
-              <a:defRPr>
-                <a:solidFill>
-                  <a:schemeClr val="tx2"/>
-                </a:solidFill>
-              </a:defRPr>
-            </a:lvl4pPr>
-            <a:lvl5pPr eaLnBrk="1" hangingPunct="1">
-              <a:defRPr>
-                <a:solidFill>
-                  <a:schemeClr val="tx2"/>
-                </a:solidFill>
-              </a:defRPr>
-            </a:lvl5pPr>
-            <a:lvl6pPr eaLnBrk="1" hangingPunct="1">
-              <a:defRPr>
-                <a:solidFill>
-                  <a:schemeClr val="tx2"/>
-                </a:solidFill>
-              </a:defRPr>
-            </a:lvl6pPr>
-            <a:lvl7pPr eaLnBrk="1" hangingPunct="1">
-              <a:defRPr>
-                <a:solidFill>
-                  <a:schemeClr val="tx2"/>
-                </a:solidFill>
-              </a:defRPr>
-            </a:lvl7pPr>
-            <a:lvl8pPr eaLnBrk="1" hangingPunct="1">
-              <a:defRPr>
-                <a:solidFill>
-                  <a:schemeClr val="tx2"/>
-                </a:solidFill>
-              </a:defRPr>
-            </a:lvl8pPr>
-            <a:lvl9pPr eaLnBrk="1" hangingPunct="1">
-              <a:defRPr>
-                <a:solidFill>
-                  <a:schemeClr val="tx2"/>
-                </a:solidFill>
-              </a:defRPr>
-            </a:lvl9pPr>
-          </a:lstStyle>
-          <a:p>
-            <a:pPr algn="ctr"/>
-            <a:r>
-              <a:rPr lang="en-IN" sz="6000" dirty="0"/>
-              <a:t>TEAM MEMBERS</a:t>
-            </a:r>
-          </a:p>
-        </p:txBody>
-      </p:sp>
-      <p:sp>
-        <p:nvSpPr>
-          <p:cNvPr id="5" name="Text Placeholder 4">
+          <a:lstStyle/>
+          <a:p>
+            <a:r>
+              <a:rPr lang="en-IN" dirty="0"/>
+              <a:t>ABOUT THE PROJECT</a:t>
+            </a:r>
+          </a:p>
+        </p:txBody>
+      </p:sp>
+      <p:sp>
+        <p:nvSpPr>
+          <p:cNvPr id="3" name="Content Placeholder 2">
             <a:extLst>
               <a:ext uri="{FF2B5EF4-FFF2-40B4-BE49-F238E27FC236}">
-                <a16:creationId xmlns:a16="http://schemas.microsoft.com/office/drawing/2014/main" xmlns="" id="{CDF41A3A-E9CA-4285-85BF-76E2A3838F70}"/>
+                <a16:creationId xmlns="" xmlns:a16="http://schemas.microsoft.com/office/drawing/2014/main" id="{A38B03F9-F473-428A-90A1-C6D6AFCCECF4}"/>
               </a:ext>
             </a:extLst>
           </p:cNvPr>
-          <p:cNvSpPr txBox="1">
-            <a:spLocks/>
-          </p:cNvSpPr>
-          <p:nvPr/>
-        </p:nvSpPr>
-        <p:spPr>
-          <a:xfrm>
-            <a:off x="7092855" y="1383020"/>
-            <a:ext cx="2035241" cy="433955"/>
-          </a:xfrm>
-          <a:prstGeom prst="rect">
-            <a:avLst/>
-          </a:prstGeom>
-        </p:spPr>
+          <p:cNvSpPr>
+            <a:spLocks noGrp="1"/>
+          </p:cNvSpPr>
+          <p:nvPr>
+            <p:ph idx="1"/>
+          </p:nvPr>
+        </p:nvSpPr>
+        <p:spPr/>
         <p:txBody>
           <a:bodyPr/>
-          <a:lstStyle>
-            <a:lvl1pPr marL="342900" indent="-342900" algn="l" defTabSz="457200" rtl="0" eaLnBrk="1" latinLnBrk="0" hangingPunct="1">
-              <a:spcBef>
-                <a:spcPct val="20000"/>
-              </a:spcBef>
-              <a:spcAft>
-                <a:spcPts val="600"/>
-              </a:spcAft>
-              <a:buClr>
-                <a:schemeClr val="accent1"/>
-              </a:buClr>
-              <a:buFont typeface="Wingdings 2" charset="2"/>
-              <a:buChar char=""/>
-              <a:defRPr sz="1800" kern="1200">
-                <a:solidFill>
-                  <a:schemeClr val="tx1"/>
-                </a:solidFill>
-                <a:latin typeface="+mn-lt"/>
-                <a:ea typeface="+mn-ea"/>
-                <a:cs typeface="+mn-cs"/>
-              </a:defRPr>
-            </a:lvl1pPr>
-            <a:lvl2pPr marL="742950" indent="-285750" algn="l" defTabSz="457200" rtl="0" eaLnBrk="1" latinLnBrk="0" hangingPunct="1">
-              <a:spcBef>
-                <a:spcPct val="20000"/>
-              </a:spcBef>
-              <a:spcAft>
-                <a:spcPts val="600"/>
-              </a:spcAft>
-              <a:buClr>
-                <a:schemeClr val="accent1"/>
-              </a:buClr>
-              <a:buFont typeface="Wingdings 2" charset="2"/>
-              <a:buChar char=""/>
-              <a:defRPr sz="1600" kern="1200">
-                <a:solidFill>
-                  <a:schemeClr val="tx1"/>
-                </a:solidFill>
-                <a:latin typeface="+mn-lt"/>
-                <a:ea typeface="+mn-ea"/>
-                <a:cs typeface="+mn-cs"/>
-              </a:defRPr>
-            </a:lvl2pPr>
-            <a:lvl3pPr marL="1143000" indent="-228600" algn="l" defTabSz="457200" rtl="0" eaLnBrk="1" latinLnBrk="0" hangingPunct="1">
-              <a:spcBef>
-                <a:spcPct val="20000"/>
-              </a:spcBef>
-              <a:spcAft>
-                <a:spcPts val="600"/>
-              </a:spcAft>
-              <a:buClr>
-                <a:schemeClr val="accent1"/>
-              </a:buClr>
-              <a:buFont typeface="Wingdings 2" charset="2"/>
-              <a:buChar char=""/>
-              <a:defRPr sz="1400" kern="1200">
-                <a:solidFill>
-                  <a:schemeClr val="tx1"/>
-                </a:solidFill>
-                <a:latin typeface="+mn-lt"/>
-                <a:ea typeface="+mn-ea"/>
-                <a:cs typeface="+mn-cs"/>
-              </a:defRPr>
-            </a:lvl3pPr>
-            <a:lvl4pPr marL="1600200" indent="-228600" algn="l" defTabSz="457200" rtl="0" eaLnBrk="1" latinLnBrk="0" hangingPunct="1">
-              <a:spcBef>
-                <a:spcPct val="20000"/>
-              </a:spcBef>
-              <a:spcAft>
-                <a:spcPts val="600"/>
-              </a:spcAft>
-              <a:buClr>
-                <a:schemeClr val="accent1"/>
-              </a:buClr>
-              <a:buFont typeface="Wingdings 2" charset="2"/>
-              <a:buChar char=""/>
-              <a:defRPr sz="1200" kern="1200">
-                <a:solidFill>
-                  <a:schemeClr val="tx1"/>
-                </a:solidFill>
-                <a:latin typeface="+mn-lt"/>
-                <a:ea typeface="+mn-ea"/>
-                <a:cs typeface="+mn-cs"/>
-              </a:defRPr>
-            </a:lvl4pPr>
-            <a:lvl5pPr marL="2057400" indent="-228600" algn="l" defTabSz="457200" rtl="0" eaLnBrk="1" latinLnBrk="0" hangingPunct="1">
-              <a:spcBef>
-                <a:spcPct val="20000"/>
-              </a:spcBef>
-              <a:spcAft>
-                <a:spcPts val="600"/>
-              </a:spcAft>
-              <a:buClr>
-                <a:schemeClr val="accent1"/>
-              </a:buClr>
-              <a:buFont typeface="Wingdings 2" charset="2"/>
-              <a:buChar char=""/>
-              <a:defRPr sz="1200" kern="1200">
-                <a:solidFill>
-                  <a:schemeClr val="tx1"/>
-                </a:solidFill>
-                <a:latin typeface="+mn-lt"/>
-                <a:ea typeface="+mn-ea"/>
-                <a:cs typeface="+mn-cs"/>
-              </a:defRPr>
-            </a:lvl5pPr>
-            <a:lvl6pPr marL="2400000" indent="-228600" algn="l" defTabSz="457200" rtl="0" eaLnBrk="1" latinLnBrk="0" hangingPunct="1">
-              <a:spcBef>
-                <a:spcPct val="20000"/>
-              </a:spcBef>
-              <a:spcAft>
-                <a:spcPts val="600"/>
-              </a:spcAft>
-              <a:buClr>
-                <a:schemeClr val="accent1"/>
-              </a:buClr>
-              <a:buFont typeface="Wingdings 2" charset="2"/>
-              <a:buChar char=""/>
-              <a:defRPr sz="1200" kern="1200">
-                <a:solidFill>
-                  <a:schemeClr val="tx1"/>
-                </a:solidFill>
-                <a:latin typeface="+mn-lt"/>
-                <a:ea typeface="+mn-ea"/>
-                <a:cs typeface="+mn-cs"/>
-              </a:defRPr>
-            </a:lvl6pPr>
-            <a:lvl7pPr marL="2800000" indent="-228600" algn="l" defTabSz="457200" rtl="0" eaLnBrk="1" latinLnBrk="0" hangingPunct="1">
-              <a:spcBef>
-                <a:spcPct val="20000"/>
-              </a:spcBef>
-              <a:spcAft>
-                <a:spcPts val="600"/>
-              </a:spcAft>
-              <a:buClr>
-                <a:schemeClr val="accent1"/>
-              </a:buClr>
-              <a:buFont typeface="Wingdings 2" charset="2"/>
-              <a:buChar char=""/>
-              <a:defRPr sz="1200" kern="1200">
-                <a:solidFill>
-                  <a:schemeClr val="tx1"/>
-                </a:solidFill>
-                <a:latin typeface="+mn-lt"/>
-                <a:ea typeface="+mn-ea"/>
-                <a:cs typeface="+mn-cs"/>
-              </a:defRPr>
-            </a:lvl7pPr>
-            <a:lvl8pPr marL="3200000" indent="-228600" algn="l" defTabSz="457200" rtl="0" eaLnBrk="1" latinLnBrk="0" hangingPunct="1">
-              <a:spcBef>
-                <a:spcPct val="20000"/>
-              </a:spcBef>
-              <a:spcAft>
-                <a:spcPts val="600"/>
-              </a:spcAft>
-              <a:buClr>
-                <a:schemeClr val="accent1"/>
-              </a:buClr>
-              <a:buFont typeface="Wingdings 2" charset="2"/>
-              <a:buChar char=""/>
-              <a:defRPr sz="1200" kern="1200">
-                <a:solidFill>
-                  <a:schemeClr val="tx1"/>
-                </a:solidFill>
-                <a:latin typeface="+mn-lt"/>
-                <a:ea typeface="+mn-ea"/>
-                <a:cs typeface="+mn-cs"/>
-              </a:defRPr>
-            </a:lvl8pPr>
-            <a:lvl9pPr marL="3600000" indent="-228600" algn="l" defTabSz="457200" rtl="0" eaLnBrk="1" latinLnBrk="0" hangingPunct="1">
-              <a:spcBef>
-                <a:spcPct val="20000"/>
-              </a:spcBef>
-              <a:spcAft>
-                <a:spcPts val="600"/>
-              </a:spcAft>
-              <a:buClr>
-                <a:schemeClr val="accent1"/>
-              </a:buClr>
-              <a:buFont typeface="Wingdings 2" charset="2"/>
-              <a:buChar char=""/>
-              <a:defRPr sz="1200" kern="1200">
-                <a:solidFill>
-                  <a:schemeClr val="tx1"/>
-                </a:solidFill>
-                <a:latin typeface="+mn-lt"/>
-                <a:ea typeface="+mn-ea"/>
-                <a:cs typeface="+mn-cs"/>
-              </a:defRPr>
-            </a:lvl9pPr>
-          </a:lstStyle>
+          <a:lstStyle/>
+          <a:p>
+            <a:r>
+              <a:rPr lang="en-IN" dirty="0"/>
+              <a:t>Theme :  Medical</a:t>
+            </a:r>
+          </a:p>
           <a:p>
             <a:pPr marL="0" indent="0">
               <a:buNone/>
             </a:pPr>
-            <a:r>
-              <a:rPr lang="en-IN" sz="2000" dirty="0" err="1"/>
-              <a:t>Amit</a:t>
-            </a:r>
-            <a:r>
-              <a:rPr lang="en-IN" sz="2000" dirty="0"/>
-              <a:t> </a:t>
-            </a:r>
-            <a:r>
-              <a:rPr lang="en-IN" sz="2000" dirty="0" err="1"/>
-              <a:t>Yadav</a:t>
-            </a:r>
-            <a:endParaRPr lang="en-IN" sz="2000" dirty="0"/>
-          </a:p>
-          <a:p>
-            <a:pPr>
-              <a:buClr>
-                <a:schemeClr val="tx1"/>
-              </a:buClr>
-              <a:buFont typeface="Wingdings" pitchFamily="2" charset="2"/>
-              <a:buChar char="§"/>
-            </a:pPr>
-            <a:r>
-              <a:rPr lang="en-IN" sz="2000" dirty="0" err="1"/>
-              <a:t>Arduino</a:t>
-            </a:r>
-            <a:endParaRPr lang="en-IN" sz="2000" dirty="0"/>
-          </a:p>
-          <a:p>
-            <a:pPr>
-              <a:buClr>
-                <a:schemeClr val="tx1"/>
-              </a:buClr>
-              <a:buFont typeface="Wingdings" pitchFamily="2" charset="2"/>
-              <a:buChar char="§"/>
-            </a:pPr>
-            <a:r>
-              <a:rPr lang="en-IN" sz="2000" dirty="0" err="1"/>
-              <a:t>Powerpoint</a:t>
-            </a:r>
-            <a:endParaRPr lang="en-IN" sz="2000" dirty="0"/>
-          </a:p>
-          <a:p>
             <a:endParaRPr lang="en-IN" dirty="0"/>
           </a:p>
-        </p:txBody>
-      </p:sp>
-      <p:sp>
-        <p:nvSpPr>
-          <p:cNvPr id="6" name="Text Placeholder 4">
-            <a:extLst>
-              <a:ext uri="{FF2B5EF4-FFF2-40B4-BE49-F238E27FC236}">
-                <a16:creationId xmlns:a16="http://schemas.microsoft.com/office/drawing/2014/main" xmlns="" id="{CDF41A3A-E9CA-4285-85BF-76E2A3838F70}"/>
-              </a:ext>
-            </a:extLst>
-          </p:cNvPr>
-          <p:cNvSpPr txBox="1">
-            <a:spLocks/>
-          </p:cNvSpPr>
-          <p:nvPr/>
-        </p:nvSpPr>
-        <p:spPr>
-          <a:xfrm>
-            <a:off x="342198" y="1450565"/>
-            <a:ext cx="2933738" cy="863265"/>
-          </a:xfrm>
-          <a:prstGeom prst="rect">
-            <a:avLst/>
-          </a:prstGeom>
-          <a:effectLst>
-            <a:outerShdw blurRad="50800" dir="14400000">
-              <a:srgbClr val="000000">
-                <a:alpha val="40000"/>
-              </a:srgbClr>
-            </a:outerShdw>
-          </a:effectLst>
-        </p:spPr>
-        <p:txBody>
-          <a:bodyPr vert="horz" lIns="91440" tIns="45720" rIns="91440" bIns="45720" rtlCol="0" anchor="t">
-            <a:noAutofit/>
-          </a:bodyPr>
-          <a:lstStyle>
-            <a:lvl1pPr marL="0" indent="0" algn="r" defTabSz="457200" rtl="0" eaLnBrk="1" latinLnBrk="0" hangingPunct="1">
-              <a:spcBef>
-                <a:spcPct val="20000"/>
-              </a:spcBef>
-              <a:spcAft>
-                <a:spcPts val="600"/>
-              </a:spcAft>
-              <a:buClr>
-                <a:schemeClr val="accent1"/>
-              </a:buClr>
-              <a:buFont typeface="Wingdings 2" charset="2"/>
-              <a:buNone/>
-              <a:defRPr sz="1800" kern="1200">
-                <a:solidFill>
-                  <a:schemeClr val="tx1"/>
-                </a:solidFill>
-                <a:latin typeface="+mn-lt"/>
-                <a:ea typeface="+mn-ea"/>
-                <a:cs typeface="+mn-cs"/>
-              </a:defRPr>
-            </a:lvl1pPr>
-            <a:lvl2pPr marL="457200" indent="0" algn="l" defTabSz="457200" rtl="0" eaLnBrk="1" latinLnBrk="0" hangingPunct="1">
-              <a:spcBef>
-                <a:spcPct val="20000"/>
-              </a:spcBef>
-              <a:spcAft>
-                <a:spcPts val="600"/>
-              </a:spcAft>
-              <a:buClr>
-                <a:schemeClr val="accent1"/>
-              </a:buClr>
-              <a:buFont typeface="Wingdings 2" charset="2"/>
-              <a:buNone/>
-              <a:defRPr sz="1800" kern="1200">
+          <a:p>
+            <a:r>
+              <a:rPr lang="en-IN" dirty="0"/>
+              <a:t>Problem Statement :  Notifying Doctor about irregularity in patient’s heart rate, prompting to check up on the patient, along with an </a:t>
+            </a:r>
+            <a:r>
+              <a:rPr lang="en-IN" b="1" dirty="0">
                 <a:solidFill>
                   <a:schemeClr val="tx1">
-                    <a:tint val="75000"/>
+                    <a:lumMod val="95000"/>
                   </a:schemeClr>
                 </a:solidFill>
-                <a:latin typeface="+mn-lt"/>
-                <a:ea typeface="+mn-ea"/>
-                <a:cs typeface="+mn-cs"/>
-              </a:defRPr>
-            </a:lvl2pPr>
-            <a:lvl3pPr marL="914400" indent="0" algn="l" defTabSz="457200" rtl="0" eaLnBrk="1" latinLnBrk="0" hangingPunct="1">
-              <a:spcBef>
-                <a:spcPct val="20000"/>
-              </a:spcBef>
-              <a:spcAft>
-                <a:spcPts val="600"/>
-              </a:spcAft>
-              <a:buClr>
-                <a:schemeClr val="accent1"/>
-              </a:buClr>
-              <a:buFont typeface="Wingdings 2" charset="2"/>
-              <a:buNone/>
-              <a:defRPr sz="1600" kern="1200">
-                <a:solidFill>
-                  <a:schemeClr val="tx1">
-                    <a:tint val="75000"/>
-                  </a:schemeClr>
-                </a:solidFill>
-                <a:latin typeface="+mn-lt"/>
-                <a:ea typeface="+mn-ea"/>
-                <a:cs typeface="+mn-cs"/>
-              </a:defRPr>
-            </a:lvl3pPr>
-            <a:lvl4pPr marL="1371600" indent="0" algn="l" defTabSz="457200" rtl="0" eaLnBrk="1" latinLnBrk="0" hangingPunct="1">
-              <a:spcBef>
-                <a:spcPct val="20000"/>
-              </a:spcBef>
-              <a:spcAft>
-                <a:spcPts val="600"/>
-              </a:spcAft>
-              <a:buClr>
-                <a:schemeClr val="accent1"/>
-              </a:buClr>
-              <a:buFont typeface="Wingdings 2" charset="2"/>
-              <a:buNone/>
-              <a:defRPr sz="1400" kern="1200">
-                <a:solidFill>
-                  <a:schemeClr val="tx1">
-                    <a:tint val="75000"/>
-                  </a:schemeClr>
-                </a:solidFill>
-                <a:latin typeface="+mn-lt"/>
-                <a:ea typeface="+mn-ea"/>
-                <a:cs typeface="+mn-cs"/>
-              </a:defRPr>
-            </a:lvl4pPr>
-            <a:lvl5pPr marL="1828800" indent="0" algn="l" defTabSz="457200" rtl="0" eaLnBrk="1" latinLnBrk="0" hangingPunct="1">
-              <a:spcBef>
-                <a:spcPct val="20000"/>
-              </a:spcBef>
-              <a:spcAft>
-                <a:spcPts val="600"/>
-              </a:spcAft>
-              <a:buClr>
-                <a:schemeClr val="accent1"/>
-              </a:buClr>
-              <a:buFont typeface="Wingdings 2" charset="2"/>
-              <a:buNone/>
-              <a:defRPr sz="1400" kern="1200">
-                <a:solidFill>
-                  <a:schemeClr val="tx1">
-                    <a:tint val="75000"/>
-                  </a:schemeClr>
-                </a:solidFill>
-                <a:latin typeface="+mn-lt"/>
-                <a:ea typeface="+mn-ea"/>
-                <a:cs typeface="+mn-cs"/>
-              </a:defRPr>
-            </a:lvl5pPr>
-            <a:lvl6pPr marL="2286000" indent="0" algn="l" defTabSz="457200" rtl="0" eaLnBrk="1" latinLnBrk="0" hangingPunct="1">
-              <a:spcBef>
-                <a:spcPct val="20000"/>
-              </a:spcBef>
-              <a:spcAft>
-                <a:spcPts val="600"/>
-              </a:spcAft>
-              <a:buClr>
-                <a:schemeClr val="accent1"/>
-              </a:buClr>
-              <a:buFont typeface="Wingdings 2" charset="2"/>
-              <a:buNone/>
-              <a:defRPr sz="1400" kern="1200">
-                <a:solidFill>
-                  <a:schemeClr val="tx1">
-                    <a:tint val="75000"/>
-                  </a:schemeClr>
-                </a:solidFill>
-                <a:latin typeface="+mn-lt"/>
-                <a:ea typeface="+mn-ea"/>
-                <a:cs typeface="+mn-cs"/>
-              </a:defRPr>
-            </a:lvl6pPr>
-            <a:lvl7pPr marL="2743200" indent="0" algn="l" defTabSz="457200" rtl="0" eaLnBrk="1" latinLnBrk="0" hangingPunct="1">
-              <a:spcBef>
-                <a:spcPct val="20000"/>
-              </a:spcBef>
-              <a:spcAft>
-                <a:spcPts val="600"/>
-              </a:spcAft>
-              <a:buClr>
-                <a:schemeClr val="accent1"/>
-              </a:buClr>
-              <a:buFont typeface="Wingdings 2" charset="2"/>
-              <a:buNone/>
-              <a:defRPr sz="1400" kern="1200">
-                <a:solidFill>
-                  <a:schemeClr val="tx1">
-                    <a:tint val="75000"/>
-                  </a:schemeClr>
-                </a:solidFill>
-                <a:latin typeface="+mn-lt"/>
-                <a:ea typeface="+mn-ea"/>
-                <a:cs typeface="+mn-cs"/>
-              </a:defRPr>
-            </a:lvl7pPr>
-            <a:lvl8pPr marL="3200400" indent="0" algn="l" defTabSz="457200" rtl="0" eaLnBrk="1" latinLnBrk="0" hangingPunct="1">
-              <a:spcBef>
-                <a:spcPct val="20000"/>
-              </a:spcBef>
-              <a:spcAft>
-                <a:spcPts val="600"/>
-              </a:spcAft>
-              <a:buClr>
-                <a:schemeClr val="accent1"/>
-              </a:buClr>
-              <a:buFont typeface="Wingdings 2" charset="2"/>
-              <a:buNone/>
-              <a:defRPr sz="1400" kern="1200">
-                <a:solidFill>
-                  <a:schemeClr val="tx1">
-                    <a:tint val="75000"/>
-                  </a:schemeClr>
-                </a:solidFill>
-                <a:latin typeface="+mn-lt"/>
-                <a:ea typeface="+mn-ea"/>
-                <a:cs typeface="+mn-cs"/>
-              </a:defRPr>
-            </a:lvl8pPr>
-            <a:lvl9pPr marL="3657600" indent="0" algn="l" defTabSz="457200" rtl="0" eaLnBrk="1" latinLnBrk="0" hangingPunct="1">
-              <a:spcBef>
-                <a:spcPct val="20000"/>
-              </a:spcBef>
-              <a:spcAft>
-                <a:spcPts val="600"/>
-              </a:spcAft>
-              <a:buClr>
-                <a:schemeClr val="accent1"/>
-              </a:buClr>
-              <a:buFont typeface="Wingdings 2" charset="2"/>
-              <a:buNone/>
-              <a:defRPr sz="1400" kern="1200">
-                <a:solidFill>
-                  <a:schemeClr val="tx1">
-                    <a:tint val="75000"/>
-                  </a:schemeClr>
-                </a:solidFill>
-                <a:latin typeface="+mn-lt"/>
-                <a:ea typeface="+mn-ea"/>
-                <a:cs typeface="+mn-cs"/>
-              </a:defRPr>
-            </a:lvl9pPr>
-          </a:lstStyle>
-          <a:p>
-            <a:pPr algn="l"/>
-            <a:r>
-              <a:rPr lang="en-IN" sz="2000" dirty="0" err="1"/>
-              <a:t>Ashutosh</a:t>
-            </a:r>
-            <a:r>
-              <a:rPr lang="en-IN" sz="2000" dirty="0"/>
-              <a:t> Singh </a:t>
-            </a:r>
-            <a:r>
-              <a:rPr lang="en-IN" sz="2000" dirty="0" err="1"/>
-              <a:t>Dengri</a:t>
-            </a:r>
-            <a:endParaRPr lang="en-IN" sz="2000" dirty="0"/>
-          </a:p>
-          <a:p>
-            <a:pPr marL="342900" indent="-342900" algn="l">
-              <a:buClr>
-                <a:schemeClr val="tx1"/>
-              </a:buClr>
-              <a:buFont typeface="Wingdings" pitchFamily="2" charset="2"/>
-              <a:buChar char="§"/>
-            </a:pPr>
-            <a:r>
-              <a:rPr lang="en-IN" sz="2000" dirty="0" err="1"/>
-              <a:t>Arduino</a:t>
-            </a:r>
-            <a:r>
-              <a:rPr lang="en-IN" sz="2000" dirty="0"/>
-              <a:t>, </a:t>
-            </a:r>
-          </a:p>
-          <a:p>
-            <a:pPr marL="342900" indent="-342900" algn="l">
-              <a:buClr>
-                <a:schemeClr val="tx1"/>
-              </a:buClr>
-              <a:buFont typeface="Wingdings" pitchFamily="2" charset="2"/>
-              <a:buChar char="§"/>
-            </a:pPr>
-            <a:r>
-              <a:rPr lang="en-IN" sz="2000" dirty="0"/>
-              <a:t>Android studio</a:t>
-            </a:r>
-          </a:p>
-          <a:p>
-            <a:pPr marL="342900" indent="-342900" algn="l">
-              <a:buFont typeface="Wingdings" pitchFamily="2" charset="2"/>
-              <a:buChar char="§"/>
-            </a:pPr>
-            <a:endParaRPr lang="en-IN" sz="2000" dirty="0"/>
-          </a:p>
-          <a:p>
-            <a:pPr marL="342900" indent="-342900" algn="l">
-              <a:buFont typeface="Wingdings" pitchFamily="2" charset="2"/>
-              <a:buChar char="§"/>
-            </a:pPr>
-            <a:endParaRPr lang="en-IN" sz="2000" dirty="0">
-              <a:solidFill>
-                <a:srgbClr val="FF0000"/>
-              </a:solidFill>
-            </a:endParaRPr>
-          </a:p>
-          <a:p>
-            <a:pPr algn="l"/>
-            <a:endParaRPr lang="en-IN" dirty="0"/>
-          </a:p>
-        </p:txBody>
-      </p:sp>
-      <p:sp>
-        <p:nvSpPr>
-          <p:cNvPr id="7" name="Text Placeholder 4">
-            <a:extLst>
-              <a:ext uri="{FF2B5EF4-FFF2-40B4-BE49-F238E27FC236}">
-                <a16:creationId xmlns:a16="http://schemas.microsoft.com/office/drawing/2014/main" xmlns="" id="{CDF41A3A-E9CA-4285-85BF-76E2A3838F70}"/>
-              </a:ext>
-            </a:extLst>
-          </p:cNvPr>
-          <p:cNvSpPr txBox="1">
-            <a:spLocks/>
-          </p:cNvSpPr>
-          <p:nvPr/>
-        </p:nvSpPr>
-        <p:spPr>
-          <a:xfrm>
-            <a:off x="7116710" y="2662065"/>
-            <a:ext cx="1812605" cy="433955"/>
-          </a:xfrm>
-          <a:prstGeom prst="rect">
-            <a:avLst/>
-          </a:prstGeom>
-          <a:effectLst>
-            <a:outerShdw blurRad="50800" dir="14400000">
-              <a:srgbClr val="000000">
-                <a:alpha val="40000"/>
-              </a:srgbClr>
-            </a:outerShdw>
-          </a:effectLst>
-        </p:spPr>
-        <p:txBody>
-          <a:bodyPr vert="horz" lIns="91440" tIns="45720" rIns="91440" bIns="45720" rtlCol="0" anchor="t">
-            <a:noAutofit/>
-          </a:bodyPr>
-          <a:lstStyle>
-            <a:lvl1pPr marL="0" indent="0" algn="r" defTabSz="457200" rtl="0" eaLnBrk="1" latinLnBrk="0" hangingPunct="1">
-              <a:spcBef>
-                <a:spcPct val="20000"/>
-              </a:spcBef>
-              <a:spcAft>
-                <a:spcPts val="600"/>
-              </a:spcAft>
-              <a:buClr>
-                <a:schemeClr val="accent1"/>
-              </a:buClr>
-              <a:buFont typeface="Wingdings 2" charset="2"/>
-              <a:buNone/>
-              <a:defRPr sz="1800" kern="1200">
-                <a:solidFill>
-                  <a:schemeClr val="tx1"/>
-                </a:solidFill>
-                <a:latin typeface="+mn-lt"/>
-                <a:ea typeface="+mn-ea"/>
-                <a:cs typeface="+mn-cs"/>
-              </a:defRPr>
-            </a:lvl1pPr>
-            <a:lvl2pPr marL="457200" indent="0" algn="l" defTabSz="457200" rtl="0" eaLnBrk="1" latinLnBrk="0" hangingPunct="1">
-              <a:spcBef>
-                <a:spcPct val="20000"/>
-              </a:spcBef>
-              <a:spcAft>
-                <a:spcPts val="600"/>
-              </a:spcAft>
-              <a:buClr>
-                <a:schemeClr val="accent1"/>
-              </a:buClr>
-              <a:buFont typeface="Wingdings 2" charset="2"/>
-              <a:buNone/>
-              <a:defRPr sz="1800" kern="1200">
-                <a:solidFill>
-                  <a:schemeClr val="tx1">
-                    <a:tint val="75000"/>
-                  </a:schemeClr>
-                </a:solidFill>
-                <a:latin typeface="+mn-lt"/>
-                <a:ea typeface="+mn-ea"/>
-                <a:cs typeface="+mn-cs"/>
-              </a:defRPr>
-            </a:lvl2pPr>
-            <a:lvl3pPr marL="914400" indent="0" algn="l" defTabSz="457200" rtl="0" eaLnBrk="1" latinLnBrk="0" hangingPunct="1">
-              <a:spcBef>
-                <a:spcPct val="20000"/>
-              </a:spcBef>
-              <a:spcAft>
-                <a:spcPts val="600"/>
-              </a:spcAft>
-              <a:buClr>
-                <a:schemeClr val="accent1"/>
-              </a:buClr>
-              <a:buFont typeface="Wingdings 2" charset="2"/>
-              <a:buNone/>
-              <a:defRPr sz="1600" kern="1200">
-                <a:solidFill>
-                  <a:schemeClr val="tx1">
-                    <a:tint val="75000"/>
-                  </a:schemeClr>
-                </a:solidFill>
-                <a:latin typeface="+mn-lt"/>
-                <a:ea typeface="+mn-ea"/>
-                <a:cs typeface="+mn-cs"/>
-              </a:defRPr>
-            </a:lvl3pPr>
-            <a:lvl4pPr marL="1371600" indent="0" algn="l" defTabSz="457200" rtl="0" eaLnBrk="1" latinLnBrk="0" hangingPunct="1">
-              <a:spcBef>
-                <a:spcPct val="20000"/>
-              </a:spcBef>
-              <a:spcAft>
-                <a:spcPts val="600"/>
-              </a:spcAft>
-              <a:buClr>
-                <a:schemeClr val="accent1"/>
-              </a:buClr>
-              <a:buFont typeface="Wingdings 2" charset="2"/>
-              <a:buNone/>
-              <a:defRPr sz="1400" kern="1200">
-                <a:solidFill>
-                  <a:schemeClr val="tx1">
-                    <a:tint val="75000"/>
-                  </a:schemeClr>
-                </a:solidFill>
-                <a:latin typeface="+mn-lt"/>
-                <a:ea typeface="+mn-ea"/>
-                <a:cs typeface="+mn-cs"/>
-              </a:defRPr>
-            </a:lvl4pPr>
-            <a:lvl5pPr marL="1828800" indent="0" algn="l" defTabSz="457200" rtl="0" eaLnBrk="1" latinLnBrk="0" hangingPunct="1">
-              <a:spcBef>
-                <a:spcPct val="20000"/>
-              </a:spcBef>
-              <a:spcAft>
-                <a:spcPts val="600"/>
-              </a:spcAft>
-              <a:buClr>
-                <a:schemeClr val="accent1"/>
-              </a:buClr>
-              <a:buFont typeface="Wingdings 2" charset="2"/>
-              <a:buNone/>
-              <a:defRPr sz="1400" kern="1200">
-                <a:solidFill>
-                  <a:schemeClr val="tx1">
-                    <a:tint val="75000"/>
-                  </a:schemeClr>
-                </a:solidFill>
-                <a:latin typeface="+mn-lt"/>
-                <a:ea typeface="+mn-ea"/>
-                <a:cs typeface="+mn-cs"/>
-              </a:defRPr>
-            </a:lvl5pPr>
-            <a:lvl6pPr marL="2286000" indent="0" algn="l" defTabSz="457200" rtl="0" eaLnBrk="1" latinLnBrk="0" hangingPunct="1">
-              <a:spcBef>
-                <a:spcPct val="20000"/>
-              </a:spcBef>
-              <a:spcAft>
-                <a:spcPts val="600"/>
-              </a:spcAft>
-              <a:buClr>
-                <a:schemeClr val="accent1"/>
-              </a:buClr>
-              <a:buFont typeface="Wingdings 2" charset="2"/>
-              <a:buNone/>
-              <a:defRPr sz="1400" kern="1200">
-                <a:solidFill>
-                  <a:schemeClr val="tx1">
-                    <a:tint val="75000"/>
-                  </a:schemeClr>
-                </a:solidFill>
-                <a:latin typeface="+mn-lt"/>
-                <a:ea typeface="+mn-ea"/>
-                <a:cs typeface="+mn-cs"/>
-              </a:defRPr>
-            </a:lvl6pPr>
-            <a:lvl7pPr marL="2743200" indent="0" algn="l" defTabSz="457200" rtl="0" eaLnBrk="1" latinLnBrk="0" hangingPunct="1">
-              <a:spcBef>
-                <a:spcPct val="20000"/>
-              </a:spcBef>
-              <a:spcAft>
-                <a:spcPts val="600"/>
-              </a:spcAft>
-              <a:buClr>
-                <a:schemeClr val="accent1"/>
-              </a:buClr>
-              <a:buFont typeface="Wingdings 2" charset="2"/>
-              <a:buNone/>
-              <a:defRPr sz="1400" kern="1200">
-                <a:solidFill>
-                  <a:schemeClr val="tx1">
-                    <a:tint val="75000"/>
-                  </a:schemeClr>
-                </a:solidFill>
-                <a:latin typeface="+mn-lt"/>
-                <a:ea typeface="+mn-ea"/>
-                <a:cs typeface="+mn-cs"/>
-              </a:defRPr>
-            </a:lvl7pPr>
-            <a:lvl8pPr marL="3200400" indent="0" algn="l" defTabSz="457200" rtl="0" eaLnBrk="1" latinLnBrk="0" hangingPunct="1">
-              <a:spcBef>
-                <a:spcPct val="20000"/>
-              </a:spcBef>
-              <a:spcAft>
-                <a:spcPts val="600"/>
-              </a:spcAft>
-              <a:buClr>
-                <a:schemeClr val="accent1"/>
-              </a:buClr>
-              <a:buFont typeface="Wingdings 2" charset="2"/>
-              <a:buNone/>
-              <a:defRPr sz="1400" kern="1200">
-                <a:solidFill>
-                  <a:schemeClr val="tx1">
-                    <a:tint val="75000"/>
-                  </a:schemeClr>
-                </a:solidFill>
-                <a:latin typeface="+mn-lt"/>
-                <a:ea typeface="+mn-ea"/>
-                <a:cs typeface="+mn-cs"/>
-              </a:defRPr>
-            </a:lvl8pPr>
-            <a:lvl9pPr marL="3657600" indent="0" algn="l" defTabSz="457200" rtl="0" eaLnBrk="1" latinLnBrk="0" hangingPunct="1">
-              <a:spcBef>
-                <a:spcPct val="20000"/>
-              </a:spcBef>
-              <a:spcAft>
-                <a:spcPts val="600"/>
-              </a:spcAft>
-              <a:buClr>
-                <a:schemeClr val="accent1"/>
-              </a:buClr>
-              <a:buFont typeface="Wingdings 2" charset="2"/>
-              <a:buNone/>
-              <a:defRPr sz="1400" kern="1200">
-                <a:solidFill>
-                  <a:schemeClr val="tx1">
-                    <a:tint val="75000"/>
-                  </a:schemeClr>
-                </a:solidFill>
-                <a:latin typeface="+mn-lt"/>
-                <a:ea typeface="+mn-ea"/>
-                <a:cs typeface="+mn-cs"/>
-              </a:defRPr>
-            </a:lvl9pPr>
-          </a:lstStyle>
-          <a:p>
-            <a:pPr algn="l"/>
-            <a:endParaRPr lang="en-IN" sz="2000" dirty="0"/>
-          </a:p>
-          <a:p>
-            <a:pPr algn="l"/>
-            <a:r>
-              <a:rPr lang="en-IN" sz="2000" dirty="0" err="1"/>
-              <a:t>Samyak</a:t>
-            </a:r>
-            <a:r>
-              <a:rPr lang="en-IN" sz="2000" dirty="0"/>
-              <a:t> Jain</a:t>
-            </a:r>
-          </a:p>
-          <a:p>
-            <a:pPr marL="342900" indent="-342900" algn="l">
-              <a:buClr>
-                <a:schemeClr val="tx1"/>
-              </a:buClr>
-              <a:buFont typeface="Wingdings" pitchFamily="2" charset="2"/>
-              <a:buChar char="§"/>
-            </a:pPr>
-            <a:r>
-              <a:rPr lang="en-IN" sz="2000" dirty="0" err="1"/>
-              <a:t>Arduino</a:t>
-            </a:r>
-            <a:endParaRPr lang="en-IN" sz="2000" dirty="0"/>
-          </a:p>
-          <a:p>
-            <a:pPr marL="342900" indent="-342900" algn="l">
-              <a:buClr>
-                <a:schemeClr val="tx1"/>
-              </a:buClr>
-              <a:buFont typeface="Wingdings" pitchFamily="2" charset="2"/>
-              <a:buChar char="§"/>
-            </a:pPr>
-            <a:r>
-              <a:rPr lang="en-IN" sz="2000" dirty="0"/>
-              <a:t>IOT</a:t>
-            </a:r>
-          </a:p>
-          <a:p>
-            <a:pPr algn="l"/>
-            <a:endParaRPr lang="en-IN" dirty="0"/>
-          </a:p>
-        </p:txBody>
-      </p:sp>
-      <p:sp>
-        <p:nvSpPr>
-          <p:cNvPr id="8" name="Text Placeholder 4">
-            <a:extLst>
-              <a:ext uri="{FF2B5EF4-FFF2-40B4-BE49-F238E27FC236}">
-                <a16:creationId xmlns:a16="http://schemas.microsoft.com/office/drawing/2014/main" xmlns="" id="{CDF41A3A-E9CA-4285-85BF-76E2A3838F70}"/>
-              </a:ext>
-            </a:extLst>
-          </p:cNvPr>
-          <p:cNvSpPr txBox="1">
-            <a:spLocks/>
-          </p:cNvSpPr>
-          <p:nvPr/>
-        </p:nvSpPr>
-        <p:spPr>
-          <a:xfrm>
-            <a:off x="286539" y="2751673"/>
-            <a:ext cx="3299498" cy="1009294"/>
-          </a:xfrm>
-          <a:prstGeom prst="rect">
-            <a:avLst/>
-          </a:prstGeom>
-          <a:effectLst>
-            <a:outerShdw blurRad="50800" dir="14400000">
-              <a:srgbClr val="000000">
-                <a:alpha val="40000"/>
-              </a:srgbClr>
-            </a:outerShdw>
-          </a:effectLst>
-        </p:spPr>
-        <p:txBody>
-          <a:bodyPr vert="horz" lIns="91440" tIns="45720" rIns="91440" bIns="45720" rtlCol="0" anchor="t">
-            <a:noAutofit/>
-          </a:bodyPr>
-          <a:lstStyle>
-            <a:lvl1pPr marL="0" indent="0" algn="r" defTabSz="457200" rtl="0" eaLnBrk="1" latinLnBrk="0" hangingPunct="1">
-              <a:spcBef>
-                <a:spcPct val="20000"/>
-              </a:spcBef>
-              <a:spcAft>
-                <a:spcPts val="600"/>
-              </a:spcAft>
-              <a:buClr>
-                <a:schemeClr val="accent1"/>
-              </a:buClr>
-              <a:buFont typeface="Wingdings 2" charset="2"/>
-              <a:buNone/>
-              <a:defRPr sz="1800" kern="1200">
-                <a:solidFill>
-                  <a:schemeClr val="tx1"/>
-                </a:solidFill>
-                <a:latin typeface="+mn-lt"/>
-                <a:ea typeface="+mn-ea"/>
-                <a:cs typeface="+mn-cs"/>
-              </a:defRPr>
-            </a:lvl1pPr>
-            <a:lvl2pPr marL="457200" indent="0" algn="l" defTabSz="457200" rtl="0" eaLnBrk="1" latinLnBrk="0" hangingPunct="1">
-              <a:spcBef>
-                <a:spcPct val="20000"/>
-              </a:spcBef>
-              <a:spcAft>
-                <a:spcPts val="600"/>
-              </a:spcAft>
-              <a:buClr>
-                <a:schemeClr val="accent1"/>
-              </a:buClr>
-              <a:buFont typeface="Wingdings 2" charset="2"/>
-              <a:buNone/>
-              <a:defRPr sz="1800" kern="1200">
-                <a:solidFill>
-                  <a:schemeClr val="tx1">
-                    <a:tint val="75000"/>
-                  </a:schemeClr>
-                </a:solidFill>
-                <a:latin typeface="+mn-lt"/>
-                <a:ea typeface="+mn-ea"/>
-                <a:cs typeface="+mn-cs"/>
-              </a:defRPr>
-            </a:lvl2pPr>
-            <a:lvl3pPr marL="914400" indent="0" algn="l" defTabSz="457200" rtl="0" eaLnBrk="1" latinLnBrk="0" hangingPunct="1">
-              <a:spcBef>
-                <a:spcPct val="20000"/>
-              </a:spcBef>
-              <a:spcAft>
-                <a:spcPts val="600"/>
-              </a:spcAft>
-              <a:buClr>
-                <a:schemeClr val="accent1"/>
-              </a:buClr>
-              <a:buFont typeface="Wingdings 2" charset="2"/>
-              <a:buNone/>
-              <a:defRPr sz="1600" kern="1200">
-                <a:solidFill>
-                  <a:schemeClr val="tx1">
-                    <a:tint val="75000"/>
-                  </a:schemeClr>
-                </a:solidFill>
-                <a:latin typeface="+mn-lt"/>
-                <a:ea typeface="+mn-ea"/>
-                <a:cs typeface="+mn-cs"/>
-              </a:defRPr>
-            </a:lvl3pPr>
-            <a:lvl4pPr marL="1371600" indent="0" algn="l" defTabSz="457200" rtl="0" eaLnBrk="1" latinLnBrk="0" hangingPunct="1">
-              <a:spcBef>
-                <a:spcPct val="20000"/>
-              </a:spcBef>
-              <a:spcAft>
-                <a:spcPts val="600"/>
-              </a:spcAft>
-              <a:buClr>
-                <a:schemeClr val="accent1"/>
-              </a:buClr>
-              <a:buFont typeface="Wingdings 2" charset="2"/>
-              <a:buNone/>
-              <a:defRPr sz="1400" kern="1200">
-                <a:solidFill>
-                  <a:schemeClr val="tx1">
-                    <a:tint val="75000"/>
-                  </a:schemeClr>
-                </a:solidFill>
-                <a:latin typeface="+mn-lt"/>
-                <a:ea typeface="+mn-ea"/>
-                <a:cs typeface="+mn-cs"/>
-              </a:defRPr>
-            </a:lvl4pPr>
-            <a:lvl5pPr marL="1828800" indent="0" algn="l" defTabSz="457200" rtl="0" eaLnBrk="1" latinLnBrk="0" hangingPunct="1">
-              <a:spcBef>
-                <a:spcPct val="20000"/>
-              </a:spcBef>
-              <a:spcAft>
-                <a:spcPts val="600"/>
-              </a:spcAft>
-              <a:buClr>
-                <a:schemeClr val="accent1"/>
-              </a:buClr>
-              <a:buFont typeface="Wingdings 2" charset="2"/>
-              <a:buNone/>
-              <a:defRPr sz="1400" kern="1200">
-                <a:solidFill>
-                  <a:schemeClr val="tx1">
-                    <a:tint val="75000"/>
-                  </a:schemeClr>
-                </a:solidFill>
-                <a:latin typeface="+mn-lt"/>
-                <a:ea typeface="+mn-ea"/>
-                <a:cs typeface="+mn-cs"/>
-              </a:defRPr>
-            </a:lvl5pPr>
-            <a:lvl6pPr marL="2286000" indent="0" algn="l" defTabSz="457200" rtl="0" eaLnBrk="1" latinLnBrk="0" hangingPunct="1">
-              <a:spcBef>
-                <a:spcPct val="20000"/>
-              </a:spcBef>
-              <a:spcAft>
-                <a:spcPts val="600"/>
-              </a:spcAft>
-              <a:buClr>
-                <a:schemeClr val="accent1"/>
-              </a:buClr>
-              <a:buFont typeface="Wingdings 2" charset="2"/>
-              <a:buNone/>
-              <a:defRPr sz="1400" kern="1200">
-                <a:solidFill>
-                  <a:schemeClr val="tx1">
-                    <a:tint val="75000"/>
-                  </a:schemeClr>
-                </a:solidFill>
-                <a:latin typeface="+mn-lt"/>
-                <a:ea typeface="+mn-ea"/>
-                <a:cs typeface="+mn-cs"/>
-              </a:defRPr>
-            </a:lvl6pPr>
-            <a:lvl7pPr marL="2743200" indent="0" algn="l" defTabSz="457200" rtl="0" eaLnBrk="1" latinLnBrk="0" hangingPunct="1">
-              <a:spcBef>
-                <a:spcPct val="20000"/>
-              </a:spcBef>
-              <a:spcAft>
-                <a:spcPts val="600"/>
-              </a:spcAft>
-              <a:buClr>
-                <a:schemeClr val="accent1"/>
-              </a:buClr>
-              <a:buFont typeface="Wingdings 2" charset="2"/>
-              <a:buNone/>
-              <a:defRPr sz="1400" kern="1200">
-                <a:solidFill>
-                  <a:schemeClr val="tx1">
-                    <a:tint val="75000"/>
-                  </a:schemeClr>
-                </a:solidFill>
-                <a:latin typeface="+mn-lt"/>
-                <a:ea typeface="+mn-ea"/>
-                <a:cs typeface="+mn-cs"/>
-              </a:defRPr>
-            </a:lvl7pPr>
-            <a:lvl8pPr marL="3200400" indent="0" algn="l" defTabSz="457200" rtl="0" eaLnBrk="1" latinLnBrk="0" hangingPunct="1">
-              <a:spcBef>
-                <a:spcPct val="20000"/>
-              </a:spcBef>
-              <a:spcAft>
-                <a:spcPts val="600"/>
-              </a:spcAft>
-              <a:buClr>
-                <a:schemeClr val="accent1"/>
-              </a:buClr>
-              <a:buFont typeface="Wingdings 2" charset="2"/>
-              <a:buNone/>
-              <a:defRPr sz="1400" kern="1200">
-                <a:solidFill>
-                  <a:schemeClr val="tx1">
-                    <a:tint val="75000"/>
-                  </a:schemeClr>
-                </a:solidFill>
-                <a:latin typeface="+mn-lt"/>
-                <a:ea typeface="+mn-ea"/>
-                <a:cs typeface="+mn-cs"/>
-              </a:defRPr>
-            </a:lvl8pPr>
-            <a:lvl9pPr marL="3657600" indent="0" algn="l" defTabSz="457200" rtl="0" eaLnBrk="1" latinLnBrk="0" hangingPunct="1">
-              <a:spcBef>
-                <a:spcPct val="20000"/>
-              </a:spcBef>
-              <a:spcAft>
-                <a:spcPts val="600"/>
-              </a:spcAft>
-              <a:buClr>
-                <a:schemeClr val="accent1"/>
-              </a:buClr>
-              <a:buFont typeface="Wingdings 2" charset="2"/>
-              <a:buNone/>
-              <a:defRPr sz="1400" kern="1200">
-                <a:solidFill>
-                  <a:schemeClr val="tx1">
-                    <a:tint val="75000"/>
-                  </a:schemeClr>
-                </a:solidFill>
-                <a:latin typeface="+mn-lt"/>
-                <a:ea typeface="+mn-ea"/>
-                <a:cs typeface="+mn-cs"/>
-              </a:defRPr>
-            </a:lvl9pPr>
-          </a:lstStyle>
-          <a:p>
-            <a:pPr algn="l"/>
-            <a:endParaRPr lang="en-IN" sz="2000" dirty="0"/>
-          </a:p>
-          <a:p>
-            <a:pPr algn="l"/>
-            <a:r>
-              <a:rPr lang="en-IN" sz="2000" dirty="0" err="1"/>
-              <a:t>Bhagatpreet</a:t>
-            </a:r>
-            <a:r>
-              <a:rPr lang="en-IN" sz="2000" dirty="0"/>
-              <a:t>  Singh  </a:t>
-            </a:r>
-            <a:r>
-              <a:rPr lang="en-IN" sz="2000" dirty="0" err="1"/>
-              <a:t>Nagi</a:t>
-            </a:r>
-            <a:endParaRPr lang="en-IN" sz="2000" dirty="0"/>
-          </a:p>
-          <a:p>
-            <a:pPr marL="342900" indent="-342900" algn="l">
-              <a:buClr>
-                <a:schemeClr val="tx1"/>
-              </a:buClr>
-              <a:buFont typeface="Wingdings" pitchFamily="2" charset="2"/>
-              <a:buChar char="§"/>
-            </a:pPr>
-            <a:r>
-              <a:rPr lang="en-IN" sz="2000" dirty="0" err="1"/>
-              <a:t>Arduino</a:t>
-            </a:r>
-            <a:endParaRPr lang="en-IN" sz="2000" dirty="0"/>
-          </a:p>
-          <a:p>
-            <a:pPr marL="342900" indent="-342900" algn="l">
-              <a:buClr>
-                <a:schemeClr val="tx1"/>
-              </a:buClr>
-              <a:buFont typeface="Wingdings" pitchFamily="2" charset="2"/>
-              <a:buChar char="§"/>
-            </a:pPr>
-            <a:r>
-              <a:rPr lang="en-IN" sz="2000" dirty="0"/>
-              <a:t>Python</a:t>
-            </a:r>
-          </a:p>
-          <a:p>
-            <a:pPr algn="l"/>
-            <a:endParaRPr lang="en-IN" sz="2000" dirty="0"/>
-          </a:p>
-          <a:p>
-            <a:pPr algn="l"/>
-            <a:endParaRPr lang="en-IN" dirty="0"/>
-          </a:p>
-        </p:txBody>
-      </p:sp>
-      <p:sp>
-        <p:nvSpPr>
-          <p:cNvPr id="9" name="Text Placeholder 4">
-            <a:extLst>
-              <a:ext uri="{FF2B5EF4-FFF2-40B4-BE49-F238E27FC236}">
-                <a16:creationId xmlns:a16="http://schemas.microsoft.com/office/drawing/2014/main" xmlns="" id="{CDF41A3A-E9CA-4285-85BF-76E2A3838F70}"/>
-              </a:ext>
-            </a:extLst>
-          </p:cNvPr>
-          <p:cNvSpPr txBox="1">
-            <a:spLocks/>
-          </p:cNvSpPr>
-          <p:nvPr/>
-        </p:nvSpPr>
-        <p:spPr>
-          <a:xfrm>
-            <a:off x="286539" y="4460283"/>
-            <a:ext cx="3045057" cy="433955"/>
-          </a:xfrm>
-          <a:prstGeom prst="rect">
-            <a:avLst/>
-          </a:prstGeom>
-          <a:effectLst>
-            <a:outerShdw blurRad="50800" dir="14400000">
-              <a:srgbClr val="000000">
-                <a:alpha val="40000"/>
-              </a:srgbClr>
-            </a:outerShdw>
-          </a:effectLst>
-        </p:spPr>
-        <p:txBody>
-          <a:bodyPr vert="horz" lIns="91440" tIns="45720" rIns="91440" bIns="45720" rtlCol="0" anchor="t">
-            <a:noAutofit/>
-          </a:bodyPr>
-          <a:lstStyle>
-            <a:lvl1pPr marL="0" indent="0" algn="r" defTabSz="457200" rtl="0" eaLnBrk="1" latinLnBrk="0" hangingPunct="1">
-              <a:spcBef>
-                <a:spcPct val="20000"/>
-              </a:spcBef>
-              <a:spcAft>
-                <a:spcPts val="600"/>
-              </a:spcAft>
-              <a:buClr>
-                <a:schemeClr val="accent1"/>
-              </a:buClr>
-              <a:buFont typeface="Wingdings 2" charset="2"/>
-              <a:buNone/>
-              <a:defRPr sz="1800" kern="1200">
-                <a:solidFill>
-                  <a:schemeClr val="tx1"/>
-                </a:solidFill>
-                <a:latin typeface="+mn-lt"/>
-                <a:ea typeface="+mn-ea"/>
-                <a:cs typeface="+mn-cs"/>
-              </a:defRPr>
-            </a:lvl1pPr>
-            <a:lvl2pPr marL="457200" indent="0" algn="l" defTabSz="457200" rtl="0" eaLnBrk="1" latinLnBrk="0" hangingPunct="1">
-              <a:spcBef>
-                <a:spcPct val="20000"/>
-              </a:spcBef>
-              <a:spcAft>
-                <a:spcPts val="600"/>
-              </a:spcAft>
-              <a:buClr>
-                <a:schemeClr val="accent1"/>
-              </a:buClr>
-              <a:buFont typeface="Wingdings 2" charset="2"/>
-              <a:buNone/>
-              <a:defRPr sz="1800" kern="1200">
-                <a:solidFill>
-                  <a:schemeClr val="tx1">
-                    <a:tint val="75000"/>
-                  </a:schemeClr>
-                </a:solidFill>
-                <a:latin typeface="+mn-lt"/>
-                <a:ea typeface="+mn-ea"/>
-                <a:cs typeface="+mn-cs"/>
-              </a:defRPr>
-            </a:lvl2pPr>
-            <a:lvl3pPr marL="914400" indent="0" algn="l" defTabSz="457200" rtl="0" eaLnBrk="1" latinLnBrk="0" hangingPunct="1">
-              <a:spcBef>
-                <a:spcPct val="20000"/>
-              </a:spcBef>
-              <a:spcAft>
-                <a:spcPts val="600"/>
-              </a:spcAft>
-              <a:buClr>
-                <a:schemeClr val="accent1"/>
-              </a:buClr>
-              <a:buFont typeface="Wingdings 2" charset="2"/>
-              <a:buNone/>
-              <a:defRPr sz="1600" kern="1200">
-                <a:solidFill>
-                  <a:schemeClr val="tx1">
-                    <a:tint val="75000"/>
-                  </a:schemeClr>
-                </a:solidFill>
-                <a:latin typeface="+mn-lt"/>
-                <a:ea typeface="+mn-ea"/>
-                <a:cs typeface="+mn-cs"/>
-              </a:defRPr>
-            </a:lvl3pPr>
-            <a:lvl4pPr marL="1371600" indent="0" algn="l" defTabSz="457200" rtl="0" eaLnBrk="1" latinLnBrk="0" hangingPunct="1">
-              <a:spcBef>
-                <a:spcPct val="20000"/>
-              </a:spcBef>
-              <a:spcAft>
-                <a:spcPts val="600"/>
-              </a:spcAft>
-              <a:buClr>
-                <a:schemeClr val="accent1"/>
-              </a:buClr>
-              <a:buFont typeface="Wingdings 2" charset="2"/>
-              <a:buNone/>
-              <a:defRPr sz="1400" kern="1200">
-                <a:solidFill>
-                  <a:schemeClr val="tx1">
-                    <a:tint val="75000"/>
-                  </a:schemeClr>
-                </a:solidFill>
-                <a:latin typeface="+mn-lt"/>
-                <a:ea typeface="+mn-ea"/>
-                <a:cs typeface="+mn-cs"/>
-              </a:defRPr>
-            </a:lvl4pPr>
-            <a:lvl5pPr marL="1828800" indent="0" algn="l" defTabSz="457200" rtl="0" eaLnBrk="1" latinLnBrk="0" hangingPunct="1">
-              <a:spcBef>
-                <a:spcPct val="20000"/>
-              </a:spcBef>
-              <a:spcAft>
-                <a:spcPts val="600"/>
-              </a:spcAft>
-              <a:buClr>
-                <a:schemeClr val="accent1"/>
-              </a:buClr>
-              <a:buFont typeface="Wingdings 2" charset="2"/>
-              <a:buNone/>
-              <a:defRPr sz="1400" kern="1200">
-                <a:solidFill>
-                  <a:schemeClr val="tx1">
-                    <a:tint val="75000"/>
-                  </a:schemeClr>
-                </a:solidFill>
-                <a:latin typeface="+mn-lt"/>
-                <a:ea typeface="+mn-ea"/>
-                <a:cs typeface="+mn-cs"/>
-              </a:defRPr>
-            </a:lvl5pPr>
-            <a:lvl6pPr marL="2286000" indent="0" algn="l" defTabSz="457200" rtl="0" eaLnBrk="1" latinLnBrk="0" hangingPunct="1">
-              <a:spcBef>
-                <a:spcPct val="20000"/>
-              </a:spcBef>
-              <a:spcAft>
-                <a:spcPts val="600"/>
-              </a:spcAft>
-              <a:buClr>
-                <a:schemeClr val="accent1"/>
-              </a:buClr>
-              <a:buFont typeface="Wingdings 2" charset="2"/>
-              <a:buNone/>
-              <a:defRPr sz="1400" kern="1200">
-                <a:solidFill>
-                  <a:schemeClr val="tx1">
-                    <a:tint val="75000"/>
-                  </a:schemeClr>
-                </a:solidFill>
-                <a:latin typeface="+mn-lt"/>
-                <a:ea typeface="+mn-ea"/>
-                <a:cs typeface="+mn-cs"/>
-              </a:defRPr>
-            </a:lvl6pPr>
-            <a:lvl7pPr marL="2743200" indent="0" algn="l" defTabSz="457200" rtl="0" eaLnBrk="1" latinLnBrk="0" hangingPunct="1">
-              <a:spcBef>
-                <a:spcPct val="20000"/>
-              </a:spcBef>
-              <a:spcAft>
-                <a:spcPts val="600"/>
-              </a:spcAft>
-              <a:buClr>
-                <a:schemeClr val="accent1"/>
-              </a:buClr>
-              <a:buFont typeface="Wingdings 2" charset="2"/>
-              <a:buNone/>
-              <a:defRPr sz="1400" kern="1200">
-                <a:solidFill>
-                  <a:schemeClr val="tx1">
-                    <a:tint val="75000"/>
-                  </a:schemeClr>
-                </a:solidFill>
-                <a:latin typeface="+mn-lt"/>
-                <a:ea typeface="+mn-ea"/>
-                <a:cs typeface="+mn-cs"/>
-              </a:defRPr>
-            </a:lvl7pPr>
-            <a:lvl8pPr marL="3200400" indent="0" algn="l" defTabSz="457200" rtl="0" eaLnBrk="1" latinLnBrk="0" hangingPunct="1">
-              <a:spcBef>
-                <a:spcPct val="20000"/>
-              </a:spcBef>
-              <a:spcAft>
-                <a:spcPts val="600"/>
-              </a:spcAft>
-              <a:buClr>
-                <a:schemeClr val="accent1"/>
-              </a:buClr>
-              <a:buFont typeface="Wingdings 2" charset="2"/>
-              <a:buNone/>
-              <a:defRPr sz="1400" kern="1200">
-                <a:solidFill>
-                  <a:schemeClr val="tx1">
-                    <a:tint val="75000"/>
-                  </a:schemeClr>
-                </a:solidFill>
-                <a:latin typeface="+mn-lt"/>
-                <a:ea typeface="+mn-ea"/>
-                <a:cs typeface="+mn-cs"/>
-              </a:defRPr>
-            </a:lvl8pPr>
-            <a:lvl9pPr marL="3657600" indent="0" algn="l" defTabSz="457200" rtl="0" eaLnBrk="1" latinLnBrk="0" hangingPunct="1">
-              <a:spcBef>
-                <a:spcPct val="20000"/>
-              </a:spcBef>
-              <a:spcAft>
-                <a:spcPts val="600"/>
-              </a:spcAft>
-              <a:buClr>
-                <a:schemeClr val="accent1"/>
-              </a:buClr>
-              <a:buFont typeface="Wingdings 2" charset="2"/>
-              <a:buNone/>
-              <a:defRPr sz="1400" kern="1200">
-                <a:solidFill>
-                  <a:schemeClr val="tx1">
-                    <a:tint val="75000"/>
-                  </a:schemeClr>
-                </a:solidFill>
-                <a:latin typeface="+mn-lt"/>
-                <a:ea typeface="+mn-ea"/>
-                <a:cs typeface="+mn-cs"/>
-              </a:defRPr>
-            </a:lvl9pPr>
-          </a:lstStyle>
-          <a:p>
-            <a:pPr algn="l"/>
-            <a:endParaRPr lang="en-IN" sz="2000" dirty="0"/>
-          </a:p>
-          <a:p>
-            <a:pPr algn="l"/>
-            <a:r>
-              <a:rPr lang="en-IN" sz="2000" dirty="0"/>
-              <a:t>Rajeev  Kumar  </a:t>
-            </a:r>
-          </a:p>
-          <a:p>
-            <a:pPr marL="342900" indent="-342900" algn="l">
-              <a:buClr>
-                <a:schemeClr val="tx1"/>
-              </a:buClr>
-              <a:buFont typeface="Wingdings" pitchFamily="2" charset="2"/>
-              <a:buChar char="§"/>
-            </a:pPr>
-            <a:r>
-              <a:rPr lang="en-IN" sz="2000" dirty="0"/>
-              <a:t>C</a:t>
-            </a:r>
-          </a:p>
-          <a:p>
-            <a:pPr marL="342900" indent="-342900" algn="l">
-              <a:buClr>
-                <a:schemeClr val="tx1"/>
-              </a:buClr>
-              <a:buFont typeface="Wingdings" pitchFamily="2" charset="2"/>
-              <a:buChar char="§"/>
-            </a:pPr>
-            <a:r>
-              <a:rPr lang="en-IN" sz="2000" dirty="0"/>
-              <a:t>C++</a:t>
-            </a:r>
-          </a:p>
-          <a:p>
-            <a:pPr algn="l"/>
-            <a:endParaRPr lang="en-IN" dirty="0"/>
-          </a:p>
-        </p:txBody>
-      </p:sp>
-      <p:pic>
-        <p:nvPicPr>
-          <p:cNvPr id="10" name="Picture 2"/>
-          <p:cNvPicPr>
-            <a:picLocks noChangeAspect="1" noChangeArrowheads="1"/>
-          </p:cNvPicPr>
-          <p:nvPr/>
-        </p:nvPicPr>
-        <p:blipFill>
-          <a:blip r:embed="rId2" cstate="print">
-            <a:extLst>
-              <a:ext uri="{28A0092B-C50C-407E-A947-70E740481C1C}">
-                <a14:useLocalDpi xmlns:a14="http://schemas.microsoft.com/office/drawing/2010/main" val="0"/>
-              </a:ext>
-            </a:extLst>
-          </a:blip>
-          <a:srcRect/>
-          <a:stretch>
-            <a:fillRect/>
-          </a:stretch>
-        </p:blipFill>
-        <p:spPr bwMode="auto">
-          <a:xfrm>
-            <a:off x="4518372" y="3341779"/>
-            <a:ext cx="1103202" cy="1118504"/>
-          </a:xfrm>
-          <a:prstGeom prst="rect">
-            <a:avLst/>
-          </a:prstGeom>
-          <a:noFill/>
-          <a:ln>
-            <a:noFill/>
-          </a:ln>
-          <a:effectLst/>
-          <a:extLst>
-            <a:ext uri="{909E8E84-426E-40DD-AFC4-6F175D3DCCD1}">
-              <a14:hiddenFill xmlns:a14="http://schemas.microsoft.com/office/drawing/2010/main">
-                <a:solidFill>
-                  <a:schemeClr val="accent1"/>
-                </a:solidFill>
-              </a14:hiddenFill>
-            </a:ext>
-            <a:ext uri="{91240B29-F687-4F45-9708-019B960494DF}">
-              <a14:hiddenLine xmlns:a14="http://schemas.microsoft.com/office/drawing/2010/main" w="9525">
-                <a:solidFill>
-                  <a:schemeClr val="tx1"/>
-                </a:solidFill>
-                <a:miter lim="800000"/>
-                <a:headEnd/>
-                <a:tailEnd/>
-              </a14:hiddenLine>
-            </a:ext>
-            <a:ext uri="{AF507438-7753-43E0-B8FC-AC1667EBCBE1}">
-              <a14:hiddenEffects xmlns:a14="http://schemas.microsoft.com/office/drawing/2010/main">
-                <a:effectLst>
-                  <a:outerShdw dist="35921" dir="2700000" algn="ctr" rotWithShape="0">
-                    <a:schemeClr val="bg2"/>
-                  </a:outerShdw>
-                </a:effectLst>
-              </a14:hiddenEffects>
-            </a:ext>
-          </a:extLst>
-        </p:spPr>
-      </p:pic>
-      <p:pic>
-        <p:nvPicPr>
-          <p:cNvPr id="11" name="Picture 3"/>
-          <p:cNvPicPr>
-            <a:picLocks noChangeAspect="1" noChangeArrowheads="1"/>
-          </p:cNvPicPr>
-          <p:nvPr/>
-        </p:nvPicPr>
-        <p:blipFill>
-          <a:blip r:embed="rId3">
-            <a:extLst>
-              <a:ext uri="{28A0092B-C50C-407E-A947-70E740481C1C}">
-                <a14:useLocalDpi xmlns:a14="http://schemas.microsoft.com/office/drawing/2010/main" val="0"/>
-              </a:ext>
-            </a:extLst>
-          </a:blip>
-          <a:srcRect/>
-          <a:stretch>
-            <a:fillRect/>
-          </a:stretch>
-        </p:blipFill>
-        <p:spPr bwMode="auto">
-          <a:xfrm>
-            <a:off x="9840208" y="1450565"/>
-            <a:ext cx="1168827" cy="1186470"/>
-          </a:xfrm>
-          <a:prstGeom prst="rect">
-            <a:avLst/>
-          </a:prstGeom>
-          <a:noFill/>
-          <a:ln>
-            <a:noFill/>
-          </a:ln>
-          <a:effectLst/>
-          <a:extLst>
-            <a:ext uri="{909E8E84-426E-40DD-AFC4-6F175D3DCCD1}">
-              <a14:hiddenFill xmlns:a14="http://schemas.microsoft.com/office/drawing/2010/main">
-                <a:solidFill>
-                  <a:schemeClr val="accent1"/>
-                </a:solidFill>
-              </a14:hiddenFill>
-            </a:ext>
-            <a:ext uri="{91240B29-F687-4F45-9708-019B960494DF}">
-              <a14:hiddenLine xmlns:a14="http://schemas.microsoft.com/office/drawing/2010/main" w="9525">
-                <a:solidFill>
-                  <a:schemeClr val="tx1"/>
-                </a:solidFill>
-                <a:miter lim="800000"/>
-                <a:headEnd/>
-                <a:tailEnd/>
-              </a14:hiddenLine>
-            </a:ext>
-            <a:ext uri="{AF507438-7753-43E0-B8FC-AC1667EBCBE1}">
-              <a14:hiddenEffects xmlns:a14="http://schemas.microsoft.com/office/drawing/2010/main">
-                <a:effectLst>
-                  <a:outerShdw dist="35921" dir="2700000" algn="ctr" rotWithShape="0">
-                    <a:schemeClr val="bg2"/>
-                  </a:outerShdw>
-                </a:effectLst>
-              </a14:hiddenEffects>
-            </a:ext>
-          </a:extLst>
-        </p:spPr>
-      </p:pic>
-      <p:pic>
-        <p:nvPicPr>
-          <p:cNvPr id="12" name="Picture 7"/>
-          <p:cNvPicPr>
-            <a:picLocks noChangeAspect="1" noChangeArrowheads="1"/>
-          </p:cNvPicPr>
-          <p:nvPr/>
-        </p:nvPicPr>
-        <p:blipFill>
-          <a:blip r:embed="rId4">
-            <a:extLst>
-              <a:ext uri="{28A0092B-C50C-407E-A947-70E740481C1C}">
-                <a14:useLocalDpi xmlns:a14="http://schemas.microsoft.com/office/drawing/2010/main" val="0"/>
-              </a:ext>
-            </a:extLst>
-          </a:blip>
-          <a:srcRect/>
-          <a:stretch>
-            <a:fillRect/>
-          </a:stretch>
-        </p:blipFill>
-        <p:spPr bwMode="auto">
-          <a:xfrm>
-            <a:off x="4513380" y="1553872"/>
-            <a:ext cx="1108193" cy="1108193"/>
-          </a:xfrm>
-          <a:prstGeom prst="rect">
-            <a:avLst/>
-          </a:prstGeom>
-          <a:noFill/>
-          <a:ln>
-            <a:noFill/>
-          </a:ln>
-          <a:effectLst/>
-          <a:extLst>
-            <a:ext uri="{909E8E84-426E-40DD-AFC4-6F175D3DCCD1}">
-              <a14:hiddenFill xmlns:a14="http://schemas.microsoft.com/office/drawing/2010/main">
-                <a:solidFill>
-                  <a:schemeClr val="accent1"/>
-                </a:solidFill>
-              </a14:hiddenFill>
-            </a:ext>
-            <a:ext uri="{91240B29-F687-4F45-9708-019B960494DF}">
-              <a14:hiddenLine xmlns:a14="http://schemas.microsoft.com/office/drawing/2010/main" w="9525">
-                <a:solidFill>
-                  <a:schemeClr val="tx1"/>
-                </a:solidFill>
-                <a:miter lim="800000"/>
-                <a:headEnd/>
-                <a:tailEnd/>
-              </a14:hiddenLine>
-            </a:ext>
-            <a:ext uri="{AF507438-7753-43E0-B8FC-AC1667EBCBE1}">
-              <a14:hiddenEffects xmlns:a14="http://schemas.microsoft.com/office/drawing/2010/main">
-                <a:effectLst>
-                  <a:outerShdw dist="35921" dir="2700000" algn="ctr" rotWithShape="0">
-                    <a:schemeClr val="bg2"/>
-                  </a:outerShdw>
-                </a:effectLst>
-              </a14:hiddenEffects>
-            </a:ext>
-          </a:extLst>
-        </p:spPr>
-      </p:pic>
-      <p:pic>
-        <p:nvPicPr>
-          <p:cNvPr id="13" name="Picture 8"/>
-          <p:cNvPicPr>
-            <a:picLocks noChangeAspect="1" noChangeArrowheads="1"/>
-          </p:cNvPicPr>
-          <p:nvPr/>
-        </p:nvPicPr>
-        <p:blipFill>
-          <a:blip r:embed="rId5" cstate="print">
-            <a:extLst>
-              <a:ext uri="{28A0092B-C50C-407E-A947-70E740481C1C}">
-                <a14:useLocalDpi xmlns:a14="http://schemas.microsoft.com/office/drawing/2010/main" val="0"/>
-              </a:ext>
-            </a:extLst>
-          </a:blip>
-          <a:srcRect/>
-          <a:stretch>
-            <a:fillRect/>
-          </a:stretch>
-        </p:blipFill>
-        <p:spPr bwMode="auto">
-          <a:xfrm>
-            <a:off x="4490233" y="5220395"/>
-            <a:ext cx="1154486" cy="1148600"/>
-          </a:xfrm>
-          <a:prstGeom prst="rect">
-            <a:avLst/>
-          </a:prstGeom>
-          <a:noFill/>
-          <a:ln>
-            <a:noFill/>
-          </a:ln>
-          <a:effectLst/>
-          <a:extLst>
-            <a:ext uri="{909E8E84-426E-40DD-AFC4-6F175D3DCCD1}">
-              <a14:hiddenFill xmlns:a14="http://schemas.microsoft.com/office/drawing/2010/main">
-                <a:solidFill>
-                  <a:schemeClr val="accent1"/>
-                </a:solidFill>
-              </a14:hiddenFill>
-            </a:ext>
-            <a:ext uri="{91240B29-F687-4F45-9708-019B960494DF}">
-              <a14:hiddenLine xmlns:a14="http://schemas.microsoft.com/office/drawing/2010/main" w="9525">
-                <a:solidFill>
-                  <a:schemeClr val="tx1"/>
-                </a:solidFill>
-                <a:miter lim="800000"/>
-                <a:headEnd/>
-                <a:tailEnd/>
-              </a14:hiddenLine>
-            </a:ext>
-            <a:ext uri="{AF507438-7753-43E0-B8FC-AC1667EBCBE1}">
-              <a14:hiddenEffects xmlns:a14="http://schemas.microsoft.com/office/drawing/2010/main">
-                <a:effectLst>
-                  <a:outerShdw dist="35921" dir="2700000" algn="ctr" rotWithShape="0">
-                    <a:schemeClr val="bg2"/>
-                  </a:outerShdw>
-                </a:effectLst>
-              </a14:hiddenEffects>
-            </a:ext>
-          </a:extLst>
-        </p:spPr>
-      </p:pic>
-      <p:pic>
-        <p:nvPicPr>
-          <p:cNvPr id="14" name="Picture 9"/>
-          <p:cNvPicPr>
-            <a:picLocks noChangeAspect="1" noChangeArrowheads="1"/>
-          </p:cNvPicPr>
-          <p:nvPr/>
-        </p:nvPicPr>
-        <p:blipFill>
-          <a:blip r:embed="rId6" cstate="print">
-            <a:extLst>
-              <a:ext uri="{28A0092B-C50C-407E-A947-70E740481C1C}">
-                <a14:useLocalDpi xmlns:a14="http://schemas.microsoft.com/office/drawing/2010/main" val="0"/>
-              </a:ext>
-            </a:extLst>
-          </a:blip>
-          <a:srcRect/>
-          <a:stretch>
-            <a:fillRect/>
-          </a:stretch>
-        </p:blipFill>
-        <p:spPr bwMode="auto">
-          <a:xfrm>
-            <a:off x="9840208" y="3256319"/>
-            <a:ext cx="1210593" cy="1203964"/>
-          </a:xfrm>
-          <a:prstGeom prst="rect">
-            <a:avLst/>
-          </a:prstGeom>
-          <a:noFill/>
-          <a:ln>
-            <a:noFill/>
-          </a:ln>
-          <a:effectLst/>
-          <a:extLst>
-            <a:ext uri="{909E8E84-426E-40DD-AFC4-6F175D3DCCD1}">
-              <a14:hiddenFill xmlns:a14="http://schemas.microsoft.com/office/drawing/2010/main">
-                <a:solidFill>
-                  <a:schemeClr val="accent1"/>
-                </a:solidFill>
-              </a14:hiddenFill>
-            </a:ext>
-            <a:ext uri="{91240B29-F687-4F45-9708-019B960494DF}">
-              <a14:hiddenLine xmlns:a14="http://schemas.microsoft.com/office/drawing/2010/main" w="9525">
-                <a:solidFill>
-                  <a:schemeClr val="tx1"/>
-                </a:solidFill>
-                <a:miter lim="800000"/>
-                <a:headEnd/>
-                <a:tailEnd/>
-              </a14:hiddenLine>
-            </a:ext>
-            <a:ext uri="{AF507438-7753-43E0-B8FC-AC1667EBCBE1}">
-              <a14:hiddenEffects xmlns:a14="http://schemas.microsoft.com/office/drawing/2010/main">
-                <a:effectLst>
-                  <a:outerShdw dist="35921" dir="2700000" algn="ctr" rotWithShape="0">
-                    <a:schemeClr val="bg2"/>
-                  </a:outerShdw>
-                </a:effectLst>
-              </a14:hiddenEffects>
-            </a:ext>
-          </a:extLst>
-        </p:spPr>
-      </p:pic>
+              </a:rPr>
+              <a:t>EMERGENCY</a:t>
+            </a:r>
+            <a:r>
+              <a:rPr lang="en-IN" dirty="0"/>
+              <a:t> mode.</a:t>
+            </a:r>
+          </a:p>
+        </p:txBody>
+      </p:sp>
     </p:spTree>
     <p:extLst>
       <p:ext uri="{BB962C8B-B14F-4D97-AF65-F5344CB8AC3E}">
-        <p14:creationId xmlns:p14="http://schemas.microsoft.com/office/powerpoint/2010/main" val="1712736317"/>
+        <p14:creationId xmlns:p14="http://schemas.microsoft.com/office/powerpoint/2010/main" val="1908667983"/>
       </p:ext>
     </p:extLst>
   </p:cSld>
@@ -9926,119 +7969,7 @@
           <p:cNvPr id="2" name="Title 1">
             <a:extLst>
               <a:ext uri="{FF2B5EF4-FFF2-40B4-BE49-F238E27FC236}">
-                <a16:creationId xmlns:a16="http://schemas.microsoft.com/office/drawing/2014/main" xmlns="" id="{778BFF3D-7FCB-4D69-BAA7-049F51B6AB2A}"/>
-              </a:ext>
-            </a:extLst>
-          </p:cNvPr>
-          <p:cNvSpPr>
-            <a:spLocks noGrp="1"/>
-          </p:cNvSpPr>
-          <p:nvPr>
-            <p:ph type="title"/>
-          </p:nvPr>
-        </p:nvSpPr>
-        <p:spPr/>
-        <p:txBody>
-          <a:bodyPr/>
-          <a:lstStyle/>
-          <a:p>
-            <a:r>
-              <a:rPr lang="en-IN" dirty="0"/>
-              <a:t>ABOUT THE PROJECT</a:t>
-            </a:r>
-          </a:p>
-        </p:txBody>
-      </p:sp>
-      <p:sp>
-        <p:nvSpPr>
-          <p:cNvPr id="3" name="Content Placeholder 2">
-            <a:extLst>
-              <a:ext uri="{FF2B5EF4-FFF2-40B4-BE49-F238E27FC236}">
-                <a16:creationId xmlns:a16="http://schemas.microsoft.com/office/drawing/2014/main" xmlns="" id="{A38B03F9-F473-428A-90A1-C6D6AFCCECF4}"/>
-              </a:ext>
-            </a:extLst>
-          </p:cNvPr>
-          <p:cNvSpPr>
-            <a:spLocks noGrp="1"/>
-          </p:cNvSpPr>
-          <p:nvPr>
-            <p:ph idx="1"/>
-          </p:nvPr>
-        </p:nvSpPr>
-        <p:spPr/>
-        <p:txBody>
-          <a:bodyPr/>
-          <a:lstStyle/>
-          <a:p>
-            <a:r>
-              <a:rPr lang="en-IN" dirty="0"/>
-              <a:t>Theme :  Medical</a:t>
-            </a:r>
-          </a:p>
-          <a:p>
-            <a:pPr marL="0" indent="0">
-              <a:buNone/>
-            </a:pPr>
-            <a:endParaRPr lang="en-IN" dirty="0"/>
-          </a:p>
-          <a:p>
-            <a:r>
-              <a:rPr lang="en-IN" dirty="0"/>
-              <a:t>Problem Statement :  Notifying Doctor about irregularity in patient’s heart rate, prompting to check up on the patient, along with an </a:t>
-            </a:r>
-            <a:r>
-              <a:rPr lang="en-IN" b="1" dirty="0">
-                <a:solidFill>
-                  <a:schemeClr val="tx1">
-                    <a:lumMod val="95000"/>
-                  </a:schemeClr>
-                </a:solidFill>
-              </a:rPr>
-              <a:t>EMERGENCY</a:t>
-            </a:r>
-            <a:r>
-              <a:rPr lang="en-IN" dirty="0"/>
-              <a:t> mode.</a:t>
-            </a:r>
-          </a:p>
-        </p:txBody>
-      </p:sp>
-    </p:spTree>
-    <p:extLst>
-      <p:ext uri="{BB962C8B-B14F-4D97-AF65-F5344CB8AC3E}">
-        <p14:creationId xmlns:p14="http://schemas.microsoft.com/office/powerpoint/2010/main" val="1908667983"/>
-      </p:ext>
-    </p:extLst>
-  </p:cSld>
-  <p:clrMapOvr>
-    <a:masterClrMapping/>
-  </p:clrMapOvr>
-</p:sld>
-</file>
-
-<file path=ppt/slides/slide5.xml><?xml version="1.0" encoding="utf-8"?>
-<p:sld xmlns:a="http://schemas.openxmlformats.org/drawingml/2006/main" xmlns:r="http://schemas.openxmlformats.org/officeDocument/2006/relationships" xmlns:p="http://schemas.openxmlformats.org/presentationml/2006/main">
-  <p:cSld>
-    <p:spTree>
-      <p:nvGrpSpPr>
-        <p:cNvPr id="1" name=""/>
-        <p:cNvGrpSpPr/>
-        <p:nvPr/>
-      </p:nvGrpSpPr>
-      <p:grpSpPr>
-        <a:xfrm>
-          <a:off x="0" y="0"/>
-          <a:ext cx="0" cy="0"/>
-          <a:chOff x="0" y="0"/>
-          <a:chExt cx="0" cy="0"/>
-        </a:xfrm>
-      </p:grpSpPr>
-      <p:sp>
-        <p:nvSpPr>
-          <p:cNvPr id="2" name="Title 1">
-            <a:extLst>
-              <a:ext uri="{FF2B5EF4-FFF2-40B4-BE49-F238E27FC236}">
-                <a16:creationId xmlns:a16="http://schemas.microsoft.com/office/drawing/2014/main" xmlns="" id="{A92C1F16-4813-4F6C-BB94-11F80E023599}"/>
+                <a16:creationId xmlns="" xmlns:a16="http://schemas.microsoft.com/office/drawing/2014/main" id="{A92C1F16-4813-4F6C-BB94-11F80E023599}"/>
               </a:ext>
             </a:extLst>
           </p:cNvPr>
@@ -10066,7 +7997,7 @@
           <p:cNvPr id="5" name="Content Placeholder 4">
             <a:extLst>
               <a:ext uri="{FF2B5EF4-FFF2-40B4-BE49-F238E27FC236}">
-                <a16:creationId xmlns:a16="http://schemas.microsoft.com/office/drawing/2014/main" xmlns="" id="{60449155-7B3B-46FA-AFC8-8309763C47B4}"/>
+                <a16:creationId xmlns="" xmlns:a16="http://schemas.microsoft.com/office/drawing/2014/main" id="{60449155-7B3B-46FA-AFC8-8309763C47B4}"/>
               </a:ext>
             </a:extLst>
           </p:cNvPr>
@@ -10101,7 +8032,7 @@
           <p:cNvPr id="7" name="Picture 6">
             <a:extLst>
               <a:ext uri="{FF2B5EF4-FFF2-40B4-BE49-F238E27FC236}">
-                <a16:creationId xmlns:a16="http://schemas.microsoft.com/office/drawing/2014/main" xmlns="" id="{2651493A-1049-4BCB-9663-DE7D4A2C673F}"/>
+                <a16:creationId xmlns="" xmlns:a16="http://schemas.microsoft.com/office/drawing/2014/main" id="{2651493A-1049-4BCB-9663-DE7D4A2C673F}"/>
               </a:ext>
             </a:extLst>
           </p:cNvPr>
@@ -10137,7 +8068,7 @@
           <p:cNvPr id="11" name="Picture 10">
             <a:extLst>
               <a:ext uri="{FF2B5EF4-FFF2-40B4-BE49-F238E27FC236}">
-                <a16:creationId xmlns:a16="http://schemas.microsoft.com/office/drawing/2014/main" xmlns="" id="{847DC0EA-10DF-4C5A-8A50-BEE3ACA1B40B}"/>
+                <a16:creationId xmlns="" xmlns:a16="http://schemas.microsoft.com/office/drawing/2014/main" id="{847DC0EA-10DF-4C5A-8A50-BEE3ACA1B40B}"/>
               </a:ext>
             </a:extLst>
           </p:cNvPr>
@@ -10173,7 +8104,7 @@
           <p:cNvPr id="12" name="TextBox 11">
             <a:extLst>
               <a:ext uri="{FF2B5EF4-FFF2-40B4-BE49-F238E27FC236}">
-                <a16:creationId xmlns:a16="http://schemas.microsoft.com/office/drawing/2014/main" xmlns="" id="{9A66C794-B76C-4C7E-A08A-4C469039A621}"/>
+                <a16:creationId xmlns="" xmlns:a16="http://schemas.microsoft.com/office/drawing/2014/main" id="{9A66C794-B76C-4C7E-A08A-4C469039A621}"/>
               </a:ext>
             </a:extLst>
           </p:cNvPr>
@@ -10224,7 +8155,7 @@
 </p:sld>
 </file>
 
-<file path=ppt/slides/slide6.xml><?xml version="1.0" encoding="utf-8"?>
+<file path=ppt/slides/slide5.xml><?xml version="1.0" encoding="utf-8"?>
 <p:sld xmlns:a="http://schemas.openxmlformats.org/drawingml/2006/main" xmlns:r="http://schemas.openxmlformats.org/officeDocument/2006/relationships" xmlns:p="http://schemas.openxmlformats.org/presentationml/2006/main">
   <p:cSld>
     <p:spTree>
@@ -10246,7 +8177,7 @@
           <p:cNvPr id="2" name="Title 1">
             <a:extLst>
               <a:ext uri="{FF2B5EF4-FFF2-40B4-BE49-F238E27FC236}">
-                <a16:creationId xmlns:a16="http://schemas.microsoft.com/office/drawing/2014/main" xmlns="" id="{29C6A23B-A42C-45CE-BB14-7B31C1F08401}"/>
+                <a16:creationId xmlns="" xmlns:a16="http://schemas.microsoft.com/office/drawing/2014/main" id="{29C6A23B-A42C-45CE-BB14-7B31C1F08401}"/>
               </a:ext>
             </a:extLst>
           </p:cNvPr>
@@ -10274,7 +8205,7 @@
           <p:cNvPr id="3" name="Content Placeholder 2">
             <a:extLst>
               <a:ext uri="{FF2B5EF4-FFF2-40B4-BE49-F238E27FC236}">
-                <a16:creationId xmlns:a16="http://schemas.microsoft.com/office/drawing/2014/main" xmlns="" id="{A3A51057-7960-4A8B-B572-882F10438714}"/>
+                <a16:creationId xmlns="" xmlns:a16="http://schemas.microsoft.com/office/drawing/2014/main" id="{A3A51057-7960-4A8B-B572-882F10438714}"/>
               </a:ext>
             </a:extLst>
           </p:cNvPr>
@@ -10355,7 +8286,7 @@
           <p:cNvPr id="4" name="TextBox 3">
             <a:extLst>
               <a:ext uri="{FF2B5EF4-FFF2-40B4-BE49-F238E27FC236}">
-                <a16:creationId xmlns:a16="http://schemas.microsoft.com/office/drawing/2014/main" xmlns="" id="{8F650237-042C-4D65-9F25-813CEE4F98D6}"/>
+                <a16:creationId xmlns="" xmlns:a16="http://schemas.microsoft.com/office/drawing/2014/main" id="{8F650237-042C-4D65-9F25-813CEE4F98D6}"/>
               </a:ext>
             </a:extLst>
           </p:cNvPr>
@@ -10449,7 +8380,7 @@
           <p:cNvPr id="6" name="Picture 5">
             <a:extLst>
               <a:ext uri="{FF2B5EF4-FFF2-40B4-BE49-F238E27FC236}">
-                <a16:creationId xmlns:a16="http://schemas.microsoft.com/office/drawing/2014/main" xmlns="" id="{1613BD83-B6A7-401A-8526-19B5DBD4BAE4}"/>
+                <a16:creationId xmlns="" xmlns:a16="http://schemas.microsoft.com/office/drawing/2014/main" id="{1613BD83-B6A7-401A-8526-19B5DBD4BAE4}"/>
               </a:ext>
             </a:extLst>
           </p:cNvPr>
@@ -10485,7 +8416,7 @@
           <p:cNvPr id="8" name="Picture 7">
             <a:extLst>
               <a:ext uri="{FF2B5EF4-FFF2-40B4-BE49-F238E27FC236}">
-                <a16:creationId xmlns:a16="http://schemas.microsoft.com/office/drawing/2014/main" xmlns="" id="{7662B44C-6A46-4B39-A803-029A17AC978E}"/>
+                <a16:creationId xmlns="" xmlns:a16="http://schemas.microsoft.com/office/drawing/2014/main" id="{7662B44C-6A46-4B39-A803-029A17AC978E}"/>
               </a:ext>
             </a:extLst>
           </p:cNvPr>
@@ -10521,7 +8452,7 @@
           <p:cNvPr id="10" name="Picture 9">
             <a:extLst>
               <a:ext uri="{FF2B5EF4-FFF2-40B4-BE49-F238E27FC236}">
-                <a16:creationId xmlns:a16="http://schemas.microsoft.com/office/drawing/2014/main" xmlns="" id="{81B2DD31-0FA6-4BE5-9581-40AAF8BD4981}"/>
+                <a16:creationId xmlns="" xmlns:a16="http://schemas.microsoft.com/office/drawing/2014/main" id="{81B2DD31-0FA6-4BE5-9581-40AAF8BD4981}"/>
               </a:ext>
             </a:extLst>
           </p:cNvPr>
@@ -10557,7 +8488,7 @@
           <p:cNvPr id="12" name="Picture 11">
             <a:extLst>
               <a:ext uri="{FF2B5EF4-FFF2-40B4-BE49-F238E27FC236}">
-                <a16:creationId xmlns:a16="http://schemas.microsoft.com/office/drawing/2014/main" xmlns="" id="{033BAF52-C796-4C71-BE4E-49B54BE13A1E}"/>
+                <a16:creationId xmlns="" xmlns:a16="http://schemas.microsoft.com/office/drawing/2014/main" id="{033BAF52-C796-4C71-BE4E-49B54BE13A1E}"/>
               </a:ext>
             </a:extLst>
           </p:cNvPr>
@@ -10593,7 +8524,7 @@
           <p:cNvPr id="14" name="Picture 13">
             <a:extLst>
               <a:ext uri="{FF2B5EF4-FFF2-40B4-BE49-F238E27FC236}">
-                <a16:creationId xmlns:a16="http://schemas.microsoft.com/office/drawing/2014/main" xmlns="" id="{6B169CC5-0A6A-4C71-8594-95D0549B6C9C}"/>
+                <a16:creationId xmlns="" xmlns:a16="http://schemas.microsoft.com/office/drawing/2014/main" id="{6B169CC5-0A6A-4C71-8594-95D0549B6C9C}"/>
               </a:ext>
             </a:extLst>
           </p:cNvPr>
@@ -10629,7 +8560,7 @@
           <p:cNvPr id="16" name="Picture 15">
             <a:extLst>
               <a:ext uri="{FF2B5EF4-FFF2-40B4-BE49-F238E27FC236}">
-                <a16:creationId xmlns:a16="http://schemas.microsoft.com/office/drawing/2014/main" xmlns="" id="{7855567D-0E06-430B-97B7-4B8F5DE08B97}"/>
+                <a16:creationId xmlns="" xmlns:a16="http://schemas.microsoft.com/office/drawing/2014/main" id="{7855567D-0E06-430B-97B7-4B8F5DE08B97}"/>
               </a:ext>
             </a:extLst>
           </p:cNvPr>
@@ -10673,7 +8604,7 @@
 </p:sld>
 </file>
 
-<file path=ppt/slides/slide7.xml><?xml version="1.0" encoding="utf-8"?>
+<file path=ppt/slides/slide6.xml><?xml version="1.0" encoding="utf-8"?>
 <p:sld xmlns:a="http://schemas.openxmlformats.org/drawingml/2006/main" xmlns:r="http://schemas.openxmlformats.org/officeDocument/2006/relationships" xmlns:p="http://schemas.openxmlformats.org/presentationml/2006/main">
   <p:cSld>
     <p:spTree>
@@ -10695,7 +8626,7 @@
           <p:cNvPr id="2" name="Title 1">
             <a:extLst>
               <a:ext uri="{FF2B5EF4-FFF2-40B4-BE49-F238E27FC236}">
-                <a16:creationId xmlns:a16="http://schemas.microsoft.com/office/drawing/2014/main" xmlns="" id="{9F650DF2-26EB-471F-AF05-F5A6B3B33BDD}"/>
+                <a16:creationId xmlns="" xmlns:a16="http://schemas.microsoft.com/office/drawing/2014/main" id="{9F650DF2-26EB-471F-AF05-F5A6B3B33BDD}"/>
               </a:ext>
             </a:extLst>
           </p:cNvPr>
@@ -10779,25 +8710,6 @@
                 </a:solidFill>
               </a14:hiddenFill>
             </a:ext>
-            <a:ext uri="{91240B29-F687-4F45-9708-019B960494DF}">
-              <a14:hiddenLine xmlns:a14="http://schemas.microsoft.com/office/drawing/2010/main" w="9525">
-                <a:solidFill>
-                  <a:schemeClr val="tx1"/>
-                </a:solidFill>
-                <a:miter lim="800000"/>
-                <a:headEnd/>
-                <a:tailEnd/>
-              </a14:hiddenLine>
-            </a:ext>
-            <a:ext uri="{AF507438-7753-43E0-B8FC-AC1667EBCBE1}">
-              <a14:hiddenEffects xmlns:a14="http://schemas.microsoft.com/office/drawing/2010/main">
-                <a:effectLst>
-                  <a:outerShdw dist="35921" dir="2700000" algn="ctr" rotWithShape="0">
-                    <a:schemeClr val="bg2"/>
-                  </a:outerShdw>
-                </a:effectLst>
-              </a14:hiddenEffects>
-            </a:ext>
           </a:extLst>
         </p:spPr>
       </p:pic>
@@ -10806,7 +8718,7 @@
           <p:cNvPr id="8" name="Content Placeholder 2">
             <a:extLst>
               <a:ext uri="{FF2B5EF4-FFF2-40B4-BE49-F238E27FC236}">
-                <a16:creationId xmlns:a16="http://schemas.microsoft.com/office/drawing/2014/main" xmlns="" id="{A089B21F-9E1E-4CA7-8FEC-D0D19E33EBCD}"/>
+                <a16:creationId xmlns="" xmlns:a16="http://schemas.microsoft.com/office/drawing/2014/main" id="{A089B21F-9E1E-4CA7-8FEC-D0D19E33EBCD}"/>
               </a:ext>
             </a:extLst>
           </p:cNvPr>
@@ -11172,6 +9084,132 @@
 </p:sld>
 </file>
 
+<file path=ppt/slides/slide7.xml><?xml version="1.0" encoding="utf-8"?>
+<p:sld xmlns:a="http://schemas.openxmlformats.org/drawingml/2006/main" xmlns:r="http://schemas.openxmlformats.org/officeDocument/2006/relationships" xmlns:p="http://schemas.openxmlformats.org/presentationml/2006/main">
+  <p:cSld>
+    <p:spTree>
+      <p:nvGrpSpPr>
+        <p:cNvPr id="1" name=""/>
+        <p:cNvGrpSpPr/>
+        <p:nvPr/>
+      </p:nvGrpSpPr>
+      <p:grpSpPr>
+        <a:xfrm>
+          <a:off x="0" y="0"/>
+          <a:ext cx="0" cy="0"/>
+          <a:chOff x="0" y="0"/>
+          <a:chExt cx="0" cy="0"/>
+        </a:xfrm>
+      </p:grpSpPr>
+      <p:sp>
+        <p:nvSpPr>
+          <p:cNvPr id="2" name="Title 1">
+            <a:extLst>
+              <a:ext uri="{FF2B5EF4-FFF2-40B4-BE49-F238E27FC236}">
+                <a16:creationId xmlns="" xmlns:a16="http://schemas.microsoft.com/office/drawing/2014/main" id="{E2C09314-1752-424C-A261-905493BF0654}"/>
+              </a:ext>
+            </a:extLst>
+          </p:cNvPr>
+          <p:cNvSpPr>
+            <a:spLocks noGrp="1"/>
+          </p:cNvSpPr>
+          <p:nvPr>
+            <p:ph type="title"/>
+          </p:nvPr>
+        </p:nvSpPr>
+        <p:spPr/>
+        <p:txBody>
+          <a:bodyPr/>
+          <a:lstStyle/>
+          <a:p>
+            <a:r>
+              <a:rPr lang="en-IN" dirty="0"/>
+              <a:t>Solution</a:t>
+            </a:r>
+          </a:p>
+        </p:txBody>
+      </p:sp>
+      <p:sp>
+        <p:nvSpPr>
+          <p:cNvPr id="3" name="Content Placeholder 2">
+            <a:extLst>
+              <a:ext uri="{FF2B5EF4-FFF2-40B4-BE49-F238E27FC236}">
+                <a16:creationId xmlns="" xmlns:a16="http://schemas.microsoft.com/office/drawing/2014/main" id="{8DB31CDA-ACB5-4C32-AB72-CE56539EFD0B}"/>
+              </a:ext>
+            </a:extLst>
+          </p:cNvPr>
+          <p:cNvSpPr>
+            <a:spLocks noGrp="1"/>
+          </p:cNvSpPr>
+          <p:nvPr>
+            <p:ph idx="1"/>
+          </p:nvPr>
+        </p:nvSpPr>
+        <p:spPr>
+          <a:xfrm>
+            <a:off x="818712" y="2222287"/>
+            <a:ext cx="10554574" cy="4098614"/>
+          </a:xfrm>
+        </p:spPr>
+        <p:txBody>
+          <a:bodyPr>
+            <a:normAutofit/>
+          </a:bodyPr>
+          <a:lstStyle/>
+          <a:p>
+            <a:pPr marL="0" indent="0">
+              <a:buNone/>
+            </a:pPr>
+            <a:r>
+              <a:rPr lang="en-IN" sz="2400" dirty="0"/>
+              <a:t>More than 2 million people are at high risk of having heart attack.</a:t>
+            </a:r>
+          </a:p>
+          <a:p>
+            <a:pPr marL="0" indent="0">
+              <a:buNone/>
+            </a:pPr>
+            <a:endParaRPr lang="en-IN" sz="2400" dirty="0"/>
+          </a:p>
+          <a:p>
+            <a:pPr marL="0" indent="0">
+              <a:buNone/>
+            </a:pPr>
+            <a:r>
+              <a:rPr lang="en-IN" sz="2400" dirty="0"/>
+              <a:t>It  would be helpful if there is a way for these people to monitor their heart.</a:t>
+            </a:r>
+          </a:p>
+          <a:p>
+            <a:pPr marL="0" indent="0">
+              <a:buNone/>
+            </a:pPr>
+            <a:endParaRPr lang="en-IN" sz="2400" dirty="0"/>
+          </a:p>
+          <a:p>
+            <a:pPr marL="0" indent="0">
+              <a:buNone/>
+            </a:pPr>
+            <a:r>
+              <a:rPr lang="en-IN" sz="2400" dirty="0"/>
+              <a:t>We made a product that will notify the patient’s family members or authorities, who will take action.</a:t>
+            </a:r>
+          </a:p>
+        </p:txBody>
+      </p:sp>
+    </p:spTree>
+    <p:extLst>
+      <p:ext uri="{BB962C8B-B14F-4D97-AF65-F5344CB8AC3E}">
+        <p14:creationId xmlns:p14="http://schemas.microsoft.com/office/powerpoint/2010/main" val="3209004359"/>
+      </p:ext>
+    </p:extLst>
+  </p:cSld>
+  <p:clrMapOvr>
+    <a:masterClrMapping/>
+  </p:clrMapOvr>
+</p:sld>
+</file>
+
 <file path=ppt/slides/slide8.xml><?xml version="1.0" encoding="utf-8"?>
 <p:sld xmlns:a="http://schemas.openxmlformats.org/drawingml/2006/main" xmlns:r="http://schemas.openxmlformats.org/officeDocument/2006/relationships" xmlns:p="http://schemas.openxmlformats.org/presentationml/2006/main">
   <p:cSld>
@@ -11194,7 +9232,7 @@
           <p:cNvPr id="2" name="Title 1">
             <a:extLst>
               <a:ext uri="{FF2B5EF4-FFF2-40B4-BE49-F238E27FC236}">
-                <a16:creationId xmlns:a16="http://schemas.microsoft.com/office/drawing/2014/main" xmlns="" id="{E2C09314-1752-424C-A261-905493BF0654}"/>
+                <a16:creationId xmlns="" xmlns:a16="http://schemas.microsoft.com/office/drawing/2014/main" id="{F46F3B03-CAF5-4ABF-8EC3-CBE8C03F6BC7}"/>
               </a:ext>
             </a:extLst>
           </p:cNvPr>
@@ -11211,9 +9249,10 @@
           <a:lstStyle/>
           <a:p>
             <a:r>
-              <a:rPr lang="en-IN" dirty="0"/>
-              <a:t>Solution</a:t>
-            </a:r>
+              <a:rPr lang="en-IN" dirty="0" smtClean="0"/>
+              <a:t>Applications</a:t>
+            </a:r>
+            <a:endParaRPr lang="en-IN" dirty="0"/>
           </a:p>
         </p:txBody>
       </p:sp>
@@ -11222,7 +9261,7 @@
           <p:cNvPr id="3" name="Content Placeholder 2">
             <a:extLst>
               <a:ext uri="{FF2B5EF4-FFF2-40B4-BE49-F238E27FC236}">
-                <a16:creationId xmlns:a16="http://schemas.microsoft.com/office/drawing/2014/main" xmlns="" id="{8DB31CDA-ACB5-4C32-AB72-CE56539EFD0B}"/>
+                <a16:creationId xmlns="" xmlns:a16="http://schemas.microsoft.com/office/drawing/2014/main" id="{7FD4A706-7042-459F-87EC-28206A286808}"/>
               </a:ext>
             </a:extLst>
           </p:cNvPr>
@@ -11235,8 +9274,8 @@
         </p:nvSpPr>
         <p:spPr>
           <a:xfrm>
-            <a:off x="818712" y="2222287"/>
-            <a:ext cx="10554574" cy="4098614"/>
+            <a:off x="675588" y="1796995"/>
+            <a:ext cx="8714902" cy="2948621"/>
           </a:xfrm>
         </p:spPr>
         <p:txBody>
@@ -11245,50 +9284,36 @@
           </a:bodyPr>
           <a:lstStyle/>
           <a:p>
+            <a:r>
+              <a:rPr lang="en-IN" sz="2000" dirty="0" smtClean="0"/>
+              <a:t>Better and accurate device of measuring heart beat at any time.</a:t>
+            </a:r>
+          </a:p>
+          <a:p>
             <a:pPr marL="0" indent="0">
               <a:buNone/>
             </a:pPr>
             <a:r>
-              <a:rPr lang="en-IN" sz="2400" dirty="0"/>
-              <a:t>More than 2 million people are at high risk of having heart attack.</a:t>
+              <a:rPr lang="en-IN" sz="2000" dirty="0" smtClean="0"/>
+              <a:t>	- At homes</a:t>
             </a:r>
           </a:p>
           <a:p>
             <a:pPr marL="0" indent="0">
               <a:buNone/>
             </a:pPr>
-            <a:endParaRPr lang="en-IN" sz="2400" dirty="0"/>
-          </a:p>
-          <a:p>
-            <a:pPr marL="0" indent="0">
-              <a:buNone/>
-            </a:pPr>
-            <a:r>
-              <a:rPr lang="en-IN" sz="2400" dirty="0"/>
-              <a:t>It  would be helpful if there is a way for these people to monitor their heart.</a:t>
-            </a:r>
-          </a:p>
-          <a:p>
-            <a:pPr marL="0" indent="0">
-              <a:buNone/>
-            </a:pPr>
-            <a:endParaRPr lang="en-IN" sz="2400" dirty="0"/>
-          </a:p>
-          <a:p>
-            <a:pPr marL="0" indent="0">
-              <a:buNone/>
-            </a:pPr>
-            <a:r>
-              <a:rPr lang="en-IN" sz="2400" dirty="0"/>
-              <a:t>We made a product that will notify the patient’s family members or authorities, who will take action.</a:t>
-            </a:r>
+            <a:r>
+              <a:rPr lang="en-IN" sz="2000" dirty="0" smtClean="0"/>
+              <a:t>	- Hospitals </a:t>
+            </a:r>
+            <a:endParaRPr lang="en-IN" sz="2000" dirty="0"/>
           </a:p>
         </p:txBody>
       </p:sp>
     </p:spTree>
     <p:extLst>
       <p:ext uri="{BB962C8B-B14F-4D97-AF65-F5344CB8AC3E}">
-        <p14:creationId xmlns:p14="http://schemas.microsoft.com/office/powerpoint/2010/main" val="3209004359"/>
+        <p14:creationId xmlns:p14="http://schemas.microsoft.com/office/powerpoint/2010/main" val="4289768148"/>
       </p:ext>
     </p:extLst>
   </p:cSld>
@@ -11320,7 +9345,7 @@
           <p:cNvPr id="2" name="Title 1">
             <a:extLst>
               <a:ext uri="{FF2B5EF4-FFF2-40B4-BE49-F238E27FC236}">
-                <a16:creationId xmlns:a16="http://schemas.microsoft.com/office/drawing/2014/main" xmlns="" id="{F46F3B03-CAF5-4ABF-8EC3-CBE8C03F6BC7}"/>
+                <a16:creationId xmlns="" xmlns:a16="http://schemas.microsoft.com/office/drawing/2014/main" id="{C55E1479-5319-48D6-BD92-C209AD84DF81}"/>
               </a:ext>
             </a:extLst>
           </p:cNvPr>
@@ -11337,10 +9362,9 @@
           <a:lstStyle/>
           <a:p>
             <a:r>
-              <a:rPr lang="en-IN" dirty="0" smtClean="0"/>
-              <a:t>Applications</a:t>
-            </a:r>
-            <a:endParaRPr lang="en-IN" dirty="0"/>
+              <a:rPr lang="en-IN" dirty="0"/>
+              <a:t>CONCLUSION</a:t>
+            </a:r>
           </a:p>
         </p:txBody>
       </p:sp>
@@ -11349,7 +9373,7 @@
           <p:cNvPr id="3" name="Content Placeholder 2">
             <a:extLst>
               <a:ext uri="{FF2B5EF4-FFF2-40B4-BE49-F238E27FC236}">
-                <a16:creationId xmlns:a16="http://schemas.microsoft.com/office/drawing/2014/main" xmlns="" id="{7FD4A706-7042-459F-87EC-28206A286808}"/>
+                <a16:creationId xmlns="" xmlns:a16="http://schemas.microsoft.com/office/drawing/2014/main" id="{D26320F7-4996-4E6B-844C-C6E14FBED3EE}"/>
               </a:ext>
             </a:extLst>
           </p:cNvPr>
@@ -11362,8 +9386,8 @@
         </p:nvSpPr>
         <p:spPr>
           <a:xfrm>
-            <a:off x="675588" y="1796995"/>
-            <a:ext cx="8714902" cy="2948621"/>
+            <a:off x="635833" y="1900361"/>
+            <a:ext cx="8237823" cy="2751151"/>
           </a:xfrm>
         </p:spPr>
         <p:txBody>
@@ -11372,36 +9396,87 @@
           </a:bodyPr>
           <a:lstStyle/>
           <a:p>
+            <a:pPr>
+              <a:lnSpc>
+                <a:spcPct val="150000"/>
+              </a:lnSpc>
+            </a:pPr>
             <a:r>
               <a:rPr lang="en-IN" sz="2000" dirty="0" smtClean="0"/>
-              <a:t>Better and accurate device of measuring heart beat at any time.</a:t>
-            </a:r>
-          </a:p>
-          <a:p>
-            <a:pPr marL="0" indent="0">
-              <a:buNone/>
-            </a:pPr>
-            <a:r>
-              <a:rPr lang="en-IN" sz="2000" dirty="0" smtClean="0"/>
-              <a:t>	- At homes</a:t>
-            </a:r>
-          </a:p>
-          <a:p>
-            <a:pPr marL="0" indent="0">
-              <a:buNone/>
-            </a:pPr>
-            <a:r>
-              <a:rPr lang="en-IN" sz="2000" dirty="0" smtClean="0"/>
-              <a:t>	- Hospitals </a:t>
+              <a:t>Our device  low cost, quick and effective solution for the heart patients in emergency situations.</a:t>
             </a:r>
             <a:endParaRPr lang="en-IN" sz="2000" dirty="0"/>
           </a:p>
         </p:txBody>
       </p:sp>
+      <p:pic>
+        <p:nvPicPr>
+          <p:cNvPr id="2050" name="Picture 2"/>
+          <p:cNvPicPr>
+            <a:picLocks noChangeAspect="1" noChangeArrowheads="1"/>
+          </p:cNvPicPr>
+          <p:nvPr/>
+        </p:nvPicPr>
+        <p:blipFill>
+          <a:blip r:embed="rId2">
+            <a:extLst>
+              <a:ext uri="{28A0092B-C50C-407E-A947-70E740481C1C}">
+                <a14:useLocalDpi xmlns:a14="http://schemas.microsoft.com/office/drawing/2010/main" val="0"/>
+              </a:ext>
+            </a:extLst>
+          </a:blip>
+          <a:srcRect/>
+          <a:stretch>
+            <a:fillRect/>
+          </a:stretch>
+        </p:blipFill>
+        <p:spPr bwMode="auto">
+          <a:xfrm>
+            <a:off x="8437411" y="4110162"/>
+            <a:ext cx="2272996" cy="2272996"/>
+          </a:xfrm>
+          <a:prstGeom prst="rect">
+            <a:avLst/>
+          </a:prstGeom>
+          <a:noFill/>
+          <a:ln>
+            <a:noFill/>
+          </a:ln>
+          <a:effectLst/>
+          <a:extLst>
+            <a:ext uri="{909E8E84-426E-40DD-AFC4-6F175D3DCCD1}">
+              <a14:hiddenFill xmlns:a14="http://schemas.microsoft.com/office/drawing/2010/main">
+                <a:solidFill>
+                  <a:schemeClr val="accent1"/>
+                </a:solidFill>
+              </a14:hiddenFill>
+            </a:ext>
+            <a:ext uri="{91240B29-F687-4F45-9708-019B960494DF}">
+              <a14:hiddenLine xmlns:a14="http://schemas.microsoft.com/office/drawing/2010/main" w="9525">
+                <a:solidFill>
+                  <a:schemeClr val="tx1"/>
+                </a:solidFill>
+                <a:miter lim="800000"/>
+                <a:headEnd/>
+                <a:tailEnd/>
+              </a14:hiddenLine>
+            </a:ext>
+            <a:ext uri="{AF507438-7753-43E0-B8FC-AC1667EBCBE1}">
+              <a14:hiddenEffects xmlns:a14="http://schemas.microsoft.com/office/drawing/2010/main">
+                <a:effectLst>
+                  <a:outerShdw dist="35921" dir="2700000" algn="ctr" rotWithShape="0">
+                    <a:schemeClr val="bg2"/>
+                  </a:outerShdw>
+                </a:effectLst>
+              </a14:hiddenEffects>
+            </a:ext>
+          </a:extLst>
+        </p:spPr>
+      </p:pic>
     </p:spTree>
     <p:extLst>
       <p:ext uri="{BB962C8B-B14F-4D97-AF65-F5344CB8AC3E}">
-        <p14:creationId xmlns:p14="http://schemas.microsoft.com/office/powerpoint/2010/main" val="4289768148"/>
+        <p14:creationId xmlns:p14="http://schemas.microsoft.com/office/powerpoint/2010/main" val="1660470809"/>
       </p:ext>
     </p:extLst>
   </p:cSld>
@@ -11642,7 +9717,7 @@
   <a:extraClrSchemeLst/>
   <a:extLst>
     <a:ext uri="{05A4C25C-085E-4340-85A3-A5531E510DB2}">
-      <thm15:themeFamily xmlns:thm15="http://schemas.microsoft.com/office/thememl/2012/main" xmlns="" name="Quotable" id="{39EC5628-30ED-4578-ACD8-9820EDB8E15A}" vid="{6F3559E9-1A4C-49D8-94D4-F41003531C49}"/>
+      <thm15:themeFamily xmlns="" xmlns:thm15="http://schemas.microsoft.com/office/thememl/2012/main" name="Quotable" id="{39EC5628-30ED-4578-ACD8-9820EDB8E15A}" vid="{6F3559E9-1A4C-49D8-94D4-F41003531C49}"/>
     </a:ext>
   </a:extLst>
 </a:theme>
